--- a/7.pptx
+++ b/7.pptx
@@ -21,30 +21,30 @@
     <p:sldId id="299" r:id="rId15"/>
     <p:sldId id="300" r:id="rId16"/>
     <p:sldId id="301" r:id="rId17"/>
-    <p:sldId id="302" r:id="rId18"/>
-    <p:sldId id="303" r:id="rId19"/>
-    <p:sldId id="304" r:id="rId20"/>
-    <p:sldId id="305" r:id="rId21"/>
-    <p:sldId id="306" r:id="rId22"/>
-    <p:sldId id="310" r:id="rId23"/>
-    <p:sldId id="311" r:id="rId24"/>
-    <p:sldId id="312" r:id="rId25"/>
-    <p:sldId id="313" r:id="rId26"/>
-    <p:sldId id="314" r:id="rId27"/>
-    <p:sldId id="315" r:id="rId28"/>
-    <p:sldId id="316" r:id="rId29"/>
-    <p:sldId id="317" r:id="rId30"/>
-    <p:sldId id="318" r:id="rId31"/>
-    <p:sldId id="319" r:id="rId32"/>
-    <p:sldId id="320" r:id="rId33"/>
-    <p:sldId id="321" r:id="rId34"/>
-    <p:sldId id="322" r:id="rId35"/>
-    <p:sldId id="323" r:id="rId36"/>
-    <p:sldId id="324" r:id="rId37"/>
-    <p:sldId id="325" r:id="rId38"/>
-    <p:sldId id="326" r:id="rId39"/>
-    <p:sldId id="327" r:id="rId40"/>
-    <p:sldId id="328" r:id="rId41"/>
+    <p:sldId id="303" r:id="rId18"/>
+    <p:sldId id="304" r:id="rId19"/>
+    <p:sldId id="305" r:id="rId20"/>
+    <p:sldId id="306" r:id="rId21"/>
+    <p:sldId id="310" r:id="rId22"/>
+    <p:sldId id="311" r:id="rId23"/>
+    <p:sldId id="312" r:id="rId24"/>
+    <p:sldId id="313" r:id="rId25"/>
+    <p:sldId id="314" r:id="rId26"/>
+    <p:sldId id="315" r:id="rId27"/>
+    <p:sldId id="316" r:id="rId28"/>
+    <p:sldId id="317" r:id="rId29"/>
+    <p:sldId id="318" r:id="rId30"/>
+    <p:sldId id="319" r:id="rId31"/>
+    <p:sldId id="320" r:id="rId32"/>
+    <p:sldId id="321" r:id="rId33"/>
+    <p:sldId id="322" r:id="rId34"/>
+    <p:sldId id="323" r:id="rId35"/>
+    <p:sldId id="324" r:id="rId36"/>
+    <p:sldId id="325" r:id="rId37"/>
+    <p:sldId id="326" r:id="rId38"/>
+    <p:sldId id="327" r:id="rId39"/>
+    <p:sldId id="328" r:id="rId40"/>
+    <p:sldId id="334" r:id="rId41"/>
     <p:sldId id="287" r:id="rId42"/>
     <p:sldId id="330" r:id="rId43"/>
     <p:sldId id="329" r:id="rId44"/>
@@ -199,13 +199,361 @@
 <p1510:revInfo xmlns:a="http://schemas.openxmlformats.org/drawingml/2006/main" xmlns:r="http://schemas.openxmlformats.org/officeDocument/2006/relationships" xmlns:p1510="http://schemas.microsoft.com/office/powerpoint/2015/10/main">
   <p1510:revLst>
     <p1510:client id="{1BAE695E-C54D-4392-9231-4F9EA8E37782}" v="494" dt="2020-11-18T14:31:31.391"/>
+    <p1510:client id="{3403D693-BA23-4D8D-8011-E21FCAA1F679}" v="7" dt="2020-11-19T05:00:37.808"/>
+    <p1510:client id="{597F98D9-F366-416D-BE01-4B2F1BE4A341}" v="2" dt="2020-11-19T02:41:02.430"/>
     <p1510:client id="{C15B37AE-E1E8-473E-9E22-DF26D4473F9C}" v="36" dt="2020-11-18T05:20:08.476"/>
+    <p1510:client id="{C562CDEE-9F6D-49E5-93C5-83603A40EEBA}" v="1041" dt="2020-11-19T05:28:07.032"/>
   </p1510:revLst>
 </p1510:revInfo>
 </file>
 
 <file path=ppt/changesInfos/changesInfo1.xml><?xml version="1.0" encoding="utf-8"?>
 <pc:chgInfo xmlns:a="http://schemas.openxmlformats.org/drawingml/2006/main" xmlns:r="http://schemas.openxmlformats.org/officeDocument/2006/relationships" xmlns:ac="http://schemas.microsoft.com/office/drawing/2013/main/command" xmlns:pc="http://schemas.microsoft.com/office/powerpoint/2013/main/command">
+  <pc:docChgLst>
+    <pc:chgData name="HEM CHANDRA JOSHI" userId="S::hc_joshi@cs.iitr.ac.in::15a5c9ce-03f3-4c1c-ba26-1d4bdf9c6def" providerId="AD" clId="Web-{3403D693-BA23-4D8D-8011-E21FCAA1F679}"/>
+    <pc:docChg chg="modSld">
+      <pc:chgData name="HEM CHANDRA JOSHI" userId="S::hc_joshi@cs.iitr.ac.in::15a5c9ce-03f3-4c1c-ba26-1d4bdf9c6def" providerId="AD" clId="Web-{3403D693-BA23-4D8D-8011-E21FCAA1F679}" dt="2020-11-19T05:00:37.808" v="4" actId="20577"/>
+      <pc:docMkLst>
+        <pc:docMk/>
+      </pc:docMkLst>
+      <pc:sldChg chg="modSp">
+        <pc:chgData name="HEM CHANDRA JOSHI" userId="S::hc_joshi@cs.iitr.ac.in::15a5c9ce-03f3-4c1c-ba26-1d4bdf9c6def" providerId="AD" clId="Web-{3403D693-BA23-4D8D-8011-E21FCAA1F679}" dt="2020-11-19T04:54:22.830" v="2" actId="20577"/>
+        <pc:sldMkLst>
+          <pc:docMk/>
+          <pc:sldMk cId="2696701464" sldId="323"/>
+        </pc:sldMkLst>
+        <pc:spChg chg="mod">
+          <ac:chgData name="HEM CHANDRA JOSHI" userId="S::hc_joshi@cs.iitr.ac.in::15a5c9ce-03f3-4c1c-ba26-1d4bdf9c6def" providerId="AD" clId="Web-{3403D693-BA23-4D8D-8011-E21FCAA1F679}" dt="2020-11-19T04:54:22.830" v="2" actId="20577"/>
+          <ac:spMkLst>
+            <pc:docMk/>
+            <pc:sldMk cId="2696701464" sldId="323"/>
+            <ac:spMk id="3" creationId="{C2E076B3-A379-F24A-B3FA-57488ED4C8C6}"/>
+          </ac:spMkLst>
+        </pc:spChg>
+      </pc:sldChg>
+      <pc:sldChg chg="modSp">
+        <pc:chgData name="HEM CHANDRA JOSHI" userId="S::hc_joshi@cs.iitr.ac.in::15a5c9ce-03f3-4c1c-ba26-1d4bdf9c6def" providerId="AD" clId="Web-{3403D693-BA23-4D8D-8011-E21FCAA1F679}" dt="2020-11-19T05:00:37.808" v="4" actId="20577"/>
+        <pc:sldMkLst>
+          <pc:docMk/>
+          <pc:sldMk cId="2608311840" sldId="327"/>
+        </pc:sldMkLst>
+        <pc:spChg chg="mod">
+          <ac:chgData name="HEM CHANDRA JOSHI" userId="S::hc_joshi@cs.iitr.ac.in::15a5c9ce-03f3-4c1c-ba26-1d4bdf9c6def" providerId="AD" clId="Web-{3403D693-BA23-4D8D-8011-E21FCAA1F679}" dt="2020-11-19T05:00:37.808" v="4" actId="20577"/>
+          <ac:spMkLst>
+            <pc:docMk/>
+            <pc:sldMk cId="2608311840" sldId="327"/>
+            <ac:spMk id="3" creationId="{EEFE4231-F3A7-7E4F-A190-27BB88315A04}"/>
+          </ac:spMkLst>
+        </pc:spChg>
+      </pc:sldChg>
+    </pc:docChg>
+  </pc:docChgLst>
+  <pc:docChgLst>
+    <pc:chgData name="GAURAV Kumar" userId="S::gaurav_k@cs.iitr.ac.in::ce27c70f-1bfc-408c-ab41-e31f95981e91" providerId="AD" clId="Web-{C562CDEE-9F6D-49E5-93C5-83603A40EEBA}"/>
+    <pc:docChg chg="addSld delSld modSld">
+      <pc:chgData name="GAURAV Kumar" userId="S::gaurav_k@cs.iitr.ac.in::ce27c70f-1bfc-408c-ab41-e31f95981e91" providerId="AD" clId="Web-{C562CDEE-9F6D-49E5-93C5-83603A40EEBA}" dt="2020-11-19T05:28:07.032" v="1023" actId="20577"/>
+      <pc:docMkLst>
+        <pc:docMk/>
+      </pc:docMkLst>
+      <pc:sldChg chg="modSp">
+        <pc:chgData name="GAURAV Kumar" userId="S::gaurav_k@cs.iitr.ac.in::ce27c70f-1bfc-408c-ab41-e31f95981e91" providerId="AD" clId="Web-{C562CDEE-9F6D-49E5-93C5-83603A40EEBA}" dt="2020-11-19T05:06:18.130" v="2" actId="20577"/>
+        <pc:sldMkLst>
+          <pc:docMk/>
+          <pc:sldMk cId="3488126482" sldId="295"/>
+        </pc:sldMkLst>
+        <pc:spChg chg="mod">
+          <ac:chgData name="GAURAV Kumar" userId="S::gaurav_k@cs.iitr.ac.in::ce27c70f-1bfc-408c-ab41-e31f95981e91" providerId="AD" clId="Web-{C562CDEE-9F6D-49E5-93C5-83603A40EEBA}" dt="2020-11-19T05:06:18.130" v="2" actId="20577"/>
+          <ac:spMkLst>
+            <pc:docMk/>
+            <pc:sldMk cId="3488126482" sldId="295"/>
+            <ac:spMk id="2" creationId="{00000000-0000-0000-0000-000000000000}"/>
+          </ac:spMkLst>
+        </pc:spChg>
+      </pc:sldChg>
+      <pc:sldChg chg="addSp modSp">
+        <pc:chgData name="GAURAV Kumar" userId="S::gaurav_k@cs.iitr.ac.in::ce27c70f-1bfc-408c-ab41-e31f95981e91" providerId="AD" clId="Web-{C562CDEE-9F6D-49E5-93C5-83603A40EEBA}" dt="2020-11-19T05:10:07.447" v="276" actId="20577"/>
+        <pc:sldMkLst>
+          <pc:docMk/>
+          <pc:sldMk cId="46850428" sldId="299"/>
+        </pc:sldMkLst>
+        <pc:spChg chg="add mod">
+          <ac:chgData name="GAURAV Kumar" userId="S::gaurav_k@cs.iitr.ac.in::ce27c70f-1bfc-408c-ab41-e31f95981e91" providerId="AD" clId="Web-{C562CDEE-9F6D-49E5-93C5-83603A40EEBA}" dt="2020-11-19T05:10:07.447" v="276" actId="20577"/>
+          <ac:spMkLst>
+            <pc:docMk/>
+            <pc:sldMk cId="46850428" sldId="299"/>
+            <ac:spMk id="4" creationId="{2567D0EC-DB32-4ABF-B0A7-C9E56231013F}"/>
+          </ac:spMkLst>
+        </pc:spChg>
+      </pc:sldChg>
+      <pc:sldChg chg="addSp delSp modSp">
+        <pc:chgData name="GAURAV Kumar" userId="S::gaurav_k@cs.iitr.ac.in::ce27c70f-1bfc-408c-ab41-e31f95981e91" providerId="AD" clId="Web-{C562CDEE-9F6D-49E5-93C5-83603A40EEBA}" dt="2020-11-19T05:11:58.402" v="371" actId="20577"/>
+        <pc:sldMkLst>
+          <pc:docMk/>
+          <pc:sldMk cId="65780709" sldId="300"/>
+        </pc:sldMkLst>
+        <pc:spChg chg="mod">
+          <ac:chgData name="GAURAV Kumar" userId="S::gaurav_k@cs.iitr.ac.in::ce27c70f-1bfc-408c-ab41-e31f95981e91" providerId="AD" clId="Web-{C562CDEE-9F6D-49E5-93C5-83603A40EEBA}" dt="2020-11-19T05:11:58.402" v="371" actId="20577"/>
+          <ac:spMkLst>
+            <pc:docMk/>
+            <pc:sldMk cId="65780709" sldId="300"/>
+            <ac:spMk id="3" creationId="{5392993C-6CB3-4F27-9E6D-CFA7F64190BD}"/>
+          </ac:spMkLst>
+        </pc:spChg>
+        <pc:spChg chg="add del mod">
+          <ac:chgData name="GAURAV Kumar" userId="S::gaurav_k@cs.iitr.ac.in::ce27c70f-1bfc-408c-ab41-e31f95981e91" providerId="AD" clId="Web-{C562CDEE-9F6D-49E5-93C5-83603A40EEBA}" dt="2020-11-19T05:11:13.261" v="297"/>
+          <ac:spMkLst>
+            <pc:docMk/>
+            <pc:sldMk cId="65780709" sldId="300"/>
+            <ac:spMk id="4" creationId="{EAA72F82-ECA8-4D7B-8CE6-387D3D0A0CB5}"/>
+          </ac:spMkLst>
+        </pc:spChg>
+      </pc:sldChg>
+      <pc:sldChg chg="modSp">
+        <pc:chgData name="GAURAV Kumar" userId="S::gaurav_k@cs.iitr.ac.in::ce27c70f-1bfc-408c-ab41-e31f95981e91" providerId="AD" clId="Web-{C562CDEE-9F6D-49E5-93C5-83603A40EEBA}" dt="2020-11-19T05:15:19.235" v="419" actId="20577"/>
+        <pc:sldMkLst>
+          <pc:docMk/>
+          <pc:sldMk cId="4242289373" sldId="301"/>
+        </pc:sldMkLst>
+        <pc:spChg chg="mod">
+          <ac:chgData name="GAURAV Kumar" userId="S::gaurav_k@cs.iitr.ac.in::ce27c70f-1bfc-408c-ab41-e31f95981e91" providerId="AD" clId="Web-{C562CDEE-9F6D-49E5-93C5-83603A40EEBA}" dt="2020-11-19T05:15:19.235" v="419" actId="20577"/>
+          <ac:spMkLst>
+            <pc:docMk/>
+            <pc:sldMk cId="4242289373" sldId="301"/>
+            <ac:spMk id="2" creationId="{A1288BC5-4215-41A9-A2D6-75FFB4F16D31}"/>
+          </ac:spMkLst>
+        </pc:spChg>
+      </pc:sldChg>
+      <pc:sldChg chg="del">
+        <pc:chgData name="GAURAV Kumar" userId="S::gaurav_k@cs.iitr.ac.in::ce27c70f-1bfc-408c-ab41-e31f95981e91" providerId="AD" clId="Web-{C562CDEE-9F6D-49E5-93C5-83603A40EEBA}" dt="2020-11-19T05:14:04.468" v="396"/>
+        <pc:sldMkLst>
+          <pc:docMk/>
+          <pc:sldMk cId="1358467198" sldId="302"/>
+        </pc:sldMkLst>
+      </pc:sldChg>
+      <pc:sldChg chg="modSp">
+        <pc:chgData name="GAURAV Kumar" userId="S::gaurav_k@cs.iitr.ac.in::ce27c70f-1bfc-408c-ab41-e31f95981e91" providerId="AD" clId="Web-{C562CDEE-9F6D-49E5-93C5-83603A40EEBA}" dt="2020-11-19T05:13:25.811" v="395" actId="20577"/>
+        <pc:sldMkLst>
+          <pc:docMk/>
+          <pc:sldMk cId="169008300" sldId="303"/>
+        </pc:sldMkLst>
+        <pc:spChg chg="mod">
+          <ac:chgData name="GAURAV Kumar" userId="S::gaurav_k@cs.iitr.ac.in::ce27c70f-1bfc-408c-ab41-e31f95981e91" providerId="AD" clId="Web-{C562CDEE-9F6D-49E5-93C5-83603A40EEBA}" dt="2020-11-19T05:13:25.811" v="395" actId="20577"/>
+          <ac:spMkLst>
+            <pc:docMk/>
+            <pc:sldMk cId="169008300" sldId="303"/>
+            <ac:spMk id="3" creationId="{C7F53897-FC51-4402-9F46-6CC56E1A1C7C}"/>
+          </ac:spMkLst>
+        </pc:spChg>
+      </pc:sldChg>
+      <pc:sldChg chg="addSp delSp modSp">
+        <pc:chgData name="GAURAV Kumar" userId="S::gaurav_k@cs.iitr.ac.in::ce27c70f-1bfc-408c-ab41-e31f95981e91" providerId="AD" clId="Web-{C562CDEE-9F6D-49E5-93C5-83603A40EEBA}" dt="2020-11-19T05:16:54.659" v="531" actId="20577"/>
+        <pc:sldMkLst>
+          <pc:docMk/>
+          <pc:sldMk cId="2440793797" sldId="305"/>
+        </pc:sldMkLst>
+        <pc:spChg chg="mod">
+          <ac:chgData name="GAURAV Kumar" userId="S::gaurav_k@cs.iitr.ac.in::ce27c70f-1bfc-408c-ab41-e31f95981e91" providerId="AD" clId="Web-{C562CDEE-9F6D-49E5-93C5-83603A40EEBA}" dt="2020-11-19T05:16:54.659" v="531" actId="20577"/>
+          <ac:spMkLst>
+            <pc:docMk/>
+            <pc:sldMk cId="2440793797" sldId="305"/>
+            <ac:spMk id="3" creationId="{0FA043F3-88FC-48D3-B016-F6337A428FD2}"/>
+          </ac:spMkLst>
+        </pc:spChg>
+        <pc:spChg chg="add del mod">
+          <ac:chgData name="GAURAV Kumar" userId="S::gaurav_k@cs.iitr.ac.in::ce27c70f-1bfc-408c-ab41-e31f95981e91" providerId="AD" clId="Web-{C562CDEE-9F6D-49E5-93C5-83603A40EEBA}" dt="2020-11-19T05:15:53.892" v="423"/>
+          <ac:spMkLst>
+            <pc:docMk/>
+            <pc:sldMk cId="2440793797" sldId="305"/>
+            <ac:spMk id="4" creationId="{02A231F4-DE63-4DF4-8479-0445308376DF}"/>
+          </ac:spMkLst>
+        </pc:spChg>
+      </pc:sldChg>
+      <pc:sldChg chg="modSp">
+        <pc:chgData name="GAURAV Kumar" userId="S::gaurav_k@cs.iitr.ac.in::ce27c70f-1bfc-408c-ab41-e31f95981e91" providerId="AD" clId="Web-{C562CDEE-9F6D-49E5-93C5-83603A40EEBA}" dt="2020-11-19T05:20:58.211" v="821" actId="20577"/>
+        <pc:sldMkLst>
+          <pc:docMk/>
+          <pc:sldMk cId="2184288316" sldId="306"/>
+        </pc:sldMkLst>
+        <pc:spChg chg="mod">
+          <ac:chgData name="GAURAV Kumar" userId="S::gaurav_k@cs.iitr.ac.in::ce27c70f-1bfc-408c-ab41-e31f95981e91" providerId="AD" clId="Web-{C562CDEE-9F6D-49E5-93C5-83603A40EEBA}" dt="2020-11-19T05:20:58.211" v="821" actId="20577"/>
+          <ac:spMkLst>
+            <pc:docMk/>
+            <pc:sldMk cId="2184288316" sldId="306"/>
+            <ac:spMk id="3" creationId="{3195CBA9-D844-5E42-8A71-CD812D3F04EA}"/>
+          </ac:spMkLst>
+        </pc:spChg>
+      </pc:sldChg>
+      <pc:sldChg chg="addSp delSp modSp">
+        <pc:chgData name="GAURAV Kumar" userId="S::gaurav_k@cs.iitr.ac.in::ce27c70f-1bfc-408c-ab41-e31f95981e91" providerId="AD" clId="Web-{C562CDEE-9F6D-49E5-93C5-83603A40EEBA}" dt="2020-11-19T05:23:24.792" v="878" actId="14100"/>
+        <pc:sldMkLst>
+          <pc:docMk/>
+          <pc:sldMk cId="540996305" sldId="313"/>
+        </pc:sldMkLst>
+        <pc:spChg chg="mod">
+          <ac:chgData name="GAURAV Kumar" userId="S::gaurav_k@cs.iitr.ac.in::ce27c70f-1bfc-408c-ab41-e31f95981e91" providerId="AD" clId="Web-{C562CDEE-9F6D-49E5-93C5-83603A40EEBA}" dt="2020-11-19T05:23:24.792" v="878" actId="14100"/>
+          <ac:spMkLst>
+            <pc:docMk/>
+            <pc:sldMk cId="540996305" sldId="313"/>
+            <ac:spMk id="3" creationId="{1D2D3FA0-8A43-6640-BAE7-BDA734104379}"/>
+          </ac:spMkLst>
+        </pc:spChg>
+        <pc:spChg chg="add del mod">
+          <ac:chgData name="GAURAV Kumar" userId="S::gaurav_k@cs.iitr.ac.in::ce27c70f-1bfc-408c-ab41-e31f95981e91" providerId="AD" clId="Web-{C562CDEE-9F6D-49E5-93C5-83603A40EEBA}" dt="2020-11-19T05:21:31.055" v="830"/>
+          <ac:spMkLst>
+            <pc:docMk/>
+            <pc:sldMk cId="540996305" sldId="313"/>
+            <ac:spMk id="4" creationId="{226BE65A-0AFC-4305-910A-062E80033798}"/>
+          </ac:spMkLst>
+        </pc:spChg>
+      </pc:sldChg>
+      <pc:sldChg chg="modSp">
+        <pc:chgData name="GAURAV Kumar" userId="S::gaurav_k@cs.iitr.ac.in::ce27c70f-1bfc-408c-ab41-e31f95981e91" providerId="AD" clId="Web-{C562CDEE-9F6D-49E5-93C5-83603A40EEBA}" dt="2020-11-19T05:24:53.481" v="922" actId="1076"/>
+        <pc:sldMkLst>
+          <pc:docMk/>
+          <pc:sldMk cId="752441556" sldId="315"/>
+        </pc:sldMkLst>
+        <pc:spChg chg="mod">
+          <ac:chgData name="GAURAV Kumar" userId="S::gaurav_k@cs.iitr.ac.in::ce27c70f-1bfc-408c-ab41-e31f95981e91" providerId="AD" clId="Web-{C562CDEE-9F6D-49E5-93C5-83603A40EEBA}" dt="2020-11-19T05:24:50.778" v="921" actId="14100"/>
+          <ac:spMkLst>
+            <pc:docMk/>
+            <pc:sldMk cId="752441556" sldId="315"/>
+            <ac:spMk id="2" creationId="{0872B982-C4D9-2E44-ABAC-16940E2EA360}"/>
+          </ac:spMkLst>
+        </pc:spChg>
+        <pc:picChg chg="mod">
+          <ac:chgData name="GAURAV Kumar" userId="S::gaurav_k@cs.iitr.ac.in::ce27c70f-1bfc-408c-ab41-e31f95981e91" providerId="AD" clId="Web-{C562CDEE-9F6D-49E5-93C5-83603A40EEBA}" dt="2020-11-19T05:24:53.481" v="922" actId="1076"/>
+          <ac:picMkLst>
+            <pc:docMk/>
+            <pc:sldMk cId="752441556" sldId="315"/>
+            <ac:picMk id="3" creationId="{CB895ADD-1428-4641-A67F-7A9382C0EBD5}"/>
+          </ac:picMkLst>
+        </pc:picChg>
+      </pc:sldChg>
+      <pc:sldChg chg="addSp modSp">
+        <pc:chgData name="GAURAV Kumar" userId="S::gaurav_k@cs.iitr.ac.in::ce27c70f-1bfc-408c-ab41-e31f95981e91" providerId="AD" clId="Web-{C562CDEE-9F6D-49E5-93C5-83603A40EEBA}" dt="2020-11-19T05:25:31.295" v="933" actId="1076"/>
+        <pc:sldMkLst>
+          <pc:docMk/>
+          <pc:sldMk cId="809326633" sldId="317"/>
+        </pc:sldMkLst>
+        <pc:spChg chg="mod">
+          <ac:chgData name="GAURAV Kumar" userId="S::gaurav_k@cs.iitr.ac.in::ce27c70f-1bfc-408c-ab41-e31f95981e91" providerId="AD" clId="Web-{C562CDEE-9F6D-49E5-93C5-83603A40EEBA}" dt="2020-11-19T05:25:17.138" v="926" actId="20577"/>
+          <ac:spMkLst>
+            <pc:docMk/>
+            <pc:sldMk cId="809326633" sldId="317"/>
+            <ac:spMk id="2" creationId="{C24F3A9A-CC10-8D4E-862D-1235DF1DB9A4}"/>
+          </ac:spMkLst>
+        </pc:spChg>
+        <pc:spChg chg="add mod">
+          <ac:chgData name="GAURAV Kumar" userId="S::gaurav_k@cs.iitr.ac.in::ce27c70f-1bfc-408c-ab41-e31f95981e91" providerId="AD" clId="Web-{C562CDEE-9F6D-49E5-93C5-83603A40EEBA}" dt="2020-11-19T05:25:27.841" v="932" actId="20577"/>
+          <ac:spMkLst>
+            <pc:docMk/>
+            <pc:sldMk cId="809326633" sldId="317"/>
+            <ac:spMk id="5" creationId="{9C4DF89D-3364-4F9E-9058-6D6D57FA6214}"/>
+          </ac:spMkLst>
+        </pc:spChg>
+        <pc:picChg chg="mod">
+          <ac:chgData name="GAURAV Kumar" userId="S::gaurav_k@cs.iitr.ac.in::ce27c70f-1bfc-408c-ab41-e31f95981e91" providerId="AD" clId="Web-{C562CDEE-9F6D-49E5-93C5-83603A40EEBA}" dt="2020-11-19T05:25:31.295" v="933" actId="1076"/>
+          <ac:picMkLst>
+            <pc:docMk/>
+            <pc:sldMk cId="809326633" sldId="317"/>
+            <ac:picMk id="3" creationId="{3DC94239-300D-984F-AB3E-E00CEE66FE21}"/>
+          </ac:picMkLst>
+        </pc:picChg>
+      </pc:sldChg>
+      <pc:sldChg chg="addSp modSp">
+        <pc:chgData name="GAURAV Kumar" userId="S::gaurav_k@cs.iitr.ac.in::ce27c70f-1bfc-408c-ab41-e31f95981e91" providerId="AD" clId="Web-{C562CDEE-9F6D-49E5-93C5-83603A40EEBA}" dt="2020-11-19T05:26:13.874" v="994" actId="14100"/>
+        <pc:sldMkLst>
+          <pc:docMk/>
+          <pc:sldMk cId="3017322215" sldId="318"/>
+        </pc:sldMkLst>
+        <pc:spChg chg="add mod">
+          <ac:chgData name="GAURAV Kumar" userId="S::gaurav_k@cs.iitr.ac.in::ce27c70f-1bfc-408c-ab41-e31f95981e91" providerId="AD" clId="Web-{C562CDEE-9F6D-49E5-93C5-83603A40EEBA}" dt="2020-11-19T05:26:13.874" v="994" actId="14100"/>
+          <ac:spMkLst>
+            <pc:docMk/>
+            <pc:sldMk cId="3017322215" sldId="318"/>
+            <ac:spMk id="5" creationId="{58270C0C-552F-4387-95F8-56EFB8558322}"/>
+          </ac:spMkLst>
+        </pc:spChg>
+        <pc:picChg chg="mod">
+          <ac:chgData name="GAURAV Kumar" userId="S::gaurav_k@cs.iitr.ac.in::ce27c70f-1bfc-408c-ab41-e31f95981e91" providerId="AD" clId="Web-{C562CDEE-9F6D-49E5-93C5-83603A40EEBA}" dt="2020-11-19T05:25:40.295" v="935" actId="1076"/>
+          <ac:picMkLst>
+            <pc:docMk/>
+            <pc:sldMk cId="3017322215" sldId="318"/>
+            <ac:picMk id="3" creationId="{1838AEAB-93CE-E143-9C60-6D6241E199FC}"/>
+          </ac:picMkLst>
+        </pc:picChg>
+      </pc:sldChg>
+      <pc:sldChg chg="modSp">
+        <pc:chgData name="GAURAV Kumar" userId="S::gaurav_k@cs.iitr.ac.in::ce27c70f-1bfc-408c-ab41-e31f95981e91" providerId="AD" clId="Web-{C562CDEE-9F6D-49E5-93C5-83603A40EEBA}" dt="2020-11-19T05:26:52.437" v="1003" actId="20577"/>
+        <pc:sldMkLst>
+          <pc:docMk/>
+          <pc:sldMk cId="2608311840" sldId="327"/>
+        </pc:sldMkLst>
+        <pc:spChg chg="mod">
+          <ac:chgData name="GAURAV Kumar" userId="S::gaurav_k@cs.iitr.ac.in::ce27c70f-1bfc-408c-ab41-e31f95981e91" providerId="AD" clId="Web-{C562CDEE-9F6D-49E5-93C5-83603A40EEBA}" dt="2020-11-19T05:26:52.437" v="1003" actId="20577"/>
+          <ac:spMkLst>
+            <pc:docMk/>
+            <pc:sldMk cId="2608311840" sldId="327"/>
+            <ac:spMk id="3" creationId="{EEFE4231-F3A7-7E4F-A190-27BB88315A04}"/>
+          </ac:spMkLst>
+        </pc:spChg>
+      </pc:sldChg>
+      <pc:sldChg chg="addSp delSp modSp">
+        <pc:chgData name="GAURAV Kumar" userId="S::gaurav_k@cs.iitr.ac.in::ce27c70f-1bfc-408c-ab41-e31f95981e91" providerId="AD" clId="Web-{C562CDEE-9F6D-49E5-93C5-83603A40EEBA}" dt="2020-11-19T05:28:07.032" v="1022" actId="20577"/>
+        <pc:sldMkLst>
+          <pc:docMk/>
+          <pc:sldMk cId="1500107029" sldId="328"/>
+        </pc:sldMkLst>
+        <pc:spChg chg="mod">
+          <ac:chgData name="GAURAV Kumar" userId="S::gaurav_k@cs.iitr.ac.in::ce27c70f-1bfc-408c-ab41-e31f95981e91" providerId="AD" clId="Web-{C562CDEE-9F6D-49E5-93C5-83603A40EEBA}" dt="2020-11-19T05:28:07.032" v="1022" actId="20577"/>
+          <ac:spMkLst>
+            <pc:docMk/>
+            <pc:sldMk cId="1500107029" sldId="328"/>
+            <ac:spMk id="3" creationId="{0E5A4F42-5872-AC46-B1EA-56387C2EDB5A}"/>
+          </ac:spMkLst>
+        </pc:spChg>
+        <pc:picChg chg="del">
+          <ac:chgData name="GAURAV Kumar" userId="S::gaurav_k@cs.iitr.ac.in::ce27c70f-1bfc-408c-ab41-e31f95981e91" providerId="AD" clId="Web-{C562CDEE-9F6D-49E5-93C5-83603A40EEBA}" dt="2020-11-19T05:27:03.812" v="1004"/>
+          <ac:picMkLst>
+            <pc:docMk/>
+            <pc:sldMk cId="1500107029" sldId="328"/>
+            <ac:picMk id="4" creationId="{A1C8DA51-47BA-B745-8E73-911CEC38FD12}"/>
+          </ac:picMkLst>
+        </pc:picChg>
+        <pc:picChg chg="add del mod">
+          <ac:chgData name="GAURAV Kumar" userId="S::gaurav_k@cs.iitr.ac.in::ce27c70f-1bfc-408c-ab41-e31f95981e91" providerId="AD" clId="Web-{C562CDEE-9F6D-49E5-93C5-83603A40EEBA}" dt="2020-11-19T05:27:24.594" v="1012"/>
+          <ac:picMkLst>
+            <pc:docMk/>
+            <pc:sldMk cId="1500107029" sldId="328"/>
+            <ac:picMk id="5" creationId="{21058924-2ED2-4671-B1E5-72DF85C00D21}"/>
+          </ac:picMkLst>
+        </pc:picChg>
+      </pc:sldChg>
+      <pc:sldChg chg="addSp delSp modSp add replId">
+        <pc:chgData name="GAURAV Kumar" userId="S::gaurav_k@cs.iitr.ac.in::ce27c70f-1bfc-408c-ab41-e31f95981e91" providerId="AD" clId="Web-{C562CDEE-9F6D-49E5-93C5-83603A40EEBA}" dt="2020-11-19T05:27:54.798" v="1019" actId="14100"/>
+        <pc:sldMkLst>
+          <pc:docMk/>
+          <pc:sldMk cId="760046079" sldId="334"/>
+        </pc:sldMkLst>
+        <pc:spChg chg="del">
+          <ac:chgData name="GAURAV Kumar" userId="S::gaurav_k@cs.iitr.ac.in::ce27c70f-1bfc-408c-ab41-e31f95981e91" providerId="AD" clId="Web-{C562CDEE-9F6D-49E5-93C5-83603A40EEBA}" dt="2020-11-19T05:27:44.110" v="1014"/>
+          <ac:spMkLst>
+            <pc:docMk/>
+            <pc:sldMk cId="760046079" sldId="334"/>
+            <ac:spMk id="3" creationId="{0E5A4F42-5872-AC46-B1EA-56387C2EDB5A}"/>
+          </ac:spMkLst>
+        </pc:spChg>
+        <pc:picChg chg="add mod">
+          <ac:chgData name="GAURAV Kumar" userId="S::gaurav_k@cs.iitr.ac.in::ce27c70f-1bfc-408c-ab41-e31f95981e91" providerId="AD" clId="Web-{C562CDEE-9F6D-49E5-93C5-83603A40EEBA}" dt="2020-11-19T05:27:54.798" v="1019" actId="14100"/>
+          <ac:picMkLst>
+            <pc:docMk/>
+            <pc:sldMk cId="760046079" sldId="334"/>
+            <ac:picMk id="4" creationId="{6EB795EC-18E0-4AEB-8061-0988CDAF6AE6}"/>
+          </ac:picMkLst>
+        </pc:picChg>
+      </pc:sldChg>
+    </pc:docChg>
+  </pc:docChgLst>
   <pc:docChgLst>
     <pc:chgData name="GAURAV Kumar" userId="S::gaurav_k@cs.iitr.ac.in::ce27c70f-1bfc-408c-ab41-e31f95981e91" providerId="AD" clId="Web-{C15B37AE-E1E8-473E-9E22-DF26D4473F9C}"/>
     <pc:docChg chg="modSld">
@@ -242,6 +590,22 @@
             <ac:spMk id="2" creationId="{88E9F683-2473-A84E-960C-727FB12B185B}"/>
           </ac:spMkLst>
         </pc:spChg>
+      </pc:sldChg>
+    </pc:docChg>
+  </pc:docChgLst>
+  <pc:docChgLst>
+    <pc:chgData name="SRISHTI SHARMA" userId="S::s_sharma1@cs.iitr.ac.in::b11106af-53ff-4fb2-ac75-d7678453f426" providerId="AD" clId="Web-{597F98D9-F366-416D-BE01-4B2F1BE4A341}"/>
+    <pc:docChg chg="sldOrd">
+      <pc:chgData name="SRISHTI SHARMA" userId="S::s_sharma1@cs.iitr.ac.in::b11106af-53ff-4fb2-ac75-d7678453f426" providerId="AD" clId="Web-{597F98D9-F366-416D-BE01-4B2F1BE4A341}" dt="2020-11-19T02:41:02.430" v="1"/>
+      <pc:docMkLst>
+        <pc:docMk/>
+      </pc:docMkLst>
+      <pc:sldChg chg="ord">
+        <pc:chgData name="SRISHTI SHARMA" userId="S::s_sharma1@cs.iitr.ac.in::b11106af-53ff-4fb2-ac75-d7678453f426" providerId="AD" clId="Web-{597F98D9-F366-416D-BE01-4B2F1BE4A341}" dt="2020-11-19T02:41:02.430" v="1"/>
+        <pc:sldMkLst>
+          <pc:docMk/>
+          <pc:sldMk cId="1500107029" sldId="328"/>
+        </pc:sldMkLst>
       </pc:sldChg>
     </pc:docChg>
   </pc:docChgLst>
@@ -3969,7 +4333,7 @@
           </a:lstStyle>
           <a:p>
             <a:r>
-              <a:rPr lang="en-US" sz="4800" b="1" dirty="0">
+              <a:rPr lang="en-US" sz="4800" b="1">
                 <a:solidFill>
                   <a:srgbClr val="00B0F0"/>
                 </a:solidFill>
@@ -4137,7 +4501,7 @@
           </a:lstStyle>
           <a:p>
             <a:r>
-              <a:rPr lang="en-US" sz="4000" b="1" dirty="0">
+              <a:rPr lang="en-US" sz="4000" b="1">
                 <a:solidFill>
                   <a:srgbClr val="00B0F0"/>
                 </a:solidFill>
@@ -4382,6 +4746,114 @@
           </a:prstGeom>
         </p:spPr>
       </p:pic>
+      <p:sp>
+        <p:nvSpPr>
+          <p:cNvPr id="4" name="TextBox 3">
+            <a:extLst>
+              <a:ext uri="{FF2B5EF4-FFF2-40B4-BE49-F238E27FC236}">
+                <a16:creationId xmlns:a16="http://schemas.microsoft.com/office/drawing/2014/main" id="{2567D0EC-DB32-4ABF-B0A7-C9E56231013F}"/>
+              </a:ext>
+            </a:extLst>
+          </p:cNvPr>
+          <p:cNvSpPr txBox="1"/>
+          <p:nvPr/>
+        </p:nvSpPr>
+        <p:spPr>
+          <a:xfrm>
+            <a:off x="861727" y="1135626"/>
+            <a:ext cx="7410011" cy="1015663"/>
+          </a:xfrm>
+          <a:prstGeom prst="rect">
+            <a:avLst/>
+          </a:prstGeom>
+          <a:noFill/>
+        </p:spPr>
+        <p:txBody>
+          <a:bodyPr rot="0" spcFirstLastPara="0" vertOverflow="overflow" horzOverflow="overflow" vert="horz" wrap="square" lIns="91440" tIns="45720" rIns="91440" bIns="45720" numCol="1" spcCol="0" rtlCol="0" fromWordArt="0" anchor="t" anchorCtr="0" forceAA="0" compatLnSpc="1">
+            <a:prstTxWarp prst="textNoShape">
+              <a:avLst/>
+            </a:prstTxWarp>
+            <a:spAutoFit/>
+          </a:bodyPr>
+          <a:lstStyle/>
+          <a:p>
+            <a:pPr marL="285750" indent="-285750" algn="just">
+              <a:buFont typeface="Arial"/>
+              <a:buChar char="•"/>
+            </a:pPr>
+            <a:r>
+              <a:rPr lang="en-US" sz="2000" i="1">
+                <a:latin typeface="+mn-lt"/>
+                <a:ea typeface="+mn-lt"/>
+                <a:cs typeface="+mn-lt"/>
+              </a:rPr>
+              <a:t>Use </a:t>
+            </a:r>
+            <a:r>
+              <a:rPr lang="en-US" sz="2000" i="1" err="1">
+                <a:latin typeface="+mn-lt"/>
+                <a:ea typeface="+mn-lt"/>
+                <a:cs typeface="+mn-lt"/>
+              </a:rPr>
+              <a:t>rdpcap</a:t>
+            </a:r>
+            <a:r>
+              <a:rPr lang="en-US" sz="2000" i="1">
+                <a:latin typeface="+mn-lt"/>
+                <a:ea typeface="+mn-lt"/>
+                <a:cs typeface="+mn-lt"/>
+              </a:rPr>
+              <a:t>() method of </a:t>
+            </a:r>
+            <a:r>
+              <a:rPr lang="en-US" sz="2000" i="1" err="1">
+                <a:latin typeface="+mn-lt"/>
+                <a:ea typeface="+mn-lt"/>
+                <a:cs typeface="+mn-lt"/>
+              </a:rPr>
+              <a:t>scapy</a:t>
+            </a:r>
+            <a:r>
+              <a:rPr lang="en-US" sz="2000" i="1">
+                <a:latin typeface="+mn-lt"/>
+                <a:ea typeface="+mn-lt"/>
+                <a:cs typeface="+mn-lt"/>
+              </a:rPr>
+              <a:t> package to read the content of  </a:t>
+            </a:r>
+            <a:r>
+              <a:rPr lang="en-US" sz="2000" i="1" err="1">
+                <a:latin typeface="+mn-lt"/>
+                <a:ea typeface="+mn-lt"/>
+                <a:cs typeface="+mn-lt"/>
+              </a:rPr>
+              <a:t>pcap</a:t>
+            </a:r>
+            <a:r>
+              <a:rPr lang="en-US" sz="2000" i="1">
+                <a:latin typeface="+mn-lt"/>
+                <a:ea typeface="+mn-lt"/>
+                <a:cs typeface="+mn-lt"/>
+              </a:rPr>
+              <a:t> file</a:t>
+            </a:r>
+          </a:p>
+          <a:p>
+            <a:pPr marL="285750" indent="-285750" algn="just">
+              <a:buFont typeface="Arial"/>
+              <a:buChar char="•"/>
+            </a:pPr>
+            <a:r>
+              <a:rPr lang="en-US" sz="2000" i="1">
+                <a:latin typeface="+mn-lt"/>
+                <a:ea typeface="+mn-lt"/>
+                <a:cs typeface="+mn-lt"/>
+              </a:rPr>
+              <a:t>Test file is having total 26776 packets</a:t>
+            </a:r>
+          </a:p>
+        </p:txBody>
+      </p:sp>
     </p:spTree>
     <p:extLst>
       <p:ext uri="{BB962C8B-B14F-4D97-AF65-F5344CB8AC3E}">
@@ -4602,8 +5074,8 @@
         </p:nvSpPr>
         <p:spPr>
           <a:xfrm>
-            <a:off x="376382" y="1282270"/>
-            <a:ext cx="8028709" cy="4596580"/>
+            <a:off x="450124" y="1208529"/>
+            <a:ext cx="8028709" cy="5291861"/>
           </a:xfrm>
           <a:prstGeom prst="rect">
             <a:avLst/>
@@ -4611,7 +5083,7 @@
         </p:spPr>
         <p:txBody>
           <a:bodyPr vert="horz" lIns="91440" tIns="45720" rIns="91440" bIns="45720" rtlCol="0" anchor="t">
-            <a:normAutofit fontScale="92500" lnSpcReduction="10000"/>
+            <a:normAutofit/>
           </a:bodyPr>
           <a:lstStyle>
             <a:lvl1pPr marL="342900" indent="-342900" algn="l" rtl="0" eaLnBrk="1" fontAlgn="base" hangingPunct="1">
@@ -4765,28 +5237,51 @@
               </a:defRPr>
             </a:lvl9pPr>
           </a:lstStyle>
+          <a:p>
+            <a:pPr marL="457200" indent="-457200"/>
+            <a:r>
+              <a:rPr lang="en-US" sz="3000" i="1">
+                <a:ea typeface="+mn-lt"/>
+                <a:cs typeface="+mn-lt"/>
+              </a:rPr>
+              <a:t>Extracting packet number 66.</a:t>
+            </a:r>
+          </a:p>
           <a:p>
             <a:pPr marL="0" indent="0">
               <a:buFont typeface="Arial" charset="0"/>
               <a:buNone/>
             </a:pPr>
             <a:r>
-              <a:rPr lang="en-US" i="1" dirty="0" err="1">
+              <a:rPr lang="en-US" sz="3000" i="1" err="1">
                 <a:ea typeface="+mn-lt"/>
                 <a:cs typeface="+mn-lt"/>
               </a:rPr>
               <a:t>ethernet_frame</a:t>
             </a:r>
             <a:r>
-              <a:rPr lang="en-US" i="1" dirty="0">
+              <a:rPr lang="en-US" sz="3000" i="1">
                 <a:ea typeface="+mn-lt"/>
                 <a:cs typeface="+mn-lt"/>
               </a:rPr>
               <a:t> = file2[66]</a:t>
             </a:r>
-            <a:endParaRPr lang="en-US" i="1" dirty="0">
+            <a:endParaRPr lang="en-US" sz="3000" i="1">
               <a:cs typeface="Calibri" panose="020F0502020204030204"/>
             </a:endParaRPr>
+          </a:p>
+          <a:p>
+            <a:pPr marL="457200" indent="-457200">
+              <a:buFont typeface="Arial" charset="0"/>
+              <a:buChar char="•"/>
+            </a:pPr>
+            <a:r>
+              <a:rPr lang="en-US" sz="3000" b="1">
+                <a:ea typeface="+mn-lt"/>
+                <a:cs typeface="+mn-lt"/>
+              </a:rPr>
+              <a:t>Extracting Data Encapsulated in Ethernet Frame</a:t>
+            </a:r>
           </a:p>
           <a:p>
             <a:pPr marL="0" indent="0">
@@ -4794,12 +5289,45 @@
               <a:buNone/>
             </a:pPr>
             <a:r>
-              <a:rPr lang="en-US" b="1" dirty="0">
+              <a:rPr lang="en-US" sz="3000" i="1" err="1">
                 <a:ea typeface="+mn-lt"/>
                 <a:cs typeface="+mn-lt"/>
               </a:rPr>
-              <a:t>#Extracting Data Encapsulated in Ethernet Frame</a:t>
-            </a:r>
+              <a:t>ip_packet</a:t>
+            </a:r>
+            <a:r>
+              <a:rPr lang="en-US" sz="3000" i="1">
+                <a:ea typeface="+mn-lt"/>
+                <a:cs typeface="+mn-lt"/>
+              </a:rPr>
+              <a:t> = </a:t>
+            </a:r>
+            <a:r>
+              <a:rPr lang="en-US" sz="3000" i="1" err="1">
+                <a:ea typeface="+mn-lt"/>
+                <a:cs typeface="+mn-lt"/>
+              </a:rPr>
+              <a:t>ethernet_frame.payload</a:t>
+            </a:r>
+            <a:endParaRPr lang="en-US" sz="3000" i="1" err="1">
+              <a:cs typeface="Calibri" panose="020F0502020204030204"/>
+            </a:endParaRPr>
+          </a:p>
+          <a:p>
+            <a:pPr marL="457200" indent="-457200">
+              <a:buFont typeface="Arial" charset="0"/>
+              <a:buChar char="•"/>
+            </a:pPr>
+            <a:r>
+              <a:rPr lang="en-US" sz="3000" b="1">
+                <a:ea typeface="+mn-lt"/>
+                <a:cs typeface="+mn-lt"/>
+              </a:rPr>
+              <a:t>Extracting Data Encapsulated in IP Packet</a:t>
+            </a:r>
+            <a:endParaRPr lang="en-US" sz="3000">
+              <a:cs typeface="Calibri"/>
+            </a:endParaRPr>
           </a:p>
           <a:p>
             <a:pPr marL="0" indent="0">
@@ -4807,28 +5335,37 @@
               <a:buNone/>
             </a:pPr>
             <a:r>
-              <a:rPr lang="en-US" i="1" dirty="0" err="1">
+              <a:rPr lang="en-US" sz="3000" i="1">
                 <a:ea typeface="+mn-lt"/>
                 <a:cs typeface="+mn-lt"/>
               </a:rPr>
-              <a:t>ip_packet</a:t>
-            </a:r>
-            <a:r>
-              <a:rPr lang="en-US" i="1" dirty="0">
+              <a:t>segment = </a:t>
+            </a:r>
+            <a:r>
+              <a:rPr lang="en-US" sz="3000" i="1" err="1">
                 <a:ea typeface="+mn-lt"/>
                 <a:cs typeface="+mn-lt"/>
               </a:rPr>
-              <a:t> = </a:t>
-            </a:r>
-            <a:r>
-              <a:rPr lang="en-US" i="1" dirty="0" err="1">
+              <a:t>ip_packet.payload</a:t>
+            </a:r>
+            <a:endParaRPr lang="en-US" sz="3000" i="1" err="1">
+              <a:cs typeface="Calibri" panose="020F0502020204030204"/>
+            </a:endParaRPr>
+          </a:p>
+          <a:p>
+            <a:pPr marL="457200" indent="-457200">
+              <a:buFont typeface="Arial" charset="0"/>
+              <a:buChar char="•"/>
+            </a:pPr>
+            <a:r>
+              <a:rPr lang="en-US" sz="3000" b="1">
                 <a:ea typeface="+mn-lt"/>
                 <a:cs typeface="+mn-lt"/>
               </a:rPr>
-              <a:t>ethernet_frame.payload</a:t>
-            </a:r>
-            <a:endParaRPr lang="en-US" i="1" dirty="0">
-              <a:cs typeface="Calibri" panose="020F0502020204030204"/>
+              <a:t>Extracting payload Encapsulated in the Packet</a:t>
+            </a:r>
+            <a:endParaRPr lang="en-US" sz="3000">
+              <a:cs typeface="Calibri"/>
             </a:endParaRPr>
           </a:p>
           <a:p>
@@ -4836,93 +5373,22 @@
               <a:buFont typeface="Arial" charset="0"/>
               <a:buNone/>
             </a:pPr>
-            <a:endParaRPr lang="en-US">
-              <a:ea typeface="+mn-lt"/>
-              <a:cs typeface="+mn-lt"/>
-            </a:endParaRPr>
-          </a:p>
-          <a:p>
-            <a:pPr marL="0" indent="0">
-              <a:buFont typeface="Arial" charset="0"/>
-              <a:buNone/>
-            </a:pPr>
-            <a:r>
-              <a:rPr lang="en-US" b="1" dirty="0">
+            <a:r>
+              <a:rPr lang="en-US" sz="3000" i="1">
                 <a:ea typeface="+mn-lt"/>
                 <a:cs typeface="+mn-lt"/>
               </a:rPr>
-              <a:t>#Extracting Data Encapsulated in IP Packet</a:t>
-            </a:r>
-            <a:endParaRPr lang="en-US" dirty="0"/>
-          </a:p>
-          <a:p>
-            <a:pPr marL="0" indent="0">
-              <a:buFont typeface="Arial" charset="0"/>
-              <a:buNone/>
-            </a:pPr>
-            <a:r>
-              <a:rPr lang="en-US" i="1" dirty="0">
+              <a:t>data = </a:t>
+            </a:r>
+            <a:r>
+              <a:rPr lang="en-US" sz="3000" i="1" err="1">
                 <a:ea typeface="+mn-lt"/>
                 <a:cs typeface="+mn-lt"/>
               </a:rPr>
-              <a:t>segment = </a:t>
-            </a:r>
-            <a:r>
-              <a:rPr lang="en-US" i="1" dirty="0" err="1">
-                <a:ea typeface="+mn-lt"/>
-                <a:cs typeface="+mn-lt"/>
-              </a:rPr>
-              <a:t>ip_packet.payload</a:t>
-            </a:r>
-            <a:endParaRPr lang="en-US" i="1" dirty="0">
-              <a:cs typeface="Calibri" panose="020F0502020204030204"/>
-            </a:endParaRPr>
-          </a:p>
-          <a:p>
-            <a:pPr marL="0" indent="0">
-              <a:buFont typeface="Arial" charset="0"/>
-              <a:buNone/>
-            </a:pPr>
-            <a:endParaRPr lang="en-US">
-              <a:ea typeface="+mn-lt"/>
-              <a:cs typeface="+mn-lt"/>
-            </a:endParaRPr>
-          </a:p>
-          <a:p>
-            <a:pPr marL="0" indent="0">
-              <a:buFont typeface="Arial" charset="0"/>
-              <a:buNone/>
-            </a:pPr>
-            <a:r>
-              <a:rPr lang="en-US" b="1" dirty="0">
-                <a:ea typeface="+mn-lt"/>
-                <a:cs typeface="+mn-lt"/>
-              </a:rPr>
-              <a:t>#Extracting payload Encapsulated in the Packet</a:t>
-            </a:r>
-            <a:endParaRPr lang="en-US" dirty="0"/>
-          </a:p>
-          <a:p>
-            <a:pPr marL="0" indent="0">
-              <a:buFont typeface="Arial" charset="0"/>
-              <a:buNone/>
-            </a:pPr>
-            <a:r>
-              <a:rPr lang="en-US" i="1" dirty="0">
-                <a:ea typeface="+mn-lt"/>
-                <a:cs typeface="+mn-lt"/>
-              </a:rPr>
-              <a:t>data = </a:t>
-            </a:r>
-            <a:r>
-              <a:rPr lang="en-US" i="1" dirty="0" err="1">
-                <a:ea typeface="+mn-lt"/>
-                <a:cs typeface="+mn-lt"/>
-              </a:rPr>
               <a:t>segment.payload</a:t>
             </a:r>
             <a:r>
-              <a:rPr lang="en-US" dirty="0">
+              <a:rPr lang="en-US">
                 <a:ea typeface="+mn-lt"/>
                 <a:cs typeface="+mn-lt"/>
               </a:rPr>
@@ -4977,15 +5443,15 @@
         </p:nvSpPr>
         <p:spPr>
           <a:xfrm>
-            <a:off x="3398624" y="244677"/>
-            <a:ext cx="2417909" cy="650875"/>
+            <a:off x="596431" y="244677"/>
+            <a:ext cx="6431576" cy="650875"/>
           </a:xfrm>
           <a:prstGeom prst="rect">
             <a:avLst/>
           </a:prstGeom>
         </p:spPr>
         <p:txBody>
-          <a:bodyPr/>
+          <a:bodyPr lIns="91440" tIns="45720" rIns="91440" bIns="45720" anchor="t"/>
           <a:lstStyle>
             <a:lvl1pPr algn="ctr" rtl="0" eaLnBrk="1" fontAlgn="base" hangingPunct="1">
               <a:spcBef>
@@ -5125,12 +5591,24 @@
                 </a:solidFill>
                 <a:cs typeface="Calibri Light"/>
               </a:rPr>
-              <a:t>UDP Packet</a:t>
-            </a:r>
-            <a:endParaRPr lang="en-US" sz="3200" b="1">
+              <a:t>Display specific Packet </a:t>
+            </a:r>
+            <a:r>
+              <a:rPr lang="en-US" sz="3200" b="1">
+                <a:solidFill>
+                  <a:srgbClr val="00B0F0"/>
+                </a:solidFill>
+                <a:ea typeface="+mj-lt"/>
+                <a:cs typeface="+mj-lt"/>
+              </a:rPr>
+              <a:t>headers</a:t>
+            </a:r>
+            <a:endParaRPr lang="en-US" sz="3200" b="1" err="1">
               <a:solidFill>
                 <a:srgbClr val="00B0F0"/>
               </a:solidFill>
+              <a:ea typeface="+mj-lt"/>
+              <a:cs typeface="+mj-lt"/>
             </a:endParaRPr>
           </a:p>
         </p:txBody>
@@ -5196,239 +5674,6 @@
       </p:grpSpPr>
       <p:sp>
         <p:nvSpPr>
-          <p:cNvPr id="2" name="Title 1">
-            <a:extLst>
-              <a:ext uri="{FF2B5EF4-FFF2-40B4-BE49-F238E27FC236}">
-                <a16:creationId xmlns:a16="http://schemas.microsoft.com/office/drawing/2014/main" id="{5D01BD2A-79BF-446F-A7B5-E4D9C1800011}"/>
-              </a:ext>
-            </a:extLst>
-          </p:cNvPr>
-          <p:cNvSpPr txBox="1">
-            <a:spLocks/>
-          </p:cNvSpPr>
-          <p:nvPr/>
-        </p:nvSpPr>
-        <p:spPr>
-          <a:xfrm>
-            <a:off x="3467001" y="237074"/>
-            <a:ext cx="2209800" cy="631946"/>
-          </a:xfrm>
-          <a:prstGeom prst="rect">
-            <a:avLst/>
-          </a:prstGeom>
-        </p:spPr>
-        <p:txBody>
-          <a:bodyPr/>
-          <a:lstStyle>
-            <a:lvl1pPr algn="ctr" rtl="0" eaLnBrk="1" fontAlgn="base" hangingPunct="1">
-              <a:spcBef>
-                <a:spcPct val="0"/>
-              </a:spcBef>
-              <a:spcAft>
-                <a:spcPct val="0"/>
-              </a:spcAft>
-              <a:defRPr sz="4400" kern="1200">
-                <a:solidFill>
-                  <a:schemeClr val="tx1"/>
-                </a:solidFill>
-                <a:latin typeface="+mj-lt"/>
-                <a:ea typeface="+mj-ea"/>
-                <a:cs typeface="+mj-cs"/>
-              </a:defRPr>
-            </a:lvl1pPr>
-            <a:lvl2pPr algn="ctr" rtl="0" eaLnBrk="1" fontAlgn="base" hangingPunct="1">
-              <a:spcBef>
-                <a:spcPct val="0"/>
-              </a:spcBef>
-              <a:spcAft>
-                <a:spcPct val="0"/>
-              </a:spcAft>
-              <a:defRPr sz="4400">
-                <a:solidFill>
-                  <a:schemeClr val="tx1"/>
-                </a:solidFill>
-                <a:latin typeface="Calibri" pitchFamily="34" charset="0"/>
-              </a:defRPr>
-            </a:lvl2pPr>
-            <a:lvl3pPr algn="ctr" rtl="0" eaLnBrk="1" fontAlgn="base" hangingPunct="1">
-              <a:spcBef>
-                <a:spcPct val="0"/>
-              </a:spcBef>
-              <a:spcAft>
-                <a:spcPct val="0"/>
-              </a:spcAft>
-              <a:defRPr sz="4400">
-                <a:solidFill>
-                  <a:schemeClr val="tx1"/>
-                </a:solidFill>
-                <a:latin typeface="Calibri" pitchFamily="34" charset="0"/>
-              </a:defRPr>
-            </a:lvl3pPr>
-            <a:lvl4pPr algn="ctr" rtl="0" eaLnBrk="1" fontAlgn="base" hangingPunct="1">
-              <a:spcBef>
-                <a:spcPct val="0"/>
-              </a:spcBef>
-              <a:spcAft>
-                <a:spcPct val="0"/>
-              </a:spcAft>
-              <a:defRPr sz="4400">
-                <a:solidFill>
-                  <a:schemeClr val="tx1"/>
-                </a:solidFill>
-                <a:latin typeface="Calibri" pitchFamily="34" charset="0"/>
-              </a:defRPr>
-            </a:lvl4pPr>
-            <a:lvl5pPr algn="ctr" rtl="0" eaLnBrk="1" fontAlgn="base" hangingPunct="1">
-              <a:spcBef>
-                <a:spcPct val="0"/>
-              </a:spcBef>
-              <a:spcAft>
-                <a:spcPct val="0"/>
-              </a:spcAft>
-              <a:defRPr sz="4400">
-                <a:solidFill>
-                  <a:schemeClr val="tx1"/>
-                </a:solidFill>
-                <a:latin typeface="Calibri" pitchFamily="34" charset="0"/>
-              </a:defRPr>
-            </a:lvl5pPr>
-            <a:lvl6pPr marL="457200" algn="ctr" rtl="0" eaLnBrk="1" fontAlgn="base" hangingPunct="1">
-              <a:spcBef>
-                <a:spcPct val="0"/>
-              </a:spcBef>
-              <a:spcAft>
-                <a:spcPct val="0"/>
-              </a:spcAft>
-              <a:defRPr sz="4400">
-                <a:solidFill>
-                  <a:schemeClr val="tx1"/>
-                </a:solidFill>
-                <a:latin typeface="Calibri" pitchFamily="34" charset="0"/>
-              </a:defRPr>
-            </a:lvl6pPr>
-            <a:lvl7pPr marL="914400" algn="ctr" rtl="0" eaLnBrk="1" fontAlgn="base" hangingPunct="1">
-              <a:spcBef>
-                <a:spcPct val="0"/>
-              </a:spcBef>
-              <a:spcAft>
-                <a:spcPct val="0"/>
-              </a:spcAft>
-              <a:defRPr sz="4400">
-                <a:solidFill>
-                  <a:schemeClr val="tx1"/>
-                </a:solidFill>
-                <a:latin typeface="Calibri" pitchFamily="34" charset="0"/>
-              </a:defRPr>
-            </a:lvl7pPr>
-            <a:lvl8pPr marL="1371600" algn="ctr" rtl="0" eaLnBrk="1" fontAlgn="base" hangingPunct="1">
-              <a:spcBef>
-                <a:spcPct val="0"/>
-              </a:spcBef>
-              <a:spcAft>
-                <a:spcPct val="0"/>
-              </a:spcAft>
-              <a:defRPr sz="4400">
-                <a:solidFill>
-                  <a:schemeClr val="tx1"/>
-                </a:solidFill>
-                <a:latin typeface="Calibri" pitchFamily="34" charset="0"/>
-              </a:defRPr>
-            </a:lvl8pPr>
-            <a:lvl9pPr marL="1828800" algn="ctr" rtl="0" eaLnBrk="1" fontAlgn="base" hangingPunct="1">
-              <a:spcBef>
-                <a:spcPct val="0"/>
-              </a:spcBef>
-              <a:spcAft>
-                <a:spcPct val="0"/>
-              </a:spcAft>
-              <a:defRPr sz="4400">
-                <a:solidFill>
-                  <a:schemeClr val="tx1"/>
-                </a:solidFill>
-                <a:latin typeface="Calibri" pitchFamily="34" charset="0"/>
-              </a:defRPr>
-            </a:lvl9pPr>
-          </a:lstStyle>
-          <a:p>
-            <a:pPr algn="l"/>
-            <a:r>
-              <a:rPr lang="en-US" sz="3200" b="1">
-                <a:solidFill>
-                  <a:srgbClr val="00B0F0"/>
-                </a:solidFill>
-                <a:cs typeface="Calibri Light"/>
-              </a:rPr>
-              <a:t>ARP Packet</a:t>
-            </a:r>
-            <a:endParaRPr lang="en-US" sz="3200" b="1">
-              <a:solidFill>
-                <a:srgbClr val="00B0F0"/>
-              </a:solidFill>
-            </a:endParaRPr>
-          </a:p>
-        </p:txBody>
-      </p:sp>
-      <p:pic>
-        <p:nvPicPr>
-          <p:cNvPr id="3" name="Picture 4" descr="Graphical user interface, text, application, email&#10;&#10;Description automatically generated">
-            <a:extLst>
-              <a:ext uri="{FF2B5EF4-FFF2-40B4-BE49-F238E27FC236}">
-                <a16:creationId xmlns:a16="http://schemas.microsoft.com/office/drawing/2014/main" id="{33A00582-9077-4E87-AF94-4E52D26A4019}"/>
-              </a:ext>
-            </a:extLst>
-          </p:cNvPr>
-          <p:cNvPicPr>
-            <a:picLocks noChangeAspect="1"/>
-          </p:cNvPicPr>
-          <p:nvPr/>
-        </p:nvPicPr>
-        <p:blipFill rotWithShape="1">
-          <a:blip r:embed="rId2" cstate="print"/>
-          <a:srcRect l="4931" t="49869" r="6465" b="4065"/>
-          <a:stretch/>
-        </p:blipFill>
-        <p:spPr>
-          <a:xfrm>
-            <a:off x="219363" y="1293091"/>
-            <a:ext cx="8453582" cy="4599709"/>
-          </a:xfrm>
-          <a:prstGeom prst="rect">
-            <a:avLst/>
-          </a:prstGeom>
-        </p:spPr>
-      </p:pic>
-    </p:spTree>
-    <p:extLst>
-      <p:ext uri="{BB962C8B-B14F-4D97-AF65-F5344CB8AC3E}">
-        <p14:creationId xmlns:p14="http://schemas.microsoft.com/office/powerpoint/2010/main" val="1358467198"/>
-      </p:ext>
-    </p:extLst>
-  </p:cSld>
-  <p:clrMapOvr>
-    <a:masterClrMapping/>
-  </p:clrMapOvr>
-</p:sld>
-</file>
-
-<file path=ppt/slides/slide15.xml><?xml version="1.0" encoding="utf-8"?>
-<p:sld xmlns:a="http://schemas.openxmlformats.org/drawingml/2006/main" xmlns:r="http://schemas.openxmlformats.org/officeDocument/2006/relationships" xmlns:p="http://schemas.openxmlformats.org/presentationml/2006/main">
-  <p:cSld>
-    <p:spTree>
-      <p:nvGrpSpPr>
-        <p:cNvPr id="1" name=""/>
-        <p:cNvGrpSpPr/>
-        <p:nvPr/>
-      </p:nvGrpSpPr>
-      <p:grpSpPr>
-        <a:xfrm>
-          <a:off x="0" y="0"/>
-          <a:ext cx="0" cy="0"/>
-          <a:chOff x="0" y="0"/>
-          <a:chExt cx="0" cy="0"/>
-        </a:xfrm>
-      </p:grpSpPr>
-      <p:sp>
-        <p:nvSpPr>
           <p:cNvPr id="2" name="Rectangle 1"/>
           <p:cNvSpPr/>
           <p:nvPr/>
@@ -5449,7 +5694,7 @@
           <a:lstStyle/>
           <a:p>
             <a:r>
-              <a:rPr lang="en-US" sz="3200" b="1" dirty="0">
+              <a:rPr lang="en-US" sz="3200" b="1">
                 <a:solidFill>
                   <a:srgbClr val="00B0F0"/>
                 </a:solidFill>
@@ -5458,7 +5703,7 @@
               </a:rPr>
               <a:t>Display Header Fields as per User Request</a:t>
             </a:r>
-            <a:endParaRPr lang="en-IN" sz="3200" dirty="0">
+            <a:endParaRPr lang="en-IN" sz="3200">
               <a:solidFill>
                 <a:srgbClr val="00B0F0"/>
               </a:solidFill>
@@ -5648,26 +5893,72 @@
             </a:lvl9pPr>
           </a:lstStyle>
           <a:p>
+            <a:r>
+              <a:rPr lang="en-US" sz="2000" b="1" i="1">
+                <a:ea typeface="+mn-lt"/>
+                <a:cs typeface="+mn-lt"/>
+              </a:rPr>
+              <a:t>Function to display the Header Fields</a:t>
+            </a:r>
+            <a:endParaRPr lang="en-US" sz="2000">
+              <a:ea typeface="+mn-lt"/>
+              <a:cs typeface="+mn-lt"/>
+            </a:endParaRPr>
+          </a:p>
+          <a:p>
+            <a:pPr marL="0" indent="0">
+              <a:buNone/>
+            </a:pPr>
+            <a:r>
+              <a:rPr lang="en-US" sz="2000" i="1">
+                <a:ea typeface="+mn-lt"/>
+                <a:cs typeface="+mn-lt"/>
+              </a:rPr>
+              <a:t>def display(n):      </a:t>
+            </a:r>
+          </a:p>
+          <a:p>
+            <a:pPr marL="0" indent="0">
+              <a:buNone/>
+            </a:pPr>
+            <a:r>
+              <a:rPr lang="en-US" sz="2000" i="1">
+                <a:ea typeface="+mn-lt"/>
+                <a:cs typeface="+mn-lt"/>
+              </a:rPr>
+              <a:t>     file[n].display()</a:t>
+            </a:r>
+            <a:endParaRPr lang="en-US" sz="2000" i="1">
+              <a:cs typeface="Calibri"/>
+            </a:endParaRPr>
+          </a:p>
+          <a:p>
             <a:pPr marL="0" indent="0">
               <a:buFont typeface="Arial" charset="0"/>
               <a:buNone/>
             </a:pPr>
             <a:r>
-              <a:rPr lang="en-US" sz="2000" i="1" dirty="0">
+              <a:rPr lang="en-US" sz="2000" i="1">
                 <a:ea typeface="+mn-lt"/>
                 <a:cs typeface="+mn-lt"/>
               </a:rPr>
-              <a:t>def display(n):  </a:t>
-            </a:r>
-            <a:r>
-              <a:rPr lang="en-US" sz="2000" b="1" i="1" dirty="0">
+              <a:t>    return 0</a:t>
+            </a:r>
+            <a:endParaRPr lang="en-US" sz="2000" i="1">
+              <a:cs typeface="Calibri"/>
+            </a:endParaRPr>
+          </a:p>
+          <a:p>
+            <a:r>
+              <a:rPr lang="en-US" sz="2000" b="1" i="1">
                 <a:ea typeface="+mn-lt"/>
                 <a:cs typeface="+mn-lt"/>
               </a:rPr>
-              <a:t>#Function to display the Header Fields</a:t>
-            </a:r>
-            <a:endParaRPr lang="en-US" sz="2000" b="1" i="1" dirty="0">
-              <a:cs typeface="Calibri" panose="020F0502020204030204"/>
+              <a:t>Display No. of Total Packets</a:t>
+            </a:r>
+            <a:endParaRPr lang="en-US" sz="2000">
+              <a:ea typeface="+mn-lt"/>
+              <a:cs typeface="+mn-lt"/>
             </a:endParaRPr>
           </a:p>
           <a:p>
@@ -5676,13 +5967,27 @@
               <a:buNone/>
             </a:pPr>
             <a:r>
-              <a:rPr lang="en-US" sz="2000" i="1" dirty="0">
+              <a:rPr lang="en-US" sz="2000" i="1">
                 <a:ea typeface="+mn-lt"/>
                 <a:cs typeface="+mn-lt"/>
               </a:rPr>
-              <a:t>    file[n].display()</a:t>
-            </a:r>
-            <a:endParaRPr lang="en-US" sz="2000" i="1" dirty="0">
+              <a:t>print('Total Number of Packets is', </a:t>
+            </a:r>
+            <a:r>
+              <a:rPr lang="en-US" sz="2000" i="1" err="1">
+                <a:ea typeface="+mn-lt"/>
+                <a:cs typeface="+mn-lt"/>
+              </a:rPr>
+              <a:t>len</a:t>
+            </a:r>
+            <a:r>
+              <a:rPr lang="en-US" sz="2000" i="1">
+                <a:ea typeface="+mn-lt"/>
+                <a:cs typeface="+mn-lt"/>
+              </a:rPr>
+              <a:t>(file)) while(1):</a:t>
+            </a:r>
+            <a:endParaRPr lang="en-US" sz="2000" i="1">
               <a:cs typeface="Calibri"/>
             </a:endParaRPr>
           </a:p>
@@ -5692,13 +5997,27 @@
               <a:buNone/>
             </a:pPr>
             <a:r>
-              <a:rPr lang="en-US" sz="2000" i="1" dirty="0">
+              <a:rPr lang="en-US" sz="2000" i="1">
                 <a:ea typeface="+mn-lt"/>
                 <a:cs typeface="+mn-lt"/>
               </a:rPr>
-              <a:t>    return 0</a:t>
-            </a:r>
-            <a:endParaRPr lang="en-US" sz="2000" i="1" dirty="0">
+              <a:t>    print('\</a:t>
+            </a:r>
+            <a:r>
+              <a:rPr lang="en-US" sz="2000" i="1" err="1">
+                <a:ea typeface="+mn-lt"/>
+                <a:cs typeface="+mn-lt"/>
+              </a:rPr>
+              <a:t>nDo</a:t>
+            </a:r>
+            <a:r>
+              <a:rPr lang="en-US" sz="2000" i="1">
+                <a:ea typeface="+mn-lt"/>
+                <a:cs typeface="+mn-lt"/>
+              </a:rPr>
+              <a:t> you want to continue?\n')</a:t>
+            </a:r>
+            <a:endParaRPr lang="en-US" sz="2000" i="1">
               <a:cs typeface="Calibri"/>
             </a:endParaRPr>
           </a:p>
@@ -5707,7 +6026,14 @@
               <a:buFont typeface="Arial" charset="0"/>
               <a:buNone/>
             </a:pPr>
-            <a:endParaRPr lang="en-US" sz="2000" i="1" dirty="0">
+            <a:r>
+              <a:rPr lang="en-US" sz="2000" i="1">
+                <a:ea typeface="+mn-lt"/>
+                <a:cs typeface="+mn-lt"/>
+              </a:rPr>
+              <a:t>    c = input('Press c to continue or q to quit:') </a:t>
+            </a:r>
+            <a:endParaRPr lang="en-US" sz="2000" i="1">
               <a:cs typeface="Calibri"/>
             </a:endParaRPr>
           </a:p>
@@ -5717,34 +6043,13 @@
               <a:buNone/>
             </a:pPr>
             <a:r>
-              <a:rPr lang="en-US" sz="2000" i="1" dirty="0">
+              <a:rPr lang="en-US" sz="2000" i="1">
                 <a:ea typeface="+mn-lt"/>
                 <a:cs typeface="+mn-lt"/>
               </a:rPr>
-              <a:t>print('Total Number of Packets is', </a:t>
-            </a:r>
-            <a:r>
-              <a:rPr lang="en-US" sz="2000" i="1" dirty="0" err="1">
-                <a:ea typeface="+mn-lt"/>
-                <a:cs typeface="+mn-lt"/>
-              </a:rPr>
-              <a:t>len</a:t>
-            </a:r>
-            <a:r>
-              <a:rPr lang="en-US" sz="2000" i="1" dirty="0">
-                <a:ea typeface="+mn-lt"/>
-                <a:cs typeface="+mn-lt"/>
-              </a:rPr>
-              <a:t>(file)) </a:t>
-            </a:r>
-            <a:r>
-              <a:rPr lang="en-US" sz="2000" b="1" i="1" dirty="0">
-                <a:ea typeface="+mn-lt"/>
-                <a:cs typeface="+mn-lt"/>
-              </a:rPr>
-              <a:t>#Display No. of Total Packets</a:t>
-            </a:r>
-            <a:endParaRPr lang="en-US" sz="2000" b="1" i="1" dirty="0">
+              <a:t>    if(c == 'c'):</a:t>
+            </a:r>
+            <a:endParaRPr lang="en-US" sz="2000" i="1">
               <a:cs typeface="Calibri"/>
             </a:endParaRPr>
           </a:p>
@@ -5754,13 +6059,27 @@
               <a:buNone/>
             </a:pPr>
             <a:r>
-              <a:rPr lang="en-US" sz="2000" i="1" dirty="0">
+              <a:rPr lang="en-US" sz="2000" i="1">
                 <a:ea typeface="+mn-lt"/>
                 <a:cs typeface="+mn-lt"/>
               </a:rPr>
-              <a:t>while(1):</a:t>
-            </a:r>
-            <a:endParaRPr lang="en-US" sz="2000" i="1" dirty="0">
+              <a:t>        p = int(input('\</a:t>
+            </a:r>
+            <a:r>
+              <a:rPr lang="en-US" sz="2000" i="1" err="1">
+                <a:ea typeface="+mn-lt"/>
+                <a:cs typeface="+mn-lt"/>
+              </a:rPr>
+              <a:t>nEnter</a:t>
+            </a:r>
+            <a:r>
+              <a:rPr lang="en-US" sz="2000" i="1">
+                <a:ea typeface="+mn-lt"/>
+                <a:cs typeface="+mn-lt"/>
+              </a:rPr>
+              <a:t> the packet whose details you want to display:'))</a:t>
+            </a:r>
+            <a:endParaRPr lang="en-US" sz="2000" i="1">
               <a:cs typeface="Calibri"/>
             </a:endParaRPr>
           </a:p>
@@ -5770,27 +6089,13 @@
               <a:buNone/>
             </a:pPr>
             <a:r>
-              <a:rPr lang="en-US" sz="2000" i="1" dirty="0">
+              <a:rPr lang="en-US" sz="2000" i="1">
                 <a:ea typeface="+mn-lt"/>
                 <a:cs typeface="+mn-lt"/>
               </a:rPr>
-              <a:t>    print('\</a:t>
-            </a:r>
-            <a:r>
-              <a:rPr lang="en-US" sz="2000" i="1" dirty="0" err="1">
-                <a:ea typeface="+mn-lt"/>
-                <a:cs typeface="+mn-lt"/>
-              </a:rPr>
-              <a:t>nDo</a:t>
-            </a:r>
-            <a:r>
-              <a:rPr lang="en-US" sz="2000" i="1" dirty="0">
-                <a:ea typeface="+mn-lt"/>
-                <a:cs typeface="+mn-lt"/>
-              </a:rPr>
-              <a:t> you want to continue?\n')</a:t>
-            </a:r>
-            <a:endParaRPr lang="en-US" sz="2000" i="1" dirty="0">
+              <a:t>        display(p)</a:t>
+            </a:r>
+            <a:endParaRPr lang="en-US" sz="2000" i="1">
               <a:cs typeface="Calibri"/>
             </a:endParaRPr>
           </a:p>
@@ -5800,13 +6105,13 @@
               <a:buNone/>
             </a:pPr>
             <a:r>
-              <a:rPr lang="en-US" sz="2000" i="1" dirty="0">
+              <a:rPr lang="en-US" sz="2000" i="1">
                 <a:ea typeface="+mn-lt"/>
                 <a:cs typeface="+mn-lt"/>
               </a:rPr>
-              <a:t>    c = input('Press c to continue or q to quit:') </a:t>
-            </a:r>
-            <a:endParaRPr lang="en-US" sz="2000" i="1" dirty="0">
+              <a:t>    if(c == 'q'):</a:t>
+            </a:r>
+            <a:endParaRPr lang="en-US" sz="2000" i="1">
               <a:cs typeface="Calibri"/>
             </a:endParaRPr>
           </a:p>
@@ -5816,91 +6121,13 @@
               <a:buNone/>
             </a:pPr>
             <a:r>
-              <a:rPr lang="en-US" sz="2000" i="1" dirty="0">
+              <a:rPr lang="en-US" sz="2000" i="1">
                 <a:ea typeface="+mn-lt"/>
                 <a:cs typeface="+mn-lt"/>
               </a:rPr>
-              <a:t>    if(c == 'c'):</a:t>
-            </a:r>
-            <a:endParaRPr lang="en-US" sz="2000" i="1" dirty="0">
-              <a:cs typeface="Calibri"/>
-            </a:endParaRPr>
-          </a:p>
-          <a:p>
-            <a:pPr marL="0" indent="0">
-              <a:buFont typeface="Arial" charset="0"/>
-              <a:buNone/>
-            </a:pPr>
-            <a:r>
-              <a:rPr lang="en-US" sz="2000" i="1" dirty="0">
-                <a:ea typeface="+mn-lt"/>
-                <a:cs typeface="+mn-lt"/>
-              </a:rPr>
-              <a:t>        p = int(input('\</a:t>
-            </a:r>
-            <a:r>
-              <a:rPr lang="en-US" sz="2000" i="1" dirty="0" err="1">
-                <a:ea typeface="+mn-lt"/>
-                <a:cs typeface="+mn-lt"/>
-              </a:rPr>
-              <a:t>nEnter</a:t>
-            </a:r>
-            <a:r>
-              <a:rPr lang="en-US" sz="2000" i="1" dirty="0">
-                <a:ea typeface="+mn-lt"/>
-                <a:cs typeface="+mn-lt"/>
-              </a:rPr>
-              <a:t> the packet whose details you want to display:'))</a:t>
-            </a:r>
-            <a:endParaRPr lang="en-US" sz="2000" i="1" dirty="0">
-              <a:cs typeface="Calibri"/>
-            </a:endParaRPr>
-          </a:p>
-          <a:p>
-            <a:pPr marL="0" indent="0">
-              <a:buFont typeface="Arial" charset="0"/>
-              <a:buNone/>
-            </a:pPr>
-            <a:r>
-              <a:rPr lang="en-US" sz="2000" i="1" dirty="0">
-                <a:ea typeface="+mn-lt"/>
-                <a:cs typeface="+mn-lt"/>
-              </a:rPr>
-              <a:t>        display(p)</a:t>
-            </a:r>
-            <a:endParaRPr lang="en-US" sz="2000" i="1" dirty="0">
-              <a:cs typeface="Calibri"/>
-            </a:endParaRPr>
-          </a:p>
-          <a:p>
-            <a:pPr marL="0" indent="0">
-              <a:buFont typeface="Arial" charset="0"/>
-              <a:buNone/>
-            </a:pPr>
-            <a:r>
-              <a:rPr lang="en-US" sz="2000" i="1" dirty="0">
-                <a:ea typeface="+mn-lt"/>
-                <a:cs typeface="+mn-lt"/>
-              </a:rPr>
-              <a:t>    if(c == 'q'):</a:t>
-            </a:r>
-            <a:endParaRPr lang="en-US" sz="2000" i="1" dirty="0">
-              <a:cs typeface="Calibri"/>
-            </a:endParaRPr>
-          </a:p>
-          <a:p>
-            <a:pPr marL="0" indent="0">
-              <a:buFont typeface="Arial" charset="0"/>
-              <a:buNone/>
-            </a:pPr>
-            <a:r>
-              <a:rPr lang="en-US" sz="2000" i="1" dirty="0">
-                <a:ea typeface="+mn-lt"/>
-                <a:cs typeface="+mn-lt"/>
-              </a:rPr>
               <a:t>        break</a:t>
             </a:r>
-            <a:endParaRPr lang="en-US" sz="2000" i="1" dirty="0">
+            <a:endParaRPr lang="en-US" sz="2000" i="1">
               <a:cs typeface="Calibri"/>
             </a:endParaRPr>
           </a:p>
@@ -5919,7 +6146,7 @@
 </p:sld>
 </file>
 
-<file path=ppt/slides/slide16.xml><?xml version="1.0" encoding="utf-8"?>
+<file path=ppt/slides/slide15.xml><?xml version="1.0" encoding="utf-8"?>
 <p:sld xmlns:a="http://schemas.openxmlformats.org/drawingml/2006/main" xmlns:r="http://schemas.openxmlformats.org/officeDocument/2006/relationships" xmlns:p="http://schemas.openxmlformats.org/presentationml/2006/main">
   <p:cSld>
     <p:spTree>
@@ -6046,7 +6273,7 @@
 </p:sld>
 </file>
 
-<file path=ppt/slides/slide17.xml><?xml version="1.0" encoding="utf-8"?>
+<file path=ppt/slides/slide16.xml><?xml version="1.0" encoding="utf-8"?>
 <p:sld xmlns:a="http://schemas.openxmlformats.org/drawingml/2006/main" xmlns:r="http://schemas.openxmlformats.org/officeDocument/2006/relationships" xmlns:p="http://schemas.openxmlformats.org/presentationml/2006/main">
   <p:cSld>
     <p:spTree>
@@ -6248,8 +6475,8 @@
         </p:nvSpPr>
         <p:spPr>
           <a:xfrm>
-            <a:off x="219364" y="1770206"/>
-            <a:ext cx="8582890" cy="3134303"/>
+            <a:off x="282571" y="1232944"/>
+            <a:ext cx="8582890" cy="4693419"/>
           </a:xfrm>
           <a:prstGeom prst="rect">
             <a:avLst/>
@@ -6413,84 +6640,123 @@
           </a:lstStyle>
           <a:p>
             <a:r>
-              <a:rPr lang="en-US" sz="2800" i="1" dirty="0" err="1">
+              <a:rPr lang="en-US" sz="2800" i="1">
                 <a:ea typeface="+mn-lt"/>
                 <a:cs typeface="+mn-lt"/>
               </a:rPr>
-              <a:t>ip_fields</a:t>
-            </a:r>
-            <a:r>
-              <a:rPr lang="en-US" sz="2800" i="1" dirty="0">
+              <a:t>All IP header fileds are extracted </a:t>
+            </a:r>
+          </a:p>
+          <a:p>
+            <a:pPr marL="0" indent="0">
+              <a:buNone/>
+            </a:pPr>
+            <a:r>
+              <a:rPr lang="en-US" sz="2800" i="1" err="1">
                 <a:ea typeface="+mn-lt"/>
                 <a:cs typeface="+mn-lt"/>
               </a:rPr>
-              <a:t> = [field.name for field in IP().</a:t>
-            </a:r>
-            <a:r>
-              <a:rPr lang="en-US" sz="2800" i="1" dirty="0" err="1">
+              <a:t>ip_fields</a:t>
+            </a:r>
+            <a:r>
+              <a:rPr lang="en-US" sz="2800" i="1">
                 <a:ea typeface="+mn-lt"/>
                 <a:cs typeface="+mn-lt"/>
               </a:rPr>
-              <a:t>fields_desc</a:t>
-            </a:r>
-            <a:r>
-              <a:rPr lang="en-US" sz="2800" i="1" dirty="0">
+              <a:t> = [field.name for field in IP().</a:t>
+            </a:r>
+            <a:r>
+              <a:rPr lang="en-US" sz="2800" i="1" err="1">
                 <a:ea typeface="+mn-lt"/>
                 <a:cs typeface="+mn-lt"/>
               </a:rPr>
+              <a:t>fields_desc</a:t>
+            </a:r>
+            <a:r>
+              <a:rPr lang="en-US" sz="2800" i="1">
+                <a:ea typeface="+mn-lt"/>
+                <a:cs typeface="+mn-lt"/>
+              </a:rPr>
               <a:t>]</a:t>
             </a:r>
-            <a:endParaRPr lang="en-US" sz="2800" i="1" dirty="0">
+            <a:endParaRPr lang="en-US" sz="2800" i="1">
               <a:cs typeface="Calibri" panose="020F0502020204030204"/>
             </a:endParaRPr>
           </a:p>
           <a:p>
-            <a:endParaRPr lang="en-US" sz="2800" i="1" dirty="0">
+            <a:pPr marL="0" indent="0">
+              <a:buNone/>
+            </a:pPr>
+            <a:endParaRPr lang="en-US" sz="2800" i="1">
               <a:ea typeface="+mn-lt"/>
               <a:cs typeface="+mn-lt"/>
             </a:endParaRPr>
           </a:p>
           <a:p>
             <a:r>
-              <a:rPr lang="en-US" sz="2800" i="1" dirty="0" err="1">
+              <a:rPr lang="en-US" sz="2800" i="1">
                 <a:ea typeface="+mn-lt"/>
                 <a:cs typeface="+mn-lt"/>
               </a:rPr>
-              <a:t>tcp_fields</a:t>
-            </a:r>
-            <a:r>
-              <a:rPr lang="en-US" sz="2800" i="1" dirty="0">
+              <a:t>All TCP header fileds are extracted </a:t>
+            </a:r>
+          </a:p>
+          <a:p>
+            <a:pPr marL="0" indent="0">
+              <a:buNone/>
+            </a:pPr>
+            <a:r>
+              <a:rPr lang="en-US" sz="2800" i="1" err="1">
                 <a:ea typeface="+mn-lt"/>
                 <a:cs typeface="+mn-lt"/>
               </a:rPr>
-              <a:t> = [field.name for field in TCP().</a:t>
-            </a:r>
-            <a:r>
-              <a:rPr lang="en-US" sz="2800" i="1" dirty="0" err="1">
+              <a:t>tcp_fields</a:t>
+            </a:r>
+            <a:r>
+              <a:rPr lang="en-US" sz="2800" i="1">
                 <a:ea typeface="+mn-lt"/>
                 <a:cs typeface="+mn-lt"/>
               </a:rPr>
-              <a:t>fields_desc</a:t>
-            </a:r>
-            <a:r>
-              <a:rPr lang="en-US" sz="2800" i="1" dirty="0">
+              <a:t> = [field.name for field in TCP().</a:t>
+            </a:r>
+            <a:r>
+              <a:rPr lang="en-US" sz="2800" i="1" err="1">
                 <a:ea typeface="+mn-lt"/>
                 <a:cs typeface="+mn-lt"/>
               </a:rPr>
+              <a:t>fields_desc</a:t>
+            </a:r>
+            <a:r>
+              <a:rPr lang="en-US" sz="2800" i="1">
+                <a:ea typeface="+mn-lt"/>
+                <a:cs typeface="+mn-lt"/>
+              </a:rPr>
               <a:t>]</a:t>
             </a:r>
-            <a:endParaRPr lang="en-US" sz="2800" i="1" dirty="0">
+            <a:endParaRPr lang="en-US" sz="2800" i="1">
               <a:cs typeface="Calibri"/>
             </a:endParaRPr>
           </a:p>
           <a:p>
-            <a:endParaRPr lang="en-US" sz="2800" i="1" dirty="0">
+            <a:endParaRPr lang="en-US" sz="2800" i="1">
               <a:ea typeface="+mn-lt"/>
               <a:cs typeface="+mn-lt"/>
             </a:endParaRPr>
           </a:p>
           <a:p>
             <a:r>
+              <a:rPr lang="en-US" sz="2800" i="1">
+                <a:ea typeface="+mn-lt"/>
+                <a:cs typeface="+mn-lt"/>
+              </a:rPr>
+              <a:t>All UDP header fileds are extracted </a:t>
+            </a:r>
+          </a:p>
+          <a:p>
+            <a:pPr marL="0" indent="0">
+              <a:buNone/>
+            </a:pPr>
+            <a:r>
               <a:rPr lang="en-US" sz="2800" i="1" err="1">
                 <a:ea typeface="+mn-lt"/>
                 <a:cs typeface="+mn-lt"/>
@@ -6498,7 +6764,7 @@
               <a:t>udp_fields</a:t>
             </a:r>
             <a:r>
-              <a:rPr lang="en-US" sz="2800" i="1" dirty="0">
+              <a:rPr lang="en-US" sz="2800" i="1">
                 <a:ea typeface="+mn-lt"/>
                 <a:cs typeface="+mn-lt"/>
               </a:rPr>
@@ -6512,18 +6778,18 @@
               <a:t>fields_desc</a:t>
             </a:r>
             <a:r>
-              <a:rPr lang="en-US" sz="2800" i="1" dirty="0">
+              <a:rPr lang="en-US" sz="2800" i="1">
                 <a:ea typeface="+mn-lt"/>
                 <a:cs typeface="+mn-lt"/>
               </a:rPr>
               <a:t>]</a:t>
             </a:r>
-            <a:endParaRPr lang="en-US" sz="2800" i="1" dirty="0">
+            <a:endParaRPr lang="en-US" sz="2800" i="1">
               <a:cs typeface="Calibri"/>
             </a:endParaRPr>
           </a:p>
           <a:p>
-            <a:endParaRPr lang="en-US" i="1" dirty="0">
+            <a:endParaRPr lang="en-US" i="1">
               <a:cs typeface="Calibri"/>
             </a:endParaRPr>
           </a:p>
@@ -6542,7 +6808,7 @@
 </p:sld>
 </file>
 
-<file path=ppt/slides/slide18.xml><?xml version="1.0" encoding="utf-8"?>
+<file path=ppt/slides/slide17.xml><?xml version="1.0" encoding="utf-8"?>
 <p:sld xmlns:a="http://schemas.openxmlformats.org/drawingml/2006/main" xmlns:r="http://schemas.openxmlformats.org/officeDocument/2006/relationships" xmlns:p="http://schemas.openxmlformats.org/presentationml/2006/main">
   <p:cSld>
     <p:spTree>
@@ -6760,7 +7026,7 @@
             <a:prstTxWarp prst="textNoShape">
               <a:avLst/>
             </a:prstTxWarp>
-            <a:normAutofit/>
+            <a:normAutofit fontScale="92500"/>
           </a:bodyPr>
           <a:lstStyle>
             <a:lvl1pPr marL="342900" indent="-342900" algn="l" rtl="0" eaLnBrk="1" fontAlgn="base" hangingPunct="1">
@@ -6914,13 +7180,36 @@
               </a:defRPr>
             </a:lvl9pPr>
           </a:lstStyle>
+          <a:p>
+            <a:pPr algn="just"/>
+            <a:r>
+              <a:rPr lang="en-US" sz="2800" b="1" i="1">
+                <a:ea typeface="+mn-lt"/>
+                <a:cs typeface="+mn-lt"/>
+              </a:rPr>
+              <a:t>The size of Options field is added as the last parameter</a:t>
+            </a:r>
+            <a:endParaRPr lang="en-US" sz="2800">
+              <a:ea typeface="+mn-lt"/>
+              <a:cs typeface="+mn-lt"/>
+            </a:endParaRPr>
+          </a:p>
+          <a:p>
+            <a:pPr marL="0" indent="0" algn="just">
+              <a:buNone/>
+            </a:pPr>
+            <a:endParaRPr lang="en-US" sz="2800" b="1" i="1">
+              <a:ea typeface="+mn-lt"/>
+              <a:cs typeface="+mn-lt"/>
+            </a:endParaRPr>
+          </a:p>
           <a:p>
             <a:pPr marL="0" indent="0" algn="just">
               <a:buFont typeface="Arial" charset="0"/>
               <a:buNone/>
             </a:pPr>
             <a:r>
-              <a:rPr lang="en-US" sz="2800" i="1" dirty="0">
+              <a:rPr lang="en-US" sz="2800" i="1">
                 <a:ea typeface="+mn-lt"/>
                 <a:cs typeface="+mn-lt"/>
               </a:rPr>
@@ -6936,21 +7225,21 @@
               <a:buNone/>
             </a:pPr>
             <a:r>
-              <a:rPr lang="en-US" sz="2800" i="1" dirty="0">
+              <a:rPr lang="en-US" sz="2800" i="1">
                 <a:ea typeface="+mn-lt"/>
                 <a:cs typeface="+mn-lt"/>
               </a:rPr>
               <a:t>    </a:t>
             </a:r>
             <a:r>
-              <a:rPr lang="en-US" sz="2800" i="1" dirty="0" err="1">
+              <a:rPr lang="en-US" sz="2800" i="1" err="1">
                 <a:ea typeface="+mn-lt"/>
                 <a:cs typeface="+mn-lt"/>
               </a:rPr>
               <a:t>field_values</a:t>
             </a:r>
             <a:r>
-              <a:rPr lang="en-US" sz="2800" i="1" dirty="0">
+              <a:rPr lang="en-US" sz="2800" i="1">
                 <a:ea typeface="+mn-lt"/>
                 <a:cs typeface="+mn-lt"/>
               </a:rPr>
@@ -6963,133 +7252,113 @@
               <a:buNone/>
             </a:pPr>
             <a:r>
-              <a:rPr lang="en-US" sz="2800" i="1" dirty="0">
+              <a:rPr lang="en-US" sz="2800" i="1">
                 <a:ea typeface="+mn-lt"/>
                 <a:cs typeface="+mn-lt"/>
               </a:rPr>
               <a:t>    for field in </a:t>
             </a:r>
             <a:r>
-              <a:rPr lang="en-US" sz="2800" i="1" dirty="0" err="1">
+              <a:rPr lang="en-US" sz="2800" i="1" err="1">
                 <a:ea typeface="+mn-lt"/>
                 <a:cs typeface="+mn-lt"/>
               </a:rPr>
               <a:t>ip_fields</a:t>
             </a:r>
             <a:r>
-              <a:rPr lang="en-US" sz="2800" i="1" dirty="0">
+              <a:rPr lang="en-US" sz="2800" i="1">
                 <a:ea typeface="+mn-lt"/>
                 <a:cs typeface="+mn-lt"/>
               </a:rPr>
               <a:t>:</a:t>
             </a:r>
+          </a:p>
+          <a:p>
+            <a:pPr marL="0" indent="0">
+              <a:buNone/>
+            </a:pPr>
+            <a:r>
+              <a:rPr lang="en-US" sz="2800" i="1">
+                <a:ea typeface="+mn-lt"/>
+                <a:cs typeface="+mn-lt"/>
+              </a:rPr>
+              <a:t>       if field == 'options': </a:t>
+            </a:r>
+          </a:p>
+          <a:p>
+            <a:pPr marL="0" indent="0">
+              <a:buNone/>
+            </a:pPr>
+            <a:r>
+              <a:rPr lang="en-US" sz="2800" i="1">
+                <a:ea typeface="+mn-lt"/>
+                <a:cs typeface="+mn-lt"/>
+              </a:rPr>
+              <a:t>           </a:t>
+            </a:r>
+            <a:r>
+              <a:rPr lang="en-US" sz="2800" i="1" err="1">
+                <a:ea typeface="+mn-lt"/>
+                <a:cs typeface="+mn-lt"/>
+              </a:rPr>
+              <a:t>field_values.append</a:t>
+            </a:r>
+            <a:r>
+              <a:rPr lang="en-US" sz="2800" i="1">
+                <a:ea typeface="+mn-lt"/>
+                <a:cs typeface="+mn-lt"/>
+              </a:rPr>
+              <a:t> (</a:t>
+            </a:r>
+            <a:r>
+              <a:rPr lang="en-US" sz="2800" i="1" err="1">
+                <a:ea typeface="+mn-lt"/>
+                <a:cs typeface="+mn-lt"/>
+              </a:rPr>
+              <a:t>len</a:t>
+            </a:r>
+            <a:r>
+              <a:rPr lang="en-US" sz="2800" i="1">
+                <a:ea typeface="+mn-lt"/>
+                <a:cs typeface="+mn-lt"/>
+              </a:rPr>
+              <a:t>(packet[IP].fields[field]))</a:t>
+            </a:r>
+            <a:endParaRPr lang="en-US"/>
+          </a:p>
+          <a:p>
+            <a:pPr marL="0" indent="0">
+              <a:buNone/>
+            </a:pPr>
+            <a:r>
+              <a:rPr lang="en-US" sz="2800" i="1">
+                <a:ea typeface="+mn-lt"/>
+                <a:cs typeface="+mn-lt"/>
+              </a:rPr>
+              <a:t>       else:</a:t>
+            </a:r>
+            <a:endParaRPr lang="en-US"/>
           </a:p>
           <a:p>
             <a:pPr marL="0" indent="0" algn="just">
               <a:buNone/>
             </a:pPr>
             <a:r>
-              <a:rPr lang="en-US" sz="2800" i="1" dirty="0">
+              <a:rPr lang="en-US" sz="2800" i="1">
                 <a:ea typeface="+mn-lt"/>
                 <a:cs typeface="+mn-lt"/>
               </a:rPr>
-              <a:t>        if field == 'options': </a:t>
-            </a:r>
-            <a:r>
-              <a:rPr lang="en-US" sz="2800" b="1" i="1" dirty="0">
+              <a:t>           </a:t>
+            </a:r>
+            <a:r>
+              <a:rPr lang="en-US" sz="2800" i="1" err="1">
                 <a:ea typeface="+mn-lt"/>
                 <a:cs typeface="+mn-lt"/>
               </a:rPr>
-              <a:t>#Adding only the size of</a:t>
-            </a:r>
-          </a:p>
-          <a:p>
-            <a:pPr marL="0" indent="0" algn="just">
-              <a:buNone/>
-            </a:pPr>
-            <a:r>
-              <a:rPr lang="en-US" sz="2800" b="1" i="1" dirty="0">
-                <a:ea typeface="+mn-lt"/>
-                <a:cs typeface="+mn-lt"/>
-              </a:rPr>
-              <a:t>                                             Options field</a:t>
-            </a:r>
-          </a:p>
-          <a:p>
-            <a:pPr marL="0" indent="0" algn="just">
-              <a:buFont typeface="Arial" charset="0"/>
-              <a:buNone/>
-            </a:pPr>
-            <a:r>
-              <a:rPr lang="en-US" sz="2800" i="1" dirty="0">
-                <a:ea typeface="+mn-lt"/>
-                <a:cs typeface="+mn-lt"/>
-              </a:rPr>
-              <a:t>            </a:t>
-            </a:r>
-            <a:r>
-              <a:rPr lang="en-US" sz="2800" i="1" dirty="0" err="1">
-                <a:ea typeface="+mn-lt"/>
-                <a:cs typeface="+mn-lt"/>
-              </a:rPr>
               <a:t>field_values.append</a:t>
             </a:r>
             <a:r>
-              <a:rPr lang="en-US" sz="2800" i="1" dirty="0">
-                <a:ea typeface="+mn-lt"/>
-                <a:cs typeface="+mn-lt"/>
-              </a:rPr>
-              <a:t>(</a:t>
-            </a:r>
-            <a:r>
-              <a:rPr lang="en-US" sz="2800" i="1" dirty="0" err="1">
-                <a:ea typeface="+mn-lt"/>
-                <a:cs typeface="+mn-lt"/>
-              </a:rPr>
-              <a:t>len</a:t>
-            </a:r>
-            <a:r>
-              <a:rPr lang="en-US" sz="2800" i="1" dirty="0">
-                <a:ea typeface="+mn-lt"/>
-                <a:cs typeface="+mn-lt"/>
-              </a:rPr>
-              <a:t>(packet[IP].fields[field]))</a:t>
-            </a:r>
-          </a:p>
-          <a:p>
-            <a:pPr marL="0" indent="0" algn="just">
-              <a:buFont typeface="Arial" charset="0"/>
-              <a:buNone/>
-            </a:pPr>
-            <a:r>
-              <a:rPr lang="en-US" sz="2800" i="1" dirty="0">
-                <a:ea typeface="+mn-lt"/>
-                <a:cs typeface="+mn-lt"/>
-              </a:rPr>
-              <a:t>        else:</a:t>
-            </a:r>
-          </a:p>
-          <a:p>
-            <a:pPr marL="0" indent="0" algn="just">
-              <a:buFont typeface="Arial" charset="0"/>
-              <a:buNone/>
-            </a:pPr>
-            <a:r>
-              <a:rPr lang="en-US" sz="2800" i="1" dirty="0">
-                <a:ea typeface="+mn-lt"/>
-                <a:cs typeface="+mn-lt"/>
-              </a:rPr>
-              <a:t>            </a:t>
-            </a:r>
-            <a:r>
-              <a:rPr lang="en-US" sz="2800" i="1" dirty="0" err="1">
-                <a:ea typeface="+mn-lt"/>
-                <a:cs typeface="+mn-lt"/>
-              </a:rPr>
-              <a:t>field_values.append</a:t>
-            </a:r>
-            <a:r>
-              <a:rPr lang="en-US" sz="2800" i="1" dirty="0">
+              <a:rPr lang="en-US" sz="2800" i="1">
                 <a:ea typeface="+mn-lt"/>
                 <a:cs typeface="+mn-lt"/>
               </a:rPr>
@@ -7111,7 +7380,7 @@
 </p:sld>
 </file>
 
-<file path=ppt/slides/slide19.xml><?xml version="1.0" encoding="utf-8"?>
+<file path=ppt/slides/slide18.xml><?xml version="1.0" encoding="utf-8"?>
 <p:sld xmlns:a="http://schemas.openxmlformats.org/drawingml/2006/main" xmlns:r="http://schemas.openxmlformats.org/officeDocument/2006/relationships" xmlns:p="http://schemas.openxmlformats.org/presentationml/2006/main">
   <p:cSld>
     <p:spTree>
@@ -7372,266 +7641,7 @@
 </p:sld>
 </file>
 
-<file path=ppt/slides/slide2.xml><?xml version="1.0" encoding="utf-8"?>
-<p:sld xmlns:a="http://schemas.openxmlformats.org/drawingml/2006/main" xmlns:r="http://schemas.openxmlformats.org/officeDocument/2006/relationships" xmlns:p="http://schemas.openxmlformats.org/presentationml/2006/main">
-  <p:cSld>
-    <p:spTree>
-      <p:nvGrpSpPr>
-        <p:cNvPr id="1" name=""/>
-        <p:cNvGrpSpPr/>
-        <p:nvPr/>
-      </p:nvGrpSpPr>
-      <p:grpSpPr>
-        <a:xfrm>
-          <a:off x="0" y="0"/>
-          <a:ext cx="0" cy="0"/>
-          <a:chOff x="0" y="0"/>
-          <a:chExt cx="0" cy="0"/>
-        </a:xfrm>
-      </p:grpSpPr>
-      <p:sp>
-        <p:nvSpPr>
-          <p:cNvPr id="2" name="Title 1">
-            <a:extLst>
-              <a:ext uri="{FF2B5EF4-FFF2-40B4-BE49-F238E27FC236}">
-                <a16:creationId xmlns:a16="http://schemas.microsoft.com/office/drawing/2014/main" id="{425D184B-6B24-FE42-8FCC-93ED1BD374D8}"/>
-              </a:ext>
-            </a:extLst>
-          </p:cNvPr>
-          <p:cNvSpPr>
-            <a:spLocks noGrp="1"/>
-          </p:cNvSpPr>
-          <p:nvPr>
-            <p:ph type="title"/>
-          </p:nvPr>
-        </p:nvSpPr>
-        <p:spPr/>
-        <p:txBody>
-          <a:bodyPr/>
-          <a:lstStyle/>
-          <a:p>
-            <a:r>
-              <a:rPr lang="en-US">
-                <a:solidFill>
-                  <a:srgbClr val="00B0F0"/>
-                </a:solidFill>
-              </a:rPr>
-              <a:t>Contribution</a:t>
-            </a:r>
-          </a:p>
-        </p:txBody>
-      </p:sp>
-      <p:sp>
-        <p:nvSpPr>
-          <p:cNvPr id="3" name="Content Placeholder 2">
-            <a:extLst>
-              <a:ext uri="{FF2B5EF4-FFF2-40B4-BE49-F238E27FC236}">
-                <a16:creationId xmlns:a16="http://schemas.microsoft.com/office/drawing/2014/main" id="{21C7898D-332F-2044-9B63-3ACED3BD9767}"/>
-              </a:ext>
-            </a:extLst>
-          </p:cNvPr>
-          <p:cNvSpPr>
-            <a:spLocks noGrp="1"/>
-          </p:cNvSpPr>
-          <p:nvPr>
-            <p:ph sz="half" idx="2"/>
-          </p:nvPr>
-        </p:nvSpPr>
-        <p:spPr>
-          <a:xfrm>
-            <a:off x="375863" y="1119556"/>
-            <a:ext cx="8768137" cy="5223272"/>
-          </a:xfrm>
-        </p:spPr>
-        <p:txBody>
-          <a:bodyPr/>
-          <a:lstStyle/>
-          <a:p>
-            <a:r>
-              <a:rPr lang="en-US" sz="2000" dirty="0">
-                <a:latin typeface="Arial"/>
-                <a:cs typeface="Arial"/>
-              </a:rPr>
-              <a:t>Gaurav Kumar</a:t>
-            </a:r>
-          </a:p>
-          <a:p>
-            <a:pPr lvl="1"/>
-            <a:r>
-              <a:rPr lang="en-US" sz="1800" dirty="0">
-                <a:latin typeface="Arial"/>
-                <a:cs typeface="Arial"/>
-              </a:rPr>
-              <a:t>Collection of PCAP files</a:t>
-            </a:r>
-          </a:p>
-          <a:p>
-            <a:pPr lvl="1"/>
-            <a:r>
-              <a:rPr lang="en-US" sz="1800" dirty="0">
-                <a:latin typeface="Arial"/>
-                <a:cs typeface="Arial"/>
-              </a:rPr>
-              <a:t>Implementation of ARP and ICMP packet reader</a:t>
-            </a:r>
-          </a:p>
-          <a:p>
-            <a:r>
-              <a:rPr lang="en-US" sz="2000" dirty="0">
-                <a:latin typeface="Arial"/>
-                <a:cs typeface="Arial"/>
-              </a:rPr>
-              <a:t>Asmita Mahajan</a:t>
-            </a:r>
-          </a:p>
-          <a:p>
-            <a:pPr lvl="1"/>
-            <a:r>
-              <a:rPr lang="en-US" sz="1800">
-                <a:latin typeface="Arial"/>
-                <a:cs typeface="Arial"/>
-              </a:rPr>
-              <a:t>Analysed &amp; Captured the packets from </a:t>
-            </a:r>
-            <a:r>
-              <a:rPr lang="en-US" sz="1800" err="1">
-                <a:latin typeface="Arial"/>
-                <a:cs typeface="Arial"/>
-              </a:rPr>
-              <a:t>wireshark</a:t>
-            </a:r>
-            <a:endParaRPr lang="en-US" sz="1800">
-              <a:latin typeface="Arial"/>
-              <a:cs typeface="Arial"/>
-            </a:endParaRPr>
-          </a:p>
-          <a:p>
-            <a:pPr lvl="1"/>
-            <a:r>
-              <a:rPr lang="en-US" sz="1800">
-                <a:latin typeface="Arial"/>
-                <a:cs typeface="Arial"/>
-              </a:rPr>
-              <a:t>Implemented the IP &amp; TCP/UDP packet reader </a:t>
-            </a:r>
-            <a:endParaRPr lang="en-US" sz="1800"/>
-          </a:p>
-          <a:p>
-            <a:r>
-              <a:rPr lang="en-US" sz="2000" dirty="0">
-                <a:latin typeface="Arial"/>
-                <a:cs typeface="Arial"/>
-              </a:rPr>
-              <a:t>Srishti Sharma</a:t>
-            </a:r>
-          </a:p>
-          <a:p>
-            <a:pPr lvl="1"/>
-            <a:r>
-              <a:rPr lang="en-US" sz="1800" dirty="0">
-                <a:latin typeface="Arial"/>
-                <a:cs typeface="Arial"/>
-              </a:rPr>
-              <a:t>Prepared the literature part regarding project</a:t>
-            </a:r>
-          </a:p>
-          <a:p>
-            <a:pPr lvl="1"/>
-            <a:r>
-              <a:rPr lang="en-US" sz="1800" dirty="0">
-                <a:latin typeface="Arial"/>
-                <a:cs typeface="Arial"/>
-              </a:rPr>
-              <a:t>Analyzed various filed of TCP/UDP packets using </a:t>
-            </a:r>
-            <a:r>
-              <a:rPr lang="en-US" sz="1800" dirty="0" err="1">
-                <a:latin typeface="Arial"/>
-                <a:cs typeface="Arial"/>
-              </a:rPr>
-              <a:t>wireshark</a:t>
-            </a:r>
-            <a:endParaRPr lang="en-US" sz="1800" dirty="0">
-              <a:latin typeface="Arial"/>
-              <a:cs typeface="Arial"/>
-            </a:endParaRPr>
-          </a:p>
-          <a:p>
-            <a:r>
-              <a:rPr lang="en-US" sz="2000" dirty="0">
-                <a:latin typeface="Arial"/>
-                <a:cs typeface="Arial"/>
-              </a:rPr>
-              <a:t>Kanhu Charan Gouda</a:t>
-            </a:r>
-          </a:p>
-          <a:p>
-            <a:pPr lvl="1"/>
-            <a:r>
-              <a:rPr lang="en-US" sz="1800" dirty="0">
-                <a:latin typeface="Arial"/>
-                <a:cs typeface="Arial"/>
-              </a:rPr>
-              <a:t>Prepared the part of project report</a:t>
-            </a:r>
-          </a:p>
-          <a:p>
-            <a:pPr lvl="1"/>
-            <a:r>
-              <a:rPr lang="en-US" sz="1800" dirty="0">
-                <a:latin typeface="Arial"/>
-                <a:cs typeface="Arial"/>
-              </a:rPr>
-              <a:t>Analyzed various filed of ARP packets using </a:t>
-            </a:r>
-            <a:r>
-              <a:rPr lang="en-US" sz="1800" dirty="0" err="1">
-                <a:latin typeface="Arial"/>
-                <a:cs typeface="Arial"/>
-              </a:rPr>
-              <a:t>wireshark</a:t>
-            </a:r>
-            <a:endParaRPr lang="en-US" sz="1800" dirty="0">
-              <a:latin typeface="Arial"/>
-              <a:cs typeface="Arial"/>
-            </a:endParaRPr>
-          </a:p>
-          <a:p>
-            <a:r>
-              <a:rPr lang="en-US" sz="2000" dirty="0"/>
-              <a:t>Hem Chandra Joshi</a:t>
-            </a:r>
-          </a:p>
-          <a:p>
-            <a:pPr lvl="1"/>
-            <a:r>
-              <a:rPr lang="en-US" sz="1800" dirty="0"/>
-              <a:t>Processed the excel file to summarize the data</a:t>
-            </a:r>
-          </a:p>
-          <a:p>
-            <a:pPr lvl="1"/>
-            <a:r>
-              <a:rPr lang="en-US" sz="1800" dirty="0"/>
-              <a:t>Visualize the few important values of various packets </a:t>
-            </a:r>
-          </a:p>
-        </p:txBody>
-      </p:sp>
-    </p:spTree>
-    <p:extLst>
-      <p:ext uri="{BB962C8B-B14F-4D97-AF65-F5344CB8AC3E}">
-        <p14:creationId xmlns:p14="http://schemas.microsoft.com/office/powerpoint/2010/main" val="2999041865"/>
-      </p:ext>
-    </p:extLst>
-  </p:cSld>
-  <p:clrMapOvr>
-    <a:masterClrMapping/>
-  </p:clrMapOvr>
-</p:sld>
-</file>
-
-<file path=ppt/slides/slide20.xml><?xml version="1.0" encoding="utf-8"?>
+<file path=ppt/slides/slide19.xml><?xml version="1.0" encoding="utf-8"?>
 <p:sld xmlns:a="http://schemas.openxmlformats.org/drawingml/2006/main" xmlns:r="http://schemas.openxmlformats.org/officeDocument/2006/relationships" xmlns:p="http://schemas.openxmlformats.org/presentationml/2006/main">
   <p:cSld>
     <p:spTree>
@@ -8001,7 +8011,7 @@
           <a:p>
             <a:pPr algn="just"/>
             <a:r>
-              <a:rPr lang="en-US" sz="2800" dirty="0">
+              <a:rPr lang="en-US" sz="2800">
                 <a:ea typeface="+mn-lt"/>
                 <a:cs typeface="+mn-lt"/>
               </a:rPr>
@@ -8021,21 +8031,21 @@
               <a:buNone/>
             </a:pPr>
             <a:r>
-              <a:rPr lang="en-US" sz="2800" i="1" dirty="0">
+              <a:rPr lang="en-US" sz="2800" i="1">
                 <a:ea typeface="+mn-lt"/>
                 <a:cs typeface="+mn-lt"/>
               </a:rPr>
               <a:t>for field in </a:t>
             </a:r>
             <a:r>
-              <a:rPr lang="en-US" sz="2800" i="1" dirty="0" err="1">
+              <a:rPr lang="en-US" sz="2800" i="1" err="1">
                 <a:ea typeface="+mn-lt"/>
                 <a:cs typeface="+mn-lt"/>
               </a:rPr>
               <a:t>tcp_fields</a:t>
             </a:r>
             <a:r>
-              <a:rPr lang="en-US" sz="2800" i="1" dirty="0">
+              <a:rPr lang="en-US" sz="2800" i="1">
                 <a:ea typeface="+mn-lt"/>
                 <a:cs typeface="+mn-lt"/>
               </a:rPr>
@@ -8048,35 +8058,35 @@
               <a:buNone/>
             </a:pPr>
             <a:r>
-              <a:rPr lang="en-US" sz="2800" i="1" dirty="0">
+              <a:rPr lang="en-US" sz="2800" i="1">
                 <a:ea typeface="+mn-lt"/>
                 <a:cs typeface="+mn-lt"/>
               </a:rPr>
               <a:t>     </a:t>
             </a:r>
             <a:r>
-              <a:rPr lang="en-US" sz="2800" i="1" dirty="0" err="1">
+              <a:rPr lang="en-US" sz="2800" i="1" err="1">
                 <a:ea typeface="+mn-lt"/>
                 <a:cs typeface="+mn-lt"/>
               </a:rPr>
               <a:t>field_values.append</a:t>
             </a:r>
             <a:r>
-              <a:rPr lang="en-US" sz="2800" i="1" dirty="0">
+              <a:rPr lang="en-US" sz="2800" i="1">
                 <a:ea typeface="+mn-lt"/>
                 <a:cs typeface="+mn-lt"/>
               </a:rPr>
               <a:t>(packet[</a:t>
             </a:r>
             <a:r>
-              <a:rPr lang="en-US" sz="2800" i="1" dirty="0" err="1">
+              <a:rPr lang="en-US" sz="2800" i="1" err="1">
                 <a:ea typeface="+mn-lt"/>
                 <a:cs typeface="+mn-lt"/>
               </a:rPr>
               <a:t>layer_type</a:t>
             </a:r>
             <a:r>
-              <a:rPr lang="en-US" sz="2800" i="1" dirty="0">
+              <a:rPr lang="en-US" sz="2800" i="1">
                 <a:ea typeface="+mn-lt"/>
                 <a:cs typeface="+mn-lt"/>
               </a:rPr>
@@ -8098,7 +8108,266 @@
 </p:sld>
 </file>
 
-<file path=ppt/slides/slide21.xml><?xml version="1.0" encoding="utf-8"?>
+<file path=ppt/slides/slide2.xml><?xml version="1.0" encoding="utf-8"?>
+<p:sld xmlns:a="http://schemas.openxmlformats.org/drawingml/2006/main" xmlns:r="http://schemas.openxmlformats.org/officeDocument/2006/relationships" xmlns:p="http://schemas.openxmlformats.org/presentationml/2006/main">
+  <p:cSld>
+    <p:spTree>
+      <p:nvGrpSpPr>
+        <p:cNvPr id="1" name=""/>
+        <p:cNvGrpSpPr/>
+        <p:nvPr/>
+      </p:nvGrpSpPr>
+      <p:grpSpPr>
+        <a:xfrm>
+          <a:off x="0" y="0"/>
+          <a:ext cx="0" cy="0"/>
+          <a:chOff x="0" y="0"/>
+          <a:chExt cx="0" cy="0"/>
+        </a:xfrm>
+      </p:grpSpPr>
+      <p:sp>
+        <p:nvSpPr>
+          <p:cNvPr id="2" name="Title 1">
+            <a:extLst>
+              <a:ext uri="{FF2B5EF4-FFF2-40B4-BE49-F238E27FC236}">
+                <a16:creationId xmlns:a16="http://schemas.microsoft.com/office/drawing/2014/main" id="{425D184B-6B24-FE42-8FCC-93ED1BD374D8}"/>
+              </a:ext>
+            </a:extLst>
+          </p:cNvPr>
+          <p:cNvSpPr>
+            <a:spLocks noGrp="1"/>
+          </p:cNvSpPr>
+          <p:nvPr>
+            <p:ph type="title"/>
+          </p:nvPr>
+        </p:nvSpPr>
+        <p:spPr/>
+        <p:txBody>
+          <a:bodyPr/>
+          <a:lstStyle/>
+          <a:p>
+            <a:r>
+              <a:rPr lang="en-US">
+                <a:solidFill>
+                  <a:srgbClr val="00B0F0"/>
+                </a:solidFill>
+              </a:rPr>
+              <a:t>Contribution</a:t>
+            </a:r>
+          </a:p>
+        </p:txBody>
+      </p:sp>
+      <p:sp>
+        <p:nvSpPr>
+          <p:cNvPr id="3" name="Content Placeholder 2">
+            <a:extLst>
+              <a:ext uri="{FF2B5EF4-FFF2-40B4-BE49-F238E27FC236}">
+                <a16:creationId xmlns:a16="http://schemas.microsoft.com/office/drawing/2014/main" id="{21C7898D-332F-2044-9B63-3ACED3BD9767}"/>
+              </a:ext>
+            </a:extLst>
+          </p:cNvPr>
+          <p:cNvSpPr>
+            <a:spLocks noGrp="1"/>
+          </p:cNvSpPr>
+          <p:nvPr>
+            <p:ph sz="half" idx="2"/>
+          </p:nvPr>
+        </p:nvSpPr>
+        <p:spPr>
+          <a:xfrm>
+            <a:off x="375863" y="1119556"/>
+            <a:ext cx="8768137" cy="5223272"/>
+          </a:xfrm>
+        </p:spPr>
+        <p:txBody>
+          <a:bodyPr/>
+          <a:lstStyle/>
+          <a:p>
+            <a:r>
+              <a:rPr lang="en-US" sz="2000">
+                <a:latin typeface="Arial"/>
+                <a:cs typeface="Arial"/>
+              </a:rPr>
+              <a:t>Gaurav Kumar</a:t>
+            </a:r>
+          </a:p>
+          <a:p>
+            <a:pPr lvl="1"/>
+            <a:r>
+              <a:rPr lang="en-US" sz="1800">
+                <a:latin typeface="Arial"/>
+                <a:cs typeface="Arial"/>
+              </a:rPr>
+              <a:t>Collection of PCAP files</a:t>
+            </a:r>
+          </a:p>
+          <a:p>
+            <a:pPr lvl="1"/>
+            <a:r>
+              <a:rPr lang="en-US" sz="1800">
+                <a:latin typeface="Arial"/>
+                <a:cs typeface="Arial"/>
+              </a:rPr>
+              <a:t>Implementation of ARP and ICMP packet reader</a:t>
+            </a:r>
+          </a:p>
+          <a:p>
+            <a:r>
+              <a:rPr lang="en-US" sz="2000">
+                <a:latin typeface="Arial"/>
+                <a:cs typeface="Arial"/>
+              </a:rPr>
+              <a:t>Asmita Mahajan</a:t>
+            </a:r>
+          </a:p>
+          <a:p>
+            <a:pPr lvl="1"/>
+            <a:r>
+              <a:rPr lang="en-US" sz="1800">
+                <a:latin typeface="Arial"/>
+                <a:cs typeface="Arial"/>
+              </a:rPr>
+              <a:t>Analysed &amp; Captured the packets from </a:t>
+            </a:r>
+            <a:r>
+              <a:rPr lang="en-US" sz="1800" err="1">
+                <a:latin typeface="Arial"/>
+                <a:cs typeface="Arial"/>
+              </a:rPr>
+              <a:t>wireshark</a:t>
+            </a:r>
+            <a:endParaRPr lang="en-US" sz="1800">
+              <a:latin typeface="Arial"/>
+              <a:cs typeface="Arial"/>
+            </a:endParaRPr>
+          </a:p>
+          <a:p>
+            <a:pPr lvl="1"/>
+            <a:r>
+              <a:rPr lang="en-US" sz="1800">
+                <a:latin typeface="Arial"/>
+                <a:cs typeface="Arial"/>
+              </a:rPr>
+              <a:t>Implemented the IP &amp; TCP/UDP packet reader </a:t>
+            </a:r>
+            <a:endParaRPr lang="en-US" sz="1800"/>
+          </a:p>
+          <a:p>
+            <a:r>
+              <a:rPr lang="en-US" sz="2000">
+                <a:latin typeface="Arial"/>
+                <a:cs typeface="Arial"/>
+              </a:rPr>
+              <a:t>Srishti Sharma</a:t>
+            </a:r>
+          </a:p>
+          <a:p>
+            <a:pPr lvl="1"/>
+            <a:r>
+              <a:rPr lang="en-US" sz="1800">
+                <a:latin typeface="Arial"/>
+                <a:cs typeface="Arial"/>
+              </a:rPr>
+              <a:t>Prepared the literature part regarding project</a:t>
+            </a:r>
+          </a:p>
+          <a:p>
+            <a:pPr lvl="1"/>
+            <a:r>
+              <a:rPr lang="en-US" sz="1800">
+                <a:latin typeface="Arial"/>
+                <a:cs typeface="Arial"/>
+              </a:rPr>
+              <a:t>Analyzed various filed of TCP/UDP packets using </a:t>
+            </a:r>
+            <a:r>
+              <a:rPr lang="en-US" sz="1800" err="1">
+                <a:latin typeface="Arial"/>
+                <a:cs typeface="Arial"/>
+              </a:rPr>
+              <a:t>wireshark</a:t>
+            </a:r>
+            <a:endParaRPr lang="en-US" sz="1800">
+              <a:latin typeface="Arial"/>
+              <a:cs typeface="Arial"/>
+            </a:endParaRPr>
+          </a:p>
+          <a:p>
+            <a:r>
+              <a:rPr lang="en-US" sz="2000">
+                <a:latin typeface="Arial"/>
+                <a:cs typeface="Arial"/>
+              </a:rPr>
+              <a:t>Kanhu Charan Gouda</a:t>
+            </a:r>
+          </a:p>
+          <a:p>
+            <a:pPr lvl="1"/>
+            <a:r>
+              <a:rPr lang="en-US" sz="1800">
+                <a:latin typeface="Arial"/>
+                <a:cs typeface="Arial"/>
+              </a:rPr>
+              <a:t>Prepared the part of project report</a:t>
+            </a:r>
+          </a:p>
+          <a:p>
+            <a:pPr lvl="1"/>
+            <a:r>
+              <a:rPr lang="en-US" sz="1800">
+                <a:latin typeface="Arial"/>
+                <a:cs typeface="Arial"/>
+              </a:rPr>
+              <a:t>Analyzed various filed of ARP packets using </a:t>
+            </a:r>
+            <a:r>
+              <a:rPr lang="en-US" sz="1800" err="1">
+                <a:latin typeface="Arial"/>
+                <a:cs typeface="Arial"/>
+              </a:rPr>
+              <a:t>wireshark</a:t>
+            </a:r>
+            <a:endParaRPr lang="en-US" sz="1800">
+              <a:latin typeface="Arial"/>
+              <a:cs typeface="Arial"/>
+            </a:endParaRPr>
+          </a:p>
+          <a:p>
+            <a:r>
+              <a:rPr lang="en-US" sz="2000"/>
+              <a:t>Hem Chandra Joshi</a:t>
+            </a:r>
+          </a:p>
+          <a:p>
+            <a:pPr lvl="1"/>
+            <a:r>
+              <a:rPr lang="en-US" sz="1800"/>
+              <a:t>Processed the excel file to summarize the data</a:t>
+            </a:r>
+          </a:p>
+          <a:p>
+            <a:pPr lvl="1"/>
+            <a:r>
+              <a:rPr lang="en-US" sz="1800"/>
+              <a:t>Visualize the few important values of various packets </a:t>
+            </a:r>
+          </a:p>
+        </p:txBody>
+      </p:sp>
+    </p:spTree>
+    <p:extLst>
+      <p:ext uri="{BB962C8B-B14F-4D97-AF65-F5344CB8AC3E}">
+        <p14:creationId xmlns:p14="http://schemas.microsoft.com/office/powerpoint/2010/main" val="2999041865"/>
+      </p:ext>
+    </p:extLst>
+  </p:cSld>
+  <p:clrMapOvr>
+    <a:masterClrMapping/>
+  </p:clrMapOvr>
+</p:sld>
+</file>
+
+<file path=ppt/slides/slide20.xml><?xml version="1.0" encoding="utf-8"?>
 <p:sld xmlns:a="http://schemas.openxmlformats.org/drawingml/2006/main" xmlns:r="http://schemas.openxmlformats.org/officeDocument/2006/relationships" xmlns:p="http://schemas.openxmlformats.org/presentationml/2006/main">
   <p:cSld>
     <p:spTree>
@@ -8332,7 +8601,7 @@
 </p:sld>
 </file>
 
-<file path=ppt/slides/slide22.xml><?xml version="1.0" encoding="utf-8"?>
+<file path=ppt/slides/slide21.xml><?xml version="1.0" encoding="utf-8"?>
 <p:sld xmlns:a="http://schemas.openxmlformats.org/drawingml/2006/main" xmlns:r="http://schemas.openxmlformats.org/officeDocument/2006/relationships" xmlns:p="http://schemas.openxmlformats.org/presentationml/2006/main">
   <p:cSld>
     <p:spTree>
@@ -8533,15 +8802,15 @@
         </p:nvSpPr>
         <p:spPr>
           <a:xfrm>
-            <a:off x="628650" y="2226469"/>
-            <a:ext cx="7653036" cy="3263504"/>
+            <a:off x="628650" y="1183548"/>
+            <a:ext cx="8443127" cy="5275605"/>
           </a:xfrm>
           <a:prstGeom prst="rect">
             <a:avLst/>
           </a:prstGeom>
         </p:spPr>
         <p:txBody>
-          <a:bodyPr/>
+          <a:bodyPr lIns="91440" tIns="45720" rIns="91440" bIns="45720" anchor="t"/>
           <a:lstStyle>
             <a:lvl1pPr marL="342900" indent="-342900" algn="l" rtl="0" eaLnBrk="1" fontAlgn="base" hangingPunct="1">
               <a:spcBef>
@@ -8695,13 +8964,50 @@
             </a:lvl9pPr>
           </a:lstStyle>
           <a:p>
+            <a:pPr marL="457200" indent="-457200"/>
             <a:r>
               <a:rPr lang="en-US" sz="2800">
                 <a:ea typeface="+mn-lt"/>
                 <a:cs typeface="+mn-lt"/>
               </a:rPr>
-              <a:t>arp_fields = [field.name for field in ARP().fields_desc]</a:t>
-            </a:r>
+              <a:t>Store all ARP header parameters</a:t>
+            </a:r>
+          </a:p>
+          <a:p>
+            <a:pPr marL="0" indent="0">
+              <a:buNone/>
+            </a:pPr>
+            <a:r>
+              <a:rPr lang="en-US" sz="2800" err="1">
+                <a:ea typeface="+mn-lt"/>
+                <a:cs typeface="+mn-lt"/>
+              </a:rPr>
+              <a:t>arp_fields</a:t>
+            </a:r>
+            <a:r>
+              <a:rPr lang="en-US" sz="2800">
+                <a:ea typeface="+mn-lt"/>
+                <a:cs typeface="+mn-lt"/>
+              </a:rPr>
+              <a:t> = [field.name for field in ARP().</a:t>
+            </a:r>
+            <a:r>
+              <a:rPr lang="en-US" sz="2800" err="1">
+                <a:ea typeface="+mn-lt"/>
+                <a:cs typeface="+mn-lt"/>
+              </a:rPr>
+              <a:t>fields_desc</a:t>
+            </a:r>
+            <a:r>
+              <a:rPr lang="en-US" sz="2800">
+                <a:ea typeface="+mn-lt"/>
+                <a:cs typeface="+mn-lt"/>
+              </a:rPr>
+              <a:t>]</a:t>
+            </a:r>
+            <a:endParaRPr lang="en-US">
+              <a:cs typeface="Calibri"/>
+            </a:endParaRPr>
           </a:p>
           <a:p>
             <a:pPr marL="0" indent="0">
@@ -8714,12 +9020,49 @@
             </a:endParaRPr>
           </a:p>
           <a:p>
+            <a:pPr marL="457200" indent="-457200"/>
             <a:r>
               <a:rPr lang="en-US" sz="2800">
                 <a:ea typeface="+mn-lt"/>
                 <a:cs typeface="+mn-lt"/>
               </a:rPr>
-              <a:t>icmp_fields = [field.name for field in ICMP().fields_desc]</a:t>
+              <a:t>Store all ICMP header parameters</a:t>
+            </a:r>
+            <a:endParaRPr lang="en-US">
+              <a:cs typeface="Calibri"/>
+            </a:endParaRPr>
+          </a:p>
+          <a:p>
+            <a:pPr marL="0" indent="0">
+              <a:buNone/>
+            </a:pPr>
+            <a:r>
+              <a:rPr lang="en-US" sz="2800" err="1">
+                <a:ea typeface="+mn-lt"/>
+                <a:cs typeface="+mn-lt"/>
+              </a:rPr>
+              <a:t>icmp_fields</a:t>
+            </a:r>
+            <a:r>
+              <a:rPr lang="en-US" sz="2800">
+                <a:ea typeface="+mn-lt"/>
+                <a:cs typeface="+mn-lt"/>
+              </a:rPr>
+              <a:t> = [field.name for field in ICMP().</a:t>
+            </a:r>
+            <a:r>
+              <a:rPr lang="en-US" sz="2800" err="1">
+                <a:ea typeface="+mn-lt"/>
+                <a:cs typeface="+mn-lt"/>
+              </a:rPr>
+              <a:t>fields_desc</a:t>
+            </a:r>
+            <a:r>
+              <a:rPr lang="en-US" sz="2800">
+                <a:ea typeface="+mn-lt"/>
+                <a:cs typeface="+mn-lt"/>
+              </a:rPr>
+              <a:t>]</a:t>
             </a:r>
           </a:p>
         </p:txBody>
@@ -8737,7 +9080,7 @@
 </p:sld>
 </file>
 
-<file path=ppt/slides/slide23.xml><?xml version="1.0" encoding="utf-8"?>
+<file path=ppt/slides/slide22.xml><?xml version="1.0" encoding="utf-8"?>
 <p:sld xmlns:a="http://schemas.openxmlformats.org/drawingml/2006/main" xmlns:r="http://schemas.openxmlformats.org/officeDocument/2006/relationships" xmlns:p="http://schemas.openxmlformats.org/presentationml/2006/main">
   <p:cSld>
     <p:spTree>
@@ -9171,7 +9514,7 @@
 </p:sld>
 </file>
 
-<file path=ppt/slides/slide24.xml><?xml version="1.0" encoding="utf-8"?>
+<file path=ppt/slides/slide23.xml><?xml version="1.0" encoding="utf-8"?>
 <p:sld xmlns:a="http://schemas.openxmlformats.org/drawingml/2006/main" xmlns:r="http://schemas.openxmlformats.org/officeDocument/2006/relationships" xmlns:p="http://schemas.openxmlformats.org/presentationml/2006/main">
   <p:cSld>
     <p:spTree>
@@ -9204,15 +9547,15 @@
         </p:nvSpPr>
         <p:spPr>
           <a:xfrm>
-            <a:off x="457200" y="274638"/>
-            <a:ext cx="8229600" cy="1143000"/>
+            <a:off x="162232" y="1486112"/>
+            <a:ext cx="8229600" cy="795360"/>
           </a:xfrm>
           <a:prstGeom prst="rect">
             <a:avLst/>
           </a:prstGeom>
         </p:spPr>
         <p:txBody>
-          <a:bodyPr/>
+          <a:bodyPr lIns="91440" tIns="45720" rIns="91440" bIns="45720" anchor="t"/>
           <a:lstStyle>
             <a:lvl1pPr algn="ctr" rtl="0" eaLnBrk="1" fontAlgn="base" hangingPunct="1">
               <a:spcBef>
@@ -9344,14 +9687,17 @@
             </a:lvl9pPr>
           </a:lstStyle>
           <a:p>
-            <a:r>
-              <a:rPr lang="en-US" sz="3200" b="1">
-                <a:solidFill>
-                  <a:srgbClr val="00B0F0"/>
-                </a:solidFill>
-                <a:cs typeface="Calibri Light"/>
-              </a:rPr>
-              <a:t>Display the ARP Data</a:t>
+            <a:pPr marL="457200" indent="-457200" algn="l">
+              <a:buFont typeface="Arial"/>
+              <a:buChar char="•"/>
+            </a:pPr>
+            <a:r>
+              <a:rPr lang="en-US" sz="2800">
+                <a:latin typeface="+mn-lt"/>
+                <a:ea typeface="+mn-lt"/>
+                <a:cs typeface="+mn-lt"/>
+              </a:rPr>
+              <a:t>ARP header values for first 5 packets is displayed </a:t>
             </a:r>
           </a:p>
         </p:txBody>
@@ -9378,7 +9724,7 @@
         </p:blipFill>
         <p:spPr>
           <a:xfrm>
-            <a:off x="628650" y="2260477"/>
+            <a:off x="407425" y="2829343"/>
             <a:ext cx="7886700" cy="1858610"/>
           </a:xfrm>
           <a:prstGeom prst="rect">
@@ -9399,7 +9745,7 @@
 </p:sld>
 </file>
 
-<file path=ppt/slides/slide25.xml><?xml version="1.0" encoding="utf-8"?>
+<file path=ppt/slides/slide24.xml><?xml version="1.0" encoding="utf-8"?>
 <p:sld xmlns:a="http://schemas.openxmlformats.org/drawingml/2006/main" xmlns:r="http://schemas.openxmlformats.org/officeDocument/2006/relationships" xmlns:p="http://schemas.openxmlformats.org/presentationml/2006/main">
   <p:cSld>
     <p:spTree>
@@ -9846,7 +10192,7 @@
 </p:sld>
 </file>
 
-<file path=ppt/slides/slide26.xml><?xml version="1.0" encoding="utf-8"?>
+<file path=ppt/slides/slide25.xml><?xml version="1.0" encoding="utf-8"?>
 <p:sld xmlns:a="http://schemas.openxmlformats.org/drawingml/2006/main" xmlns:r="http://schemas.openxmlformats.org/officeDocument/2006/relationships" xmlns:p="http://schemas.openxmlformats.org/presentationml/2006/main">
   <p:cSld>
     <p:spTree>
@@ -9887,7 +10233,7 @@
           </a:prstGeom>
         </p:spPr>
         <p:txBody>
-          <a:bodyPr/>
+          <a:bodyPr lIns="91440" tIns="45720" rIns="91440" bIns="45720" anchor="t"/>
           <a:lstStyle>
             <a:lvl1pPr algn="ctr" rtl="0" eaLnBrk="1" fontAlgn="base" hangingPunct="1">
               <a:spcBef>
@@ -10026,7 +10372,7 @@
                 </a:solidFill>
                 <a:cs typeface="Calibri Light"/>
               </a:rPr>
-              <a:t>Display the ARP Data</a:t>
+              <a:t>Display the ICMP Data</a:t>
             </a:r>
           </a:p>
         </p:txBody>
@@ -10053,7 +10399,7 @@
         </p:blipFill>
         <p:spPr>
           <a:xfrm>
-            <a:off x="628650" y="2415609"/>
+            <a:off x="628650" y="2647369"/>
             <a:ext cx="7886700" cy="2885223"/>
           </a:xfrm>
           <a:prstGeom prst="rect">
@@ -10061,6 +10407,177 @@
           </a:prstGeom>
         </p:spPr>
       </p:pic>
+      <p:sp>
+        <p:nvSpPr>
+          <p:cNvPr id="5" name="Title 1">
+            <a:extLst>
+              <a:ext uri="{FF2B5EF4-FFF2-40B4-BE49-F238E27FC236}">
+                <a16:creationId xmlns:a16="http://schemas.microsoft.com/office/drawing/2014/main" id="{9C4DF89D-3364-4F9E-9058-6D6D57FA6214}"/>
+              </a:ext>
+            </a:extLst>
+          </p:cNvPr>
+          <p:cNvSpPr txBox="1">
+            <a:spLocks/>
+          </p:cNvSpPr>
+          <p:nvPr/>
+        </p:nvSpPr>
+        <p:spPr>
+          <a:xfrm>
+            <a:off x="162232" y="1486112"/>
+            <a:ext cx="8229600" cy="795360"/>
+          </a:xfrm>
+          <a:prstGeom prst="rect">
+            <a:avLst/>
+          </a:prstGeom>
+        </p:spPr>
+        <p:txBody>
+          <a:bodyPr lIns="91440" tIns="45720" rIns="91440" bIns="45720" anchor="t"/>
+          <a:lstStyle>
+            <a:lvl1pPr algn="ctr" rtl="0" eaLnBrk="1" fontAlgn="base" hangingPunct="1">
+              <a:spcBef>
+                <a:spcPct val="0"/>
+              </a:spcBef>
+              <a:spcAft>
+                <a:spcPct val="0"/>
+              </a:spcAft>
+              <a:defRPr sz="4400" kern="1200">
+                <a:solidFill>
+                  <a:schemeClr val="tx1"/>
+                </a:solidFill>
+                <a:latin typeface="+mj-lt"/>
+                <a:ea typeface="+mj-ea"/>
+                <a:cs typeface="+mj-cs"/>
+              </a:defRPr>
+            </a:lvl1pPr>
+            <a:lvl2pPr algn="ctr" rtl="0" eaLnBrk="1" fontAlgn="base" hangingPunct="1">
+              <a:spcBef>
+                <a:spcPct val="0"/>
+              </a:spcBef>
+              <a:spcAft>
+                <a:spcPct val="0"/>
+              </a:spcAft>
+              <a:defRPr sz="4400">
+                <a:solidFill>
+                  <a:schemeClr val="tx1"/>
+                </a:solidFill>
+                <a:latin typeface="Calibri" pitchFamily="34" charset="0"/>
+              </a:defRPr>
+            </a:lvl2pPr>
+            <a:lvl3pPr algn="ctr" rtl="0" eaLnBrk="1" fontAlgn="base" hangingPunct="1">
+              <a:spcBef>
+                <a:spcPct val="0"/>
+              </a:spcBef>
+              <a:spcAft>
+                <a:spcPct val="0"/>
+              </a:spcAft>
+              <a:defRPr sz="4400">
+                <a:solidFill>
+                  <a:schemeClr val="tx1"/>
+                </a:solidFill>
+                <a:latin typeface="Calibri" pitchFamily="34" charset="0"/>
+              </a:defRPr>
+            </a:lvl3pPr>
+            <a:lvl4pPr algn="ctr" rtl="0" eaLnBrk="1" fontAlgn="base" hangingPunct="1">
+              <a:spcBef>
+                <a:spcPct val="0"/>
+              </a:spcBef>
+              <a:spcAft>
+                <a:spcPct val="0"/>
+              </a:spcAft>
+              <a:defRPr sz="4400">
+                <a:solidFill>
+                  <a:schemeClr val="tx1"/>
+                </a:solidFill>
+                <a:latin typeface="Calibri" pitchFamily="34" charset="0"/>
+              </a:defRPr>
+            </a:lvl4pPr>
+            <a:lvl5pPr algn="ctr" rtl="0" eaLnBrk="1" fontAlgn="base" hangingPunct="1">
+              <a:spcBef>
+                <a:spcPct val="0"/>
+              </a:spcBef>
+              <a:spcAft>
+                <a:spcPct val="0"/>
+              </a:spcAft>
+              <a:defRPr sz="4400">
+                <a:solidFill>
+                  <a:schemeClr val="tx1"/>
+                </a:solidFill>
+                <a:latin typeface="Calibri" pitchFamily="34" charset="0"/>
+              </a:defRPr>
+            </a:lvl5pPr>
+            <a:lvl6pPr marL="457200" algn="ctr" rtl="0" eaLnBrk="1" fontAlgn="base" hangingPunct="1">
+              <a:spcBef>
+                <a:spcPct val="0"/>
+              </a:spcBef>
+              <a:spcAft>
+                <a:spcPct val="0"/>
+              </a:spcAft>
+              <a:defRPr sz="4400">
+                <a:solidFill>
+                  <a:schemeClr val="tx1"/>
+                </a:solidFill>
+                <a:latin typeface="Calibri" pitchFamily="34" charset="0"/>
+              </a:defRPr>
+            </a:lvl6pPr>
+            <a:lvl7pPr marL="914400" algn="ctr" rtl="0" eaLnBrk="1" fontAlgn="base" hangingPunct="1">
+              <a:spcBef>
+                <a:spcPct val="0"/>
+              </a:spcBef>
+              <a:spcAft>
+                <a:spcPct val="0"/>
+              </a:spcAft>
+              <a:defRPr sz="4400">
+                <a:solidFill>
+                  <a:schemeClr val="tx1"/>
+                </a:solidFill>
+                <a:latin typeface="Calibri" pitchFamily="34" charset="0"/>
+              </a:defRPr>
+            </a:lvl7pPr>
+            <a:lvl8pPr marL="1371600" algn="ctr" rtl="0" eaLnBrk="1" fontAlgn="base" hangingPunct="1">
+              <a:spcBef>
+                <a:spcPct val="0"/>
+              </a:spcBef>
+              <a:spcAft>
+                <a:spcPct val="0"/>
+              </a:spcAft>
+              <a:defRPr sz="4400">
+                <a:solidFill>
+                  <a:schemeClr val="tx1"/>
+                </a:solidFill>
+                <a:latin typeface="Calibri" pitchFamily="34" charset="0"/>
+              </a:defRPr>
+            </a:lvl8pPr>
+            <a:lvl9pPr marL="1828800" algn="ctr" rtl="0" eaLnBrk="1" fontAlgn="base" hangingPunct="1">
+              <a:spcBef>
+                <a:spcPct val="0"/>
+              </a:spcBef>
+              <a:spcAft>
+                <a:spcPct val="0"/>
+              </a:spcAft>
+              <a:defRPr sz="4400">
+                <a:solidFill>
+                  <a:schemeClr val="tx1"/>
+                </a:solidFill>
+                <a:latin typeface="Calibri" pitchFamily="34" charset="0"/>
+              </a:defRPr>
+            </a:lvl9pPr>
+          </a:lstStyle>
+          <a:p>
+            <a:pPr marL="457200" indent="-457200" algn="l">
+              <a:buFont typeface="Arial"/>
+              <a:buChar char="•"/>
+            </a:pPr>
+            <a:r>
+              <a:rPr lang="en-US" sz="2800">
+                <a:latin typeface="+mn-lt"/>
+                <a:ea typeface="+mn-lt"/>
+                <a:cs typeface="+mn-lt"/>
+              </a:rPr>
+              <a:t>ICMP header values for first 5 packets is displayed </a:t>
+            </a:r>
+          </a:p>
+        </p:txBody>
+      </p:sp>
     </p:spTree>
     <p:extLst>
       <p:ext uri="{BB962C8B-B14F-4D97-AF65-F5344CB8AC3E}">
@@ -10074,7 +10591,7 @@
 </p:sld>
 </file>
 
-<file path=ppt/slides/slide27.xml><?xml version="1.0" encoding="utf-8"?>
+<file path=ppt/slides/slide26.xml><?xml version="1.0" encoding="utf-8"?>
 <p:sld xmlns:a="http://schemas.openxmlformats.org/drawingml/2006/main" xmlns:r="http://schemas.openxmlformats.org/officeDocument/2006/relationships" xmlns:p="http://schemas.openxmlformats.org/presentationml/2006/main">
   <p:cSld>
     <p:spTree>
@@ -10248,13 +10765,13 @@
           </a:lstStyle>
           <a:p>
             <a:r>
-              <a:rPr lang="en-US" sz="3200" b="1" dirty="0">
+              <a:rPr lang="en-US" sz="3200" b="1">
                 <a:solidFill>
                   <a:srgbClr val="00B0F0"/>
                 </a:solidFill>
                 <a:cs typeface="Calibri Light"/>
               </a:rPr>
-              <a:t>Write the data in Excel</a:t>
+              <a:t>Write all the data in Excel Format</a:t>
             </a:r>
           </a:p>
         </p:txBody>
@@ -10281,7 +10798,7 @@
         </p:blipFill>
         <p:spPr>
           <a:xfrm>
-            <a:off x="533159" y="2281486"/>
+            <a:off x="375141" y="3366546"/>
             <a:ext cx="7886700" cy="1434628"/>
           </a:xfrm>
           <a:prstGeom prst="rect">
@@ -10289,6 +10806,177 @@
           </a:prstGeom>
         </p:spPr>
       </p:pic>
+      <p:sp>
+        <p:nvSpPr>
+          <p:cNvPr id="5" name="Title 1">
+            <a:extLst>
+              <a:ext uri="{FF2B5EF4-FFF2-40B4-BE49-F238E27FC236}">
+                <a16:creationId xmlns:a16="http://schemas.microsoft.com/office/drawing/2014/main" id="{58270C0C-552F-4387-95F8-56EFB8558322}"/>
+              </a:ext>
+            </a:extLst>
+          </p:cNvPr>
+          <p:cNvSpPr txBox="1">
+            <a:spLocks/>
+          </p:cNvSpPr>
+          <p:nvPr/>
+        </p:nvSpPr>
+        <p:spPr>
+          <a:xfrm>
+            <a:off x="162232" y="1486112"/>
+            <a:ext cx="8229600" cy="942843"/>
+          </a:xfrm>
+          <a:prstGeom prst="rect">
+            <a:avLst/>
+          </a:prstGeom>
+        </p:spPr>
+        <p:txBody>
+          <a:bodyPr lIns="91440" tIns="45720" rIns="91440" bIns="45720" anchor="t"/>
+          <a:lstStyle>
+            <a:lvl1pPr algn="ctr" rtl="0" eaLnBrk="1" fontAlgn="base" hangingPunct="1">
+              <a:spcBef>
+                <a:spcPct val="0"/>
+              </a:spcBef>
+              <a:spcAft>
+                <a:spcPct val="0"/>
+              </a:spcAft>
+              <a:defRPr sz="4400" kern="1200">
+                <a:solidFill>
+                  <a:schemeClr val="tx1"/>
+                </a:solidFill>
+                <a:latin typeface="+mj-lt"/>
+                <a:ea typeface="+mj-ea"/>
+                <a:cs typeface="+mj-cs"/>
+              </a:defRPr>
+            </a:lvl1pPr>
+            <a:lvl2pPr algn="ctr" rtl="0" eaLnBrk="1" fontAlgn="base" hangingPunct="1">
+              <a:spcBef>
+                <a:spcPct val="0"/>
+              </a:spcBef>
+              <a:spcAft>
+                <a:spcPct val="0"/>
+              </a:spcAft>
+              <a:defRPr sz="4400">
+                <a:solidFill>
+                  <a:schemeClr val="tx1"/>
+                </a:solidFill>
+                <a:latin typeface="Calibri" pitchFamily="34" charset="0"/>
+              </a:defRPr>
+            </a:lvl2pPr>
+            <a:lvl3pPr algn="ctr" rtl="0" eaLnBrk="1" fontAlgn="base" hangingPunct="1">
+              <a:spcBef>
+                <a:spcPct val="0"/>
+              </a:spcBef>
+              <a:spcAft>
+                <a:spcPct val="0"/>
+              </a:spcAft>
+              <a:defRPr sz="4400">
+                <a:solidFill>
+                  <a:schemeClr val="tx1"/>
+                </a:solidFill>
+                <a:latin typeface="Calibri" pitchFamily="34" charset="0"/>
+              </a:defRPr>
+            </a:lvl3pPr>
+            <a:lvl4pPr algn="ctr" rtl="0" eaLnBrk="1" fontAlgn="base" hangingPunct="1">
+              <a:spcBef>
+                <a:spcPct val="0"/>
+              </a:spcBef>
+              <a:spcAft>
+                <a:spcPct val="0"/>
+              </a:spcAft>
+              <a:defRPr sz="4400">
+                <a:solidFill>
+                  <a:schemeClr val="tx1"/>
+                </a:solidFill>
+                <a:latin typeface="Calibri" pitchFamily="34" charset="0"/>
+              </a:defRPr>
+            </a:lvl4pPr>
+            <a:lvl5pPr algn="ctr" rtl="0" eaLnBrk="1" fontAlgn="base" hangingPunct="1">
+              <a:spcBef>
+                <a:spcPct val="0"/>
+              </a:spcBef>
+              <a:spcAft>
+                <a:spcPct val="0"/>
+              </a:spcAft>
+              <a:defRPr sz="4400">
+                <a:solidFill>
+                  <a:schemeClr val="tx1"/>
+                </a:solidFill>
+                <a:latin typeface="Calibri" pitchFamily="34" charset="0"/>
+              </a:defRPr>
+            </a:lvl5pPr>
+            <a:lvl6pPr marL="457200" algn="ctr" rtl="0" eaLnBrk="1" fontAlgn="base" hangingPunct="1">
+              <a:spcBef>
+                <a:spcPct val="0"/>
+              </a:spcBef>
+              <a:spcAft>
+                <a:spcPct val="0"/>
+              </a:spcAft>
+              <a:defRPr sz="4400">
+                <a:solidFill>
+                  <a:schemeClr val="tx1"/>
+                </a:solidFill>
+                <a:latin typeface="Calibri" pitchFamily="34" charset="0"/>
+              </a:defRPr>
+            </a:lvl6pPr>
+            <a:lvl7pPr marL="914400" algn="ctr" rtl="0" eaLnBrk="1" fontAlgn="base" hangingPunct="1">
+              <a:spcBef>
+                <a:spcPct val="0"/>
+              </a:spcBef>
+              <a:spcAft>
+                <a:spcPct val="0"/>
+              </a:spcAft>
+              <a:defRPr sz="4400">
+                <a:solidFill>
+                  <a:schemeClr val="tx1"/>
+                </a:solidFill>
+                <a:latin typeface="Calibri" pitchFamily="34" charset="0"/>
+              </a:defRPr>
+            </a:lvl7pPr>
+            <a:lvl8pPr marL="1371600" algn="ctr" rtl="0" eaLnBrk="1" fontAlgn="base" hangingPunct="1">
+              <a:spcBef>
+                <a:spcPct val="0"/>
+              </a:spcBef>
+              <a:spcAft>
+                <a:spcPct val="0"/>
+              </a:spcAft>
+              <a:defRPr sz="4400">
+                <a:solidFill>
+                  <a:schemeClr val="tx1"/>
+                </a:solidFill>
+                <a:latin typeface="Calibri" pitchFamily="34" charset="0"/>
+              </a:defRPr>
+            </a:lvl8pPr>
+            <a:lvl9pPr marL="1828800" algn="ctr" rtl="0" eaLnBrk="1" fontAlgn="base" hangingPunct="1">
+              <a:spcBef>
+                <a:spcPct val="0"/>
+              </a:spcBef>
+              <a:spcAft>
+                <a:spcPct val="0"/>
+              </a:spcAft>
+              <a:defRPr sz="4400">
+                <a:solidFill>
+                  <a:schemeClr val="tx1"/>
+                </a:solidFill>
+                <a:latin typeface="Calibri" pitchFamily="34" charset="0"/>
+              </a:defRPr>
+            </a:lvl9pPr>
+          </a:lstStyle>
+          <a:p>
+            <a:pPr marL="457200" indent="-457200" algn="l">
+              <a:buFont typeface="Arial"/>
+              <a:buChar char="•"/>
+            </a:pPr>
+            <a:r>
+              <a:rPr lang="en-US" sz="2800">
+                <a:latin typeface="+mn-lt"/>
+                <a:ea typeface="+mn-lt"/>
+                <a:cs typeface="+mn-lt"/>
+              </a:rPr>
+              <a:t>All parameters values are stored in a excel file in three different sheets  </a:t>
+            </a:r>
+          </a:p>
+        </p:txBody>
+      </p:sp>
     </p:spTree>
     <p:extLst>
       <p:ext uri="{BB962C8B-B14F-4D97-AF65-F5344CB8AC3E}">
@@ -10302,7 +10990,7 @@
 </p:sld>
 </file>
 
-<file path=ppt/slides/slide28.xml><?xml version="1.0" encoding="utf-8"?>
+<file path=ppt/slides/slide27.xml><?xml version="1.0" encoding="utf-8"?>
 <p:sld xmlns:a="http://schemas.openxmlformats.org/drawingml/2006/main" xmlns:r="http://schemas.openxmlformats.org/officeDocument/2006/relationships" xmlns:p="http://schemas.openxmlformats.org/presentationml/2006/main">
   <p:cSld>
     <p:spTree>
@@ -10668,7 +11356,7 @@
 </p:sld>
 </file>
 
-<file path=ppt/slides/slide29.xml><?xml version="1.0" encoding="utf-8"?>
+<file path=ppt/slides/slide28.xml><?xml version="1.0" encoding="utf-8"?>
 <p:sld xmlns:a="http://schemas.openxmlformats.org/drawingml/2006/main" xmlns:r="http://schemas.openxmlformats.org/officeDocument/2006/relationships" xmlns:p="http://schemas.openxmlformats.org/presentationml/2006/main">
   <p:cSld>
     <p:spTree>
@@ -11082,355 +11770,7 @@
 </p:sld>
 </file>
 
-<file path=ppt/slides/slide3.xml><?xml version="1.0" encoding="utf-8"?>
-<p:sld xmlns:a="http://schemas.openxmlformats.org/drawingml/2006/main" xmlns:r="http://schemas.openxmlformats.org/officeDocument/2006/relationships" xmlns:p="http://schemas.openxmlformats.org/presentationml/2006/main">
-  <p:cSld>
-    <p:spTree>
-      <p:nvGrpSpPr>
-        <p:cNvPr id="1" name=""/>
-        <p:cNvGrpSpPr/>
-        <p:nvPr/>
-      </p:nvGrpSpPr>
-      <p:grpSpPr>
-        <a:xfrm>
-          <a:off x="0" y="0"/>
-          <a:ext cx="0" cy="0"/>
-          <a:chOff x="0" y="0"/>
-          <a:chExt cx="0" cy="0"/>
-        </a:xfrm>
-      </p:grpSpPr>
-      <p:sp>
-        <p:nvSpPr>
-          <p:cNvPr id="2" name="Title 1"/>
-          <p:cNvSpPr>
-            <a:spLocks noGrp="1"/>
-          </p:cNvSpPr>
-          <p:nvPr>
-            <p:ph type="title"/>
-          </p:nvPr>
-        </p:nvSpPr>
-        <p:spPr/>
-        <p:txBody>
-          <a:bodyPr/>
-          <a:lstStyle/>
-          <a:p>
-            <a:r>
-              <a:rPr lang="en-US">
-                <a:solidFill>
-                  <a:srgbClr val="00B0F0"/>
-                </a:solidFill>
-              </a:rPr>
-              <a:t>Contents</a:t>
-            </a:r>
-          </a:p>
-        </p:txBody>
-      </p:sp>
-      <p:sp>
-        <p:nvSpPr>
-          <p:cNvPr id="4" name="Rectangle 3">
-            <a:extLst>
-              <a:ext uri="{FF2B5EF4-FFF2-40B4-BE49-F238E27FC236}">
-                <a16:creationId xmlns:a16="http://schemas.microsoft.com/office/drawing/2014/main" id="{1B121FD1-1709-4B11-92CA-A6EE2C796E07}"/>
-              </a:ext>
-            </a:extLst>
-          </p:cNvPr>
-          <p:cNvSpPr/>
-          <p:nvPr/>
-        </p:nvSpPr>
-        <p:spPr>
-          <a:xfrm>
-            <a:off x="180654" y="1452414"/>
-            <a:ext cx="7042080" cy="6093976"/>
-          </a:xfrm>
-          <a:prstGeom prst="rect">
-            <a:avLst/>
-          </a:prstGeom>
-        </p:spPr>
-        <p:txBody>
-          <a:bodyPr wrap="square" lIns="91440" tIns="45720" rIns="91440" bIns="45720" anchor="t">
-            <a:spAutoFit/>
-          </a:bodyPr>
-          <a:lstStyle/>
-          <a:p>
-            <a:pPr marL="457200" indent="-457200" algn="just">
-              <a:buAutoNum type="arabicPeriod"/>
-            </a:pPr>
-            <a:r>
-              <a:rPr lang="en-US" sz="2400" b="1" i="1" dirty="0">
-                <a:solidFill>
-                  <a:srgbClr val="C00000"/>
-                </a:solidFill>
-                <a:latin typeface="Calibri"/>
-                <a:cs typeface="Calibri"/>
-              </a:rPr>
-              <a:t>Introduction</a:t>
-            </a:r>
-            <a:endParaRPr lang="en-US"/>
-          </a:p>
-          <a:p>
-            <a:pPr marL="457200" indent="-457200" algn="just">
-              <a:buAutoNum type="arabicPeriod"/>
-            </a:pPr>
-            <a:r>
-              <a:rPr lang="en-US" sz="2400" b="1" i="1" dirty="0">
-                <a:solidFill>
-                  <a:srgbClr val="C00000"/>
-                </a:solidFill>
-              </a:rPr>
-              <a:t>Implementation</a:t>
-            </a:r>
-            <a:endParaRPr lang="en-US" sz="2400" b="1" i="1" dirty="0">
-              <a:solidFill>
-                <a:srgbClr val="C00000"/>
-              </a:solidFill>
-              <a:cs typeface="Calibri" pitchFamily="34" charset="0"/>
-            </a:endParaRPr>
-          </a:p>
-          <a:p>
-            <a:pPr marL="914400" lvl="1" indent="-457200" algn="just">
-              <a:buAutoNum type="romanLcPeriod"/>
-            </a:pPr>
-            <a:r>
-              <a:rPr lang="en-US" sz="2400" b="1" i="1" dirty="0">
-                <a:solidFill>
-                  <a:srgbClr val="C00000"/>
-                </a:solidFill>
-                <a:latin typeface="Calibri"/>
-                <a:cs typeface="Calibri"/>
-              </a:rPr>
-              <a:t>Reading of PCAP File</a:t>
-            </a:r>
-            <a:endParaRPr lang="en-US" sz="2400" dirty="0">
-              <a:solidFill>
-                <a:srgbClr val="000000"/>
-              </a:solidFill>
-              <a:latin typeface="Calibri"/>
-              <a:cs typeface="Calibri"/>
-            </a:endParaRPr>
-          </a:p>
-          <a:p>
-            <a:pPr marL="914400" lvl="1" indent="-457200" algn="just">
-              <a:buAutoNum type="romanLcPeriod"/>
-            </a:pPr>
-            <a:r>
-              <a:rPr lang="en-US" sz="2400" b="1" dirty="0">
-                <a:solidFill>
-                  <a:srgbClr val="C00000"/>
-                </a:solidFill>
-                <a:latin typeface="Calibri"/>
-                <a:cs typeface="Calibri"/>
-              </a:rPr>
-              <a:t>Extracting Layer Specific Fields</a:t>
-            </a:r>
-            <a:endParaRPr lang="en-US" sz="2400" dirty="0">
-              <a:solidFill>
-                <a:srgbClr val="C00000"/>
-              </a:solidFill>
-              <a:latin typeface="Calibri"/>
-              <a:cs typeface="Calibri"/>
-            </a:endParaRPr>
-          </a:p>
-          <a:p>
-            <a:pPr marL="914400" lvl="1" indent="-457200" algn="just">
-              <a:buAutoNum type="romanLcPeriod"/>
-            </a:pPr>
-            <a:r>
-              <a:rPr lang="en-US" sz="2400" b="1" dirty="0">
-                <a:solidFill>
-                  <a:srgbClr val="C00000"/>
-                </a:solidFill>
-                <a:latin typeface="Calibri"/>
-                <a:cs typeface="Calibri"/>
-              </a:rPr>
-              <a:t>Display Header Fields as per User Request</a:t>
-            </a:r>
-            <a:endParaRPr lang="en-US" sz="2400" dirty="0">
-              <a:solidFill>
-                <a:srgbClr val="000000"/>
-              </a:solidFill>
-              <a:latin typeface="Calibri"/>
-              <a:cs typeface="Calibri"/>
-            </a:endParaRPr>
-          </a:p>
-          <a:p>
-            <a:pPr marL="914400" lvl="1" indent="-457200" algn="just">
-              <a:buAutoNum type="romanLcPeriod"/>
-            </a:pPr>
-            <a:r>
-              <a:rPr lang="en-US" sz="2400" b="1" dirty="0">
-                <a:solidFill>
-                  <a:srgbClr val="C00000"/>
-                </a:solidFill>
-                <a:latin typeface="Calibri"/>
-                <a:cs typeface="Calibri"/>
-              </a:rPr>
-              <a:t>Fetching IP, TCP &amp; UDP Fields</a:t>
-            </a:r>
-            <a:endParaRPr lang="en-US" sz="2400" dirty="0">
-              <a:solidFill>
-                <a:srgbClr val="C00000"/>
-              </a:solidFill>
-              <a:latin typeface="Calibri"/>
-              <a:cs typeface="Calibri"/>
-            </a:endParaRPr>
-          </a:p>
-          <a:p>
-            <a:pPr marL="914400" lvl="1" indent="-457200" algn="just">
-              <a:buAutoNum type="romanLcPeriod"/>
-            </a:pPr>
-            <a:r>
-              <a:rPr lang="en-US" sz="2400" b="1" dirty="0">
-                <a:solidFill>
-                  <a:srgbClr val="C00000"/>
-                </a:solidFill>
-                <a:latin typeface="Calibri"/>
-                <a:cs typeface="Calibri"/>
-              </a:rPr>
-              <a:t>Fetching ARP and ICMP Packet Fields</a:t>
-            </a:r>
-            <a:endParaRPr lang="en-US" sz="2400" dirty="0">
-              <a:solidFill>
-                <a:srgbClr val="C00000"/>
-              </a:solidFill>
-              <a:latin typeface="Calibri"/>
-              <a:cs typeface="Calibri"/>
-            </a:endParaRPr>
-          </a:p>
-          <a:p>
-            <a:pPr marL="457200" indent="-457200" algn="just">
-              <a:buAutoNum type="arabicPeriod"/>
-            </a:pPr>
-            <a:r>
-              <a:rPr lang="en-US" sz="2400" b="1" i="1" dirty="0">
-                <a:solidFill>
-                  <a:srgbClr val="C00000"/>
-                </a:solidFill>
-              </a:rPr>
-              <a:t>Result Analysis</a:t>
-            </a:r>
-            <a:endParaRPr lang="en-US" sz="2400" b="1" i="1" dirty="0">
-              <a:solidFill>
-                <a:srgbClr val="C00000"/>
-              </a:solidFill>
-              <a:cs typeface="Calibri" pitchFamily="34" charset="0"/>
-            </a:endParaRPr>
-          </a:p>
-          <a:p>
-            <a:pPr marL="914400" lvl="1" indent="-457200" algn="just">
-              <a:buAutoNum type="romanLcPeriod"/>
-            </a:pPr>
-            <a:r>
-              <a:rPr lang="en-US" sz="2400" b="1" i="1" dirty="0">
-                <a:solidFill>
-                  <a:srgbClr val="C00000"/>
-                </a:solidFill>
-              </a:rPr>
-              <a:t>Visualization and Summarization of Data</a:t>
-            </a:r>
-            <a:endParaRPr lang="en-US" sz="2400" b="1" i="1" dirty="0">
-              <a:solidFill>
-                <a:srgbClr val="C00000"/>
-              </a:solidFill>
-              <a:cs typeface="Calibri" pitchFamily="34" charset="0"/>
-            </a:endParaRPr>
-          </a:p>
-          <a:p>
-            <a:pPr marL="457200" indent="-457200" algn="just">
-              <a:buAutoNum type="arabicPeriod"/>
-            </a:pPr>
-            <a:r>
-              <a:rPr lang="en-US" sz="2400" b="1" i="1" dirty="0">
-                <a:solidFill>
-                  <a:srgbClr val="C00000"/>
-                </a:solidFill>
-              </a:rPr>
-              <a:t>Conclusion</a:t>
-            </a:r>
-            <a:endParaRPr lang="en-US" sz="2400" b="1" i="1" dirty="0">
-              <a:solidFill>
-                <a:srgbClr val="C00000"/>
-              </a:solidFill>
-              <a:cs typeface="Calibri" pitchFamily="34" charset="0"/>
-            </a:endParaRPr>
-          </a:p>
-          <a:p>
-            <a:pPr marL="457200" indent="-457200" algn="just">
-              <a:buAutoNum type="arabicPeriod"/>
-            </a:pPr>
-            <a:r>
-              <a:rPr lang="en-US" sz="2400" b="1" i="1" dirty="0">
-                <a:solidFill>
-                  <a:srgbClr val="C00000"/>
-                </a:solidFill>
-              </a:rPr>
-              <a:t>References</a:t>
-            </a:r>
-            <a:endParaRPr lang="en-US" sz="2400" b="1" i="1" dirty="0">
-              <a:solidFill>
-                <a:srgbClr val="C00000"/>
-              </a:solidFill>
-              <a:cs typeface="Calibri" pitchFamily="34" charset="0"/>
-            </a:endParaRPr>
-          </a:p>
-          <a:p>
-            <a:pPr algn="just"/>
-            <a:endParaRPr lang="en-US" b="1"/>
-          </a:p>
-          <a:p>
-            <a:pPr algn="just"/>
-            <a:endParaRPr lang="en-US" b="1"/>
-          </a:p>
-          <a:p>
-            <a:pPr algn="just"/>
-            <a:endParaRPr lang="en-US" b="1"/>
-          </a:p>
-          <a:p>
-            <a:pPr algn="just"/>
-            <a:endParaRPr lang="en-US" b="1"/>
-          </a:p>
-          <a:p>
-            <a:pPr algn="just"/>
-            <a:r>
-              <a:rPr lang="en-US" b="1" dirty="0">
-                <a:latin typeface="Calibri"/>
-                <a:cs typeface="Calibri"/>
-              </a:rPr>
-              <a:t>  </a:t>
-            </a:r>
-          </a:p>
-          <a:p>
-            <a:pPr algn="just"/>
-            <a:r>
-              <a:rPr lang="en-US" b="1" dirty="0">
-                <a:latin typeface="Calibri"/>
-                <a:cs typeface="Calibri"/>
-              </a:rPr>
-              <a:t>  </a:t>
-            </a:r>
-            <a:endParaRPr lang="en-US" b="1" dirty="0">
-              <a:cs typeface="Calibri"/>
-            </a:endParaRPr>
-          </a:p>
-          <a:p>
-            <a:pPr algn="just"/>
-            <a:endParaRPr lang="en-US"/>
-          </a:p>
-        </p:txBody>
-      </p:sp>
-    </p:spTree>
-    <p:extLst>
-      <p:ext uri="{BB962C8B-B14F-4D97-AF65-F5344CB8AC3E}">
-        <p14:creationId xmlns:p14="http://schemas.microsoft.com/office/powerpoint/2010/main" val="278976711"/>
-      </p:ext>
-    </p:extLst>
-  </p:cSld>
-  <p:clrMapOvr>
-    <a:masterClrMapping/>
-  </p:clrMapOvr>
-</p:sld>
-</file>
-
-<file path=ppt/slides/slide30.xml><?xml version="1.0" encoding="utf-8"?>
+<file path=ppt/slides/slide29.xml><?xml version="1.0" encoding="utf-8"?>
 <p:sld xmlns:a="http://schemas.openxmlformats.org/drawingml/2006/main" xmlns:r="http://schemas.openxmlformats.org/officeDocument/2006/relationships" xmlns:p="http://schemas.openxmlformats.org/presentationml/2006/main">
   <p:cSld>
     <p:spTree>
@@ -11847,7 +12187,355 @@
 </p:sld>
 </file>
 
-<file path=ppt/slides/slide31.xml><?xml version="1.0" encoding="utf-8"?>
+<file path=ppt/slides/slide3.xml><?xml version="1.0" encoding="utf-8"?>
+<p:sld xmlns:a="http://schemas.openxmlformats.org/drawingml/2006/main" xmlns:r="http://schemas.openxmlformats.org/officeDocument/2006/relationships" xmlns:p="http://schemas.openxmlformats.org/presentationml/2006/main">
+  <p:cSld>
+    <p:spTree>
+      <p:nvGrpSpPr>
+        <p:cNvPr id="1" name=""/>
+        <p:cNvGrpSpPr/>
+        <p:nvPr/>
+      </p:nvGrpSpPr>
+      <p:grpSpPr>
+        <a:xfrm>
+          <a:off x="0" y="0"/>
+          <a:ext cx="0" cy="0"/>
+          <a:chOff x="0" y="0"/>
+          <a:chExt cx="0" cy="0"/>
+        </a:xfrm>
+      </p:grpSpPr>
+      <p:sp>
+        <p:nvSpPr>
+          <p:cNvPr id="2" name="Title 1"/>
+          <p:cNvSpPr>
+            <a:spLocks noGrp="1"/>
+          </p:cNvSpPr>
+          <p:nvPr>
+            <p:ph type="title"/>
+          </p:nvPr>
+        </p:nvSpPr>
+        <p:spPr/>
+        <p:txBody>
+          <a:bodyPr/>
+          <a:lstStyle/>
+          <a:p>
+            <a:r>
+              <a:rPr lang="en-US">
+                <a:solidFill>
+                  <a:srgbClr val="00B0F0"/>
+                </a:solidFill>
+              </a:rPr>
+              <a:t>Contents</a:t>
+            </a:r>
+          </a:p>
+        </p:txBody>
+      </p:sp>
+      <p:sp>
+        <p:nvSpPr>
+          <p:cNvPr id="4" name="Rectangle 3">
+            <a:extLst>
+              <a:ext uri="{FF2B5EF4-FFF2-40B4-BE49-F238E27FC236}">
+                <a16:creationId xmlns:a16="http://schemas.microsoft.com/office/drawing/2014/main" id="{1B121FD1-1709-4B11-92CA-A6EE2C796E07}"/>
+              </a:ext>
+            </a:extLst>
+          </p:cNvPr>
+          <p:cNvSpPr/>
+          <p:nvPr/>
+        </p:nvSpPr>
+        <p:spPr>
+          <a:xfrm>
+            <a:off x="180654" y="1452414"/>
+            <a:ext cx="7042080" cy="6093976"/>
+          </a:xfrm>
+          <a:prstGeom prst="rect">
+            <a:avLst/>
+          </a:prstGeom>
+        </p:spPr>
+        <p:txBody>
+          <a:bodyPr wrap="square" lIns="91440" tIns="45720" rIns="91440" bIns="45720" anchor="t">
+            <a:spAutoFit/>
+          </a:bodyPr>
+          <a:lstStyle/>
+          <a:p>
+            <a:pPr marL="457200" indent="-457200" algn="just">
+              <a:buAutoNum type="arabicPeriod"/>
+            </a:pPr>
+            <a:r>
+              <a:rPr lang="en-US" sz="2400" b="1" i="1">
+                <a:solidFill>
+                  <a:srgbClr val="C00000"/>
+                </a:solidFill>
+                <a:latin typeface="Calibri"/>
+                <a:cs typeface="Calibri"/>
+              </a:rPr>
+              <a:t>Introduction</a:t>
+            </a:r>
+            <a:endParaRPr lang="en-US"/>
+          </a:p>
+          <a:p>
+            <a:pPr marL="457200" indent="-457200" algn="just">
+              <a:buAutoNum type="arabicPeriod"/>
+            </a:pPr>
+            <a:r>
+              <a:rPr lang="en-US" sz="2400" b="1" i="1">
+                <a:solidFill>
+                  <a:srgbClr val="C00000"/>
+                </a:solidFill>
+              </a:rPr>
+              <a:t>Implementation</a:t>
+            </a:r>
+            <a:endParaRPr lang="en-US" sz="2400" b="1" i="1">
+              <a:solidFill>
+                <a:srgbClr val="C00000"/>
+              </a:solidFill>
+              <a:cs typeface="Calibri" pitchFamily="34" charset="0"/>
+            </a:endParaRPr>
+          </a:p>
+          <a:p>
+            <a:pPr marL="914400" lvl="1" indent="-457200" algn="just">
+              <a:buAutoNum type="romanLcPeriod"/>
+            </a:pPr>
+            <a:r>
+              <a:rPr lang="en-US" sz="2400" b="1" i="1">
+                <a:solidFill>
+                  <a:srgbClr val="C00000"/>
+                </a:solidFill>
+                <a:latin typeface="Calibri"/>
+                <a:cs typeface="Calibri"/>
+              </a:rPr>
+              <a:t>Reading of PCAP File</a:t>
+            </a:r>
+            <a:endParaRPr lang="en-US" sz="2400">
+              <a:solidFill>
+                <a:srgbClr val="000000"/>
+              </a:solidFill>
+              <a:latin typeface="Calibri"/>
+              <a:cs typeface="Calibri"/>
+            </a:endParaRPr>
+          </a:p>
+          <a:p>
+            <a:pPr marL="914400" lvl="1" indent="-457200" algn="just">
+              <a:buAutoNum type="romanLcPeriod"/>
+            </a:pPr>
+            <a:r>
+              <a:rPr lang="en-US" sz="2400" b="1">
+                <a:solidFill>
+                  <a:srgbClr val="C00000"/>
+                </a:solidFill>
+                <a:latin typeface="Calibri"/>
+                <a:cs typeface="Calibri"/>
+              </a:rPr>
+              <a:t>Extracting Layer Specific Fields</a:t>
+            </a:r>
+            <a:endParaRPr lang="en-US" sz="2400">
+              <a:solidFill>
+                <a:srgbClr val="C00000"/>
+              </a:solidFill>
+              <a:latin typeface="Calibri"/>
+              <a:cs typeface="Calibri"/>
+            </a:endParaRPr>
+          </a:p>
+          <a:p>
+            <a:pPr marL="914400" lvl="1" indent="-457200" algn="just">
+              <a:buAutoNum type="romanLcPeriod"/>
+            </a:pPr>
+            <a:r>
+              <a:rPr lang="en-US" sz="2400" b="1">
+                <a:solidFill>
+                  <a:srgbClr val="C00000"/>
+                </a:solidFill>
+                <a:latin typeface="Calibri"/>
+                <a:cs typeface="Calibri"/>
+              </a:rPr>
+              <a:t>Display Header Fields as per User Request</a:t>
+            </a:r>
+            <a:endParaRPr lang="en-US" sz="2400">
+              <a:solidFill>
+                <a:srgbClr val="000000"/>
+              </a:solidFill>
+              <a:latin typeface="Calibri"/>
+              <a:cs typeface="Calibri"/>
+            </a:endParaRPr>
+          </a:p>
+          <a:p>
+            <a:pPr marL="914400" lvl="1" indent="-457200" algn="just">
+              <a:buAutoNum type="romanLcPeriod"/>
+            </a:pPr>
+            <a:r>
+              <a:rPr lang="en-US" sz="2400" b="1">
+                <a:solidFill>
+                  <a:srgbClr val="C00000"/>
+                </a:solidFill>
+                <a:latin typeface="Calibri"/>
+                <a:cs typeface="Calibri"/>
+              </a:rPr>
+              <a:t>Fetching IP, TCP &amp; UDP Fields</a:t>
+            </a:r>
+            <a:endParaRPr lang="en-US" sz="2400">
+              <a:solidFill>
+                <a:srgbClr val="C00000"/>
+              </a:solidFill>
+              <a:latin typeface="Calibri"/>
+              <a:cs typeface="Calibri"/>
+            </a:endParaRPr>
+          </a:p>
+          <a:p>
+            <a:pPr marL="914400" lvl="1" indent="-457200" algn="just">
+              <a:buAutoNum type="romanLcPeriod"/>
+            </a:pPr>
+            <a:r>
+              <a:rPr lang="en-US" sz="2400" b="1">
+                <a:solidFill>
+                  <a:srgbClr val="C00000"/>
+                </a:solidFill>
+                <a:latin typeface="Calibri"/>
+                <a:cs typeface="Calibri"/>
+              </a:rPr>
+              <a:t>Fetching ARP and ICMP Packet Fields</a:t>
+            </a:r>
+            <a:endParaRPr lang="en-US" sz="2400">
+              <a:solidFill>
+                <a:srgbClr val="C00000"/>
+              </a:solidFill>
+              <a:latin typeface="Calibri"/>
+              <a:cs typeface="Calibri"/>
+            </a:endParaRPr>
+          </a:p>
+          <a:p>
+            <a:pPr marL="457200" indent="-457200" algn="just">
+              <a:buAutoNum type="arabicPeriod"/>
+            </a:pPr>
+            <a:r>
+              <a:rPr lang="en-US" sz="2400" b="1" i="1">
+                <a:solidFill>
+                  <a:srgbClr val="C00000"/>
+                </a:solidFill>
+              </a:rPr>
+              <a:t>Result Analysis</a:t>
+            </a:r>
+            <a:endParaRPr lang="en-US" sz="2400" b="1" i="1">
+              <a:solidFill>
+                <a:srgbClr val="C00000"/>
+              </a:solidFill>
+              <a:cs typeface="Calibri" pitchFamily="34" charset="0"/>
+            </a:endParaRPr>
+          </a:p>
+          <a:p>
+            <a:pPr marL="914400" lvl="1" indent="-457200" algn="just">
+              <a:buAutoNum type="romanLcPeriod"/>
+            </a:pPr>
+            <a:r>
+              <a:rPr lang="en-US" sz="2400" b="1" i="1">
+                <a:solidFill>
+                  <a:srgbClr val="C00000"/>
+                </a:solidFill>
+              </a:rPr>
+              <a:t>Visualization and Summarization of Data</a:t>
+            </a:r>
+            <a:endParaRPr lang="en-US" sz="2400" b="1" i="1">
+              <a:solidFill>
+                <a:srgbClr val="C00000"/>
+              </a:solidFill>
+              <a:cs typeface="Calibri" pitchFamily="34" charset="0"/>
+            </a:endParaRPr>
+          </a:p>
+          <a:p>
+            <a:pPr marL="457200" indent="-457200" algn="just">
+              <a:buAutoNum type="arabicPeriod"/>
+            </a:pPr>
+            <a:r>
+              <a:rPr lang="en-US" sz="2400" b="1" i="1">
+                <a:solidFill>
+                  <a:srgbClr val="C00000"/>
+                </a:solidFill>
+              </a:rPr>
+              <a:t>Conclusion</a:t>
+            </a:r>
+            <a:endParaRPr lang="en-US" sz="2400" b="1" i="1">
+              <a:solidFill>
+                <a:srgbClr val="C00000"/>
+              </a:solidFill>
+              <a:cs typeface="Calibri" pitchFamily="34" charset="0"/>
+            </a:endParaRPr>
+          </a:p>
+          <a:p>
+            <a:pPr marL="457200" indent="-457200" algn="just">
+              <a:buAutoNum type="arabicPeriod"/>
+            </a:pPr>
+            <a:r>
+              <a:rPr lang="en-US" sz="2400" b="1" i="1">
+                <a:solidFill>
+                  <a:srgbClr val="C00000"/>
+                </a:solidFill>
+              </a:rPr>
+              <a:t>References</a:t>
+            </a:r>
+            <a:endParaRPr lang="en-US" sz="2400" b="1" i="1">
+              <a:solidFill>
+                <a:srgbClr val="C00000"/>
+              </a:solidFill>
+              <a:cs typeface="Calibri" pitchFamily="34" charset="0"/>
+            </a:endParaRPr>
+          </a:p>
+          <a:p>
+            <a:pPr algn="just"/>
+            <a:endParaRPr lang="en-US" b="1"/>
+          </a:p>
+          <a:p>
+            <a:pPr algn="just"/>
+            <a:endParaRPr lang="en-US" b="1"/>
+          </a:p>
+          <a:p>
+            <a:pPr algn="just"/>
+            <a:endParaRPr lang="en-US" b="1"/>
+          </a:p>
+          <a:p>
+            <a:pPr algn="just"/>
+            <a:endParaRPr lang="en-US" b="1"/>
+          </a:p>
+          <a:p>
+            <a:pPr algn="just"/>
+            <a:r>
+              <a:rPr lang="en-US" b="1">
+                <a:latin typeface="Calibri"/>
+                <a:cs typeface="Calibri"/>
+              </a:rPr>
+              <a:t>  </a:t>
+            </a:r>
+          </a:p>
+          <a:p>
+            <a:pPr algn="just"/>
+            <a:r>
+              <a:rPr lang="en-US" b="1">
+                <a:latin typeface="Calibri"/>
+                <a:cs typeface="Calibri"/>
+              </a:rPr>
+              <a:t>  </a:t>
+            </a:r>
+            <a:endParaRPr lang="en-US" b="1">
+              <a:cs typeface="Calibri"/>
+            </a:endParaRPr>
+          </a:p>
+          <a:p>
+            <a:pPr algn="just"/>
+            <a:endParaRPr lang="en-US"/>
+          </a:p>
+        </p:txBody>
+      </p:sp>
+    </p:spTree>
+    <p:extLst>
+      <p:ext uri="{BB962C8B-B14F-4D97-AF65-F5344CB8AC3E}">
+        <p14:creationId xmlns:p14="http://schemas.microsoft.com/office/powerpoint/2010/main" val="278976711"/>
+      </p:ext>
+    </p:extLst>
+  </p:cSld>
+  <p:clrMapOvr>
+    <a:masterClrMapping/>
+  </p:clrMapOvr>
+</p:sld>
+</file>
+
+<file path=ppt/slides/slide30.xml><?xml version="1.0" encoding="utf-8"?>
 <p:sld xmlns:a="http://schemas.openxmlformats.org/drawingml/2006/main" xmlns:r="http://schemas.openxmlformats.org/officeDocument/2006/relationships" xmlns:p="http://schemas.openxmlformats.org/presentationml/2006/main">
   <p:cSld>
     <p:spTree>
@@ -12268,7 +12956,7 @@
 </p:sld>
 </file>
 
-<file path=ppt/slides/slide32.xml><?xml version="1.0" encoding="utf-8"?>
+<file path=ppt/slides/slide31.xml><?xml version="1.0" encoding="utf-8"?>
 <p:sld xmlns:a="http://schemas.openxmlformats.org/drawingml/2006/main" xmlns:r="http://schemas.openxmlformats.org/officeDocument/2006/relationships" xmlns:p="http://schemas.openxmlformats.org/presentationml/2006/main">
   <p:cSld>
     <p:spTree>
@@ -12477,7 +13165,7 @@
           </a:prstGeom>
         </p:spPr>
         <p:txBody>
-          <a:bodyPr/>
+          <a:bodyPr lIns="91440" tIns="45720" rIns="91440" bIns="45720" anchor="t"/>
           <a:lstStyle>
             <a:lvl1pPr marL="342900" indent="-342900" algn="l" rtl="0" eaLnBrk="1" fontAlgn="base" hangingPunct="1">
               <a:spcBef>
@@ -12636,7 +13324,7 @@
                 <a:ea typeface="+mn-lt"/>
                 <a:cs typeface="+mn-lt"/>
               </a:rPr>
-              <a:t>The pier char shows that all our packets are using IP protocol with header length 5.</a:t>
+              <a:t>The pie chat shows that all our packets are using IP protocol with header length 5.</a:t>
             </a:r>
           </a:p>
           <a:p>
@@ -12689,7 +13377,7 @@
 </p:sld>
 </file>
 
-<file path=ppt/slides/slide33.xml><?xml version="1.0" encoding="utf-8"?>
+<file path=ppt/slides/slide32.xml><?xml version="1.0" encoding="utf-8"?>
 <p:sld xmlns:a="http://schemas.openxmlformats.org/drawingml/2006/main" xmlns:r="http://schemas.openxmlformats.org/officeDocument/2006/relationships" xmlns:p="http://schemas.openxmlformats.org/presentationml/2006/main">
   <p:cSld>
     <p:spTree>
@@ -13110,7 +13798,7 @@
 </p:sld>
 </file>
 
-<file path=ppt/slides/slide34.xml><?xml version="1.0" encoding="utf-8"?>
+<file path=ppt/slides/slide33.xml><?xml version="1.0" encoding="utf-8"?>
 <p:sld xmlns:a="http://schemas.openxmlformats.org/drawingml/2006/main" xmlns:r="http://schemas.openxmlformats.org/officeDocument/2006/relationships" xmlns:p="http://schemas.openxmlformats.org/presentationml/2006/main">
   <p:cSld>
     <p:spTree>
@@ -13536,7 +14224,7 @@
 </p:sld>
 </file>
 
-<file path=ppt/slides/slide35.xml><?xml version="1.0" encoding="utf-8"?>
+<file path=ppt/slides/slide34.xml><?xml version="1.0" encoding="utf-8"?>
 <p:sld xmlns:a="http://schemas.openxmlformats.org/drawingml/2006/main" xmlns:r="http://schemas.openxmlformats.org/officeDocument/2006/relationships" xmlns:p="http://schemas.openxmlformats.org/presentationml/2006/main">
   <p:cSld>
     <p:spTree>
@@ -13962,7 +14650,7 @@
 </p:sld>
 </file>
 
-<file path=ppt/slides/slide36.xml><?xml version="1.0" encoding="utf-8"?>
+<file path=ppt/slides/slide35.xml><?xml version="1.0" encoding="utf-8"?>
 <p:sld xmlns:a="http://schemas.openxmlformats.org/drawingml/2006/main" xmlns:r="http://schemas.openxmlformats.org/officeDocument/2006/relationships" xmlns:p="http://schemas.openxmlformats.org/presentationml/2006/main">
   <p:cSld>
     <p:spTree>
@@ -14171,7 +14859,7 @@
           </a:prstGeom>
         </p:spPr>
         <p:txBody>
-          <a:bodyPr/>
+          <a:bodyPr lIns="91440" tIns="45720" rIns="91440" bIns="45720" anchor="t"/>
           <a:lstStyle>
             <a:lvl1pPr marL="342900" indent="-342900" algn="l" rtl="0" eaLnBrk="1" fontAlgn="base" hangingPunct="1">
               <a:spcBef>
@@ -14326,15 +15014,15 @@
           </a:lstStyle>
           <a:p>
             <a:r>
-              <a:rPr lang="en-US" sz="2800">
+              <a:rPr lang="en-US" sz="2800" dirty="0">
                 <a:ea typeface="+mn-lt"/>
                 <a:cs typeface="+mn-lt"/>
               </a:rPr>
-              <a:t>This graph depicts the number of requests coming from a particular IP address.</a:t>
-            </a:r>
-          </a:p>
-          <a:p>
-            <a:endParaRPr lang="en-US"/>
+              <a:t>This graph depicts the number of requests coming from a ethernet  address (01:00:5e:7f:ff:fa)</a:t>
+            </a:r>
+          </a:p>
+          <a:p>
+            <a:endParaRPr lang="en-US" dirty="0"/>
           </a:p>
         </p:txBody>
       </p:sp>
@@ -14358,7 +15046,7 @@
         </p:blipFill>
         <p:spPr>
           <a:xfrm>
-            <a:off x="4572001" y="2676883"/>
+            <a:off x="5085874" y="2329643"/>
             <a:ext cx="3600926" cy="2362676"/>
           </a:xfrm>
           <a:prstGeom prst="rect">
@@ -14370,6 +15058,406 @@
     <p:extLst>
       <p:ext uri="{BB962C8B-B14F-4D97-AF65-F5344CB8AC3E}">
         <p14:creationId xmlns:p14="http://schemas.microsoft.com/office/powerpoint/2010/main" val="2608311840"/>
+      </p:ext>
+    </p:extLst>
+  </p:cSld>
+  <p:clrMapOvr>
+    <a:masterClrMapping/>
+  </p:clrMapOvr>
+</p:sld>
+</file>
+
+<file path=ppt/slides/slide36.xml><?xml version="1.0" encoding="utf-8"?>
+<p:sld xmlns:a="http://schemas.openxmlformats.org/drawingml/2006/main" xmlns:r="http://schemas.openxmlformats.org/officeDocument/2006/relationships" xmlns:p="http://schemas.openxmlformats.org/presentationml/2006/main">
+  <p:cSld>
+    <p:spTree>
+      <p:nvGrpSpPr>
+        <p:cNvPr id="1" name=""/>
+        <p:cNvGrpSpPr/>
+        <p:nvPr/>
+      </p:nvGrpSpPr>
+      <p:grpSpPr>
+        <a:xfrm>
+          <a:off x="0" y="0"/>
+          <a:ext cx="0" cy="0"/>
+          <a:chOff x="0" y="0"/>
+          <a:chExt cx="0" cy="0"/>
+        </a:xfrm>
+      </p:grpSpPr>
+      <p:sp>
+        <p:nvSpPr>
+          <p:cNvPr id="2" name="Title 1">
+            <a:extLst>
+              <a:ext uri="{FF2B5EF4-FFF2-40B4-BE49-F238E27FC236}">
+                <a16:creationId xmlns:a16="http://schemas.microsoft.com/office/drawing/2014/main" id="{D72166E7-0294-4246-9DA3-A18A9FDE01F8}"/>
+              </a:ext>
+            </a:extLst>
+          </p:cNvPr>
+          <p:cNvSpPr txBox="1">
+            <a:spLocks/>
+          </p:cNvSpPr>
+          <p:nvPr/>
+        </p:nvSpPr>
+        <p:spPr>
+          <a:xfrm>
+            <a:off x="457200" y="274638"/>
+            <a:ext cx="8229600" cy="1143000"/>
+          </a:xfrm>
+          <a:prstGeom prst="rect">
+            <a:avLst/>
+          </a:prstGeom>
+        </p:spPr>
+        <p:txBody>
+          <a:bodyPr/>
+          <a:lstStyle>
+            <a:lvl1pPr algn="ctr" rtl="0" eaLnBrk="1" fontAlgn="base" hangingPunct="1">
+              <a:spcBef>
+                <a:spcPct val="0"/>
+              </a:spcBef>
+              <a:spcAft>
+                <a:spcPct val="0"/>
+              </a:spcAft>
+              <a:defRPr sz="4400" kern="1200">
+                <a:solidFill>
+                  <a:schemeClr val="tx1"/>
+                </a:solidFill>
+                <a:latin typeface="+mj-lt"/>
+                <a:ea typeface="+mj-ea"/>
+                <a:cs typeface="+mj-cs"/>
+              </a:defRPr>
+            </a:lvl1pPr>
+            <a:lvl2pPr algn="ctr" rtl="0" eaLnBrk="1" fontAlgn="base" hangingPunct="1">
+              <a:spcBef>
+                <a:spcPct val="0"/>
+              </a:spcBef>
+              <a:spcAft>
+                <a:spcPct val="0"/>
+              </a:spcAft>
+              <a:defRPr sz="4400">
+                <a:solidFill>
+                  <a:schemeClr val="tx1"/>
+                </a:solidFill>
+                <a:latin typeface="Calibri" pitchFamily="34" charset="0"/>
+              </a:defRPr>
+            </a:lvl2pPr>
+            <a:lvl3pPr algn="ctr" rtl="0" eaLnBrk="1" fontAlgn="base" hangingPunct="1">
+              <a:spcBef>
+                <a:spcPct val="0"/>
+              </a:spcBef>
+              <a:spcAft>
+                <a:spcPct val="0"/>
+              </a:spcAft>
+              <a:defRPr sz="4400">
+                <a:solidFill>
+                  <a:schemeClr val="tx1"/>
+                </a:solidFill>
+                <a:latin typeface="Calibri" pitchFamily="34" charset="0"/>
+              </a:defRPr>
+            </a:lvl3pPr>
+            <a:lvl4pPr algn="ctr" rtl="0" eaLnBrk="1" fontAlgn="base" hangingPunct="1">
+              <a:spcBef>
+                <a:spcPct val="0"/>
+              </a:spcBef>
+              <a:spcAft>
+                <a:spcPct val="0"/>
+              </a:spcAft>
+              <a:defRPr sz="4400">
+                <a:solidFill>
+                  <a:schemeClr val="tx1"/>
+                </a:solidFill>
+                <a:latin typeface="Calibri" pitchFamily="34" charset="0"/>
+              </a:defRPr>
+            </a:lvl4pPr>
+            <a:lvl5pPr algn="ctr" rtl="0" eaLnBrk="1" fontAlgn="base" hangingPunct="1">
+              <a:spcBef>
+                <a:spcPct val="0"/>
+              </a:spcBef>
+              <a:spcAft>
+                <a:spcPct val="0"/>
+              </a:spcAft>
+              <a:defRPr sz="4400">
+                <a:solidFill>
+                  <a:schemeClr val="tx1"/>
+                </a:solidFill>
+                <a:latin typeface="Calibri" pitchFamily="34" charset="0"/>
+              </a:defRPr>
+            </a:lvl5pPr>
+            <a:lvl6pPr marL="457200" algn="ctr" rtl="0" eaLnBrk="1" fontAlgn="base" hangingPunct="1">
+              <a:spcBef>
+                <a:spcPct val="0"/>
+              </a:spcBef>
+              <a:spcAft>
+                <a:spcPct val="0"/>
+              </a:spcAft>
+              <a:defRPr sz="4400">
+                <a:solidFill>
+                  <a:schemeClr val="tx1"/>
+                </a:solidFill>
+                <a:latin typeface="Calibri" pitchFamily="34" charset="0"/>
+              </a:defRPr>
+            </a:lvl6pPr>
+            <a:lvl7pPr marL="914400" algn="ctr" rtl="0" eaLnBrk="1" fontAlgn="base" hangingPunct="1">
+              <a:spcBef>
+                <a:spcPct val="0"/>
+              </a:spcBef>
+              <a:spcAft>
+                <a:spcPct val="0"/>
+              </a:spcAft>
+              <a:defRPr sz="4400">
+                <a:solidFill>
+                  <a:schemeClr val="tx1"/>
+                </a:solidFill>
+                <a:latin typeface="Calibri" pitchFamily="34" charset="0"/>
+              </a:defRPr>
+            </a:lvl7pPr>
+            <a:lvl8pPr marL="1371600" algn="ctr" rtl="0" eaLnBrk="1" fontAlgn="base" hangingPunct="1">
+              <a:spcBef>
+                <a:spcPct val="0"/>
+              </a:spcBef>
+              <a:spcAft>
+                <a:spcPct val="0"/>
+              </a:spcAft>
+              <a:defRPr sz="4400">
+                <a:solidFill>
+                  <a:schemeClr val="tx1"/>
+                </a:solidFill>
+                <a:latin typeface="Calibri" pitchFamily="34" charset="0"/>
+              </a:defRPr>
+            </a:lvl8pPr>
+            <a:lvl9pPr marL="1828800" algn="ctr" rtl="0" eaLnBrk="1" fontAlgn="base" hangingPunct="1">
+              <a:spcBef>
+                <a:spcPct val="0"/>
+              </a:spcBef>
+              <a:spcAft>
+                <a:spcPct val="0"/>
+              </a:spcAft>
+              <a:defRPr sz="4400">
+                <a:solidFill>
+                  <a:schemeClr val="tx1"/>
+                </a:solidFill>
+                <a:latin typeface="Calibri" pitchFamily="34" charset="0"/>
+              </a:defRPr>
+            </a:lvl9pPr>
+          </a:lstStyle>
+          <a:p>
+            <a:r>
+              <a:rPr lang="en-US" sz="3200" b="1">
+                <a:solidFill>
+                  <a:srgbClr val="00B0F0"/>
+                </a:solidFill>
+                <a:cs typeface="Calibri Light"/>
+              </a:rPr>
+              <a:t>Socket Connections Of Network</a:t>
+            </a:r>
+          </a:p>
+        </p:txBody>
+      </p:sp>
+      <p:sp>
+        <p:nvSpPr>
+          <p:cNvPr id="3" name="Content Placeholder 2">
+            <a:extLst>
+              <a:ext uri="{FF2B5EF4-FFF2-40B4-BE49-F238E27FC236}">
+                <a16:creationId xmlns:a16="http://schemas.microsoft.com/office/drawing/2014/main" id="{0E5A4F42-5872-AC46-B1EA-56387C2EDB5A}"/>
+              </a:ext>
+            </a:extLst>
+          </p:cNvPr>
+          <p:cNvSpPr txBox="1">
+            <a:spLocks/>
+          </p:cNvSpPr>
+          <p:nvPr/>
+        </p:nvSpPr>
+        <p:spPr>
+          <a:xfrm>
+            <a:off x="523305" y="1173013"/>
+            <a:ext cx="8238231" cy="1809735"/>
+          </a:xfrm>
+          <a:prstGeom prst="rect">
+            <a:avLst/>
+          </a:prstGeom>
+        </p:spPr>
+        <p:txBody>
+          <a:bodyPr lIns="91440" tIns="45720" rIns="91440" bIns="45720" anchor="t">
+            <a:normAutofit/>
+          </a:bodyPr>
+          <a:lstStyle>
+            <a:lvl1pPr marL="342900" indent="-342900" algn="l" rtl="0" eaLnBrk="1" fontAlgn="base" hangingPunct="1">
+              <a:spcBef>
+                <a:spcPct val="20000"/>
+              </a:spcBef>
+              <a:spcAft>
+                <a:spcPct val="0"/>
+              </a:spcAft>
+              <a:buFont typeface="Arial" charset="0"/>
+              <a:buChar char="•"/>
+              <a:defRPr sz="3200" kern="1200">
+                <a:solidFill>
+                  <a:schemeClr val="tx1"/>
+                </a:solidFill>
+                <a:latin typeface="+mn-lt"/>
+                <a:ea typeface="+mn-ea"/>
+                <a:cs typeface="+mn-cs"/>
+              </a:defRPr>
+            </a:lvl1pPr>
+            <a:lvl2pPr marL="742950" indent="-285750" algn="l" rtl="0" eaLnBrk="1" fontAlgn="base" hangingPunct="1">
+              <a:spcBef>
+                <a:spcPct val="20000"/>
+              </a:spcBef>
+              <a:spcAft>
+                <a:spcPct val="0"/>
+              </a:spcAft>
+              <a:buFont typeface="Arial" charset="0"/>
+              <a:buChar char="–"/>
+              <a:defRPr sz="2800" kern="1200">
+                <a:solidFill>
+                  <a:schemeClr val="tx1"/>
+                </a:solidFill>
+                <a:latin typeface="+mn-lt"/>
+                <a:ea typeface="+mn-ea"/>
+                <a:cs typeface="+mn-cs"/>
+              </a:defRPr>
+            </a:lvl2pPr>
+            <a:lvl3pPr marL="1143000" indent="-228600" algn="l" rtl="0" eaLnBrk="1" fontAlgn="base" hangingPunct="1">
+              <a:spcBef>
+                <a:spcPct val="20000"/>
+              </a:spcBef>
+              <a:spcAft>
+                <a:spcPct val="0"/>
+              </a:spcAft>
+              <a:buFont typeface="Arial" charset="0"/>
+              <a:buChar char="•"/>
+              <a:defRPr sz="2400" kern="1200">
+                <a:solidFill>
+                  <a:schemeClr val="tx1"/>
+                </a:solidFill>
+                <a:latin typeface="+mn-lt"/>
+                <a:ea typeface="+mn-ea"/>
+                <a:cs typeface="+mn-cs"/>
+              </a:defRPr>
+            </a:lvl3pPr>
+            <a:lvl4pPr marL="1600200" indent="-228600" algn="l" rtl="0" eaLnBrk="1" fontAlgn="base" hangingPunct="1">
+              <a:spcBef>
+                <a:spcPct val="20000"/>
+              </a:spcBef>
+              <a:spcAft>
+                <a:spcPct val="0"/>
+              </a:spcAft>
+              <a:buFont typeface="Arial" charset="0"/>
+              <a:buChar char="–"/>
+              <a:defRPr sz="2000" kern="1200">
+                <a:solidFill>
+                  <a:schemeClr val="tx1"/>
+                </a:solidFill>
+                <a:latin typeface="+mn-lt"/>
+                <a:ea typeface="+mn-ea"/>
+                <a:cs typeface="+mn-cs"/>
+              </a:defRPr>
+            </a:lvl4pPr>
+            <a:lvl5pPr marL="2057400" indent="-228600" algn="l" rtl="0" eaLnBrk="1" fontAlgn="base" hangingPunct="1">
+              <a:spcBef>
+                <a:spcPct val="20000"/>
+              </a:spcBef>
+              <a:spcAft>
+                <a:spcPct val="0"/>
+              </a:spcAft>
+              <a:buFont typeface="Arial" charset="0"/>
+              <a:buChar char="»"/>
+              <a:defRPr sz="2000" kern="1200">
+                <a:solidFill>
+                  <a:schemeClr val="tx1"/>
+                </a:solidFill>
+                <a:latin typeface="+mn-lt"/>
+                <a:ea typeface="+mn-ea"/>
+                <a:cs typeface="+mn-cs"/>
+              </a:defRPr>
+            </a:lvl5pPr>
+            <a:lvl6pPr marL="2514600" indent="-228600" algn="l" defTabSz="914400" rtl="0" eaLnBrk="1" latinLnBrk="0" hangingPunct="1">
+              <a:spcBef>
+                <a:spcPct val="20000"/>
+              </a:spcBef>
+              <a:buFont typeface="Arial" pitchFamily="34" charset="0"/>
+              <a:buChar char="•"/>
+              <a:defRPr sz="2000" kern="1200">
+                <a:solidFill>
+                  <a:schemeClr val="tx1"/>
+                </a:solidFill>
+                <a:latin typeface="+mn-lt"/>
+                <a:ea typeface="+mn-ea"/>
+                <a:cs typeface="+mn-cs"/>
+              </a:defRPr>
+            </a:lvl6pPr>
+            <a:lvl7pPr marL="2971800" indent="-228600" algn="l" defTabSz="914400" rtl="0" eaLnBrk="1" latinLnBrk="0" hangingPunct="1">
+              <a:spcBef>
+                <a:spcPct val="20000"/>
+              </a:spcBef>
+              <a:buFont typeface="Arial" pitchFamily="34" charset="0"/>
+              <a:buChar char="•"/>
+              <a:defRPr sz="2000" kern="1200">
+                <a:solidFill>
+                  <a:schemeClr val="tx1"/>
+                </a:solidFill>
+                <a:latin typeface="+mn-lt"/>
+                <a:ea typeface="+mn-ea"/>
+                <a:cs typeface="+mn-cs"/>
+              </a:defRPr>
+            </a:lvl7pPr>
+            <a:lvl8pPr marL="3429000" indent="-228600" algn="l" defTabSz="914400" rtl="0" eaLnBrk="1" latinLnBrk="0" hangingPunct="1">
+              <a:spcBef>
+                <a:spcPct val="20000"/>
+              </a:spcBef>
+              <a:buFont typeface="Arial" pitchFamily="34" charset="0"/>
+              <a:buChar char="•"/>
+              <a:defRPr sz="2000" kern="1200">
+                <a:solidFill>
+                  <a:schemeClr val="tx1"/>
+                </a:solidFill>
+                <a:latin typeface="+mn-lt"/>
+                <a:ea typeface="+mn-ea"/>
+                <a:cs typeface="+mn-cs"/>
+              </a:defRPr>
+            </a:lvl8pPr>
+            <a:lvl9pPr marL="3886200" indent="-228600" algn="l" defTabSz="914400" rtl="0" eaLnBrk="1" latinLnBrk="0" hangingPunct="1">
+              <a:spcBef>
+                <a:spcPct val="20000"/>
+              </a:spcBef>
+              <a:buFont typeface="Arial" pitchFamily="34" charset="0"/>
+              <a:buChar char="•"/>
+              <a:defRPr sz="2000" kern="1200">
+                <a:solidFill>
+                  <a:schemeClr val="tx1"/>
+                </a:solidFill>
+                <a:latin typeface="+mn-lt"/>
+                <a:ea typeface="+mn-ea"/>
+                <a:cs typeface="+mn-cs"/>
+              </a:defRPr>
+            </a:lvl9pPr>
+          </a:lstStyle>
+          <a:p>
+            <a:r>
+              <a:rPr lang="en-US" sz="2800">
+                <a:ea typeface="+mn-lt"/>
+                <a:cs typeface="+mn-lt"/>
+              </a:rPr>
+              <a:t>Total Connection 1549 as analyzed.</a:t>
+            </a:r>
+          </a:p>
+          <a:p>
+            <a:r>
+              <a:rPr lang="en-US" sz="2800">
+                <a:ea typeface="+mn-lt"/>
+                <a:cs typeface="+mn-lt"/>
+              </a:rPr>
+              <a:t>Each connection has several packets transfer ranging from 1 to 4806. </a:t>
+            </a:r>
+          </a:p>
+          <a:p>
+            <a:endParaRPr lang="en-US"/>
+          </a:p>
+        </p:txBody>
+      </p:sp>
+    </p:spTree>
+    <p:extLst>
+      <p:ext uri="{BB962C8B-B14F-4D97-AF65-F5344CB8AC3E}">
+        <p14:creationId xmlns:p14="http://schemas.microsoft.com/office/powerpoint/2010/main" val="1500107029"/>
       </p:ext>
     </p:extLst>
   </p:cSld>
@@ -14564,230 +15652,30 @@
           </a:p>
         </p:txBody>
       </p:sp>
-      <p:sp>
-        <p:nvSpPr>
-          <p:cNvPr id="3" name="Content Placeholder 2">
+      <p:pic>
+        <p:nvPicPr>
+          <p:cNvPr id="4" name="Picture 4" descr="A picture containing square&#10;&#10;Description automatically generated">
             <a:extLst>
               <a:ext uri="{FF2B5EF4-FFF2-40B4-BE49-F238E27FC236}">
-                <a16:creationId xmlns:a16="http://schemas.microsoft.com/office/drawing/2014/main" id="{0E5A4F42-5872-AC46-B1EA-56387C2EDB5A}"/>
+                <a16:creationId xmlns:a16="http://schemas.microsoft.com/office/drawing/2014/main" id="{6EB795EC-18E0-4AEB-8061-0988CDAF6AE6}"/>
               </a:ext>
             </a:extLst>
           </p:cNvPr>
-          <p:cNvSpPr txBox="1">
-            <a:spLocks/>
-          </p:cNvSpPr>
-          <p:nvPr/>
-        </p:nvSpPr>
-        <p:spPr>
-          <a:xfrm>
-            <a:off x="628651" y="2226469"/>
-            <a:ext cx="3940130" cy="3263504"/>
-          </a:xfrm>
-          <a:prstGeom prst="rect">
-            <a:avLst/>
-          </a:prstGeom>
-        </p:spPr>
-        <p:txBody>
-          <a:bodyPr>
-            <a:normAutofit/>
-          </a:bodyPr>
-          <a:lstStyle>
-            <a:lvl1pPr marL="342900" indent="-342900" algn="l" rtl="0" eaLnBrk="1" fontAlgn="base" hangingPunct="1">
-              <a:spcBef>
-                <a:spcPct val="20000"/>
-              </a:spcBef>
-              <a:spcAft>
-                <a:spcPct val="0"/>
-              </a:spcAft>
-              <a:buFont typeface="Arial" charset="0"/>
-              <a:buChar char="•"/>
-              <a:defRPr sz="3200" kern="1200">
-                <a:solidFill>
-                  <a:schemeClr val="tx1"/>
-                </a:solidFill>
-                <a:latin typeface="+mn-lt"/>
-                <a:ea typeface="+mn-ea"/>
-                <a:cs typeface="+mn-cs"/>
-              </a:defRPr>
-            </a:lvl1pPr>
-            <a:lvl2pPr marL="742950" indent="-285750" algn="l" rtl="0" eaLnBrk="1" fontAlgn="base" hangingPunct="1">
-              <a:spcBef>
-                <a:spcPct val="20000"/>
-              </a:spcBef>
-              <a:spcAft>
-                <a:spcPct val="0"/>
-              </a:spcAft>
-              <a:buFont typeface="Arial" charset="0"/>
-              <a:buChar char="–"/>
-              <a:defRPr sz="2800" kern="1200">
-                <a:solidFill>
-                  <a:schemeClr val="tx1"/>
-                </a:solidFill>
-                <a:latin typeface="+mn-lt"/>
-                <a:ea typeface="+mn-ea"/>
-                <a:cs typeface="+mn-cs"/>
-              </a:defRPr>
-            </a:lvl2pPr>
-            <a:lvl3pPr marL="1143000" indent="-228600" algn="l" rtl="0" eaLnBrk="1" fontAlgn="base" hangingPunct="1">
-              <a:spcBef>
-                <a:spcPct val="20000"/>
-              </a:spcBef>
-              <a:spcAft>
-                <a:spcPct val="0"/>
-              </a:spcAft>
-              <a:buFont typeface="Arial" charset="0"/>
-              <a:buChar char="•"/>
-              <a:defRPr sz="2400" kern="1200">
-                <a:solidFill>
-                  <a:schemeClr val="tx1"/>
-                </a:solidFill>
-                <a:latin typeface="+mn-lt"/>
-                <a:ea typeface="+mn-ea"/>
-                <a:cs typeface="+mn-cs"/>
-              </a:defRPr>
-            </a:lvl3pPr>
-            <a:lvl4pPr marL="1600200" indent="-228600" algn="l" rtl="0" eaLnBrk="1" fontAlgn="base" hangingPunct="1">
-              <a:spcBef>
-                <a:spcPct val="20000"/>
-              </a:spcBef>
-              <a:spcAft>
-                <a:spcPct val="0"/>
-              </a:spcAft>
-              <a:buFont typeface="Arial" charset="0"/>
-              <a:buChar char="–"/>
-              <a:defRPr sz="2000" kern="1200">
-                <a:solidFill>
-                  <a:schemeClr val="tx1"/>
-                </a:solidFill>
-                <a:latin typeface="+mn-lt"/>
-                <a:ea typeface="+mn-ea"/>
-                <a:cs typeface="+mn-cs"/>
-              </a:defRPr>
-            </a:lvl4pPr>
-            <a:lvl5pPr marL="2057400" indent="-228600" algn="l" rtl="0" eaLnBrk="1" fontAlgn="base" hangingPunct="1">
-              <a:spcBef>
-                <a:spcPct val="20000"/>
-              </a:spcBef>
-              <a:spcAft>
-                <a:spcPct val="0"/>
-              </a:spcAft>
-              <a:buFont typeface="Arial" charset="0"/>
-              <a:buChar char="»"/>
-              <a:defRPr sz="2000" kern="1200">
-                <a:solidFill>
-                  <a:schemeClr val="tx1"/>
-                </a:solidFill>
-                <a:latin typeface="+mn-lt"/>
-                <a:ea typeface="+mn-ea"/>
-                <a:cs typeface="+mn-cs"/>
-              </a:defRPr>
-            </a:lvl5pPr>
-            <a:lvl6pPr marL="2514600" indent="-228600" algn="l" defTabSz="914400" rtl="0" eaLnBrk="1" latinLnBrk="0" hangingPunct="1">
-              <a:spcBef>
-                <a:spcPct val="20000"/>
-              </a:spcBef>
-              <a:buFont typeface="Arial" pitchFamily="34" charset="0"/>
-              <a:buChar char="•"/>
-              <a:defRPr sz="2000" kern="1200">
-                <a:solidFill>
-                  <a:schemeClr val="tx1"/>
-                </a:solidFill>
-                <a:latin typeface="+mn-lt"/>
-                <a:ea typeface="+mn-ea"/>
-                <a:cs typeface="+mn-cs"/>
-              </a:defRPr>
-            </a:lvl6pPr>
-            <a:lvl7pPr marL="2971800" indent="-228600" algn="l" defTabSz="914400" rtl="0" eaLnBrk="1" latinLnBrk="0" hangingPunct="1">
-              <a:spcBef>
-                <a:spcPct val="20000"/>
-              </a:spcBef>
-              <a:buFont typeface="Arial" pitchFamily="34" charset="0"/>
-              <a:buChar char="•"/>
-              <a:defRPr sz="2000" kern="1200">
-                <a:solidFill>
-                  <a:schemeClr val="tx1"/>
-                </a:solidFill>
-                <a:latin typeface="+mn-lt"/>
-                <a:ea typeface="+mn-ea"/>
-                <a:cs typeface="+mn-cs"/>
-              </a:defRPr>
-            </a:lvl7pPr>
-            <a:lvl8pPr marL="3429000" indent="-228600" algn="l" defTabSz="914400" rtl="0" eaLnBrk="1" latinLnBrk="0" hangingPunct="1">
-              <a:spcBef>
-                <a:spcPct val="20000"/>
-              </a:spcBef>
-              <a:buFont typeface="Arial" pitchFamily="34" charset="0"/>
-              <a:buChar char="•"/>
-              <a:defRPr sz="2000" kern="1200">
-                <a:solidFill>
-                  <a:schemeClr val="tx1"/>
-                </a:solidFill>
-                <a:latin typeface="+mn-lt"/>
-                <a:ea typeface="+mn-ea"/>
-                <a:cs typeface="+mn-cs"/>
-              </a:defRPr>
-            </a:lvl8pPr>
-            <a:lvl9pPr marL="3886200" indent="-228600" algn="l" defTabSz="914400" rtl="0" eaLnBrk="1" latinLnBrk="0" hangingPunct="1">
-              <a:spcBef>
-                <a:spcPct val="20000"/>
-              </a:spcBef>
-              <a:buFont typeface="Arial" pitchFamily="34" charset="0"/>
-              <a:buChar char="•"/>
-              <a:defRPr sz="2000" kern="1200">
-                <a:solidFill>
-                  <a:schemeClr val="tx1"/>
-                </a:solidFill>
-                <a:latin typeface="+mn-lt"/>
-                <a:ea typeface="+mn-ea"/>
-                <a:cs typeface="+mn-cs"/>
-              </a:defRPr>
-            </a:lvl9pPr>
-          </a:lstStyle>
-          <a:p>
-            <a:r>
-              <a:rPr lang="en-US" sz="2800">
-                <a:ea typeface="+mn-lt"/>
-                <a:cs typeface="+mn-lt"/>
-              </a:rPr>
-              <a:t>Total Connection 1549 as analyzed.</a:t>
-            </a:r>
-          </a:p>
-          <a:p>
-            <a:r>
-              <a:rPr lang="en-US" sz="2800">
-                <a:ea typeface="+mn-lt"/>
-                <a:cs typeface="+mn-lt"/>
-              </a:rPr>
-              <a:t>Each connection has a number of packets transfer ranging from 1 to 4806. </a:t>
-            </a:r>
-          </a:p>
-          <a:p>
-            <a:endParaRPr lang="en-US"/>
-          </a:p>
-        </p:txBody>
-      </p:sp>
-      <p:pic>
-        <p:nvPicPr>
-          <p:cNvPr id="4" name="Picture 3" descr="11.png">
-            <a:extLst>
-              <a:ext uri="{FF2B5EF4-FFF2-40B4-BE49-F238E27FC236}">
-                <a16:creationId xmlns:a16="http://schemas.microsoft.com/office/drawing/2014/main" id="{A1C8DA51-47BA-B745-8E73-911CEC38FD12}"/>
-              </a:ext>
-            </a:extLst>
-          </p:cNvPr>
-          <p:cNvPicPr/>
+          <p:cNvPicPr>
+            <a:picLocks noChangeAspect="1"/>
+          </p:cNvPicPr>
           <p:nvPr/>
         </p:nvPicPr>
         <p:blipFill>
-          <a:blip r:embed="rId2" cstate="print"/>
+          <a:blip r:embed="rId2"/>
           <a:stretch>
             <a:fillRect/>
           </a:stretch>
         </p:blipFill>
         <p:spPr>
           <a:xfrm>
-            <a:off x="4684690" y="1927421"/>
-            <a:ext cx="3925336" cy="3659981"/>
+            <a:off x="809054" y="1252438"/>
+            <a:ext cx="6978093" cy="4953595"/>
           </a:xfrm>
           <a:prstGeom prst="rect">
             <a:avLst/>
@@ -14797,7 +15685,7 @@
     </p:spTree>
     <p:extLst>
       <p:ext uri="{BB962C8B-B14F-4D97-AF65-F5344CB8AC3E}">
-        <p14:creationId xmlns:p14="http://schemas.microsoft.com/office/powerpoint/2010/main" val="1500107029"/>
+        <p14:creationId xmlns:p14="http://schemas.microsoft.com/office/powerpoint/2010/main" val="760046079"/>
       </p:ext>
     </p:extLst>
   </p:cSld>
@@ -15636,7 +16524,7 @@
           </a:prstGeom>
         </p:spPr>
         <p:txBody>
-          <a:bodyPr wrap="square">
+          <a:bodyPr wrap="square" lIns="91440" tIns="45720" rIns="91440" bIns="45720" anchor="t">
             <a:spAutoFit/>
           </a:bodyPr>
           <a:lstStyle/>
@@ -15654,8 +16542,9 @@
                 <a:solidFill>
                   <a:srgbClr val="00B050"/>
                 </a:solidFill>
+                <a:latin typeface="Calibri"/>
                 <a:ea typeface="Calibri" panose="020F0502020204030204" pitchFamily="34" charset="0"/>
-                <a:cs typeface="Calibri" panose="020F0502020204030204" pitchFamily="34" charset="0"/>
+                <a:cs typeface="Calibri"/>
               </a:rPr>
               <a:t>Packet capture analysis:</a:t>
             </a:r>
@@ -15663,8 +16552,9 @@
               <a:solidFill>
                 <a:srgbClr val="00B050"/>
               </a:solidFill>
+              <a:latin typeface="Calibri"/>
               <a:ea typeface="Calibri" panose="020F0502020204030204" pitchFamily="34" charset="0"/>
-              <a:cs typeface="Times New Roman" panose="02020603050405020304" pitchFamily="18" charset="0"/>
+              <a:cs typeface="Calibri"/>
             </a:endParaRPr>
           </a:p>
           <a:p>
@@ -15682,64 +16572,71 @@
               <a:rPr lang="en-US" b="1">
                 <a:latin typeface="+mn-lt"/>
                 <a:ea typeface="Calibri" panose="020F0502020204030204" pitchFamily="34" charset="0"/>
-                <a:cs typeface="Times New Roman" panose="02020603050405020304" pitchFamily="18" charset="0"/>
+                <a:cs typeface="Times New Roman"/>
               </a:rPr>
               <a:t>Analysis of packet capture data typically requires significant technical skills, and often is performed with tools such as Wireshark.</a:t>
             </a:r>
             <a:endParaRPr lang="en-IN" b="1">
+              <a:latin typeface="+mn-lt"/>
+              <a:ea typeface="Calibri" panose="020F0502020204030204" pitchFamily="34" charset="0"/>
+              <a:cs typeface="Times New Roman"/>
+            </a:endParaRPr>
+          </a:p>
+          <a:p>
+            <a:pPr algn="just">
+              <a:lnSpc>
+                <a:spcPct val="150000"/>
+              </a:lnSpc>
+              <a:spcAft>
+                <a:spcPts val="1000"/>
+              </a:spcAft>
+            </a:pPr>
+            <a:r>
+              <a:rPr lang="en-US" sz="2000" b="1">
+                <a:solidFill>
+                  <a:srgbClr val="00B050"/>
+                </a:solidFill>
+                <a:latin typeface="Calibri"/>
+                <a:ea typeface="Calibri" panose="020F0502020204030204" pitchFamily="34" charset="0"/>
+                <a:cs typeface="Calibri"/>
+              </a:rPr>
+              <a:t>Wireshark:</a:t>
+            </a:r>
+            <a:endParaRPr lang="en-IN" sz="2000" b="1">
+              <a:solidFill>
+                <a:srgbClr val="00B050"/>
+              </a:solidFill>
+              <a:latin typeface="Calibri"/>
+              <a:ea typeface="Calibri" panose="020F0502020204030204" pitchFamily="34" charset="0"/>
+              <a:cs typeface="Calibri"/>
+            </a:endParaRPr>
+          </a:p>
+          <a:p>
+            <a:pPr marL="285750" indent="-285750" algn="just">
+              <a:lnSpc>
+                <a:spcPct val="150000"/>
+              </a:lnSpc>
+              <a:spcAft>
+                <a:spcPts val="1000"/>
+              </a:spcAft>
+              <a:buFont typeface="Arial" panose="020B0604020202020204" pitchFamily="34" charset="0"/>
+              <a:buChar char="•"/>
+            </a:pPr>
+            <a:r>
+              <a:rPr lang="en-US" b="1">
+                <a:latin typeface="+mn-lt"/>
+                <a:ea typeface="Calibri" panose="020F0502020204030204" pitchFamily="34" charset="0"/>
+                <a:cs typeface="Times New Roman"/>
+              </a:rPr>
+              <a:t>Wireshark is a free and open-source packet analyzer. It is used for network troubleshooting, analysis, software and communication protocol development, and education. </a:t>
+            </a:r>
+            <a:endParaRPr lang="en-US" b="1">
               <a:latin typeface="+mn-lt"/>
               <a:ea typeface="Calibri" panose="020F0502020204030204" pitchFamily="34" charset="0"/>
               <a:cs typeface="Times New Roman" panose="02020603050405020304" pitchFamily="18" charset="0"/>
             </a:endParaRPr>
           </a:p>
           <a:p>
-            <a:pPr algn="just">
-              <a:lnSpc>
-                <a:spcPct val="150000"/>
-              </a:lnSpc>
-              <a:spcAft>
-                <a:spcPts val="1000"/>
-              </a:spcAft>
-            </a:pPr>
-            <a:r>
-              <a:rPr lang="en-US" sz="2000" b="1">
-                <a:solidFill>
-                  <a:srgbClr val="00B050"/>
-                </a:solidFill>
-                <a:ea typeface="Calibri" panose="020F0502020204030204" pitchFamily="34" charset="0"/>
-                <a:cs typeface="Calibri" panose="020F0502020204030204" pitchFamily="34" charset="0"/>
-              </a:rPr>
-              <a:t>Wireshark:</a:t>
-            </a:r>
-            <a:endParaRPr lang="en-IN" sz="2000" b="1">
-              <a:solidFill>
-                <a:srgbClr val="00B050"/>
-              </a:solidFill>
-              <a:ea typeface="Calibri" panose="020F0502020204030204" pitchFamily="34" charset="0"/>
-              <a:cs typeface="Times New Roman" panose="02020603050405020304" pitchFamily="18" charset="0"/>
-            </a:endParaRPr>
-          </a:p>
-          <a:p>
-            <a:pPr marL="285750" indent="-285750" algn="just">
-              <a:lnSpc>
-                <a:spcPct val="150000"/>
-              </a:lnSpc>
-              <a:spcAft>
-                <a:spcPts val="1000"/>
-              </a:spcAft>
-              <a:buFont typeface="Arial" panose="020B0604020202020204" pitchFamily="34" charset="0"/>
-              <a:buChar char="•"/>
-            </a:pPr>
-            <a:r>
-              <a:rPr lang="en-US" b="1">
-                <a:latin typeface="+mn-lt"/>
-                <a:ea typeface="Calibri" panose="020F0502020204030204" pitchFamily="34" charset="0"/>
-                <a:cs typeface="Times New Roman" panose="02020603050405020304" pitchFamily="18" charset="0"/>
-              </a:rPr>
-              <a:t>Wireshark is a free and open source packet analyzer. It is used for network troubleshooting, analysis, software and communication protocol development, and education. </a:t>
-            </a:r>
-          </a:p>
-          <a:p>
             <a:pPr marL="285750" indent="-285750" algn="just">
               <a:buFont typeface="Arial" panose="020B0604020202020204" pitchFamily="34" charset="0"/>
               <a:buChar char="•"/>
@@ -15748,7 +16645,7 @@
               <a:rPr lang="en-US" b="1">
                 <a:latin typeface="+mn-lt"/>
               </a:rPr>
-              <a:t>In other words, Wireshark is a packet sniffer and analysis tool. It captures network traffic on the local network and stores that data for offline analysis. </a:t>
+              <a:t>In other words, Wireshark is a packet sniffer and analysis tool. It captures network traffic on the local network and stores that data for offline analysis. </a:t>
             </a:r>
             <a:endParaRPr lang="en-IN" b="1">
               <a:latin typeface="+mn-lt"/>
@@ -18042,9 +18939,12 @@
 </file>
 
 <file path=customXml/item1.xml><?xml version="1.0" encoding="utf-8"?>
-<p:properties xmlns:p="http://schemas.microsoft.com/office/2006/metadata/properties" xmlns:xsi="http://www.w3.org/2001/XMLSchema-instance" xmlns:pc="http://schemas.microsoft.com/office/infopath/2007/PartnerControls">
-  <documentManagement/>
-</p:properties>
+<?mso-contentType ?>
+<FormTemplates xmlns="http://schemas.microsoft.com/sharepoint/v3/contenttype/forms">
+  <Display>DocumentLibraryForm</Display>
+  <Edit>DocumentLibraryForm</Edit>
+  <New>DocumentLibraryForm</New>
+</FormTemplates>
 </file>
 
 <file path=customXml/item2.xml><?xml version="1.0" encoding="utf-8"?>
@@ -18220,19 +19120,15 @@
 </file>
 
 <file path=customXml/item3.xml><?xml version="1.0" encoding="utf-8"?>
-<?mso-contentType ?>
-<FormTemplates xmlns="http://schemas.microsoft.com/sharepoint/v3/contenttype/forms">
-  <Display>DocumentLibraryForm</Display>
-  <Edit>DocumentLibraryForm</Edit>
-  <New>DocumentLibraryForm</New>
-</FormTemplates>
+<p:properties xmlns:p="http://schemas.microsoft.com/office/2006/metadata/properties" xmlns:xsi="http://www.w3.org/2001/XMLSchema-instance" xmlns:pc="http://schemas.microsoft.com/office/infopath/2007/PartnerControls">
+  <documentManagement/>
+</p:properties>
 </file>
 
 <file path=customXml/itemProps1.xml><?xml version="1.0" encoding="utf-8"?>
-<ds:datastoreItem xmlns:ds="http://schemas.openxmlformats.org/officeDocument/2006/customXml" ds:itemID="{14EEBB49-67A7-4A3F-A94A-3EA0BDC0F5A7}">
+<ds:datastoreItem xmlns:ds="http://schemas.openxmlformats.org/officeDocument/2006/customXml" ds:itemID="{462148E0-FB25-4E98-A0C1-D9404460CDFF}">
   <ds:schemaRefs>
-    <ds:schemaRef ds:uri="http://schemas.microsoft.com/office/2006/metadata/properties"/>
-    <ds:schemaRef ds:uri="http://schemas.microsoft.com/office/infopath/2007/PartnerControls"/>
+    <ds:schemaRef ds:uri="http://schemas.microsoft.com/sharepoint/v3/contenttype/forms"/>
   </ds:schemaRefs>
 </ds:datastoreItem>
 </file>
@@ -18256,9 +19152,10 @@
 </file>
 
 <file path=customXml/itemProps3.xml><?xml version="1.0" encoding="utf-8"?>
-<ds:datastoreItem xmlns:ds="http://schemas.openxmlformats.org/officeDocument/2006/customXml" ds:itemID="{462148E0-FB25-4E98-A0C1-D9404460CDFF}">
+<ds:datastoreItem xmlns:ds="http://schemas.openxmlformats.org/officeDocument/2006/customXml" ds:itemID="{14EEBB49-67A7-4A3F-A94A-3EA0BDC0F5A7}">
   <ds:schemaRefs>
-    <ds:schemaRef ds:uri="http://schemas.microsoft.com/sharepoint/v3/contenttype/forms"/>
+    <ds:schemaRef ds:uri="http://schemas.microsoft.com/office/2006/metadata/properties"/>
+    <ds:schemaRef ds:uri="http://schemas.microsoft.com/office/infopath/2007/PartnerControls"/>
   </ds:schemaRefs>
 </ds:datastoreItem>
 </file>
--- a/7.pptx
+++ b/7.pptx
@@ -21,30 +21,30 @@
     <p:sldId id="299" r:id="rId15"/>
     <p:sldId id="300" r:id="rId16"/>
     <p:sldId id="301" r:id="rId17"/>
-    <p:sldId id="303" r:id="rId18"/>
-    <p:sldId id="304" r:id="rId19"/>
-    <p:sldId id="305" r:id="rId20"/>
-    <p:sldId id="306" r:id="rId21"/>
-    <p:sldId id="310" r:id="rId22"/>
-    <p:sldId id="311" r:id="rId23"/>
-    <p:sldId id="312" r:id="rId24"/>
-    <p:sldId id="313" r:id="rId25"/>
-    <p:sldId id="314" r:id="rId26"/>
-    <p:sldId id="315" r:id="rId27"/>
-    <p:sldId id="316" r:id="rId28"/>
-    <p:sldId id="317" r:id="rId29"/>
-    <p:sldId id="318" r:id="rId30"/>
-    <p:sldId id="319" r:id="rId31"/>
-    <p:sldId id="320" r:id="rId32"/>
-    <p:sldId id="321" r:id="rId33"/>
-    <p:sldId id="322" r:id="rId34"/>
-    <p:sldId id="323" r:id="rId35"/>
-    <p:sldId id="324" r:id="rId36"/>
-    <p:sldId id="325" r:id="rId37"/>
-    <p:sldId id="326" r:id="rId38"/>
-    <p:sldId id="327" r:id="rId39"/>
-    <p:sldId id="328" r:id="rId40"/>
-    <p:sldId id="334" r:id="rId41"/>
+    <p:sldId id="302" r:id="rId18"/>
+    <p:sldId id="303" r:id="rId19"/>
+    <p:sldId id="304" r:id="rId20"/>
+    <p:sldId id="305" r:id="rId21"/>
+    <p:sldId id="306" r:id="rId22"/>
+    <p:sldId id="310" r:id="rId23"/>
+    <p:sldId id="311" r:id="rId24"/>
+    <p:sldId id="312" r:id="rId25"/>
+    <p:sldId id="313" r:id="rId26"/>
+    <p:sldId id="314" r:id="rId27"/>
+    <p:sldId id="315" r:id="rId28"/>
+    <p:sldId id="316" r:id="rId29"/>
+    <p:sldId id="317" r:id="rId30"/>
+    <p:sldId id="318" r:id="rId31"/>
+    <p:sldId id="319" r:id="rId32"/>
+    <p:sldId id="320" r:id="rId33"/>
+    <p:sldId id="321" r:id="rId34"/>
+    <p:sldId id="322" r:id="rId35"/>
+    <p:sldId id="323" r:id="rId36"/>
+    <p:sldId id="324" r:id="rId37"/>
+    <p:sldId id="325" r:id="rId38"/>
+    <p:sldId id="326" r:id="rId39"/>
+    <p:sldId id="327" r:id="rId40"/>
+    <p:sldId id="328" r:id="rId41"/>
     <p:sldId id="287" r:id="rId42"/>
     <p:sldId id="330" r:id="rId43"/>
     <p:sldId id="329" r:id="rId44"/>
@@ -199,361 +199,13 @@
 <p1510:revInfo xmlns:a="http://schemas.openxmlformats.org/drawingml/2006/main" xmlns:r="http://schemas.openxmlformats.org/officeDocument/2006/relationships" xmlns:p1510="http://schemas.microsoft.com/office/powerpoint/2015/10/main">
   <p1510:revLst>
     <p1510:client id="{1BAE695E-C54D-4392-9231-4F9EA8E37782}" v="494" dt="2020-11-18T14:31:31.391"/>
-    <p1510:client id="{3403D693-BA23-4D8D-8011-E21FCAA1F679}" v="7" dt="2020-11-19T05:00:37.808"/>
-    <p1510:client id="{597F98D9-F366-416D-BE01-4B2F1BE4A341}" v="2" dt="2020-11-19T02:41:02.430"/>
     <p1510:client id="{C15B37AE-E1E8-473E-9E22-DF26D4473F9C}" v="36" dt="2020-11-18T05:20:08.476"/>
-    <p1510:client id="{C562CDEE-9F6D-49E5-93C5-83603A40EEBA}" v="1041" dt="2020-11-19T05:28:07.032"/>
   </p1510:revLst>
 </p1510:revInfo>
 </file>
 
 <file path=ppt/changesInfos/changesInfo1.xml><?xml version="1.0" encoding="utf-8"?>
 <pc:chgInfo xmlns:a="http://schemas.openxmlformats.org/drawingml/2006/main" xmlns:r="http://schemas.openxmlformats.org/officeDocument/2006/relationships" xmlns:ac="http://schemas.microsoft.com/office/drawing/2013/main/command" xmlns:pc="http://schemas.microsoft.com/office/powerpoint/2013/main/command">
-  <pc:docChgLst>
-    <pc:chgData name="HEM CHANDRA JOSHI" userId="S::hc_joshi@cs.iitr.ac.in::15a5c9ce-03f3-4c1c-ba26-1d4bdf9c6def" providerId="AD" clId="Web-{3403D693-BA23-4D8D-8011-E21FCAA1F679}"/>
-    <pc:docChg chg="modSld">
-      <pc:chgData name="HEM CHANDRA JOSHI" userId="S::hc_joshi@cs.iitr.ac.in::15a5c9ce-03f3-4c1c-ba26-1d4bdf9c6def" providerId="AD" clId="Web-{3403D693-BA23-4D8D-8011-E21FCAA1F679}" dt="2020-11-19T05:00:37.808" v="4" actId="20577"/>
-      <pc:docMkLst>
-        <pc:docMk/>
-      </pc:docMkLst>
-      <pc:sldChg chg="modSp">
-        <pc:chgData name="HEM CHANDRA JOSHI" userId="S::hc_joshi@cs.iitr.ac.in::15a5c9ce-03f3-4c1c-ba26-1d4bdf9c6def" providerId="AD" clId="Web-{3403D693-BA23-4D8D-8011-E21FCAA1F679}" dt="2020-11-19T04:54:22.830" v="2" actId="20577"/>
-        <pc:sldMkLst>
-          <pc:docMk/>
-          <pc:sldMk cId="2696701464" sldId="323"/>
-        </pc:sldMkLst>
-        <pc:spChg chg="mod">
-          <ac:chgData name="HEM CHANDRA JOSHI" userId="S::hc_joshi@cs.iitr.ac.in::15a5c9ce-03f3-4c1c-ba26-1d4bdf9c6def" providerId="AD" clId="Web-{3403D693-BA23-4D8D-8011-E21FCAA1F679}" dt="2020-11-19T04:54:22.830" v="2" actId="20577"/>
-          <ac:spMkLst>
-            <pc:docMk/>
-            <pc:sldMk cId="2696701464" sldId="323"/>
-            <ac:spMk id="3" creationId="{C2E076B3-A379-F24A-B3FA-57488ED4C8C6}"/>
-          </ac:spMkLst>
-        </pc:spChg>
-      </pc:sldChg>
-      <pc:sldChg chg="modSp">
-        <pc:chgData name="HEM CHANDRA JOSHI" userId="S::hc_joshi@cs.iitr.ac.in::15a5c9ce-03f3-4c1c-ba26-1d4bdf9c6def" providerId="AD" clId="Web-{3403D693-BA23-4D8D-8011-E21FCAA1F679}" dt="2020-11-19T05:00:37.808" v="4" actId="20577"/>
-        <pc:sldMkLst>
-          <pc:docMk/>
-          <pc:sldMk cId="2608311840" sldId="327"/>
-        </pc:sldMkLst>
-        <pc:spChg chg="mod">
-          <ac:chgData name="HEM CHANDRA JOSHI" userId="S::hc_joshi@cs.iitr.ac.in::15a5c9ce-03f3-4c1c-ba26-1d4bdf9c6def" providerId="AD" clId="Web-{3403D693-BA23-4D8D-8011-E21FCAA1F679}" dt="2020-11-19T05:00:37.808" v="4" actId="20577"/>
-          <ac:spMkLst>
-            <pc:docMk/>
-            <pc:sldMk cId="2608311840" sldId="327"/>
-            <ac:spMk id="3" creationId="{EEFE4231-F3A7-7E4F-A190-27BB88315A04}"/>
-          </ac:spMkLst>
-        </pc:spChg>
-      </pc:sldChg>
-    </pc:docChg>
-  </pc:docChgLst>
-  <pc:docChgLst>
-    <pc:chgData name="GAURAV Kumar" userId="S::gaurav_k@cs.iitr.ac.in::ce27c70f-1bfc-408c-ab41-e31f95981e91" providerId="AD" clId="Web-{C562CDEE-9F6D-49E5-93C5-83603A40EEBA}"/>
-    <pc:docChg chg="addSld delSld modSld">
-      <pc:chgData name="GAURAV Kumar" userId="S::gaurav_k@cs.iitr.ac.in::ce27c70f-1bfc-408c-ab41-e31f95981e91" providerId="AD" clId="Web-{C562CDEE-9F6D-49E5-93C5-83603A40EEBA}" dt="2020-11-19T05:28:07.032" v="1023" actId="20577"/>
-      <pc:docMkLst>
-        <pc:docMk/>
-      </pc:docMkLst>
-      <pc:sldChg chg="modSp">
-        <pc:chgData name="GAURAV Kumar" userId="S::gaurav_k@cs.iitr.ac.in::ce27c70f-1bfc-408c-ab41-e31f95981e91" providerId="AD" clId="Web-{C562CDEE-9F6D-49E5-93C5-83603A40EEBA}" dt="2020-11-19T05:06:18.130" v="2" actId="20577"/>
-        <pc:sldMkLst>
-          <pc:docMk/>
-          <pc:sldMk cId="3488126482" sldId="295"/>
-        </pc:sldMkLst>
-        <pc:spChg chg="mod">
-          <ac:chgData name="GAURAV Kumar" userId="S::gaurav_k@cs.iitr.ac.in::ce27c70f-1bfc-408c-ab41-e31f95981e91" providerId="AD" clId="Web-{C562CDEE-9F6D-49E5-93C5-83603A40EEBA}" dt="2020-11-19T05:06:18.130" v="2" actId="20577"/>
-          <ac:spMkLst>
-            <pc:docMk/>
-            <pc:sldMk cId="3488126482" sldId="295"/>
-            <ac:spMk id="2" creationId="{00000000-0000-0000-0000-000000000000}"/>
-          </ac:spMkLst>
-        </pc:spChg>
-      </pc:sldChg>
-      <pc:sldChg chg="addSp modSp">
-        <pc:chgData name="GAURAV Kumar" userId="S::gaurav_k@cs.iitr.ac.in::ce27c70f-1bfc-408c-ab41-e31f95981e91" providerId="AD" clId="Web-{C562CDEE-9F6D-49E5-93C5-83603A40EEBA}" dt="2020-11-19T05:10:07.447" v="276" actId="20577"/>
-        <pc:sldMkLst>
-          <pc:docMk/>
-          <pc:sldMk cId="46850428" sldId="299"/>
-        </pc:sldMkLst>
-        <pc:spChg chg="add mod">
-          <ac:chgData name="GAURAV Kumar" userId="S::gaurav_k@cs.iitr.ac.in::ce27c70f-1bfc-408c-ab41-e31f95981e91" providerId="AD" clId="Web-{C562CDEE-9F6D-49E5-93C5-83603A40EEBA}" dt="2020-11-19T05:10:07.447" v="276" actId="20577"/>
-          <ac:spMkLst>
-            <pc:docMk/>
-            <pc:sldMk cId="46850428" sldId="299"/>
-            <ac:spMk id="4" creationId="{2567D0EC-DB32-4ABF-B0A7-C9E56231013F}"/>
-          </ac:spMkLst>
-        </pc:spChg>
-      </pc:sldChg>
-      <pc:sldChg chg="addSp delSp modSp">
-        <pc:chgData name="GAURAV Kumar" userId="S::gaurav_k@cs.iitr.ac.in::ce27c70f-1bfc-408c-ab41-e31f95981e91" providerId="AD" clId="Web-{C562CDEE-9F6D-49E5-93C5-83603A40EEBA}" dt="2020-11-19T05:11:58.402" v="371" actId="20577"/>
-        <pc:sldMkLst>
-          <pc:docMk/>
-          <pc:sldMk cId="65780709" sldId="300"/>
-        </pc:sldMkLst>
-        <pc:spChg chg="mod">
-          <ac:chgData name="GAURAV Kumar" userId="S::gaurav_k@cs.iitr.ac.in::ce27c70f-1bfc-408c-ab41-e31f95981e91" providerId="AD" clId="Web-{C562CDEE-9F6D-49E5-93C5-83603A40EEBA}" dt="2020-11-19T05:11:58.402" v="371" actId="20577"/>
-          <ac:spMkLst>
-            <pc:docMk/>
-            <pc:sldMk cId="65780709" sldId="300"/>
-            <ac:spMk id="3" creationId="{5392993C-6CB3-4F27-9E6D-CFA7F64190BD}"/>
-          </ac:spMkLst>
-        </pc:spChg>
-        <pc:spChg chg="add del mod">
-          <ac:chgData name="GAURAV Kumar" userId="S::gaurav_k@cs.iitr.ac.in::ce27c70f-1bfc-408c-ab41-e31f95981e91" providerId="AD" clId="Web-{C562CDEE-9F6D-49E5-93C5-83603A40EEBA}" dt="2020-11-19T05:11:13.261" v="297"/>
-          <ac:spMkLst>
-            <pc:docMk/>
-            <pc:sldMk cId="65780709" sldId="300"/>
-            <ac:spMk id="4" creationId="{EAA72F82-ECA8-4D7B-8CE6-387D3D0A0CB5}"/>
-          </ac:spMkLst>
-        </pc:spChg>
-      </pc:sldChg>
-      <pc:sldChg chg="modSp">
-        <pc:chgData name="GAURAV Kumar" userId="S::gaurav_k@cs.iitr.ac.in::ce27c70f-1bfc-408c-ab41-e31f95981e91" providerId="AD" clId="Web-{C562CDEE-9F6D-49E5-93C5-83603A40EEBA}" dt="2020-11-19T05:15:19.235" v="419" actId="20577"/>
-        <pc:sldMkLst>
-          <pc:docMk/>
-          <pc:sldMk cId="4242289373" sldId="301"/>
-        </pc:sldMkLst>
-        <pc:spChg chg="mod">
-          <ac:chgData name="GAURAV Kumar" userId="S::gaurav_k@cs.iitr.ac.in::ce27c70f-1bfc-408c-ab41-e31f95981e91" providerId="AD" clId="Web-{C562CDEE-9F6D-49E5-93C5-83603A40EEBA}" dt="2020-11-19T05:15:19.235" v="419" actId="20577"/>
-          <ac:spMkLst>
-            <pc:docMk/>
-            <pc:sldMk cId="4242289373" sldId="301"/>
-            <ac:spMk id="2" creationId="{A1288BC5-4215-41A9-A2D6-75FFB4F16D31}"/>
-          </ac:spMkLst>
-        </pc:spChg>
-      </pc:sldChg>
-      <pc:sldChg chg="del">
-        <pc:chgData name="GAURAV Kumar" userId="S::gaurav_k@cs.iitr.ac.in::ce27c70f-1bfc-408c-ab41-e31f95981e91" providerId="AD" clId="Web-{C562CDEE-9F6D-49E5-93C5-83603A40EEBA}" dt="2020-11-19T05:14:04.468" v="396"/>
-        <pc:sldMkLst>
-          <pc:docMk/>
-          <pc:sldMk cId="1358467198" sldId="302"/>
-        </pc:sldMkLst>
-      </pc:sldChg>
-      <pc:sldChg chg="modSp">
-        <pc:chgData name="GAURAV Kumar" userId="S::gaurav_k@cs.iitr.ac.in::ce27c70f-1bfc-408c-ab41-e31f95981e91" providerId="AD" clId="Web-{C562CDEE-9F6D-49E5-93C5-83603A40EEBA}" dt="2020-11-19T05:13:25.811" v="395" actId="20577"/>
-        <pc:sldMkLst>
-          <pc:docMk/>
-          <pc:sldMk cId="169008300" sldId="303"/>
-        </pc:sldMkLst>
-        <pc:spChg chg="mod">
-          <ac:chgData name="GAURAV Kumar" userId="S::gaurav_k@cs.iitr.ac.in::ce27c70f-1bfc-408c-ab41-e31f95981e91" providerId="AD" clId="Web-{C562CDEE-9F6D-49E5-93C5-83603A40EEBA}" dt="2020-11-19T05:13:25.811" v="395" actId="20577"/>
-          <ac:spMkLst>
-            <pc:docMk/>
-            <pc:sldMk cId="169008300" sldId="303"/>
-            <ac:spMk id="3" creationId="{C7F53897-FC51-4402-9F46-6CC56E1A1C7C}"/>
-          </ac:spMkLst>
-        </pc:spChg>
-      </pc:sldChg>
-      <pc:sldChg chg="addSp delSp modSp">
-        <pc:chgData name="GAURAV Kumar" userId="S::gaurav_k@cs.iitr.ac.in::ce27c70f-1bfc-408c-ab41-e31f95981e91" providerId="AD" clId="Web-{C562CDEE-9F6D-49E5-93C5-83603A40EEBA}" dt="2020-11-19T05:16:54.659" v="531" actId="20577"/>
-        <pc:sldMkLst>
-          <pc:docMk/>
-          <pc:sldMk cId="2440793797" sldId="305"/>
-        </pc:sldMkLst>
-        <pc:spChg chg="mod">
-          <ac:chgData name="GAURAV Kumar" userId="S::gaurav_k@cs.iitr.ac.in::ce27c70f-1bfc-408c-ab41-e31f95981e91" providerId="AD" clId="Web-{C562CDEE-9F6D-49E5-93C5-83603A40EEBA}" dt="2020-11-19T05:16:54.659" v="531" actId="20577"/>
-          <ac:spMkLst>
-            <pc:docMk/>
-            <pc:sldMk cId="2440793797" sldId="305"/>
-            <ac:spMk id="3" creationId="{0FA043F3-88FC-48D3-B016-F6337A428FD2}"/>
-          </ac:spMkLst>
-        </pc:spChg>
-        <pc:spChg chg="add del mod">
-          <ac:chgData name="GAURAV Kumar" userId="S::gaurav_k@cs.iitr.ac.in::ce27c70f-1bfc-408c-ab41-e31f95981e91" providerId="AD" clId="Web-{C562CDEE-9F6D-49E5-93C5-83603A40EEBA}" dt="2020-11-19T05:15:53.892" v="423"/>
-          <ac:spMkLst>
-            <pc:docMk/>
-            <pc:sldMk cId="2440793797" sldId="305"/>
-            <ac:spMk id="4" creationId="{02A231F4-DE63-4DF4-8479-0445308376DF}"/>
-          </ac:spMkLst>
-        </pc:spChg>
-      </pc:sldChg>
-      <pc:sldChg chg="modSp">
-        <pc:chgData name="GAURAV Kumar" userId="S::gaurav_k@cs.iitr.ac.in::ce27c70f-1bfc-408c-ab41-e31f95981e91" providerId="AD" clId="Web-{C562CDEE-9F6D-49E5-93C5-83603A40EEBA}" dt="2020-11-19T05:20:58.211" v="821" actId="20577"/>
-        <pc:sldMkLst>
-          <pc:docMk/>
-          <pc:sldMk cId="2184288316" sldId="306"/>
-        </pc:sldMkLst>
-        <pc:spChg chg="mod">
-          <ac:chgData name="GAURAV Kumar" userId="S::gaurav_k@cs.iitr.ac.in::ce27c70f-1bfc-408c-ab41-e31f95981e91" providerId="AD" clId="Web-{C562CDEE-9F6D-49E5-93C5-83603A40EEBA}" dt="2020-11-19T05:20:58.211" v="821" actId="20577"/>
-          <ac:spMkLst>
-            <pc:docMk/>
-            <pc:sldMk cId="2184288316" sldId="306"/>
-            <ac:spMk id="3" creationId="{3195CBA9-D844-5E42-8A71-CD812D3F04EA}"/>
-          </ac:spMkLst>
-        </pc:spChg>
-      </pc:sldChg>
-      <pc:sldChg chg="addSp delSp modSp">
-        <pc:chgData name="GAURAV Kumar" userId="S::gaurav_k@cs.iitr.ac.in::ce27c70f-1bfc-408c-ab41-e31f95981e91" providerId="AD" clId="Web-{C562CDEE-9F6D-49E5-93C5-83603A40EEBA}" dt="2020-11-19T05:23:24.792" v="878" actId="14100"/>
-        <pc:sldMkLst>
-          <pc:docMk/>
-          <pc:sldMk cId="540996305" sldId="313"/>
-        </pc:sldMkLst>
-        <pc:spChg chg="mod">
-          <ac:chgData name="GAURAV Kumar" userId="S::gaurav_k@cs.iitr.ac.in::ce27c70f-1bfc-408c-ab41-e31f95981e91" providerId="AD" clId="Web-{C562CDEE-9F6D-49E5-93C5-83603A40EEBA}" dt="2020-11-19T05:23:24.792" v="878" actId="14100"/>
-          <ac:spMkLst>
-            <pc:docMk/>
-            <pc:sldMk cId="540996305" sldId="313"/>
-            <ac:spMk id="3" creationId="{1D2D3FA0-8A43-6640-BAE7-BDA734104379}"/>
-          </ac:spMkLst>
-        </pc:spChg>
-        <pc:spChg chg="add del mod">
-          <ac:chgData name="GAURAV Kumar" userId="S::gaurav_k@cs.iitr.ac.in::ce27c70f-1bfc-408c-ab41-e31f95981e91" providerId="AD" clId="Web-{C562CDEE-9F6D-49E5-93C5-83603A40EEBA}" dt="2020-11-19T05:21:31.055" v="830"/>
-          <ac:spMkLst>
-            <pc:docMk/>
-            <pc:sldMk cId="540996305" sldId="313"/>
-            <ac:spMk id="4" creationId="{226BE65A-0AFC-4305-910A-062E80033798}"/>
-          </ac:spMkLst>
-        </pc:spChg>
-      </pc:sldChg>
-      <pc:sldChg chg="modSp">
-        <pc:chgData name="GAURAV Kumar" userId="S::gaurav_k@cs.iitr.ac.in::ce27c70f-1bfc-408c-ab41-e31f95981e91" providerId="AD" clId="Web-{C562CDEE-9F6D-49E5-93C5-83603A40EEBA}" dt="2020-11-19T05:24:53.481" v="922" actId="1076"/>
-        <pc:sldMkLst>
-          <pc:docMk/>
-          <pc:sldMk cId="752441556" sldId="315"/>
-        </pc:sldMkLst>
-        <pc:spChg chg="mod">
-          <ac:chgData name="GAURAV Kumar" userId="S::gaurav_k@cs.iitr.ac.in::ce27c70f-1bfc-408c-ab41-e31f95981e91" providerId="AD" clId="Web-{C562CDEE-9F6D-49E5-93C5-83603A40EEBA}" dt="2020-11-19T05:24:50.778" v="921" actId="14100"/>
-          <ac:spMkLst>
-            <pc:docMk/>
-            <pc:sldMk cId="752441556" sldId="315"/>
-            <ac:spMk id="2" creationId="{0872B982-C4D9-2E44-ABAC-16940E2EA360}"/>
-          </ac:spMkLst>
-        </pc:spChg>
-        <pc:picChg chg="mod">
-          <ac:chgData name="GAURAV Kumar" userId="S::gaurav_k@cs.iitr.ac.in::ce27c70f-1bfc-408c-ab41-e31f95981e91" providerId="AD" clId="Web-{C562CDEE-9F6D-49E5-93C5-83603A40EEBA}" dt="2020-11-19T05:24:53.481" v="922" actId="1076"/>
-          <ac:picMkLst>
-            <pc:docMk/>
-            <pc:sldMk cId="752441556" sldId="315"/>
-            <ac:picMk id="3" creationId="{CB895ADD-1428-4641-A67F-7A9382C0EBD5}"/>
-          </ac:picMkLst>
-        </pc:picChg>
-      </pc:sldChg>
-      <pc:sldChg chg="addSp modSp">
-        <pc:chgData name="GAURAV Kumar" userId="S::gaurav_k@cs.iitr.ac.in::ce27c70f-1bfc-408c-ab41-e31f95981e91" providerId="AD" clId="Web-{C562CDEE-9F6D-49E5-93C5-83603A40EEBA}" dt="2020-11-19T05:25:31.295" v="933" actId="1076"/>
-        <pc:sldMkLst>
-          <pc:docMk/>
-          <pc:sldMk cId="809326633" sldId="317"/>
-        </pc:sldMkLst>
-        <pc:spChg chg="mod">
-          <ac:chgData name="GAURAV Kumar" userId="S::gaurav_k@cs.iitr.ac.in::ce27c70f-1bfc-408c-ab41-e31f95981e91" providerId="AD" clId="Web-{C562CDEE-9F6D-49E5-93C5-83603A40EEBA}" dt="2020-11-19T05:25:17.138" v="926" actId="20577"/>
-          <ac:spMkLst>
-            <pc:docMk/>
-            <pc:sldMk cId="809326633" sldId="317"/>
-            <ac:spMk id="2" creationId="{C24F3A9A-CC10-8D4E-862D-1235DF1DB9A4}"/>
-          </ac:spMkLst>
-        </pc:spChg>
-        <pc:spChg chg="add mod">
-          <ac:chgData name="GAURAV Kumar" userId="S::gaurav_k@cs.iitr.ac.in::ce27c70f-1bfc-408c-ab41-e31f95981e91" providerId="AD" clId="Web-{C562CDEE-9F6D-49E5-93C5-83603A40EEBA}" dt="2020-11-19T05:25:27.841" v="932" actId="20577"/>
-          <ac:spMkLst>
-            <pc:docMk/>
-            <pc:sldMk cId="809326633" sldId="317"/>
-            <ac:spMk id="5" creationId="{9C4DF89D-3364-4F9E-9058-6D6D57FA6214}"/>
-          </ac:spMkLst>
-        </pc:spChg>
-        <pc:picChg chg="mod">
-          <ac:chgData name="GAURAV Kumar" userId="S::gaurav_k@cs.iitr.ac.in::ce27c70f-1bfc-408c-ab41-e31f95981e91" providerId="AD" clId="Web-{C562CDEE-9F6D-49E5-93C5-83603A40EEBA}" dt="2020-11-19T05:25:31.295" v="933" actId="1076"/>
-          <ac:picMkLst>
-            <pc:docMk/>
-            <pc:sldMk cId="809326633" sldId="317"/>
-            <ac:picMk id="3" creationId="{3DC94239-300D-984F-AB3E-E00CEE66FE21}"/>
-          </ac:picMkLst>
-        </pc:picChg>
-      </pc:sldChg>
-      <pc:sldChg chg="addSp modSp">
-        <pc:chgData name="GAURAV Kumar" userId="S::gaurav_k@cs.iitr.ac.in::ce27c70f-1bfc-408c-ab41-e31f95981e91" providerId="AD" clId="Web-{C562CDEE-9F6D-49E5-93C5-83603A40EEBA}" dt="2020-11-19T05:26:13.874" v="994" actId="14100"/>
-        <pc:sldMkLst>
-          <pc:docMk/>
-          <pc:sldMk cId="3017322215" sldId="318"/>
-        </pc:sldMkLst>
-        <pc:spChg chg="add mod">
-          <ac:chgData name="GAURAV Kumar" userId="S::gaurav_k@cs.iitr.ac.in::ce27c70f-1bfc-408c-ab41-e31f95981e91" providerId="AD" clId="Web-{C562CDEE-9F6D-49E5-93C5-83603A40EEBA}" dt="2020-11-19T05:26:13.874" v="994" actId="14100"/>
-          <ac:spMkLst>
-            <pc:docMk/>
-            <pc:sldMk cId="3017322215" sldId="318"/>
-            <ac:spMk id="5" creationId="{58270C0C-552F-4387-95F8-56EFB8558322}"/>
-          </ac:spMkLst>
-        </pc:spChg>
-        <pc:picChg chg="mod">
-          <ac:chgData name="GAURAV Kumar" userId="S::gaurav_k@cs.iitr.ac.in::ce27c70f-1bfc-408c-ab41-e31f95981e91" providerId="AD" clId="Web-{C562CDEE-9F6D-49E5-93C5-83603A40EEBA}" dt="2020-11-19T05:25:40.295" v="935" actId="1076"/>
-          <ac:picMkLst>
-            <pc:docMk/>
-            <pc:sldMk cId="3017322215" sldId="318"/>
-            <ac:picMk id="3" creationId="{1838AEAB-93CE-E143-9C60-6D6241E199FC}"/>
-          </ac:picMkLst>
-        </pc:picChg>
-      </pc:sldChg>
-      <pc:sldChg chg="modSp">
-        <pc:chgData name="GAURAV Kumar" userId="S::gaurav_k@cs.iitr.ac.in::ce27c70f-1bfc-408c-ab41-e31f95981e91" providerId="AD" clId="Web-{C562CDEE-9F6D-49E5-93C5-83603A40EEBA}" dt="2020-11-19T05:26:52.437" v="1003" actId="20577"/>
-        <pc:sldMkLst>
-          <pc:docMk/>
-          <pc:sldMk cId="2608311840" sldId="327"/>
-        </pc:sldMkLst>
-        <pc:spChg chg="mod">
-          <ac:chgData name="GAURAV Kumar" userId="S::gaurav_k@cs.iitr.ac.in::ce27c70f-1bfc-408c-ab41-e31f95981e91" providerId="AD" clId="Web-{C562CDEE-9F6D-49E5-93C5-83603A40EEBA}" dt="2020-11-19T05:26:52.437" v="1003" actId="20577"/>
-          <ac:spMkLst>
-            <pc:docMk/>
-            <pc:sldMk cId="2608311840" sldId="327"/>
-            <ac:spMk id="3" creationId="{EEFE4231-F3A7-7E4F-A190-27BB88315A04}"/>
-          </ac:spMkLst>
-        </pc:spChg>
-      </pc:sldChg>
-      <pc:sldChg chg="addSp delSp modSp">
-        <pc:chgData name="GAURAV Kumar" userId="S::gaurav_k@cs.iitr.ac.in::ce27c70f-1bfc-408c-ab41-e31f95981e91" providerId="AD" clId="Web-{C562CDEE-9F6D-49E5-93C5-83603A40EEBA}" dt="2020-11-19T05:28:07.032" v="1022" actId="20577"/>
-        <pc:sldMkLst>
-          <pc:docMk/>
-          <pc:sldMk cId="1500107029" sldId="328"/>
-        </pc:sldMkLst>
-        <pc:spChg chg="mod">
-          <ac:chgData name="GAURAV Kumar" userId="S::gaurav_k@cs.iitr.ac.in::ce27c70f-1bfc-408c-ab41-e31f95981e91" providerId="AD" clId="Web-{C562CDEE-9F6D-49E5-93C5-83603A40EEBA}" dt="2020-11-19T05:28:07.032" v="1022" actId="20577"/>
-          <ac:spMkLst>
-            <pc:docMk/>
-            <pc:sldMk cId="1500107029" sldId="328"/>
-            <ac:spMk id="3" creationId="{0E5A4F42-5872-AC46-B1EA-56387C2EDB5A}"/>
-          </ac:spMkLst>
-        </pc:spChg>
-        <pc:picChg chg="del">
-          <ac:chgData name="GAURAV Kumar" userId="S::gaurav_k@cs.iitr.ac.in::ce27c70f-1bfc-408c-ab41-e31f95981e91" providerId="AD" clId="Web-{C562CDEE-9F6D-49E5-93C5-83603A40EEBA}" dt="2020-11-19T05:27:03.812" v="1004"/>
-          <ac:picMkLst>
-            <pc:docMk/>
-            <pc:sldMk cId="1500107029" sldId="328"/>
-            <ac:picMk id="4" creationId="{A1C8DA51-47BA-B745-8E73-911CEC38FD12}"/>
-          </ac:picMkLst>
-        </pc:picChg>
-        <pc:picChg chg="add del mod">
-          <ac:chgData name="GAURAV Kumar" userId="S::gaurav_k@cs.iitr.ac.in::ce27c70f-1bfc-408c-ab41-e31f95981e91" providerId="AD" clId="Web-{C562CDEE-9F6D-49E5-93C5-83603A40EEBA}" dt="2020-11-19T05:27:24.594" v="1012"/>
-          <ac:picMkLst>
-            <pc:docMk/>
-            <pc:sldMk cId="1500107029" sldId="328"/>
-            <ac:picMk id="5" creationId="{21058924-2ED2-4671-B1E5-72DF85C00D21}"/>
-          </ac:picMkLst>
-        </pc:picChg>
-      </pc:sldChg>
-      <pc:sldChg chg="addSp delSp modSp add replId">
-        <pc:chgData name="GAURAV Kumar" userId="S::gaurav_k@cs.iitr.ac.in::ce27c70f-1bfc-408c-ab41-e31f95981e91" providerId="AD" clId="Web-{C562CDEE-9F6D-49E5-93C5-83603A40EEBA}" dt="2020-11-19T05:27:54.798" v="1019" actId="14100"/>
-        <pc:sldMkLst>
-          <pc:docMk/>
-          <pc:sldMk cId="760046079" sldId="334"/>
-        </pc:sldMkLst>
-        <pc:spChg chg="del">
-          <ac:chgData name="GAURAV Kumar" userId="S::gaurav_k@cs.iitr.ac.in::ce27c70f-1bfc-408c-ab41-e31f95981e91" providerId="AD" clId="Web-{C562CDEE-9F6D-49E5-93C5-83603A40EEBA}" dt="2020-11-19T05:27:44.110" v="1014"/>
-          <ac:spMkLst>
-            <pc:docMk/>
-            <pc:sldMk cId="760046079" sldId="334"/>
-            <ac:spMk id="3" creationId="{0E5A4F42-5872-AC46-B1EA-56387C2EDB5A}"/>
-          </ac:spMkLst>
-        </pc:spChg>
-        <pc:picChg chg="add mod">
-          <ac:chgData name="GAURAV Kumar" userId="S::gaurav_k@cs.iitr.ac.in::ce27c70f-1bfc-408c-ab41-e31f95981e91" providerId="AD" clId="Web-{C562CDEE-9F6D-49E5-93C5-83603A40EEBA}" dt="2020-11-19T05:27:54.798" v="1019" actId="14100"/>
-          <ac:picMkLst>
-            <pc:docMk/>
-            <pc:sldMk cId="760046079" sldId="334"/>
-            <ac:picMk id="4" creationId="{6EB795EC-18E0-4AEB-8061-0988CDAF6AE6}"/>
-          </ac:picMkLst>
-        </pc:picChg>
-      </pc:sldChg>
-    </pc:docChg>
-  </pc:docChgLst>
   <pc:docChgLst>
     <pc:chgData name="GAURAV Kumar" userId="S::gaurav_k@cs.iitr.ac.in::ce27c70f-1bfc-408c-ab41-e31f95981e91" providerId="AD" clId="Web-{C15B37AE-E1E8-473E-9E22-DF26D4473F9C}"/>
     <pc:docChg chg="modSld">
@@ -590,22 +242,6 @@
             <ac:spMk id="2" creationId="{88E9F683-2473-A84E-960C-727FB12B185B}"/>
           </ac:spMkLst>
         </pc:spChg>
-      </pc:sldChg>
-    </pc:docChg>
-  </pc:docChgLst>
-  <pc:docChgLst>
-    <pc:chgData name="SRISHTI SHARMA" userId="S::s_sharma1@cs.iitr.ac.in::b11106af-53ff-4fb2-ac75-d7678453f426" providerId="AD" clId="Web-{597F98D9-F366-416D-BE01-4B2F1BE4A341}"/>
-    <pc:docChg chg="sldOrd">
-      <pc:chgData name="SRISHTI SHARMA" userId="S::s_sharma1@cs.iitr.ac.in::b11106af-53ff-4fb2-ac75-d7678453f426" providerId="AD" clId="Web-{597F98D9-F366-416D-BE01-4B2F1BE4A341}" dt="2020-11-19T02:41:02.430" v="1"/>
-      <pc:docMkLst>
-        <pc:docMk/>
-      </pc:docMkLst>
-      <pc:sldChg chg="ord">
-        <pc:chgData name="SRISHTI SHARMA" userId="S::s_sharma1@cs.iitr.ac.in::b11106af-53ff-4fb2-ac75-d7678453f426" providerId="AD" clId="Web-{597F98D9-F366-416D-BE01-4B2F1BE4A341}" dt="2020-11-19T02:41:02.430" v="1"/>
-        <pc:sldMkLst>
-          <pc:docMk/>
-          <pc:sldMk cId="1500107029" sldId="328"/>
-        </pc:sldMkLst>
       </pc:sldChg>
     </pc:docChg>
   </pc:docChgLst>
@@ -4333,7 +3969,7 @@
           </a:lstStyle>
           <a:p>
             <a:r>
-              <a:rPr lang="en-US" sz="4800" b="1">
+              <a:rPr lang="en-US" sz="4800" b="1" dirty="0">
                 <a:solidFill>
                   <a:srgbClr val="00B0F0"/>
                 </a:solidFill>
@@ -4501,7 +4137,7 @@
           </a:lstStyle>
           <a:p>
             <a:r>
-              <a:rPr lang="en-US" sz="4000" b="1">
+              <a:rPr lang="en-US" sz="4000" b="1" dirty="0">
                 <a:solidFill>
                   <a:srgbClr val="00B0F0"/>
                 </a:solidFill>
@@ -4746,114 +4382,6 @@
           </a:prstGeom>
         </p:spPr>
       </p:pic>
-      <p:sp>
-        <p:nvSpPr>
-          <p:cNvPr id="4" name="TextBox 3">
-            <a:extLst>
-              <a:ext uri="{FF2B5EF4-FFF2-40B4-BE49-F238E27FC236}">
-                <a16:creationId xmlns:a16="http://schemas.microsoft.com/office/drawing/2014/main" id="{2567D0EC-DB32-4ABF-B0A7-C9E56231013F}"/>
-              </a:ext>
-            </a:extLst>
-          </p:cNvPr>
-          <p:cNvSpPr txBox="1"/>
-          <p:nvPr/>
-        </p:nvSpPr>
-        <p:spPr>
-          <a:xfrm>
-            <a:off x="861727" y="1135626"/>
-            <a:ext cx="7410011" cy="1015663"/>
-          </a:xfrm>
-          <a:prstGeom prst="rect">
-            <a:avLst/>
-          </a:prstGeom>
-          <a:noFill/>
-        </p:spPr>
-        <p:txBody>
-          <a:bodyPr rot="0" spcFirstLastPara="0" vertOverflow="overflow" horzOverflow="overflow" vert="horz" wrap="square" lIns="91440" tIns="45720" rIns="91440" bIns="45720" numCol="1" spcCol="0" rtlCol="0" fromWordArt="0" anchor="t" anchorCtr="0" forceAA="0" compatLnSpc="1">
-            <a:prstTxWarp prst="textNoShape">
-              <a:avLst/>
-            </a:prstTxWarp>
-            <a:spAutoFit/>
-          </a:bodyPr>
-          <a:lstStyle/>
-          <a:p>
-            <a:pPr marL="285750" indent="-285750" algn="just">
-              <a:buFont typeface="Arial"/>
-              <a:buChar char="•"/>
-            </a:pPr>
-            <a:r>
-              <a:rPr lang="en-US" sz="2000" i="1">
-                <a:latin typeface="+mn-lt"/>
-                <a:ea typeface="+mn-lt"/>
-                <a:cs typeface="+mn-lt"/>
-              </a:rPr>
-              <a:t>Use </a:t>
-            </a:r>
-            <a:r>
-              <a:rPr lang="en-US" sz="2000" i="1" err="1">
-                <a:latin typeface="+mn-lt"/>
-                <a:ea typeface="+mn-lt"/>
-                <a:cs typeface="+mn-lt"/>
-              </a:rPr>
-              <a:t>rdpcap</a:t>
-            </a:r>
-            <a:r>
-              <a:rPr lang="en-US" sz="2000" i="1">
-                <a:latin typeface="+mn-lt"/>
-                <a:ea typeface="+mn-lt"/>
-                <a:cs typeface="+mn-lt"/>
-              </a:rPr>
-              <a:t>() method of </a:t>
-            </a:r>
-            <a:r>
-              <a:rPr lang="en-US" sz="2000" i="1" err="1">
-                <a:latin typeface="+mn-lt"/>
-                <a:ea typeface="+mn-lt"/>
-                <a:cs typeface="+mn-lt"/>
-              </a:rPr>
-              <a:t>scapy</a:t>
-            </a:r>
-            <a:r>
-              <a:rPr lang="en-US" sz="2000" i="1">
-                <a:latin typeface="+mn-lt"/>
-                <a:ea typeface="+mn-lt"/>
-                <a:cs typeface="+mn-lt"/>
-              </a:rPr>
-              <a:t> package to read the content of  </a:t>
-            </a:r>
-            <a:r>
-              <a:rPr lang="en-US" sz="2000" i="1" err="1">
-                <a:latin typeface="+mn-lt"/>
-                <a:ea typeface="+mn-lt"/>
-                <a:cs typeface="+mn-lt"/>
-              </a:rPr>
-              <a:t>pcap</a:t>
-            </a:r>
-            <a:r>
-              <a:rPr lang="en-US" sz="2000" i="1">
-                <a:latin typeface="+mn-lt"/>
-                <a:ea typeface="+mn-lt"/>
-                <a:cs typeface="+mn-lt"/>
-              </a:rPr>
-              <a:t> file</a:t>
-            </a:r>
-          </a:p>
-          <a:p>
-            <a:pPr marL="285750" indent="-285750" algn="just">
-              <a:buFont typeface="Arial"/>
-              <a:buChar char="•"/>
-            </a:pPr>
-            <a:r>
-              <a:rPr lang="en-US" sz="2000" i="1">
-                <a:latin typeface="+mn-lt"/>
-                <a:ea typeface="+mn-lt"/>
-                <a:cs typeface="+mn-lt"/>
-              </a:rPr>
-              <a:t>Test file is having total 26776 packets</a:t>
-            </a:r>
-          </a:p>
-        </p:txBody>
-      </p:sp>
     </p:spTree>
     <p:extLst>
       <p:ext uri="{BB962C8B-B14F-4D97-AF65-F5344CB8AC3E}">
@@ -5074,8 +4602,8 @@
         </p:nvSpPr>
         <p:spPr>
           <a:xfrm>
-            <a:off x="450124" y="1208529"/>
-            <a:ext cx="8028709" cy="5291861"/>
+            <a:off x="376382" y="1282270"/>
+            <a:ext cx="8028709" cy="4596580"/>
           </a:xfrm>
           <a:prstGeom prst="rect">
             <a:avLst/>
@@ -5083,7 +4611,7 @@
         </p:spPr>
         <p:txBody>
           <a:bodyPr vert="horz" lIns="91440" tIns="45720" rIns="91440" bIns="45720" rtlCol="0" anchor="t">
-            <a:normAutofit/>
+            <a:normAutofit fontScale="92500" lnSpcReduction="10000"/>
           </a:bodyPr>
           <a:lstStyle>
             <a:lvl1pPr marL="342900" indent="-342900" algn="l" rtl="0" eaLnBrk="1" fontAlgn="base" hangingPunct="1">
@@ -5237,51 +4765,28 @@
               </a:defRPr>
             </a:lvl9pPr>
           </a:lstStyle>
-          <a:p>
-            <a:pPr marL="457200" indent="-457200"/>
-            <a:r>
-              <a:rPr lang="en-US" sz="3000" i="1">
-                <a:ea typeface="+mn-lt"/>
-                <a:cs typeface="+mn-lt"/>
-              </a:rPr>
-              <a:t>Extracting packet number 66.</a:t>
-            </a:r>
-          </a:p>
           <a:p>
             <a:pPr marL="0" indent="0">
               <a:buFont typeface="Arial" charset="0"/>
               <a:buNone/>
             </a:pPr>
             <a:r>
-              <a:rPr lang="en-US" sz="3000" i="1" err="1">
+              <a:rPr lang="en-US" i="1" dirty="0" err="1">
                 <a:ea typeface="+mn-lt"/>
                 <a:cs typeface="+mn-lt"/>
               </a:rPr>
               <a:t>ethernet_frame</a:t>
             </a:r>
             <a:r>
-              <a:rPr lang="en-US" sz="3000" i="1">
+              <a:rPr lang="en-US" i="1" dirty="0">
                 <a:ea typeface="+mn-lt"/>
                 <a:cs typeface="+mn-lt"/>
               </a:rPr>
               <a:t> = file2[66]</a:t>
             </a:r>
-            <a:endParaRPr lang="en-US" sz="3000" i="1">
+            <a:endParaRPr lang="en-US" i="1" dirty="0">
               <a:cs typeface="Calibri" panose="020F0502020204030204"/>
             </a:endParaRPr>
-          </a:p>
-          <a:p>
-            <a:pPr marL="457200" indent="-457200">
-              <a:buFont typeface="Arial" charset="0"/>
-              <a:buChar char="•"/>
-            </a:pPr>
-            <a:r>
-              <a:rPr lang="en-US" sz="3000" b="1">
-                <a:ea typeface="+mn-lt"/>
-                <a:cs typeface="+mn-lt"/>
-              </a:rPr>
-              <a:t>Extracting Data Encapsulated in Ethernet Frame</a:t>
-            </a:r>
           </a:p>
           <a:p>
             <a:pPr marL="0" indent="0">
@@ -5289,45 +4794,12 @@
               <a:buNone/>
             </a:pPr>
             <a:r>
-              <a:rPr lang="en-US" sz="3000" i="1" err="1">
+              <a:rPr lang="en-US" b="1" dirty="0">
                 <a:ea typeface="+mn-lt"/>
                 <a:cs typeface="+mn-lt"/>
               </a:rPr>
-              <a:t>ip_packet</a:t>
-            </a:r>
-            <a:r>
-              <a:rPr lang="en-US" sz="3000" i="1">
-                <a:ea typeface="+mn-lt"/>
-                <a:cs typeface="+mn-lt"/>
-              </a:rPr>
-              <a:t> = </a:t>
-            </a:r>
-            <a:r>
-              <a:rPr lang="en-US" sz="3000" i="1" err="1">
-                <a:ea typeface="+mn-lt"/>
-                <a:cs typeface="+mn-lt"/>
-              </a:rPr>
-              <a:t>ethernet_frame.payload</a:t>
-            </a:r>
-            <a:endParaRPr lang="en-US" sz="3000" i="1" err="1">
-              <a:cs typeface="Calibri" panose="020F0502020204030204"/>
-            </a:endParaRPr>
-          </a:p>
-          <a:p>
-            <a:pPr marL="457200" indent="-457200">
-              <a:buFont typeface="Arial" charset="0"/>
-              <a:buChar char="•"/>
-            </a:pPr>
-            <a:r>
-              <a:rPr lang="en-US" sz="3000" b="1">
-                <a:ea typeface="+mn-lt"/>
-                <a:cs typeface="+mn-lt"/>
-              </a:rPr>
-              <a:t>Extracting Data Encapsulated in IP Packet</a:t>
-            </a:r>
-            <a:endParaRPr lang="en-US" sz="3000">
-              <a:cs typeface="Calibri"/>
-            </a:endParaRPr>
+              <a:t>#Extracting Data Encapsulated in Ethernet Frame</a:t>
+            </a:r>
           </a:p>
           <a:p>
             <a:pPr marL="0" indent="0">
@@ -5335,37 +4807,28 @@
               <a:buNone/>
             </a:pPr>
             <a:r>
-              <a:rPr lang="en-US" sz="3000" i="1">
+              <a:rPr lang="en-US" i="1" dirty="0" err="1">
                 <a:ea typeface="+mn-lt"/>
                 <a:cs typeface="+mn-lt"/>
               </a:rPr>
-              <a:t>segment = </a:t>
-            </a:r>
-            <a:r>
-              <a:rPr lang="en-US" sz="3000" i="1" err="1">
+              <a:t>ip_packet</a:t>
+            </a:r>
+            <a:r>
+              <a:rPr lang="en-US" i="1" dirty="0">
                 <a:ea typeface="+mn-lt"/>
                 <a:cs typeface="+mn-lt"/>
               </a:rPr>
-              <a:t>ip_packet.payload</a:t>
-            </a:r>
-            <a:endParaRPr lang="en-US" sz="3000" i="1" err="1">
-              <a:cs typeface="Calibri" panose="020F0502020204030204"/>
-            </a:endParaRPr>
-          </a:p>
-          <a:p>
-            <a:pPr marL="457200" indent="-457200">
-              <a:buFont typeface="Arial" charset="0"/>
-              <a:buChar char="•"/>
-            </a:pPr>
-            <a:r>
-              <a:rPr lang="en-US" sz="3000" b="1">
+              <a:t> = </a:t>
+            </a:r>
+            <a:r>
+              <a:rPr lang="en-US" i="1" dirty="0" err="1">
                 <a:ea typeface="+mn-lt"/>
                 <a:cs typeface="+mn-lt"/>
               </a:rPr>
-              <a:t>Extracting payload Encapsulated in the Packet</a:t>
-            </a:r>
-            <a:endParaRPr lang="en-US" sz="3000">
-              <a:cs typeface="Calibri"/>
+              <a:t>ethernet_frame.payload</a:t>
+            </a:r>
+            <a:endParaRPr lang="en-US" i="1" dirty="0">
+              <a:cs typeface="Calibri" panose="020F0502020204030204"/>
             </a:endParaRPr>
           </a:p>
           <a:p>
@@ -5373,22 +4836,93 @@
               <a:buFont typeface="Arial" charset="0"/>
               <a:buNone/>
             </a:pPr>
-            <a:r>
-              <a:rPr lang="en-US" sz="3000" i="1">
+            <a:endParaRPr lang="en-US">
+              <a:ea typeface="+mn-lt"/>
+              <a:cs typeface="+mn-lt"/>
+            </a:endParaRPr>
+          </a:p>
+          <a:p>
+            <a:pPr marL="0" indent="0">
+              <a:buFont typeface="Arial" charset="0"/>
+              <a:buNone/>
+            </a:pPr>
+            <a:r>
+              <a:rPr lang="en-US" b="1" dirty="0">
                 <a:ea typeface="+mn-lt"/>
                 <a:cs typeface="+mn-lt"/>
               </a:rPr>
-              <a:t>data = </a:t>
-            </a:r>
-            <a:r>
-              <a:rPr lang="en-US" sz="3000" i="1" err="1">
+              <a:t>#Extracting Data Encapsulated in IP Packet</a:t>
+            </a:r>
+            <a:endParaRPr lang="en-US" dirty="0"/>
+          </a:p>
+          <a:p>
+            <a:pPr marL="0" indent="0">
+              <a:buFont typeface="Arial" charset="0"/>
+              <a:buNone/>
+            </a:pPr>
+            <a:r>
+              <a:rPr lang="en-US" i="1" dirty="0">
                 <a:ea typeface="+mn-lt"/>
                 <a:cs typeface="+mn-lt"/>
               </a:rPr>
+              <a:t>segment = </a:t>
+            </a:r>
+            <a:r>
+              <a:rPr lang="en-US" i="1" dirty="0" err="1">
+                <a:ea typeface="+mn-lt"/>
+                <a:cs typeface="+mn-lt"/>
+              </a:rPr>
+              <a:t>ip_packet.payload</a:t>
+            </a:r>
+            <a:endParaRPr lang="en-US" i="1" dirty="0">
+              <a:cs typeface="Calibri" panose="020F0502020204030204"/>
+            </a:endParaRPr>
+          </a:p>
+          <a:p>
+            <a:pPr marL="0" indent="0">
+              <a:buFont typeface="Arial" charset="0"/>
+              <a:buNone/>
+            </a:pPr>
+            <a:endParaRPr lang="en-US">
+              <a:ea typeface="+mn-lt"/>
+              <a:cs typeface="+mn-lt"/>
+            </a:endParaRPr>
+          </a:p>
+          <a:p>
+            <a:pPr marL="0" indent="0">
+              <a:buFont typeface="Arial" charset="0"/>
+              <a:buNone/>
+            </a:pPr>
+            <a:r>
+              <a:rPr lang="en-US" b="1" dirty="0">
+                <a:ea typeface="+mn-lt"/>
+                <a:cs typeface="+mn-lt"/>
+              </a:rPr>
+              <a:t>#Extracting payload Encapsulated in the Packet</a:t>
+            </a:r>
+            <a:endParaRPr lang="en-US" dirty="0"/>
+          </a:p>
+          <a:p>
+            <a:pPr marL="0" indent="0">
+              <a:buFont typeface="Arial" charset="0"/>
+              <a:buNone/>
+            </a:pPr>
+            <a:r>
+              <a:rPr lang="en-US" i="1" dirty="0">
+                <a:ea typeface="+mn-lt"/>
+                <a:cs typeface="+mn-lt"/>
+              </a:rPr>
+              <a:t>data = </a:t>
+            </a:r>
+            <a:r>
+              <a:rPr lang="en-US" i="1" dirty="0" err="1">
+                <a:ea typeface="+mn-lt"/>
+                <a:cs typeface="+mn-lt"/>
+              </a:rPr>
               <a:t>segment.payload</a:t>
             </a:r>
             <a:r>
-              <a:rPr lang="en-US">
+              <a:rPr lang="en-US" dirty="0">
                 <a:ea typeface="+mn-lt"/>
                 <a:cs typeface="+mn-lt"/>
               </a:rPr>
@@ -5443,15 +4977,15 @@
         </p:nvSpPr>
         <p:spPr>
           <a:xfrm>
-            <a:off x="596431" y="244677"/>
-            <a:ext cx="6431576" cy="650875"/>
+            <a:off x="3398624" y="244677"/>
+            <a:ext cx="2417909" cy="650875"/>
           </a:xfrm>
           <a:prstGeom prst="rect">
             <a:avLst/>
           </a:prstGeom>
         </p:spPr>
         <p:txBody>
-          <a:bodyPr lIns="91440" tIns="45720" rIns="91440" bIns="45720" anchor="t"/>
+          <a:bodyPr/>
           <a:lstStyle>
             <a:lvl1pPr algn="ctr" rtl="0" eaLnBrk="1" fontAlgn="base" hangingPunct="1">
               <a:spcBef>
@@ -5591,24 +5125,12 @@
                 </a:solidFill>
                 <a:cs typeface="Calibri Light"/>
               </a:rPr>
-              <a:t>Display specific Packet </a:t>
-            </a:r>
-            <a:r>
-              <a:rPr lang="en-US" sz="3200" b="1">
-                <a:solidFill>
-                  <a:srgbClr val="00B0F0"/>
-                </a:solidFill>
-                <a:ea typeface="+mj-lt"/>
-                <a:cs typeface="+mj-lt"/>
-              </a:rPr>
-              <a:t>headers</a:t>
-            </a:r>
-            <a:endParaRPr lang="en-US" sz="3200" b="1" err="1">
+              <a:t>UDP Packet</a:t>
+            </a:r>
+            <a:endParaRPr lang="en-US" sz="3200" b="1">
               <a:solidFill>
                 <a:srgbClr val="00B0F0"/>
               </a:solidFill>
-              <a:ea typeface="+mj-lt"/>
-              <a:cs typeface="+mj-lt"/>
             </a:endParaRPr>
           </a:p>
         </p:txBody>
@@ -5674,6 +5196,239 @@
       </p:grpSpPr>
       <p:sp>
         <p:nvSpPr>
+          <p:cNvPr id="2" name="Title 1">
+            <a:extLst>
+              <a:ext uri="{FF2B5EF4-FFF2-40B4-BE49-F238E27FC236}">
+                <a16:creationId xmlns:a16="http://schemas.microsoft.com/office/drawing/2014/main" id="{5D01BD2A-79BF-446F-A7B5-E4D9C1800011}"/>
+              </a:ext>
+            </a:extLst>
+          </p:cNvPr>
+          <p:cNvSpPr txBox="1">
+            <a:spLocks/>
+          </p:cNvSpPr>
+          <p:nvPr/>
+        </p:nvSpPr>
+        <p:spPr>
+          <a:xfrm>
+            <a:off x="3467001" y="237074"/>
+            <a:ext cx="2209800" cy="631946"/>
+          </a:xfrm>
+          <a:prstGeom prst="rect">
+            <a:avLst/>
+          </a:prstGeom>
+        </p:spPr>
+        <p:txBody>
+          <a:bodyPr/>
+          <a:lstStyle>
+            <a:lvl1pPr algn="ctr" rtl="0" eaLnBrk="1" fontAlgn="base" hangingPunct="1">
+              <a:spcBef>
+                <a:spcPct val="0"/>
+              </a:spcBef>
+              <a:spcAft>
+                <a:spcPct val="0"/>
+              </a:spcAft>
+              <a:defRPr sz="4400" kern="1200">
+                <a:solidFill>
+                  <a:schemeClr val="tx1"/>
+                </a:solidFill>
+                <a:latin typeface="+mj-lt"/>
+                <a:ea typeface="+mj-ea"/>
+                <a:cs typeface="+mj-cs"/>
+              </a:defRPr>
+            </a:lvl1pPr>
+            <a:lvl2pPr algn="ctr" rtl="0" eaLnBrk="1" fontAlgn="base" hangingPunct="1">
+              <a:spcBef>
+                <a:spcPct val="0"/>
+              </a:spcBef>
+              <a:spcAft>
+                <a:spcPct val="0"/>
+              </a:spcAft>
+              <a:defRPr sz="4400">
+                <a:solidFill>
+                  <a:schemeClr val="tx1"/>
+                </a:solidFill>
+                <a:latin typeface="Calibri" pitchFamily="34" charset="0"/>
+              </a:defRPr>
+            </a:lvl2pPr>
+            <a:lvl3pPr algn="ctr" rtl="0" eaLnBrk="1" fontAlgn="base" hangingPunct="1">
+              <a:spcBef>
+                <a:spcPct val="0"/>
+              </a:spcBef>
+              <a:spcAft>
+                <a:spcPct val="0"/>
+              </a:spcAft>
+              <a:defRPr sz="4400">
+                <a:solidFill>
+                  <a:schemeClr val="tx1"/>
+                </a:solidFill>
+                <a:latin typeface="Calibri" pitchFamily="34" charset="0"/>
+              </a:defRPr>
+            </a:lvl3pPr>
+            <a:lvl4pPr algn="ctr" rtl="0" eaLnBrk="1" fontAlgn="base" hangingPunct="1">
+              <a:spcBef>
+                <a:spcPct val="0"/>
+              </a:spcBef>
+              <a:spcAft>
+                <a:spcPct val="0"/>
+              </a:spcAft>
+              <a:defRPr sz="4400">
+                <a:solidFill>
+                  <a:schemeClr val="tx1"/>
+                </a:solidFill>
+                <a:latin typeface="Calibri" pitchFamily="34" charset="0"/>
+              </a:defRPr>
+            </a:lvl4pPr>
+            <a:lvl5pPr algn="ctr" rtl="0" eaLnBrk="1" fontAlgn="base" hangingPunct="1">
+              <a:spcBef>
+                <a:spcPct val="0"/>
+              </a:spcBef>
+              <a:spcAft>
+                <a:spcPct val="0"/>
+              </a:spcAft>
+              <a:defRPr sz="4400">
+                <a:solidFill>
+                  <a:schemeClr val="tx1"/>
+                </a:solidFill>
+                <a:latin typeface="Calibri" pitchFamily="34" charset="0"/>
+              </a:defRPr>
+            </a:lvl5pPr>
+            <a:lvl6pPr marL="457200" algn="ctr" rtl="0" eaLnBrk="1" fontAlgn="base" hangingPunct="1">
+              <a:spcBef>
+                <a:spcPct val="0"/>
+              </a:spcBef>
+              <a:spcAft>
+                <a:spcPct val="0"/>
+              </a:spcAft>
+              <a:defRPr sz="4400">
+                <a:solidFill>
+                  <a:schemeClr val="tx1"/>
+                </a:solidFill>
+                <a:latin typeface="Calibri" pitchFamily="34" charset="0"/>
+              </a:defRPr>
+            </a:lvl6pPr>
+            <a:lvl7pPr marL="914400" algn="ctr" rtl="0" eaLnBrk="1" fontAlgn="base" hangingPunct="1">
+              <a:spcBef>
+                <a:spcPct val="0"/>
+              </a:spcBef>
+              <a:spcAft>
+                <a:spcPct val="0"/>
+              </a:spcAft>
+              <a:defRPr sz="4400">
+                <a:solidFill>
+                  <a:schemeClr val="tx1"/>
+                </a:solidFill>
+                <a:latin typeface="Calibri" pitchFamily="34" charset="0"/>
+              </a:defRPr>
+            </a:lvl7pPr>
+            <a:lvl8pPr marL="1371600" algn="ctr" rtl="0" eaLnBrk="1" fontAlgn="base" hangingPunct="1">
+              <a:spcBef>
+                <a:spcPct val="0"/>
+              </a:spcBef>
+              <a:spcAft>
+                <a:spcPct val="0"/>
+              </a:spcAft>
+              <a:defRPr sz="4400">
+                <a:solidFill>
+                  <a:schemeClr val="tx1"/>
+                </a:solidFill>
+                <a:latin typeface="Calibri" pitchFamily="34" charset="0"/>
+              </a:defRPr>
+            </a:lvl8pPr>
+            <a:lvl9pPr marL="1828800" algn="ctr" rtl="0" eaLnBrk="1" fontAlgn="base" hangingPunct="1">
+              <a:spcBef>
+                <a:spcPct val="0"/>
+              </a:spcBef>
+              <a:spcAft>
+                <a:spcPct val="0"/>
+              </a:spcAft>
+              <a:defRPr sz="4400">
+                <a:solidFill>
+                  <a:schemeClr val="tx1"/>
+                </a:solidFill>
+                <a:latin typeface="Calibri" pitchFamily="34" charset="0"/>
+              </a:defRPr>
+            </a:lvl9pPr>
+          </a:lstStyle>
+          <a:p>
+            <a:pPr algn="l"/>
+            <a:r>
+              <a:rPr lang="en-US" sz="3200" b="1">
+                <a:solidFill>
+                  <a:srgbClr val="00B0F0"/>
+                </a:solidFill>
+                <a:cs typeface="Calibri Light"/>
+              </a:rPr>
+              <a:t>ARP Packet</a:t>
+            </a:r>
+            <a:endParaRPr lang="en-US" sz="3200" b="1">
+              <a:solidFill>
+                <a:srgbClr val="00B0F0"/>
+              </a:solidFill>
+            </a:endParaRPr>
+          </a:p>
+        </p:txBody>
+      </p:sp>
+      <p:pic>
+        <p:nvPicPr>
+          <p:cNvPr id="3" name="Picture 4" descr="Graphical user interface, text, application, email&#10;&#10;Description automatically generated">
+            <a:extLst>
+              <a:ext uri="{FF2B5EF4-FFF2-40B4-BE49-F238E27FC236}">
+                <a16:creationId xmlns:a16="http://schemas.microsoft.com/office/drawing/2014/main" id="{33A00582-9077-4E87-AF94-4E52D26A4019}"/>
+              </a:ext>
+            </a:extLst>
+          </p:cNvPr>
+          <p:cNvPicPr>
+            <a:picLocks noChangeAspect="1"/>
+          </p:cNvPicPr>
+          <p:nvPr/>
+        </p:nvPicPr>
+        <p:blipFill rotWithShape="1">
+          <a:blip r:embed="rId2" cstate="print"/>
+          <a:srcRect l="4931" t="49869" r="6465" b="4065"/>
+          <a:stretch/>
+        </p:blipFill>
+        <p:spPr>
+          <a:xfrm>
+            <a:off x="219363" y="1293091"/>
+            <a:ext cx="8453582" cy="4599709"/>
+          </a:xfrm>
+          <a:prstGeom prst="rect">
+            <a:avLst/>
+          </a:prstGeom>
+        </p:spPr>
+      </p:pic>
+    </p:spTree>
+    <p:extLst>
+      <p:ext uri="{BB962C8B-B14F-4D97-AF65-F5344CB8AC3E}">
+        <p14:creationId xmlns:p14="http://schemas.microsoft.com/office/powerpoint/2010/main" val="1358467198"/>
+      </p:ext>
+    </p:extLst>
+  </p:cSld>
+  <p:clrMapOvr>
+    <a:masterClrMapping/>
+  </p:clrMapOvr>
+</p:sld>
+</file>
+
+<file path=ppt/slides/slide15.xml><?xml version="1.0" encoding="utf-8"?>
+<p:sld xmlns:a="http://schemas.openxmlformats.org/drawingml/2006/main" xmlns:r="http://schemas.openxmlformats.org/officeDocument/2006/relationships" xmlns:p="http://schemas.openxmlformats.org/presentationml/2006/main">
+  <p:cSld>
+    <p:spTree>
+      <p:nvGrpSpPr>
+        <p:cNvPr id="1" name=""/>
+        <p:cNvGrpSpPr/>
+        <p:nvPr/>
+      </p:nvGrpSpPr>
+      <p:grpSpPr>
+        <a:xfrm>
+          <a:off x="0" y="0"/>
+          <a:ext cx="0" cy="0"/>
+          <a:chOff x="0" y="0"/>
+          <a:chExt cx="0" cy="0"/>
+        </a:xfrm>
+      </p:grpSpPr>
+      <p:sp>
+        <p:nvSpPr>
           <p:cNvPr id="2" name="Rectangle 1"/>
           <p:cNvSpPr/>
           <p:nvPr/>
@@ -5694,7 +5449,7 @@
           <a:lstStyle/>
           <a:p>
             <a:r>
-              <a:rPr lang="en-US" sz="3200" b="1">
+              <a:rPr lang="en-US" sz="3200" b="1" dirty="0">
                 <a:solidFill>
                   <a:srgbClr val="00B0F0"/>
                 </a:solidFill>
@@ -5703,7 +5458,7 @@
               </a:rPr>
               <a:t>Display Header Fields as per User Request</a:t>
             </a:r>
-            <a:endParaRPr lang="en-IN" sz="3200">
+            <a:endParaRPr lang="en-IN" sz="3200" dirty="0">
               <a:solidFill>
                 <a:srgbClr val="00B0F0"/>
               </a:solidFill>
@@ -5893,72 +5648,26 @@
             </a:lvl9pPr>
           </a:lstStyle>
           <a:p>
-            <a:r>
-              <a:rPr lang="en-US" sz="2000" b="1" i="1">
-                <a:ea typeface="+mn-lt"/>
-                <a:cs typeface="+mn-lt"/>
-              </a:rPr>
-              <a:t>Function to display the Header Fields</a:t>
-            </a:r>
-            <a:endParaRPr lang="en-US" sz="2000">
-              <a:ea typeface="+mn-lt"/>
-              <a:cs typeface="+mn-lt"/>
-            </a:endParaRPr>
-          </a:p>
-          <a:p>
-            <a:pPr marL="0" indent="0">
-              <a:buNone/>
-            </a:pPr>
-            <a:r>
-              <a:rPr lang="en-US" sz="2000" i="1">
-                <a:ea typeface="+mn-lt"/>
-                <a:cs typeface="+mn-lt"/>
-              </a:rPr>
-              <a:t>def display(n):      </a:t>
-            </a:r>
-          </a:p>
-          <a:p>
-            <a:pPr marL="0" indent="0">
-              <a:buNone/>
-            </a:pPr>
-            <a:r>
-              <a:rPr lang="en-US" sz="2000" i="1">
-                <a:ea typeface="+mn-lt"/>
-                <a:cs typeface="+mn-lt"/>
-              </a:rPr>
-              <a:t>     file[n].display()</a:t>
-            </a:r>
-            <a:endParaRPr lang="en-US" sz="2000" i="1">
-              <a:cs typeface="Calibri"/>
-            </a:endParaRPr>
-          </a:p>
-          <a:p>
             <a:pPr marL="0" indent="0">
               <a:buFont typeface="Arial" charset="0"/>
               <a:buNone/>
             </a:pPr>
             <a:r>
-              <a:rPr lang="en-US" sz="2000" i="1">
+              <a:rPr lang="en-US" sz="2000" i="1" dirty="0">
                 <a:ea typeface="+mn-lt"/>
                 <a:cs typeface="+mn-lt"/>
               </a:rPr>
-              <a:t>    return 0</a:t>
-            </a:r>
-            <a:endParaRPr lang="en-US" sz="2000" i="1">
-              <a:cs typeface="Calibri"/>
-            </a:endParaRPr>
-          </a:p>
-          <a:p>
-            <a:r>
-              <a:rPr lang="en-US" sz="2000" b="1" i="1">
+              <a:t>def display(n):  </a:t>
+            </a:r>
+            <a:r>
+              <a:rPr lang="en-US" sz="2000" b="1" i="1" dirty="0">
                 <a:ea typeface="+mn-lt"/>
                 <a:cs typeface="+mn-lt"/>
               </a:rPr>
-              <a:t>Display No. of Total Packets</a:t>
-            </a:r>
-            <a:endParaRPr lang="en-US" sz="2000">
-              <a:ea typeface="+mn-lt"/>
-              <a:cs typeface="+mn-lt"/>
+              <a:t>#Function to display the Header Fields</a:t>
+            </a:r>
+            <a:endParaRPr lang="en-US" sz="2000" b="1" i="1" dirty="0">
+              <a:cs typeface="Calibri" panose="020F0502020204030204"/>
             </a:endParaRPr>
           </a:p>
           <a:p>
@@ -5967,27 +5676,13 @@
               <a:buNone/>
             </a:pPr>
             <a:r>
-              <a:rPr lang="en-US" sz="2000" i="1">
+              <a:rPr lang="en-US" sz="2000" i="1" dirty="0">
                 <a:ea typeface="+mn-lt"/>
                 <a:cs typeface="+mn-lt"/>
               </a:rPr>
-              <a:t>print('Total Number of Packets is', </a:t>
-            </a:r>
-            <a:r>
-              <a:rPr lang="en-US" sz="2000" i="1" err="1">
-                <a:ea typeface="+mn-lt"/>
-                <a:cs typeface="+mn-lt"/>
-              </a:rPr>
-              <a:t>len</a:t>
-            </a:r>
-            <a:r>
-              <a:rPr lang="en-US" sz="2000" i="1">
-                <a:ea typeface="+mn-lt"/>
-                <a:cs typeface="+mn-lt"/>
-              </a:rPr>
-              <a:t>(file)) while(1):</a:t>
-            </a:r>
-            <a:endParaRPr lang="en-US" sz="2000" i="1">
+              <a:t>    file[n].display()</a:t>
+            </a:r>
+            <a:endParaRPr lang="en-US" sz="2000" i="1" dirty="0">
               <a:cs typeface="Calibri"/>
             </a:endParaRPr>
           </a:p>
@@ -5997,27 +5692,13 @@
               <a:buNone/>
             </a:pPr>
             <a:r>
-              <a:rPr lang="en-US" sz="2000" i="1">
+              <a:rPr lang="en-US" sz="2000" i="1" dirty="0">
                 <a:ea typeface="+mn-lt"/>
                 <a:cs typeface="+mn-lt"/>
               </a:rPr>
-              <a:t>    print('\</a:t>
-            </a:r>
-            <a:r>
-              <a:rPr lang="en-US" sz="2000" i="1" err="1">
-                <a:ea typeface="+mn-lt"/>
-                <a:cs typeface="+mn-lt"/>
-              </a:rPr>
-              <a:t>nDo</a:t>
-            </a:r>
-            <a:r>
-              <a:rPr lang="en-US" sz="2000" i="1">
-                <a:ea typeface="+mn-lt"/>
-                <a:cs typeface="+mn-lt"/>
-              </a:rPr>
-              <a:t> you want to continue?\n')</a:t>
-            </a:r>
-            <a:endParaRPr lang="en-US" sz="2000" i="1">
+              <a:t>    return 0</a:t>
+            </a:r>
+            <a:endParaRPr lang="en-US" sz="2000" i="1" dirty="0">
               <a:cs typeface="Calibri"/>
             </a:endParaRPr>
           </a:p>
@@ -6026,14 +5707,7 @@
               <a:buFont typeface="Arial" charset="0"/>
               <a:buNone/>
             </a:pPr>
-            <a:r>
-              <a:rPr lang="en-US" sz="2000" i="1">
-                <a:ea typeface="+mn-lt"/>
-                <a:cs typeface="+mn-lt"/>
-              </a:rPr>
-              <a:t>    c = input('Press c to continue or q to quit:') </a:t>
-            </a:r>
-            <a:endParaRPr lang="en-US" sz="2000" i="1">
+            <a:endParaRPr lang="en-US" sz="2000" i="1" dirty="0">
               <a:cs typeface="Calibri"/>
             </a:endParaRPr>
           </a:p>
@@ -6043,13 +5717,34 @@
               <a:buNone/>
             </a:pPr>
             <a:r>
-              <a:rPr lang="en-US" sz="2000" i="1">
+              <a:rPr lang="en-US" sz="2000" i="1" dirty="0">
                 <a:ea typeface="+mn-lt"/>
                 <a:cs typeface="+mn-lt"/>
               </a:rPr>
-              <a:t>    if(c == 'c'):</a:t>
-            </a:r>
-            <a:endParaRPr lang="en-US" sz="2000" i="1">
+              <a:t>print('Total Number of Packets is', </a:t>
+            </a:r>
+            <a:r>
+              <a:rPr lang="en-US" sz="2000" i="1" dirty="0" err="1">
+                <a:ea typeface="+mn-lt"/>
+                <a:cs typeface="+mn-lt"/>
+              </a:rPr>
+              <a:t>len</a:t>
+            </a:r>
+            <a:r>
+              <a:rPr lang="en-US" sz="2000" i="1" dirty="0">
+                <a:ea typeface="+mn-lt"/>
+                <a:cs typeface="+mn-lt"/>
+              </a:rPr>
+              <a:t>(file)) </a:t>
+            </a:r>
+            <a:r>
+              <a:rPr lang="en-US" sz="2000" b="1" i="1" dirty="0">
+                <a:ea typeface="+mn-lt"/>
+                <a:cs typeface="+mn-lt"/>
+              </a:rPr>
+              <a:t>#Display No. of Total Packets</a:t>
+            </a:r>
+            <a:endParaRPr lang="en-US" sz="2000" b="1" i="1" dirty="0">
               <a:cs typeface="Calibri"/>
             </a:endParaRPr>
           </a:p>
@@ -6059,27 +5754,13 @@
               <a:buNone/>
             </a:pPr>
             <a:r>
-              <a:rPr lang="en-US" sz="2000" i="1">
+              <a:rPr lang="en-US" sz="2000" i="1" dirty="0">
                 <a:ea typeface="+mn-lt"/>
                 <a:cs typeface="+mn-lt"/>
               </a:rPr>
-              <a:t>        p = int(input('\</a:t>
-            </a:r>
-            <a:r>
-              <a:rPr lang="en-US" sz="2000" i="1" err="1">
-                <a:ea typeface="+mn-lt"/>
-                <a:cs typeface="+mn-lt"/>
-              </a:rPr>
-              <a:t>nEnter</a:t>
-            </a:r>
-            <a:r>
-              <a:rPr lang="en-US" sz="2000" i="1">
-                <a:ea typeface="+mn-lt"/>
-                <a:cs typeface="+mn-lt"/>
-              </a:rPr>
-              <a:t> the packet whose details you want to display:'))</a:t>
-            </a:r>
-            <a:endParaRPr lang="en-US" sz="2000" i="1">
+              <a:t>while(1):</a:t>
+            </a:r>
+            <a:endParaRPr lang="en-US" sz="2000" i="1" dirty="0">
               <a:cs typeface="Calibri"/>
             </a:endParaRPr>
           </a:p>
@@ -6089,13 +5770,27 @@
               <a:buNone/>
             </a:pPr>
             <a:r>
-              <a:rPr lang="en-US" sz="2000" i="1">
+              <a:rPr lang="en-US" sz="2000" i="1" dirty="0">
                 <a:ea typeface="+mn-lt"/>
                 <a:cs typeface="+mn-lt"/>
               </a:rPr>
-              <a:t>        display(p)</a:t>
-            </a:r>
-            <a:endParaRPr lang="en-US" sz="2000" i="1">
+              <a:t>    print('\</a:t>
+            </a:r>
+            <a:r>
+              <a:rPr lang="en-US" sz="2000" i="1" dirty="0" err="1">
+                <a:ea typeface="+mn-lt"/>
+                <a:cs typeface="+mn-lt"/>
+              </a:rPr>
+              <a:t>nDo</a:t>
+            </a:r>
+            <a:r>
+              <a:rPr lang="en-US" sz="2000" i="1" dirty="0">
+                <a:ea typeface="+mn-lt"/>
+                <a:cs typeface="+mn-lt"/>
+              </a:rPr>
+              <a:t> you want to continue?\n')</a:t>
+            </a:r>
+            <a:endParaRPr lang="en-US" sz="2000" i="1" dirty="0">
               <a:cs typeface="Calibri"/>
             </a:endParaRPr>
           </a:p>
@@ -6105,13 +5800,13 @@
               <a:buNone/>
             </a:pPr>
             <a:r>
-              <a:rPr lang="en-US" sz="2000" i="1">
+              <a:rPr lang="en-US" sz="2000" i="1" dirty="0">
                 <a:ea typeface="+mn-lt"/>
                 <a:cs typeface="+mn-lt"/>
               </a:rPr>
-              <a:t>    if(c == 'q'):</a:t>
-            </a:r>
-            <a:endParaRPr lang="en-US" sz="2000" i="1">
+              <a:t>    c = input('Press c to continue or q to quit:') </a:t>
+            </a:r>
+            <a:endParaRPr lang="en-US" sz="2000" i="1" dirty="0">
               <a:cs typeface="Calibri"/>
             </a:endParaRPr>
           </a:p>
@@ -6121,13 +5816,91 @@
               <a:buNone/>
             </a:pPr>
             <a:r>
-              <a:rPr lang="en-US" sz="2000" i="1">
+              <a:rPr lang="en-US" sz="2000" i="1" dirty="0">
                 <a:ea typeface="+mn-lt"/>
                 <a:cs typeface="+mn-lt"/>
               </a:rPr>
+              <a:t>    if(c == 'c'):</a:t>
+            </a:r>
+            <a:endParaRPr lang="en-US" sz="2000" i="1" dirty="0">
+              <a:cs typeface="Calibri"/>
+            </a:endParaRPr>
+          </a:p>
+          <a:p>
+            <a:pPr marL="0" indent="0">
+              <a:buFont typeface="Arial" charset="0"/>
+              <a:buNone/>
+            </a:pPr>
+            <a:r>
+              <a:rPr lang="en-US" sz="2000" i="1" dirty="0">
+                <a:ea typeface="+mn-lt"/>
+                <a:cs typeface="+mn-lt"/>
+              </a:rPr>
+              <a:t>        p = int(input('\</a:t>
+            </a:r>
+            <a:r>
+              <a:rPr lang="en-US" sz="2000" i="1" dirty="0" err="1">
+                <a:ea typeface="+mn-lt"/>
+                <a:cs typeface="+mn-lt"/>
+              </a:rPr>
+              <a:t>nEnter</a:t>
+            </a:r>
+            <a:r>
+              <a:rPr lang="en-US" sz="2000" i="1" dirty="0">
+                <a:ea typeface="+mn-lt"/>
+                <a:cs typeface="+mn-lt"/>
+              </a:rPr>
+              <a:t> the packet whose details you want to display:'))</a:t>
+            </a:r>
+            <a:endParaRPr lang="en-US" sz="2000" i="1" dirty="0">
+              <a:cs typeface="Calibri"/>
+            </a:endParaRPr>
+          </a:p>
+          <a:p>
+            <a:pPr marL="0" indent="0">
+              <a:buFont typeface="Arial" charset="0"/>
+              <a:buNone/>
+            </a:pPr>
+            <a:r>
+              <a:rPr lang="en-US" sz="2000" i="1" dirty="0">
+                <a:ea typeface="+mn-lt"/>
+                <a:cs typeface="+mn-lt"/>
+              </a:rPr>
+              <a:t>        display(p)</a:t>
+            </a:r>
+            <a:endParaRPr lang="en-US" sz="2000" i="1" dirty="0">
+              <a:cs typeface="Calibri"/>
+            </a:endParaRPr>
+          </a:p>
+          <a:p>
+            <a:pPr marL="0" indent="0">
+              <a:buFont typeface="Arial" charset="0"/>
+              <a:buNone/>
+            </a:pPr>
+            <a:r>
+              <a:rPr lang="en-US" sz="2000" i="1" dirty="0">
+                <a:ea typeface="+mn-lt"/>
+                <a:cs typeface="+mn-lt"/>
+              </a:rPr>
+              <a:t>    if(c == 'q'):</a:t>
+            </a:r>
+            <a:endParaRPr lang="en-US" sz="2000" i="1" dirty="0">
+              <a:cs typeface="Calibri"/>
+            </a:endParaRPr>
+          </a:p>
+          <a:p>
+            <a:pPr marL="0" indent="0">
+              <a:buFont typeface="Arial" charset="0"/>
+              <a:buNone/>
+            </a:pPr>
+            <a:r>
+              <a:rPr lang="en-US" sz="2000" i="1" dirty="0">
+                <a:ea typeface="+mn-lt"/>
+                <a:cs typeface="+mn-lt"/>
+              </a:rPr>
               <a:t>        break</a:t>
             </a:r>
-            <a:endParaRPr lang="en-US" sz="2000" i="1">
+            <a:endParaRPr lang="en-US" sz="2000" i="1" dirty="0">
               <a:cs typeface="Calibri"/>
             </a:endParaRPr>
           </a:p>
@@ -6146,7 +5919,7 @@
 </p:sld>
 </file>
 
-<file path=ppt/slides/slide15.xml><?xml version="1.0" encoding="utf-8"?>
+<file path=ppt/slides/slide16.xml><?xml version="1.0" encoding="utf-8"?>
 <p:sld xmlns:a="http://schemas.openxmlformats.org/drawingml/2006/main" xmlns:r="http://schemas.openxmlformats.org/officeDocument/2006/relationships" xmlns:p="http://schemas.openxmlformats.org/presentationml/2006/main">
   <p:cSld>
     <p:spTree>
@@ -6273,7 +6046,7 @@
 </p:sld>
 </file>
 
-<file path=ppt/slides/slide16.xml><?xml version="1.0" encoding="utf-8"?>
+<file path=ppt/slides/slide17.xml><?xml version="1.0" encoding="utf-8"?>
 <p:sld xmlns:a="http://schemas.openxmlformats.org/drawingml/2006/main" xmlns:r="http://schemas.openxmlformats.org/officeDocument/2006/relationships" xmlns:p="http://schemas.openxmlformats.org/presentationml/2006/main">
   <p:cSld>
     <p:spTree>
@@ -6475,8 +6248,8 @@
         </p:nvSpPr>
         <p:spPr>
           <a:xfrm>
-            <a:off x="282571" y="1232944"/>
-            <a:ext cx="8582890" cy="4693419"/>
+            <a:off x="219364" y="1770206"/>
+            <a:ext cx="8582890" cy="3134303"/>
           </a:xfrm>
           <a:prstGeom prst="rect">
             <a:avLst/>
@@ -6640,30 +6413,96 @@
           </a:lstStyle>
           <a:p>
             <a:r>
-              <a:rPr lang="en-US" sz="2800" i="1">
+              <a:rPr lang="en-US" sz="2800" i="1" dirty="0" err="1">
                 <a:ea typeface="+mn-lt"/>
                 <a:cs typeface="+mn-lt"/>
               </a:rPr>
-              <a:t>All IP header fileds are extracted </a:t>
-            </a:r>
-          </a:p>
-          <a:p>
-            <a:pPr marL="0" indent="0">
-              <a:buNone/>
-            </a:pPr>
+              <a:t>ip_fields</a:t>
+            </a:r>
+            <a:r>
+              <a:rPr lang="en-US" sz="2800" i="1" dirty="0">
+                <a:ea typeface="+mn-lt"/>
+                <a:cs typeface="+mn-lt"/>
+              </a:rPr>
+              <a:t> = [field.name for field in IP().</a:t>
+            </a:r>
+            <a:r>
+              <a:rPr lang="en-US" sz="2800" i="1" dirty="0" err="1">
+                <a:ea typeface="+mn-lt"/>
+                <a:cs typeface="+mn-lt"/>
+              </a:rPr>
+              <a:t>fields_desc</a:t>
+            </a:r>
+            <a:r>
+              <a:rPr lang="en-US" sz="2800" i="1" dirty="0">
+                <a:ea typeface="+mn-lt"/>
+                <a:cs typeface="+mn-lt"/>
+              </a:rPr>
+              <a:t>]</a:t>
+            </a:r>
+            <a:endParaRPr lang="en-US" sz="2800" i="1" dirty="0">
+              <a:cs typeface="Calibri" panose="020F0502020204030204"/>
+            </a:endParaRPr>
+          </a:p>
+          <a:p>
+            <a:endParaRPr lang="en-US" sz="2800" i="1" dirty="0">
+              <a:ea typeface="+mn-lt"/>
+              <a:cs typeface="+mn-lt"/>
+            </a:endParaRPr>
+          </a:p>
+          <a:p>
+            <a:r>
+              <a:rPr lang="en-US" sz="2800" i="1" dirty="0" err="1">
+                <a:ea typeface="+mn-lt"/>
+                <a:cs typeface="+mn-lt"/>
+              </a:rPr>
+              <a:t>tcp_fields</a:t>
+            </a:r>
+            <a:r>
+              <a:rPr lang="en-US" sz="2800" i="1" dirty="0">
+                <a:ea typeface="+mn-lt"/>
+                <a:cs typeface="+mn-lt"/>
+              </a:rPr>
+              <a:t> = [field.name for field in TCP().</a:t>
+            </a:r>
+            <a:r>
+              <a:rPr lang="en-US" sz="2800" i="1" dirty="0" err="1">
+                <a:ea typeface="+mn-lt"/>
+                <a:cs typeface="+mn-lt"/>
+              </a:rPr>
+              <a:t>fields_desc</a:t>
+            </a:r>
+            <a:r>
+              <a:rPr lang="en-US" sz="2800" i="1" dirty="0">
+                <a:ea typeface="+mn-lt"/>
+                <a:cs typeface="+mn-lt"/>
+              </a:rPr>
+              <a:t>]</a:t>
+            </a:r>
+            <a:endParaRPr lang="en-US" sz="2800" i="1" dirty="0">
+              <a:cs typeface="Calibri"/>
+            </a:endParaRPr>
+          </a:p>
+          <a:p>
+            <a:endParaRPr lang="en-US" sz="2800" i="1" dirty="0">
+              <a:ea typeface="+mn-lt"/>
+              <a:cs typeface="+mn-lt"/>
+            </a:endParaRPr>
+          </a:p>
+          <a:p>
             <a:r>
               <a:rPr lang="en-US" sz="2800" i="1" err="1">
                 <a:ea typeface="+mn-lt"/>
                 <a:cs typeface="+mn-lt"/>
               </a:rPr>
-              <a:t>ip_fields</a:t>
-            </a:r>
-            <a:r>
-              <a:rPr lang="en-US" sz="2800" i="1">
+              <a:t>udp_fields</a:t>
+            </a:r>
+            <a:r>
+              <a:rPr lang="en-US" sz="2800" i="1" dirty="0">
                 <a:ea typeface="+mn-lt"/>
                 <a:cs typeface="+mn-lt"/>
               </a:rPr>
-              <a:t> = [field.name for field in IP().</a:t>
+              <a:t> = [field.name for field in UDP().</a:t>
             </a:r>
             <a:r>
               <a:rPr lang="en-US" sz="2800" i="1" err="1">
@@ -6673,123 +6512,18 @@
               <a:t>fields_desc</a:t>
             </a:r>
             <a:r>
-              <a:rPr lang="en-US" sz="2800" i="1">
+              <a:rPr lang="en-US" sz="2800" i="1" dirty="0">
                 <a:ea typeface="+mn-lt"/>
                 <a:cs typeface="+mn-lt"/>
               </a:rPr>
               <a:t>]</a:t>
             </a:r>
-            <a:endParaRPr lang="en-US" sz="2800" i="1">
-              <a:cs typeface="Calibri" panose="020F0502020204030204"/>
-            </a:endParaRPr>
-          </a:p>
-          <a:p>
-            <a:pPr marL="0" indent="0">
-              <a:buNone/>
-            </a:pPr>
-            <a:endParaRPr lang="en-US" sz="2800" i="1">
-              <a:ea typeface="+mn-lt"/>
-              <a:cs typeface="+mn-lt"/>
-            </a:endParaRPr>
-          </a:p>
-          <a:p>
-            <a:r>
-              <a:rPr lang="en-US" sz="2800" i="1">
-                <a:ea typeface="+mn-lt"/>
-                <a:cs typeface="+mn-lt"/>
-              </a:rPr>
-              <a:t>All TCP header fileds are extracted </a:t>
-            </a:r>
-          </a:p>
-          <a:p>
-            <a:pPr marL="0" indent="0">
-              <a:buNone/>
-            </a:pPr>
-            <a:r>
-              <a:rPr lang="en-US" sz="2800" i="1" err="1">
-                <a:ea typeface="+mn-lt"/>
-                <a:cs typeface="+mn-lt"/>
-              </a:rPr>
-              <a:t>tcp_fields</a:t>
-            </a:r>
-            <a:r>
-              <a:rPr lang="en-US" sz="2800" i="1">
-                <a:ea typeface="+mn-lt"/>
-                <a:cs typeface="+mn-lt"/>
-              </a:rPr>
-              <a:t> = [field.name for field in TCP().</a:t>
-            </a:r>
-            <a:r>
-              <a:rPr lang="en-US" sz="2800" i="1" err="1">
-                <a:ea typeface="+mn-lt"/>
-                <a:cs typeface="+mn-lt"/>
-              </a:rPr>
-              <a:t>fields_desc</a:t>
-            </a:r>
-            <a:r>
-              <a:rPr lang="en-US" sz="2800" i="1">
-                <a:ea typeface="+mn-lt"/>
-                <a:cs typeface="+mn-lt"/>
-              </a:rPr>
-              <a:t>]</a:t>
-            </a:r>
-            <a:endParaRPr lang="en-US" sz="2800" i="1">
+            <a:endParaRPr lang="en-US" sz="2800" i="1" dirty="0">
               <a:cs typeface="Calibri"/>
             </a:endParaRPr>
           </a:p>
           <a:p>
-            <a:endParaRPr lang="en-US" sz="2800" i="1">
-              <a:ea typeface="+mn-lt"/>
-              <a:cs typeface="+mn-lt"/>
-            </a:endParaRPr>
-          </a:p>
-          <a:p>
-            <a:r>
-              <a:rPr lang="en-US" sz="2800" i="1">
-                <a:ea typeface="+mn-lt"/>
-                <a:cs typeface="+mn-lt"/>
-              </a:rPr>
-              <a:t>All UDP header fileds are extracted </a:t>
-            </a:r>
-          </a:p>
-          <a:p>
-            <a:pPr marL="0" indent="0">
-              <a:buNone/>
-            </a:pPr>
-            <a:r>
-              <a:rPr lang="en-US" sz="2800" i="1" err="1">
-                <a:ea typeface="+mn-lt"/>
-                <a:cs typeface="+mn-lt"/>
-              </a:rPr>
-              <a:t>udp_fields</a:t>
-            </a:r>
-            <a:r>
-              <a:rPr lang="en-US" sz="2800" i="1">
-                <a:ea typeface="+mn-lt"/>
-                <a:cs typeface="+mn-lt"/>
-              </a:rPr>
-              <a:t> = [field.name for field in UDP().</a:t>
-            </a:r>
-            <a:r>
-              <a:rPr lang="en-US" sz="2800" i="1" err="1">
-                <a:ea typeface="+mn-lt"/>
-                <a:cs typeface="+mn-lt"/>
-              </a:rPr>
-              <a:t>fields_desc</a:t>
-            </a:r>
-            <a:r>
-              <a:rPr lang="en-US" sz="2800" i="1">
-                <a:ea typeface="+mn-lt"/>
-                <a:cs typeface="+mn-lt"/>
-              </a:rPr>
-              <a:t>]</a:t>
-            </a:r>
-            <a:endParaRPr lang="en-US" sz="2800" i="1">
-              <a:cs typeface="Calibri"/>
-            </a:endParaRPr>
-          </a:p>
-          <a:p>
-            <a:endParaRPr lang="en-US" i="1">
+            <a:endParaRPr lang="en-US" i="1" dirty="0">
               <a:cs typeface="Calibri"/>
             </a:endParaRPr>
           </a:p>
@@ -6808,7 +6542,7 @@
 </p:sld>
 </file>
 
-<file path=ppt/slides/slide17.xml><?xml version="1.0" encoding="utf-8"?>
+<file path=ppt/slides/slide18.xml><?xml version="1.0" encoding="utf-8"?>
 <p:sld xmlns:a="http://schemas.openxmlformats.org/drawingml/2006/main" xmlns:r="http://schemas.openxmlformats.org/officeDocument/2006/relationships" xmlns:p="http://schemas.openxmlformats.org/presentationml/2006/main">
   <p:cSld>
     <p:spTree>
@@ -7026,7 +6760,7 @@
             <a:prstTxWarp prst="textNoShape">
               <a:avLst/>
             </a:prstTxWarp>
-            <a:normAutofit fontScale="92500"/>
+            <a:normAutofit/>
           </a:bodyPr>
           <a:lstStyle>
             <a:lvl1pPr marL="342900" indent="-342900" algn="l" rtl="0" eaLnBrk="1" fontAlgn="base" hangingPunct="1">
@@ -7180,36 +6914,13 @@
               </a:defRPr>
             </a:lvl9pPr>
           </a:lstStyle>
-          <a:p>
-            <a:pPr algn="just"/>
-            <a:r>
-              <a:rPr lang="en-US" sz="2800" b="1" i="1">
-                <a:ea typeface="+mn-lt"/>
-                <a:cs typeface="+mn-lt"/>
-              </a:rPr>
-              <a:t>The size of Options field is added as the last parameter</a:t>
-            </a:r>
-            <a:endParaRPr lang="en-US" sz="2800">
-              <a:ea typeface="+mn-lt"/>
-              <a:cs typeface="+mn-lt"/>
-            </a:endParaRPr>
-          </a:p>
-          <a:p>
-            <a:pPr marL="0" indent="0" algn="just">
-              <a:buNone/>
-            </a:pPr>
-            <a:endParaRPr lang="en-US" sz="2800" b="1" i="1">
-              <a:ea typeface="+mn-lt"/>
-              <a:cs typeface="+mn-lt"/>
-            </a:endParaRPr>
-          </a:p>
           <a:p>
             <a:pPr marL="0" indent="0" algn="just">
               <a:buFont typeface="Arial" charset="0"/>
               <a:buNone/>
             </a:pPr>
             <a:r>
-              <a:rPr lang="en-US" sz="2800" i="1">
+              <a:rPr lang="en-US" sz="2800" i="1" dirty="0">
                 <a:ea typeface="+mn-lt"/>
                 <a:cs typeface="+mn-lt"/>
               </a:rPr>
@@ -7225,21 +6936,21 @@
               <a:buNone/>
             </a:pPr>
             <a:r>
-              <a:rPr lang="en-US" sz="2800" i="1">
+              <a:rPr lang="en-US" sz="2800" i="1" dirty="0">
                 <a:ea typeface="+mn-lt"/>
                 <a:cs typeface="+mn-lt"/>
               </a:rPr>
               <a:t>    </a:t>
             </a:r>
             <a:r>
-              <a:rPr lang="en-US" sz="2800" i="1" err="1">
+              <a:rPr lang="en-US" sz="2800" i="1" dirty="0" err="1">
                 <a:ea typeface="+mn-lt"/>
                 <a:cs typeface="+mn-lt"/>
               </a:rPr>
               <a:t>field_values</a:t>
             </a:r>
             <a:r>
-              <a:rPr lang="en-US" sz="2800" i="1">
+              <a:rPr lang="en-US" sz="2800" i="1" dirty="0">
                 <a:ea typeface="+mn-lt"/>
                 <a:cs typeface="+mn-lt"/>
               </a:rPr>
@@ -7252,113 +6963,133 @@
               <a:buNone/>
             </a:pPr>
             <a:r>
-              <a:rPr lang="en-US" sz="2800" i="1">
+              <a:rPr lang="en-US" sz="2800" i="1" dirty="0">
                 <a:ea typeface="+mn-lt"/>
                 <a:cs typeface="+mn-lt"/>
               </a:rPr>
               <a:t>    for field in </a:t>
             </a:r>
             <a:r>
-              <a:rPr lang="en-US" sz="2800" i="1" err="1">
+              <a:rPr lang="en-US" sz="2800" i="1" dirty="0" err="1">
                 <a:ea typeface="+mn-lt"/>
                 <a:cs typeface="+mn-lt"/>
               </a:rPr>
               <a:t>ip_fields</a:t>
             </a:r>
             <a:r>
-              <a:rPr lang="en-US" sz="2800" i="1">
+              <a:rPr lang="en-US" sz="2800" i="1" dirty="0">
                 <a:ea typeface="+mn-lt"/>
                 <a:cs typeface="+mn-lt"/>
               </a:rPr>
               <a:t>:</a:t>
             </a:r>
-          </a:p>
-          <a:p>
-            <a:pPr marL="0" indent="0">
-              <a:buNone/>
-            </a:pPr>
-            <a:r>
-              <a:rPr lang="en-US" sz="2800" i="1">
-                <a:ea typeface="+mn-lt"/>
-                <a:cs typeface="+mn-lt"/>
-              </a:rPr>
-              <a:t>       if field == 'options': </a:t>
-            </a:r>
-          </a:p>
-          <a:p>
-            <a:pPr marL="0" indent="0">
-              <a:buNone/>
-            </a:pPr>
-            <a:r>
-              <a:rPr lang="en-US" sz="2800" i="1">
-                <a:ea typeface="+mn-lt"/>
-                <a:cs typeface="+mn-lt"/>
-              </a:rPr>
-              <a:t>           </a:t>
-            </a:r>
-            <a:r>
-              <a:rPr lang="en-US" sz="2800" i="1" err="1">
-                <a:ea typeface="+mn-lt"/>
-                <a:cs typeface="+mn-lt"/>
-              </a:rPr>
-              <a:t>field_values.append</a:t>
-            </a:r>
-            <a:r>
-              <a:rPr lang="en-US" sz="2800" i="1">
-                <a:ea typeface="+mn-lt"/>
-                <a:cs typeface="+mn-lt"/>
-              </a:rPr>
-              <a:t> (</a:t>
-            </a:r>
-            <a:r>
-              <a:rPr lang="en-US" sz="2800" i="1" err="1">
-                <a:ea typeface="+mn-lt"/>
-                <a:cs typeface="+mn-lt"/>
-              </a:rPr>
-              <a:t>len</a:t>
-            </a:r>
-            <a:r>
-              <a:rPr lang="en-US" sz="2800" i="1">
-                <a:ea typeface="+mn-lt"/>
-                <a:cs typeface="+mn-lt"/>
-              </a:rPr>
-              <a:t>(packet[IP].fields[field]))</a:t>
-            </a:r>
-            <a:endParaRPr lang="en-US"/>
-          </a:p>
-          <a:p>
-            <a:pPr marL="0" indent="0">
-              <a:buNone/>
-            </a:pPr>
-            <a:r>
-              <a:rPr lang="en-US" sz="2800" i="1">
-                <a:ea typeface="+mn-lt"/>
-                <a:cs typeface="+mn-lt"/>
-              </a:rPr>
-              <a:t>       else:</a:t>
-            </a:r>
-            <a:endParaRPr lang="en-US"/>
           </a:p>
           <a:p>
             <a:pPr marL="0" indent="0" algn="just">
               <a:buNone/>
             </a:pPr>
             <a:r>
-              <a:rPr lang="en-US" sz="2800" i="1">
+              <a:rPr lang="en-US" sz="2800" i="1" dirty="0">
                 <a:ea typeface="+mn-lt"/>
                 <a:cs typeface="+mn-lt"/>
               </a:rPr>
-              <a:t>           </a:t>
-            </a:r>
-            <a:r>
-              <a:rPr lang="en-US" sz="2800" i="1" err="1">
+              <a:t>        if field == 'options': </a:t>
+            </a:r>
+            <a:r>
+              <a:rPr lang="en-US" sz="2800" b="1" i="1" dirty="0">
                 <a:ea typeface="+mn-lt"/>
                 <a:cs typeface="+mn-lt"/>
               </a:rPr>
+              <a:t>#Adding only the size of</a:t>
+            </a:r>
+          </a:p>
+          <a:p>
+            <a:pPr marL="0" indent="0" algn="just">
+              <a:buNone/>
+            </a:pPr>
+            <a:r>
+              <a:rPr lang="en-US" sz="2800" b="1" i="1" dirty="0">
+                <a:ea typeface="+mn-lt"/>
+                <a:cs typeface="+mn-lt"/>
+              </a:rPr>
+              <a:t>                                             Options field</a:t>
+            </a:r>
+          </a:p>
+          <a:p>
+            <a:pPr marL="0" indent="0" algn="just">
+              <a:buFont typeface="Arial" charset="0"/>
+              <a:buNone/>
+            </a:pPr>
+            <a:r>
+              <a:rPr lang="en-US" sz="2800" i="1" dirty="0">
+                <a:ea typeface="+mn-lt"/>
+                <a:cs typeface="+mn-lt"/>
+              </a:rPr>
+              <a:t>            </a:t>
+            </a:r>
+            <a:r>
+              <a:rPr lang="en-US" sz="2800" i="1" dirty="0" err="1">
+                <a:ea typeface="+mn-lt"/>
+                <a:cs typeface="+mn-lt"/>
+              </a:rPr>
               <a:t>field_values.append</a:t>
             </a:r>
             <a:r>
-              <a:rPr lang="en-US" sz="2800" i="1">
+              <a:rPr lang="en-US" sz="2800" i="1" dirty="0">
+                <a:ea typeface="+mn-lt"/>
+                <a:cs typeface="+mn-lt"/>
+              </a:rPr>
+              <a:t>(</a:t>
+            </a:r>
+            <a:r>
+              <a:rPr lang="en-US" sz="2800" i="1" dirty="0" err="1">
+                <a:ea typeface="+mn-lt"/>
+                <a:cs typeface="+mn-lt"/>
+              </a:rPr>
+              <a:t>len</a:t>
+            </a:r>
+            <a:r>
+              <a:rPr lang="en-US" sz="2800" i="1" dirty="0">
+                <a:ea typeface="+mn-lt"/>
+                <a:cs typeface="+mn-lt"/>
+              </a:rPr>
+              <a:t>(packet[IP].fields[field]))</a:t>
+            </a:r>
+          </a:p>
+          <a:p>
+            <a:pPr marL="0" indent="0" algn="just">
+              <a:buFont typeface="Arial" charset="0"/>
+              <a:buNone/>
+            </a:pPr>
+            <a:r>
+              <a:rPr lang="en-US" sz="2800" i="1" dirty="0">
+                <a:ea typeface="+mn-lt"/>
+                <a:cs typeface="+mn-lt"/>
+              </a:rPr>
+              <a:t>        else:</a:t>
+            </a:r>
+          </a:p>
+          <a:p>
+            <a:pPr marL="0" indent="0" algn="just">
+              <a:buFont typeface="Arial" charset="0"/>
+              <a:buNone/>
+            </a:pPr>
+            <a:r>
+              <a:rPr lang="en-US" sz="2800" i="1" dirty="0">
+                <a:ea typeface="+mn-lt"/>
+                <a:cs typeface="+mn-lt"/>
+              </a:rPr>
+              <a:t>            </a:t>
+            </a:r>
+            <a:r>
+              <a:rPr lang="en-US" sz="2800" i="1" dirty="0" err="1">
+                <a:ea typeface="+mn-lt"/>
+                <a:cs typeface="+mn-lt"/>
+              </a:rPr>
+              <a:t>field_values.append</a:t>
+            </a:r>
+            <a:r>
+              <a:rPr lang="en-US" sz="2800" i="1" dirty="0">
                 <a:ea typeface="+mn-lt"/>
                 <a:cs typeface="+mn-lt"/>
               </a:rPr>
@@ -7380,7 +7111,7 @@
 </p:sld>
 </file>
 
-<file path=ppt/slides/slide18.xml><?xml version="1.0" encoding="utf-8"?>
+<file path=ppt/slides/slide19.xml><?xml version="1.0" encoding="utf-8"?>
 <p:sld xmlns:a="http://schemas.openxmlformats.org/drawingml/2006/main" xmlns:r="http://schemas.openxmlformats.org/officeDocument/2006/relationships" xmlns:p="http://schemas.openxmlformats.org/presentationml/2006/main">
   <p:cSld>
     <p:spTree>
@@ -7641,7 +7372,266 @@
 </p:sld>
 </file>
 
-<file path=ppt/slides/slide19.xml><?xml version="1.0" encoding="utf-8"?>
+<file path=ppt/slides/slide2.xml><?xml version="1.0" encoding="utf-8"?>
+<p:sld xmlns:a="http://schemas.openxmlformats.org/drawingml/2006/main" xmlns:r="http://schemas.openxmlformats.org/officeDocument/2006/relationships" xmlns:p="http://schemas.openxmlformats.org/presentationml/2006/main">
+  <p:cSld>
+    <p:spTree>
+      <p:nvGrpSpPr>
+        <p:cNvPr id="1" name=""/>
+        <p:cNvGrpSpPr/>
+        <p:nvPr/>
+      </p:nvGrpSpPr>
+      <p:grpSpPr>
+        <a:xfrm>
+          <a:off x="0" y="0"/>
+          <a:ext cx="0" cy="0"/>
+          <a:chOff x="0" y="0"/>
+          <a:chExt cx="0" cy="0"/>
+        </a:xfrm>
+      </p:grpSpPr>
+      <p:sp>
+        <p:nvSpPr>
+          <p:cNvPr id="2" name="Title 1">
+            <a:extLst>
+              <a:ext uri="{FF2B5EF4-FFF2-40B4-BE49-F238E27FC236}">
+                <a16:creationId xmlns:a16="http://schemas.microsoft.com/office/drawing/2014/main" id="{425D184B-6B24-FE42-8FCC-93ED1BD374D8}"/>
+              </a:ext>
+            </a:extLst>
+          </p:cNvPr>
+          <p:cNvSpPr>
+            <a:spLocks noGrp="1"/>
+          </p:cNvSpPr>
+          <p:nvPr>
+            <p:ph type="title"/>
+          </p:nvPr>
+        </p:nvSpPr>
+        <p:spPr/>
+        <p:txBody>
+          <a:bodyPr/>
+          <a:lstStyle/>
+          <a:p>
+            <a:r>
+              <a:rPr lang="en-US">
+                <a:solidFill>
+                  <a:srgbClr val="00B0F0"/>
+                </a:solidFill>
+              </a:rPr>
+              <a:t>Contribution</a:t>
+            </a:r>
+          </a:p>
+        </p:txBody>
+      </p:sp>
+      <p:sp>
+        <p:nvSpPr>
+          <p:cNvPr id="3" name="Content Placeholder 2">
+            <a:extLst>
+              <a:ext uri="{FF2B5EF4-FFF2-40B4-BE49-F238E27FC236}">
+                <a16:creationId xmlns:a16="http://schemas.microsoft.com/office/drawing/2014/main" id="{21C7898D-332F-2044-9B63-3ACED3BD9767}"/>
+              </a:ext>
+            </a:extLst>
+          </p:cNvPr>
+          <p:cNvSpPr>
+            <a:spLocks noGrp="1"/>
+          </p:cNvSpPr>
+          <p:nvPr>
+            <p:ph sz="half" idx="2"/>
+          </p:nvPr>
+        </p:nvSpPr>
+        <p:spPr>
+          <a:xfrm>
+            <a:off x="375863" y="1119556"/>
+            <a:ext cx="8768137" cy="5223272"/>
+          </a:xfrm>
+        </p:spPr>
+        <p:txBody>
+          <a:bodyPr/>
+          <a:lstStyle/>
+          <a:p>
+            <a:r>
+              <a:rPr lang="en-US" sz="2000" dirty="0">
+                <a:latin typeface="Arial"/>
+                <a:cs typeface="Arial"/>
+              </a:rPr>
+              <a:t>Gaurav Kumar</a:t>
+            </a:r>
+          </a:p>
+          <a:p>
+            <a:pPr lvl="1"/>
+            <a:r>
+              <a:rPr lang="en-US" sz="1800" dirty="0">
+                <a:latin typeface="Arial"/>
+                <a:cs typeface="Arial"/>
+              </a:rPr>
+              <a:t>Collection of PCAP files</a:t>
+            </a:r>
+          </a:p>
+          <a:p>
+            <a:pPr lvl="1"/>
+            <a:r>
+              <a:rPr lang="en-US" sz="1800" dirty="0">
+                <a:latin typeface="Arial"/>
+                <a:cs typeface="Arial"/>
+              </a:rPr>
+              <a:t>Implementation of ARP and ICMP packet reader</a:t>
+            </a:r>
+          </a:p>
+          <a:p>
+            <a:r>
+              <a:rPr lang="en-US" sz="2000" dirty="0">
+                <a:latin typeface="Arial"/>
+                <a:cs typeface="Arial"/>
+              </a:rPr>
+              <a:t>Asmita Mahajan</a:t>
+            </a:r>
+          </a:p>
+          <a:p>
+            <a:pPr lvl="1"/>
+            <a:r>
+              <a:rPr lang="en-US" sz="1800">
+                <a:latin typeface="Arial"/>
+                <a:cs typeface="Arial"/>
+              </a:rPr>
+              <a:t>Analysed &amp; Captured the packets from </a:t>
+            </a:r>
+            <a:r>
+              <a:rPr lang="en-US" sz="1800" err="1">
+                <a:latin typeface="Arial"/>
+                <a:cs typeface="Arial"/>
+              </a:rPr>
+              <a:t>wireshark</a:t>
+            </a:r>
+            <a:endParaRPr lang="en-US" sz="1800">
+              <a:latin typeface="Arial"/>
+              <a:cs typeface="Arial"/>
+            </a:endParaRPr>
+          </a:p>
+          <a:p>
+            <a:pPr lvl="1"/>
+            <a:r>
+              <a:rPr lang="en-US" sz="1800">
+                <a:latin typeface="Arial"/>
+                <a:cs typeface="Arial"/>
+              </a:rPr>
+              <a:t>Implemented the IP &amp; TCP/UDP packet reader </a:t>
+            </a:r>
+            <a:endParaRPr lang="en-US" sz="1800"/>
+          </a:p>
+          <a:p>
+            <a:r>
+              <a:rPr lang="en-US" sz="2000" dirty="0">
+                <a:latin typeface="Arial"/>
+                <a:cs typeface="Arial"/>
+              </a:rPr>
+              <a:t>Srishti Sharma</a:t>
+            </a:r>
+          </a:p>
+          <a:p>
+            <a:pPr lvl="1"/>
+            <a:r>
+              <a:rPr lang="en-US" sz="1800" dirty="0">
+                <a:latin typeface="Arial"/>
+                <a:cs typeface="Arial"/>
+              </a:rPr>
+              <a:t>Prepared the literature part regarding project</a:t>
+            </a:r>
+          </a:p>
+          <a:p>
+            <a:pPr lvl="1"/>
+            <a:r>
+              <a:rPr lang="en-US" sz="1800" dirty="0">
+                <a:latin typeface="Arial"/>
+                <a:cs typeface="Arial"/>
+              </a:rPr>
+              <a:t>Analyzed various filed of TCP/UDP packets using </a:t>
+            </a:r>
+            <a:r>
+              <a:rPr lang="en-US" sz="1800" dirty="0" err="1">
+                <a:latin typeface="Arial"/>
+                <a:cs typeface="Arial"/>
+              </a:rPr>
+              <a:t>wireshark</a:t>
+            </a:r>
+            <a:endParaRPr lang="en-US" sz="1800" dirty="0">
+              <a:latin typeface="Arial"/>
+              <a:cs typeface="Arial"/>
+            </a:endParaRPr>
+          </a:p>
+          <a:p>
+            <a:r>
+              <a:rPr lang="en-US" sz="2000" dirty="0">
+                <a:latin typeface="Arial"/>
+                <a:cs typeface="Arial"/>
+              </a:rPr>
+              <a:t>Kanhu Charan Gouda</a:t>
+            </a:r>
+          </a:p>
+          <a:p>
+            <a:pPr lvl="1"/>
+            <a:r>
+              <a:rPr lang="en-US" sz="1800" dirty="0">
+                <a:latin typeface="Arial"/>
+                <a:cs typeface="Arial"/>
+              </a:rPr>
+              <a:t>Prepared the part of project report</a:t>
+            </a:r>
+          </a:p>
+          <a:p>
+            <a:pPr lvl="1"/>
+            <a:r>
+              <a:rPr lang="en-US" sz="1800" dirty="0">
+                <a:latin typeface="Arial"/>
+                <a:cs typeface="Arial"/>
+              </a:rPr>
+              <a:t>Analyzed various filed of ARP packets using </a:t>
+            </a:r>
+            <a:r>
+              <a:rPr lang="en-US" sz="1800" dirty="0" err="1">
+                <a:latin typeface="Arial"/>
+                <a:cs typeface="Arial"/>
+              </a:rPr>
+              <a:t>wireshark</a:t>
+            </a:r>
+            <a:endParaRPr lang="en-US" sz="1800" dirty="0">
+              <a:latin typeface="Arial"/>
+              <a:cs typeface="Arial"/>
+            </a:endParaRPr>
+          </a:p>
+          <a:p>
+            <a:r>
+              <a:rPr lang="en-US" sz="2000" dirty="0"/>
+              <a:t>Hem Chandra Joshi</a:t>
+            </a:r>
+          </a:p>
+          <a:p>
+            <a:pPr lvl="1"/>
+            <a:r>
+              <a:rPr lang="en-US" sz="1800" dirty="0"/>
+              <a:t>Processed the excel file to summarize the data</a:t>
+            </a:r>
+          </a:p>
+          <a:p>
+            <a:pPr lvl="1"/>
+            <a:r>
+              <a:rPr lang="en-US" sz="1800" dirty="0"/>
+              <a:t>Visualize the few important values of various packets </a:t>
+            </a:r>
+          </a:p>
+        </p:txBody>
+      </p:sp>
+    </p:spTree>
+    <p:extLst>
+      <p:ext uri="{BB962C8B-B14F-4D97-AF65-F5344CB8AC3E}">
+        <p14:creationId xmlns:p14="http://schemas.microsoft.com/office/powerpoint/2010/main" val="2999041865"/>
+      </p:ext>
+    </p:extLst>
+  </p:cSld>
+  <p:clrMapOvr>
+    <a:masterClrMapping/>
+  </p:clrMapOvr>
+</p:sld>
+</file>
+
+<file path=ppt/slides/slide20.xml><?xml version="1.0" encoding="utf-8"?>
 <p:sld xmlns:a="http://schemas.openxmlformats.org/drawingml/2006/main" xmlns:r="http://schemas.openxmlformats.org/officeDocument/2006/relationships" xmlns:p="http://schemas.openxmlformats.org/presentationml/2006/main">
   <p:cSld>
     <p:spTree>
@@ -8011,7 +8001,7 @@
           <a:p>
             <a:pPr algn="just"/>
             <a:r>
-              <a:rPr lang="en-US" sz="2800">
+              <a:rPr lang="en-US" sz="2800" dirty="0">
                 <a:ea typeface="+mn-lt"/>
                 <a:cs typeface="+mn-lt"/>
               </a:rPr>
@@ -8031,21 +8021,21 @@
               <a:buNone/>
             </a:pPr>
             <a:r>
-              <a:rPr lang="en-US" sz="2800" i="1">
+              <a:rPr lang="en-US" sz="2800" i="1" dirty="0">
                 <a:ea typeface="+mn-lt"/>
                 <a:cs typeface="+mn-lt"/>
               </a:rPr>
               <a:t>for field in </a:t>
             </a:r>
             <a:r>
-              <a:rPr lang="en-US" sz="2800" i="1" err="1">
+              <a:rPr lang="en-US" sz="2800" i="1" dirty="0" err="1">
                 <a:ea typeface="+mn-lt"/>
                 <a:cs typeface="+mn-lt"/>
               </a:rPr>
               <a:t>tcp_fields</a:t>
             </a:r>
             <a:r>
-              <a:rPr lang="en-US" sz="2800" i="1">
+              <a:rPr lang="en-US" sz="2800" i="1" dirty="0">
                 <a:ea typeface="+mn-lt"/>
                 <a:cs typeface="+mn-lt"/>
               </a:rPr>
@@ -8058,35 +8048,35 @@
               <a:buNone/>
             </a:pPr>
             <a:r>
-              <a:rPr lang="en-US" sz="2800" i="1">
+              <a:rPr lang="en-US" sz="2800" i="1" dirty="0">
                 <a:ea typeface="+mn-lt"/>
                 <a:cs typeface="+mn-lt"/>
               </a:rPr>
               <a:t>     </a:t>
             </a:r>
             <a:r>
-              <a:rPr lang="en-US" sz="2800" i="1" err="1">
+              <a:rPr lang="en-US" sz="2800" i="1" dirty="0" err="1">
                 <a:ea typeface="+mn-lt"/>
                 <a:cs typeface="+mn-lt"/>
               </a:rPr>
               <a:t>field_values.append</a:t>
             </a:r>
             <a:r>
-              <a:rPr lang="en-US" sz="2800" i="1">
+              <a:rPr lang="en-US" sz="2800" i="1" dirty="0">
                 <a:ea typeface="+mn-lt"/>
                 <a:cs typeface="+mn-lt"/>
               </a:rPr>
               <a:t>(packet[</a:t>
             </a:r>
             <a:r>
-              <a:rPr lang="en-US" sz="2800" i="1" err="1">
+              <a:rPr lang="en-US" sz="2800" i="1" dirty="0" err="1">
                 <a:ea typeface="+mn-lt"/>
                 <a:cs typeface="+mn-lt"/>
               </a:rPr>
               <a:t>layer_type</a:t>
             </a:r>
             <a:r>
-              <a:rPr lang="en-US" sz="2800" i="1">
+              <a:rPr lang="en-US" sz="2800" i="1" dirty="0">
                 <a:ea typeface="+mn-lt"/>
                 <a:cs typeface="+mn-lt"/>
               </a:rPr>
@@ -8108,266 +8098,7 @@
 </p:sld>
 </file>
 
-<file path=ppt/slides/slide2.xml><?xml version="1.0" encoding="utf-8"?>
-<p:sld xmlns:a="http://schemas.openxmlformats.org/drawingml/2006/main" xmlns:r="http://schemas.openxmlformats.org/officeDocument/2006/relationships" xmlns:p="http://schemas.openxmlformats.org/presentationml/2006/main">
-  <p:cSld>
-    <p:spTree>
-      <p:nvGrpSpPr>
-        <p:cNvPr id="1" name=""/>
-        <p:cNvGrpSpPr/>
-        <p:nvPr/>
-      </p:nvGrpSpPr>
-      <p:grpSpPr>
-        <a:xfrm>
-          <a:off x="0" y="0"/>
-          <a:ext cx="0" cy="0"/>
-          <a:chOff x="0" y="0"/>
-          <a:chExt cx="0" cy="0"/>
-        </a:xfrm>
-      </p:grpSpPr>
-      <p:sp>
-        <p:nvSpPr>
-          <p:cNvPr id="2" name="Title 1">
-            <a:extLst>
-              <a:ext uri="{FF2B5EF4-FFF2-40B4-BE49-F238E27FC236}">
-                <a16:creationId xmlns:a16="http://schemas.microsoft.com/office/drawing/2014/main" id="{425D184B-6B24-FE42-8FCC-93ED1BD374D8}"/>
-              </a:ext>
-            </a:extLst>
-          </p:cNvPr>
-          <p:cNvSpPr>
-            <a:spLocks noGrp="1"/>
-          </p:cNvSpPr>
-          <p:nvPr>
-            <p:ph type="title"/>
-          </p:nvPr>
-        </p:nvSpPr>
-        <p:spPr/>
-        <p:txBody>
-          <a:bodyPr/>
-          <a:lstStyle/>
-          <a:p>
-            <a:r>
-              <a:rPr lang="en-US">
-                <a:solidFill>
-                  <a:srgbClr val="00B0F0"/>
-                </a:solidFill>
-              </a:rPr>
-              <a:t>Contribution</a:t>
-            </a:r>
-          </a:p>
-        </p:txBody>
-      </p:sp>
-      <p:sp>
-        <p:nvSpPr>
-          <p:cNvPr id="3" name="Content Placeholder 2">
-            <a:extLst>
-              <a:ext uri="{FF2B5EF4-FFF2-40B4-BE49-F238E27FC236}">
-                <a16:creationId xmlns:a16="http://schemas.microsoft.com/office/drawing/2014/main" id="{21C7898D-332F-2044-9B63-3ACED3BD9767}"/>
-              </a:ext>
-            </a:extLst>
-          </p:cNvPr>
-          <p:cNvSpPr>
-            <a:spLocks noGrp="1"/>
-          </p:cNvSpPr>
-          <p:nvPr>
-            <p:ph sz="half" idx="2"/>
-          </p:nvPr>
-        </p:nvSpPr>
-        <p:spPr>
-          <a:xfrm>
-            <a:off x="375863" y="1119556"/>
-            <a:ext cx="8768137" cy="5223272"/>
-          </a:xfrm>
-        </p:spPr>
-        <p:txBody>
-          <a:bodyPr/>
-          <a:lstStyle/>
-          <a:p>
-            <a:r>
-              <a:rPr lang="en-US" sz="2000">
-                <a:latin typeface="Arial"/>
-                <a:cs typeface="Arial"/>
-              </a:rPr>
-              <a:t>Gaurav Kumar</a:t>
-            </a:r>
-          </a:p>
-          <a:p>
-            <a:pPr lvl="1"/>
-            <a:r>
-              <a:rPr lang="en-US" sz="1800">
-                <a:latin typeface="Arial"/>
-                <a:cs typeface="Arial"/>
-              </a:rPr>
-              <a:t>Collection of PCAP files</a:t>
-            </a:r>
-          </a:p>
-          <a:p>
-            <a:pPr lvl="1"/>
-            <a:r>
-              <a:rPr lang="en-US" sz="1800">
-                <a:latin typeface="Arial"/>
-                <a:cs typeface="Arial"/>
-              </a:rPr>
-              <a:t>Implementation of ARP and ICMP packet reader</a:t>
-            </a:r>
-          </a:p>
-          <a:p>
-            <a:r>
-              <a:rPr lang="en-US" sz="2000">
-                <a:latin typeface="Arial"/>
-                <a:cs typeface="Arial"/>
-              </a:rPr>
-              <a:t>Asmita Mahajan</a:t>
-            </a:r>
-          </a:p>
-          <a:p>
-            <a:pPr lvl="1"/>
-            <a:r>
-              <a:rPr lang="en-US" sz="1800">
-                <a:latin typeface="Arial"/>
-                <a:cs typeface="Arial"/>
-              </a:rPr>
-              <a:t>Analysed &amp; Captured the packets from </a:t>
-            </a:r>
-            <a:r>
-              <a:rPr lang="en-US" sz="1800" err="1">
-                <a:latin typeface="Arial"/>
-                <a:cs typeface="Arial"/>
-              </a:rPr>
-              <a:t>wireshark</a:t>
-            </a:r>
-            <a:endParaRPr lang="en-US" sz="1800">
-              <a:latin typeface="Arial"/>
-              <a:cs typeface="Arial"/>
-            </a:endParaRPr>
-          </a:p>
-          <a:p>
-            <a:pPr lvl="1"/>
-            <a:r>
-              <a:rPr lang="en-US" sz="1800">
-                <a:latin typeface="Arial"/>
-                <a:cs typeface="Arial"/>
-              </a:rPr>
-              <a:t>Implemented the IP &amp; TCP/UDP packet reader </a:t>
-            </a:r>
-            <a:endParaRPr lang="en-US" sz="1800"/>
-          </a:p>
-          <a:p>
-            <a:r>
-              <a:rPr lang="en-US" sz="2000">
-                <a:latin typeface="Arial"/>
-                <a:cs typeface="Arial"/>
-              </a:rPr>
-              <a:t>Srishti Sharma</a:t>
-            </a:r>
-          </a:p>
-          <a:p>
-            <a:pPr lvl="1"/>
-            <a:r>
-              <a:rPr lang="en-US" sz="1800">
-                <a:latin typeface="Arial"/>
-                <a:cs typeface="Arial"/>
-              </a:rPr>
-              <a:t>Prepared the literature part regarding project</a:t>
-            </a:r>
-          </a:p>
-          <a:p>
-            <a:pPr lvl="1"/>
-            <a:r>
-              <a:rPr lang="en-US" sz="1800">
-                <a:latin typeface="Arial"/>
-                <a:cs typeface="Arial"/>
-              </a:rPr>
-              <a:t>Analyzed various filed of TCP/UDP packets using </a:t>
-            </a:r>
-            <a:r>
-              <a:rPr lang="en-US" sz="1800" err="1">
-                <a:latin typeface="Arial"/>
-                <a:cs typeface="Arial"/>
-              </a:rPr>
-              <a:t>wireshark</a:t>
-            </a:r>
-            <a:endParaRPr lang="en-US" sz="1800">
-              <a:latin typeface="Arial"/>
-              <a:cs typeface="Arial"/>
-            </a:endParaRPr>
-          </a:p>
-          <a:p>
-            <a:r>
-              <a:rPr lang="en-US" sz="2000">
-                <a:latin typeface="Arial"/>
-                <a:cs typeface="Arial"/>
-              </a:rPr>
-              <a:t>Kanhu Charan Gouda</a:t>
-            </a:r>
-          </a:p>
-          <a:p>
-            <a:pPr lvl="1"/>
-            <a:r>
-              <a:rPr lang="en-US" sz="1800">
-                <a:latin typeface="Arial"/>
-                <a:cs typeface="Arial"/>
-              </a:rPr>
-              <a:t>Prepared the part of project report</a:t>
-            </a:r>
-          </a:p>
-          <a:p>
-            <a:pPr lvl="1"/>
-            <a:r>
-              <a:rPr lang="en-US" sz="1800">
-                <a:latin typeface="Arial"/>
-                <a:cs typeface="Arial"/>
-              </a:rPr>
-              <a:t>Analyzed various filed of ARP packets using </a:t>
-            </a:r>
-            <a:r>
-              <a:rPr lang="en-US" sz="1800" err="1">
-                <a:latin typeface="Arial"/>
-                <a:cs typeface="Arial"/>
-              </a:rPr>
-              <a:t>wireshark</a:t>
-            </a:r>
-            <a:endParaRPr lang="en-US" sz="1800">
-              <a:latin typeface="Arial"/>
-              <a:cs typeface="Arial"/>
-            </a:endParaRPr>
-          </a:p>
-          <a:p>
-            <a:r>
-              <a:rPr lang="en-US" sz="2000"/>
-              <a:t>Hem Chandra Joshi</a:t>
-            </a:r>
-          </a:p>
-          <a:p>
-            <a:pPr lvl="1"/>
-            <a:r>
-              <a:rPr lang="en-US" sz="1800"/>
-              <a:t>Processed the excel file to summarize the data</a:t>
-            </a:r>
-          </a:p>
-          <a:p>
-            <a:pPr lvl="1"/>
-            <a:r>
-              <a:rPr lang="en-US" sz="1800"/>
-              <a:t>Visualize the few important values of various packets </a:t>
-            </a:r>
-          </a:p>
-        </p:txBody>
-      </p:sp>
-    </p:spTree>
-    <p:extLst>
-      <p:ext uri="{BB962C8B-B14F-4D97-AF65-F5344CB8AC3E}">
-        <p14:creationId xmlns:p14="http://schemas.microsoft.com/office/powerpoint/2010/main" val="2999041865"/>
-      </p:ext>
-    </p:extLst>
-  </p:cSld>
-  <p:clrMapOvr>
-    <a:masterClrMapping/>
-  </p:clrMapOvr>
-</p:sld>
-</file>
-
-<file path=ppt/slides/slide20.xml><?xml version="1.0" encoding="utf-8"?>
+<file path=ppt/slides/slide21.xml><?xml version="1.0" encoding="utf-8"?>
 <p:sld xmlns:a="http://schemas.openxmlformats.org/drawingml/2006/main" xmlns:r="http://schemas.openxmlformats.org/officeDocument/2006/relationships" xmlns:p="http://schemas.openxmlformats.org/presentationml/2006/main">
   <p:cSld>
     <p:spTree>
@@ -8601,7 +8332,7 @@
 </p:sld>
 </file>
 
-<file path=ppt/slides/slide21.xml><?xml version="1.0" encoding="utf-8"?>
+<file path=ppt/slides/slide22.xml><?xml version="1.0" encoding="utf-8"?>
 <p:sld xmlns:a="http://schemas.openxmlformats.org/drawingml/2006/main" xmlns:r="http://schemas.openxmlformats.org/officeDocument/2006/relationships" xmlns:p="http://schemas.openxmlformats.org/presentationml/2006/main">
   <p:cSld>
     <p:spTree>
@@ -8802,15 +8533,15 @@
         </p:nvSpPr>
         <p:spPr>
           <a:xfrm>
-            <a:off x="628650" y="1183548"/>
-            <a:ext cx="8443127" cy="5275605"/>
+            <a:off x="628650" y="2226469"/>
+            <a:ext cx="7653036" cy="3263504"/>
           </a:xfrm>
           <a:prstGeom prst="rect">
             <a:avLst/>
           </a:prstGeom>
         </p:spPr>
         <p:txBody>
-          <a:bodyPr lIns="91440" tIns="45720" rIns="91440" bIns="45720" anchor="t"/>
+          <a:bodyPr/>
           <a:lstStyle>
             <a:lvl1pPr marL="342900" indent="-342900" algn="l" rtl="0" eaLnBrk="1" fontAlgn="base" hangingPunct="1">
               <a:spcBef>
@@ -8964,50 +8695,13 @@
             </a:lvl9pPr>
           </a:lstStyle>
           <a:p>
-            <a:pPr marL="457200" indent="-457200"/>
             <a:r>
               <a:rPr lang="en-US" sz="2800">
                 <a:ea typeface="+mn-lt"/>
                 <a:cs typeface="+mn-lt"/>
               </a:rPr>
-              <a:t>Store all ARP header parameters</a:t>
-            </a:r>
-          </a:p>
-          <a:p>
-            <a:pPr marL="0" indent="0">
-              <a:buNone/>
-            </a:pPr>
-            <a:r>
-              <a:rPr lang="en-US" sz="2800" err="1">
-                <a:ea typeface="+mn-lt"/>
-                <a:cs typeface="+mn-lt"/>
-              </a:rPr>
-              <a:t>arp_fields</a:t>
-            </a:r>
-            <a:r>
-              <a:rPr lang="en-US" sz="2800">
-                <a:ea typeface="+mn-lt"/>
-                <a:cs typeface="+mn-lt"/>
-              </a:rPr>
-              <a:t> = [field.name for field in ARP().</a:t>
-            </a:r>
-            <a:r>
-              <a:rPr lang="en-US" sz="2800" err="1">
-                <a:ea typeface="+mn-lt"/>
-                <a:cs typeface="+mn-lt"/>
-              </a:rPr>
-              <a:t>fields_desc</a:t>
-            </a:r>
-            <a:r>
-              <a:rPr lang="en-US" sz="2800">
-                <a:ea typeface="+mn-lt"/>
-                <a:cs typeface="+mn-lt"/>
-              </a:rPr>
-              <a:t>]</a:t>
-            </a:r>
-            <a:endParaRPr lang="en-US">
-              <a:cs typeface="Calibri"/>
-            </a:endParaRPr>
+              <a:t>arp_fields = [field.name for field in ARP().fields_desc]</a:t>
+            </a:r>
           </a:p>
           <a:p>
             <a:pPr marL="0" indent="0">
@@ -9020,49 +8714,12 @@
             </a:endParaRPr>
           </a:p>
           <a:p>
-            <a:pPr marL="457200" indent="-457200"/>
             <a:r>
               <a:rPr lang="en-US" sz="2800">
                 <a:ea typeface="+mn-lt"/>
                 <a:cs typeface="+mn-lt"/>
               </a:rPr>
-              <a:t>Store all ICMP header parameters</a:t>
-            </a:r>
-            <a:endParaRPr lang="en-US">
-              <a:cs typeface="Calibri"/>
-            </a:endParaRPr>
-          </a:p>
-          <a:p>
-            <a:pPr marL="0" indent="0">
-              <a:buNone/>
-            </a:pPr>
-            <a:r>
-              <a:rPr lang="en-US" sz="2800" err="1">
-                <a:ea typeface="+mn-lt"/>
-                <a:cs typeface="+mn-lt"/>
-              </a:rPr>
-              <a:t>icmp_fields</a:t>
-            </a:r>
-            <a:r>
-              <a:rPr lang="en-US" sz="2800">
-                <a:ea typeface="+mn-lt"/>
-                <a:cs typeface="+mn-lt"/>
-              </a:rPr>
-              <a:t> = [field.name for field in ICMP().</a:t>
-            </a:r>
-            <a:r>
-              <a:rPr lang="en-US" sz="2800" err="1">
-                <a:ea typeface="+mn-lt"/>
-                <a:cs typeface="+mn-lt"/>
-              </a:rPr>
-              <a:t>fields_desc</a:t>
-            </a:r>
-            <a:r>
-              <a:rPr lang="en-US" sz="2800">
-                <a:ea typeface="+mn-lt"/>
-                <a:cs typeface="+mn-lt"/>
-              </a:rPr>
-              <a:t>]</a:t>
+              <a:t>icmp_fields = [field.name for field in ICMP().fields_desc]</a:t>
             </a:r>
           </a:p>
         </p:txBody>
@@ -9080,7 +8737,7 @@
 </p:sld>
 </file>
 
-<file path=ppt/slides/slide22.xml><?xml version="1.0" encoding="utf-8"?>
+<file path=ppt/slides/slide23.xml><?xml version="1.0" encoding="utf-8"?>
 <p:sld xmlns:a="http://schemas.openxmlformats.org/drawingml/2006/main" xmlns:r="http://schemas.openxmlformats.org/officeDocument/2006/relationships" xmlns:p="http://schemas.openxmlformats.org/presentationml/2006/main">
   <p:cSld>
     <p:spTree>
@@ -9514,7 +9171,7 @@
 </p:sld>
 </file>
 
-<file path=ppt/slides/slide23.xml><?xml version="1.0" encoding="utf-8"?>
+<file path=ppt/slides/slide24.xml><?xml version="1.0" encoding="utf-8"?>
 <p:sld xmlns:a="http://schemas.openxmlformats.org/drawingml/2006/main" xmlns:r="http://schemas.openxmlformats.org/officeDocument/2006/relationships" xmlns:p="http://schemas.openxmlformats.org/presentationml/2006/main">
   <p:cSld>
     <p:spTree>
@@ -9547,15 +9204,15 @@
         </p:nvSpPr>
         <p:spPr>
           <a:xfrm>
-            <a:off x="162232" y="1486112"/>
-            <a:ext cx="8229600" cy="795360"/>
+            <a:off x="457200" y="274638"/>
+            <a:ext cx="8229600" cy="1143000"/>
           </a:xfrm>
           <a:prstGeom prst="rect">
             <a:avLst/>
           </a:prstGeom>
         </p:spPr>
         <p:txBody>
-          <a:bodyPr lIns="91440" tIns="45720" rIns="91440" bIns="45720" anchor="t"/>
+          <a:bodyPr/>
           <a:lstStyle>
             <a:lvl1pPr algn="ctr" rtl="0" eaLnBrk="1" fontAlgn="base" hangingPunct="1">
               <a:spcBef>
@@ -9687,17 +9344,14 @@
             </a:lvl9pPr>
           </a:lstStyle>
           <a:p>
-            <a:pPr marL="457200" indent="-457200" algn="l">
-              <a:buFont typeface="Arial"/>
-              <a:buChar char="•"/>
-            </a:pPr>
-            <a:r>
-              <a:rPr lang="en-US" sz="2800">
-                <a:latin typeface="+mn-lt"/>
-                <a:ea typeface="+mn-lt"/>
-                <a:cs typeface="+mn-lt"/>
-              </a:rPr>
-              <a:t>ARP header values for first 5 packets is displayed </a:t>
+            <a:r>
+              <a:rPr lang="en-US" sz="3200" b="1">
+                <a:solidFill>
+                  <a:srgbClr val="00B0F0"/>
+                </a:solidFill>
+                <a:cs typeface="Calibri Light"/>
+              </a:rPr>
+              <a:t>Display the ARP Data</a:t>
             </a:r>
           </a:p>
         </p:txBody>
@@ -9724,7 +9378,7 @@
         </p:blipFill>
         <p:spPr>
           <a:xfrm>
-            <a:off x="407425" y="2829343"/>
+            <a:off x="628650" y="2260477"/>
             <a:ext cx="7886700" cy="1858610"/>
           </a:xfrm>
           <a:prstGeom prst="rect">
@@ -9745,7 +9399,7 @@
 </p:sld>
 </file>
 
-<file path=ppt/slides/slide24.xml><?xml version="1.0" encoding="utf-8"?>
+<file path=ppt/slides/slide25.xml><?xml version="1.0" encoding="utf-8"?>
 <p:sld xmlns:a="http://schemas.openxmlformats.org/drawingml/2006/main" xmlns:r="http://schemas.openxmlformats.org/officeDocument/2006/relationships" xmlns:p="http://schemas.openxmlformats.org/presentationml/2006/main">
   <p:cSld>
     <p:spTree>
@@ -10192,7 +9846,7 @@
 </p:sld>
 </file>
 
-<file path=ppt/slides/slide25.xml><?xml version="1.0" encoding="utf-8"?>
+<file path=ppt/slides/slide26.xml><?xml version="1.0" encoding="utf-8"?>
 <p:sld xmlns:a="http://schemas.openxmlformats.org/drawingml/2006/main" xmlns:r="http://schemas.openxmlformats.org/officeDocument/2006/relationships" xmlns:p="http://schemas.openxmlformats.org/presentationml/2006/main">
   <p:cSld>
     <p:spTree>
@@ -10233,7 +9887,7 @@
           </a:prstGeom>
         </p:spPr>
         <p:txBody>
-          <a:bodyPr lIns="91440" tIns="45720" rIns="91440" bIns="45720" anchor="t"/>
+          <a:bodyPr/>
           <a:lstStyle>
             <a:lvl1pPr algn="ctr" rtl="0" eaLnBrk="1" fontAlgn="base" hangingPunct="1">
               <a:spcBef>
@@ -10372,7 +10026,7 @@
                 </a:solidFill>
                 <a:cs typeface="Calibri Light"/>
               </a:rPr>
-              <a:t>Display the ICMP Data</a:t>
+              <a:t>Display the ARP Data</a:t>
             </a:r>
           </a:p>
         </p:txBody>
@@ -10399,7 +10053,7 @@
         </p:blipFill>
         <p:spPr>
           <a:xfrm>
-            <a:off x="628650" y="2647369"/>
+            <a:off x="628650" y="2415609"/>
             <a:ext cx="7886700" cy="2885223"/>
           </a:xfrm>
           <a:prstGeom prst="rect">
@@ -10407,177 +10061,6 @@
           </a:prstGeom>
         </p:spPr>
       </p:pic>
-      <p:sp>
-        <p:nvSpPr>
-          <p:cNvPr id="5" name="Title 1">
-            <a:extLst>
-              <a:ext uri="{FF2B5EF4-FFF2-40B4-BE49-F238E27FC236}">
-                <a16:creationId xmlns:a16="http://schemas.microsoft.com/office/drawing/2014/main" id="{9C4DF89D-3364-4F9E-9058-6D6D57FA6214}"/>
-              </a:ext>
-            </a:extLst>
-          </p:cNvPr>
-          <p:cNvSpPr txBox="1">
-            <a:spLocks/>
-          </p:cNvSpPr>
-          <p:nvPr/>
-        </p:nvSpPr>
-        <p:spPr>
-          <a:xfrm>
-            <a:off x="162232" y="1486112"/>
-            <a:ext cx="8229600" cy="795360"/>
-          </a:xfrm>
-          <a:prstGeom prst="rect">
-            <a:avLst/>
-          </a:prstGeom>
-        </p:spPr>
-        <p:txBody>
-          <a:bodyPr lIns="91440" tIns="45720" rIns="91440" bIns="45720" anchor="t"/>
-          <a:lstStyle>
-            <a:lvl1pPr algn="ctr" rtl="0" eaLnBrk="1" fontAlgn="base" hangingPunct="1">
-              <a:spcBef>
-                <a:spcPct val="0"/>
-              </a:spcBef>
-              <a:spcAft>
-                <a:spcPct val="0"/>
-              </a:spcAft>
-              <a:defRPr sz="4400" kern="1200">
-                <a:solidFill>
-                  <a:schemeClr val="tx1"/>
-                </a:solidFill>
-                <a:latin typeface="+mj-lt"/>
-                <a:ea typeface="+mj-ea"/>
-                <a:cs typeface="+mj-cs"/>
-              </a:defRPr>
-            </a:lvl1pPr>
-            <a:lvl2pPr algn="ctr" rtl="0" eaLnBrk="1" fontAlgn="base" hangingPunct="1">
-              <a:spcBef>
-                <a:spcPct val="0"/>
-              </a:spcBef>
-              <a:spcAft>
-                <a:spcPct val="0"/>
-              </a:spcAft>
-              <a:defRPr sz="4400">
-                <a:solidFill>
-                  <a:schemeClr val="tx1"/>
-                </a:solidFill>
-                <a:latin typeface="Calibri" pitchFamily="34" charset="0"/>
-              </a:defRPr>
-            </a:lvl2pPr>
-            <a:lvl3pPr algn="ctr" rtl="0" eaLnBrk="1" fontAlgn="base" hangingPunct="1">
-              <a:spcBef>
-                <a:spcPct val="0"/>
-              </a:spcBef>
-              <a:spcAft>
-                <a:spcPct val="0"/>
-              </a:spcAft>
-              <a:defRPr sz="4400">
-                <a:solidFill>
-                  <a:schemeClr val="tx1"/>
-                </a:solidFill>
-                <a:latin typeface="Calibri" pitchFamily="34" charset="0"/>
-              </a:defRPr>
-            </a:lvl3pPr>
-            <a:lvl4pPr algn="ctr" rtl="0" eaLnBrk="1" fontAlgn="base" hangingPunct="1">
-              <a:spcBef>
-                <a:spcPct val="0"/>
-              </a:spcBef>
-              <a:spcAft>
-                <a:spcPct val="0"/>
-              </a:spcAft>
-              <a:defRPr sz="4400">
-                <a:solidFill>
-                  <a:schemeClr val="tx1"/>
-                </a:solidFill>
-                <a:latin typeface="Calibri" pitchFamily="34" charset="0"/>
-              </a:defRPr>
-            </a:lvl4pPr>
-            <a:lvl5pPr algn="ctr" rtl="0" eaLnBrk="1" fontAlgn="base" hangingPunct="1">
-              <a:spcBef>
-                <a:spcPct val="0"/>
-              </a:spcBef>
-              <a:spcAft>
-                <a:spcPct val="0"/>
-              </a:spcAft>
-              <a:defRPr sz="4400">
-                <a:solidFill>
-                  <a:schemeClr val="tx1"/>
-                </a:solidFill>
-                <a:latin typeface="Calibri" pitchFamily="34" charset="0"/>
-              </a:defRPr>
-            </a:lvl5pPr>
-            <a:lvl6pPr marL="457200" algn="ctr" rtl="0" eaLnBrk="1" fontAlgn="base" hangingPunct="1">
-              <a:spcBef>
-                <a:spcPct val="0"/>
-              </a:spcBef>
-              <a:spcAft>
-                <a:spcPct val="0"/>
-              </a:spcAft>
-              <a:defRPr sz="4400">
-                <a:solidFill>
-                  <a:schemeClr val="tx1"/>
-                </a:solidFill>
-                <a:latin typeface="Calibri" pitchFamily="34" charset="0"/>
-              </a:defRPr>
-            </a:lvl6pPr>
-            <a:lvl7pPr marL="914400" algn="ctr" rtl="0" eaLnBrk="1" fontAlgn="base" hangingPunct="1">
-              <a:spcBef>
-                <a:spcPct val="0"/>
-              </a:spcBef>
-              <a:spcAft>
-                <a:spcPct val="0"/>
-              </a:spcAft>
-              <a:defRPr sz="4400">
-                <a:solidFill>
-                  <a:schemeClr val="tx1"/>
-                </a:solidFill>
-                <a:latin typeface="Calibri" pitchFamily="34" charset="0"/>
-              </a:defRPr>
-            </a:lvl7pPr>
-            <a:lvl8pPr marL="1371600" algn="ctr" rtl="0" eaLnBrk="1" fontAlgn="base" hangingPunct="1">
-              <a:spcBef>
-                <a:spcPct val="0"/>
-              </a:spcBef>
-              <a:spcAft>
-                <a:spcPct val="0"/>
-              </a:spcAft>
-              <a:defRPr sz="4400">
-                <a:solidFill>
-                  <a:schemeClr val="tx1"/>
-                </a:solidFill>
-                <a:latin typeface="Calibri" pitchFamily="34" charset="0"/>
-              </a:defRPr>
-            </a:lvl8pPr>
-            <a:lvl9pPr marL="1828800" algn="ctr" rtl="0" eaLnBrk="1" fontAlgn="base" hangingPunct="1">
-              <a:spcBef>
-                <a:spcPct val="0"/>
-              </a:spcBef>
-              <a:spcAft>
-                <a:spcPct val="0"/>
-              </a:spcAft>
-              <a:defRPr sz="4400">
-                <a:solidFill>
-                  <a:schemeClr val="tx1"/>
-                </a:solidFill>
-                <a:latin typeface="Calibri" pitchFamily="34" charset="0"/>
-              </a:defRPr>
-            </a:lvl9pPr>
-          </a:lstStyle>
-          <a:p>
-            <a:pPr marL="457200" indent="-457200" algn="l">
-              <a:buFont typeface="Arial"/>
-              <a:buChar char="•"/>
-            </a:pPr>
-            <a:r>
-              <a:rPr lang="en-US" sz="2800">
-                <a:latin typeface="+mn-lt"/>
-                <a:ea typeface="+mn-lt"/>
-                <a:cs typeface="+mn-lt"/>
-              </a:rPr>
-              <a:t>ICMP header values for first 5 packets is displayed </a:t>
-            </a:r>
-          </a:p>
-        </p:txBody>
-      </p:sp>
     </p:spTree>
     <p:extLst>
       <p:ext uri="{BB962C8B-B14F-4D97-AF65-F5344CB8AC3E}">
@@ -10591,7 +10074,7 @@
 </p:sld>
 </file>
 
-<file path=ppt/slides/slide26.xml><?xml version="1.0" encoding="utf-8"?>
+<file path=ppt/slides/slide27.xml><?xml version="1.0" encoding="utf-8"?>
 <p:sld xmlns:a="http://schemas.openxmlformats.org/drawingml/2006/main" xmlns:r="http://schemas.openxmlformats.org/officeDocument/2006/relationships" xmlns:p="http://schemas.openxmlformats.org/presentationml/2006/main">
   <p:cSld>
     <p:spTree>
@@ -10765,13 +10248,13 @@
           </a:lstStyle>
           <a:p>
             <a:r>
-              <a:rPr lang="en-US" sz="3200" b="1">
+              <a:rPr lang="en-US" sz="3200" b="1" dirty="0">
                 <a:solidFill>
                   <a:srgbClr val="00B0F0"/>
                 </a:solidFill>
                 <a:cs typeface="Calibri Light"/>
               </a:rPr>
-              <a:t>Write all the data in Excel Format</a:t>
+              <a:t>Write the data in Excel</a:t>
             </a:r>
           </a:p>
         </p:txBody>
@@ -10798,7 +10281,7 @@
         </p:blipFill>
         <p:spPr>
           <a:xfrm>
-            <a:off x="375141" y="3366546"/>
+            <a:off x="533159" y="2281486"/>
             <a:ext cx="7886700" cy="1434628"/>
           </a:xfrm>
           <a:prstGeom prst="rect">
@@ -10806,177 +10289,6 @@
           </a:prstGeom>
         </p:spPr>
       </p:pic>
-      <p:sp>
-        <p:nvSpPr>
-          <p:cNvPr id="5" name="Title 1">
-            <a:extLst>
-              <a:ext uri="{FF2B5EF4-FFF2-40B4-BE49-F238E27FC236}">
-                <a16:creationId xmlns:a16="http://schemas.microsoft.com/office/drawing/2014/main" id="{58270C0C-552F-4387-95F8-56EFB8558322}"/>
-              </a:ext>
-            </a:extLst>
-          </p:cNvPr>
-          <p:cNvSpPr txBox="1">
-            <a:spLocks/>
-          </p:cNvSpPr>
-          <p:nvPr/>
-        </p:nvSpPr>
-        <p:spPr>
-          <a:xfrm>
-            <a:off x="162232" y="1486112"/>
-            <a:ext cx="8229600" cy="942843"/>
-          </a:xfrm>
-          <a:prstGeom prst="rect">
-            <a:avLst/>
-          </a:prstGeom>
-        </p:spPr>
-        <p:txBody>
-          <a:bodyPr lIns="91440" tIns="45720" rIns="91440" bIns="45720" anchor="t"/>
-          <a:lstStyle>
-            <a:lvl1pPr algn="ctr" rtl="0" eaLnBrk="1" fontAlgn="base" hangingPunct="1">
-              <a:spcBef>
-                <a:spcPct val="0"/>
-              </a:spcBef>
-              <a:spcAft>
-                <a:spcPct val="0"/>
-              </a:spcAft>
-              <a:defRPr sz="4400" kern="1200">
-                <a:solidFill>
-                  <a:schemeClr val="tx1"/>
-                </a:solidFill>
-                <a:latin typeface="+mj-lt"/>
-                <a:ea typeface="+mj-ea"/>
-                <a:cs typeface="+mj-cs"/>
-              </a:defRPr>
-            </a:lvl1pPr>
-            <a:lvl2pPr algn="ctr" rtl="0" eaLnBrk="1" fontAlgn="base" hangingPunct="1">
-              <a:spcBef>
-                <a:spcPct val="0"/>
-              </a:spcBef>
-              <a:spcAft>
-                <a:spcPct val="0"/>
-              </a:spcAft>
-              <a:defRPr sz="4400">
-                <a:solidFill>
-                  <a:schemeClr val="tx1"/>
-                </a:solidFill>
-                <a:latin typeface="Calibri" pitchFamily="34" charset="0"/>
-              </a:defRPr>
-            </a:lvl2pPr>
-            <a:lvl3pPr algn="ctr" rtl="0" eaLnBrk="1" fontAlgn="base" hangingPunct="1">
-              <a:spcBef>
-                <a:spcPct val="0"/>
-              </a:spcBef>
-              <a:spcAft>
-                <a:spcPct val="0"/>
-              </a:spcAft>
-              <a:defRPr sz="4400">
-                <a:solidFill>
-                  <a:schemeClr val="tx1"/>
-                </a:solidFill>
-                <a:latin typeface="Calibri" pitchFamily="34" charset="0"/>
-              </a:defRPr>
-            </a:lvl3pPr>
-            <a:lvl4pPr algn="ctr" rtl="0" eaLnBrk="1" fontAlgn="base" hangingPunct="1">
-              <a:spcBef>
-                <a:spcPct val="0"/>
-              </a:spcBef>
-              <a:spcAft>
-                <a:spcPct val="0"/>
-              </a:spcAft>
-              <a:defRPr sz="4400">
-                <a:solidFill>
-                  <a:schemeClr val="tx1"/>
-                </a:solidFill>
-                <a:latin typeface="Calibri" pitchFamily="34" charset="0"/>
-              </a:defRPr>
-            </a:lvl4pPr>
-            <a:lvl5pPr algn="ctr" rtl="0" eaLnBrk="1" fontAlgn="base" hangingPunct="1">
-              <a:spcBef>
-                <a:spcPct val="0"/>
-              </a:spcBef>
-              <a:spcAft>
-                <a:spcPct val="0"/>
-              </a:spcAft>
-              <a:defRPr sz="4400">
-                <a:solidFill>
-                  <a:schemeClr val="tx1"/>
-                </a:solidFill>
-                <a:latin typeface="Calibri" pitchFamily="34" charset="0"/>
-              </a:defRPr>
-            </a:lvl5pPr>
-            <a:lvl6pPr marL="457200" algn="ctr" rtl="0" eaLnBrk="1" fontAlgn="base" hangingPunct="1">
-              <a:spcBef>
-                <a:spcPct val="0"/>
-              </a:spcBef>
-              <a:spcAft>
-                <a:spcPct val="0"/>
-              </a:spcAft>
-              <a:defRPr sz="4400">
-                <a:solidFill>
-                  <a:schemeClr val="tx1"/>
-                </a:solidFill>
-                <a:latin typeface="Calibri" pitchFamily="34" charset="0"/>
-              </a:defRPr>
-            </a:lvl6pPr>
-            <a:lvl7pPr marL="914400" algn="ctr" rtl="0" eaLnBrk="1" fontAlgn="base" hangingPunct="1">
-              <a:spcBef>
-                <a:spcPct val="0"/>
-              </a:spcBef>
-              <a:spcAft>
-                <a:spcPct val="0"/>
-              </a:spcAft>
-              <a:defRPr sz="4400">
-                <a:solidFill>
-                  <a:schemeClr val="tx1"/>
-                </a:solidFill>
-                <a:latin typeface="Calibri" pitchFamily="34" charset="0"/>
-              </a:defRPr>
-            </a:lvl7pPr>
-            <a:lvl8pPr marL="1371600" algn="ctr" rtl="0" eaLnBrk="1" fontAlgn="base" hangingPunct="1">
-              <a:spcBef>
-                <a:spcPct val="0"/>
-              </a:spcBef>
-              <a:spcAft>
-                <a:spcPct val="0"/>
-              </a:spcAft>
-              <a:defRPr sz="4400">
-                <a:solidFill>
-                  <a:schemeClr val="tx1"/>
-                </a:solidFill>
-                <a:latin typeface="Calibri" pitchFamily="34" charset="0"/>
-              </a:defRPr>
-            </a:lvl8pPr>
-            <a:lvl9pPr marL="1828800" algn="ctr" rtl="0" eaLnBrk="1" fontAlgn="base" hangingPunct="1">
-              <a:spcBef>
-                <a:spcPct val="0"/>
-              </a:spcBef>
-              <a:spcAft>
-                <a:spcPct val="0"/>
-              </a:spcAft>
-              <a:defRPr sz="4400">
-                <a:solidFill>
-                  <a:schemeClr val="tx1"/>
-                </a:solidFill>
-                <a:latin typeface="Calibri" pitchFamily="34" charset="0"/>
-              </a:defRPr>
-            </a:lvl9pPr>
-          </a:lstStyle>
-          <a:p>
-            <a:pPr marL="457200" indent="-457200" algn="l">
-              <a:buFont typeface="Arial"/>
-              <a:buChar char="•"/>
-            </a:pPr>
-            <a:r>
-              <a:rPr lang="en-US" sz="2800">
-                <a:latin typeface="+mn-lt"/>
-                <a:ea typeface="+mn-lt"/>
-                <a:cs typeface="+mn-lt"/>
-              </a:rPr>
-              <a:t>All parameters values are stored in a excel file in three different sheets  </a:t>
-            </a:r>
-          </a:p>
-        </p:txBody>
-      </p:sp>
     </p:spTree>
     <p:extLst>
       <p:ext uri="{BB962C8B-B14F-4D97-AF65-F5344CB8AC3E}">
@@ -10990,7 +10302,7 @@
 </p:sld>
 </file>
 
-<file path=ppt/slides/slide27.xml><?xml version="1.0" encoding="utf-8"?>
+<file path=ppt/slides/slide28.xml><?xml version="1.0" encoding="utf-8"?>
 <p:sld xmlns:a="http://schemas.openxmlformats.org/drawingml/2006/main" xmlns:r="http://schemas.openxmlformats.org/officeDocument/2006/relationships" xmlns:p="http://schemas.openxmlformats.org/presentationml/2006/main">
   <p:cSld>
     <p:spTree>
@@ -11356,7 +10668,7 @@
 </p:sld>
 </file>
 
-<file path=ppt/slides/slide28.xml><?xml version="1.0" encoding="utf-8"?>
+<file path=ppt/slides/slide29.xml><?xml version="1.0" encoding="utf-8"?>
 <p:sld xmlns:a="http://schemas.openxmlformats.org/drawingml/2006/main" xmlns:r="http://schemas.openxmlformats.org/officeDocument/2006/relationships" xmlns:p="http://schemas.openxmlformats.org/presentationml/2006/main">
   <p:cSld>
     <p:spTree>
@@ -11770,7 +11082,355 @@
 </p:sld>
 </file>
 
-<file path=ppt/slides/slide29.xml><?xml version="1.0" encoding="utf-8"?>
+<file path=ppt/slides/slide3.xml><?xml version="1.0" encoding="utf-8"?>
+<p:sld xmlns:a="http://schemas.openxmlformats.org/drawingml/2006/main" xmlns:r="http://schemas.openxmlformats.org/officeDocument/2006/relationships" xmlns:p="http://schemas.openxmlformats.org/presentationml/2006/main">
+  <p:cSld>
+    <p:spTree>
+      <p:nvGrpSpPr>
+        <p:cNvPr id="1" name=""/>
+        <p:cNvGrpSpPr/>
+        <p:nvPr/>
+      </p:nvGrpSpPr>
+      <p:grpSpPr>
+        <a:xfrm>
+          <a:off x="0" y="0"/>
+          <a:ext cx="0" cy="0"/>
+          <a:chOff x="0" y="0"/>
+          <a:chExt cx="0" cy="0"/>
+        </a:xfrm>
+      </p:grpSpPr>
+      <p:sp>
+        <p:nvSpPr>
+          <p:cNvPr id="2" name="Title 1"/>
+          <p:cNvSpPr>
+            <a:spLocks noGrp="1"/>
+          </p:cNvSpPr>
+          <p:nvPr>
+            <p:ph type="title"/>
+          </p:nvPr>
+        </p:nvSpPr>
+        <p:spPr/>
+        <p:txBody>
+          <a:bodyPr/>
+          <a:lstStyle/>
+          <a:p>
+            <a:r>
+              <a:rPr lang="en-US">
+                <a:solidFill>
+                  <a:srgbClr val="00B0F0"/>
+                </a:solidFill>
+              </a:rPr>
+              <a:t>Contents</a:t>
+            </a:r>
+          </a:p>
+        </p:txBody>
+      </p:sp>
+      <p:sp>
+        <p:nvSpPr>
+          <p:cNvPr id="4" name="Rectangle 3">
+            <a:extLst>
+              <a:ext uri="{FF2B5EF4-FFF2-40B4-BE49-F238E27FC236}">
+                <a16:creationId xmlns:a16="http://schemas.microsoft.com/office/drawing/2014/main" id="{1B121FD1-1709-4B11-92CA-A6EE2C796E07}"/>
+              </a:ext>
+            </a:extLst>
+          </p:cNvPr>
+          <p:cNvSpPr/>
+          <p:nvPr/>
+        </p:nvSpPr>
+        <p:spPr>
+          <a:xfrm>
+            <a:off x="180654" y="1452414"/>
+            <a:ext cx="7042080" cy="6093976"/>
+          </a:xfrm>
+          <a:prstGeom prst="rect">
+            <a:avLst/>
+          </a:prstGeom>
+        </p:spPr>
+        <p:txBody>
+          <a:bodyPr wrap="square" lIns="91440" tIns="45720" rIns="91440" bIns="45720" anchor="t">
+            <a:spAutoFit/>
+          </a:bodyPr>
+          <a:lstStyle/>
+          <a:p>
+            <a:pPr marL="457200" indent="-457200" algn="just">
+              <a:buAutoNum type="arabicPeriod"/>
+            </a:pPr>
+            <a:r>
+              <a:rPr lang="en-US" sz="2400" b="1" i="1" dirty="0">
+                <a:solidFill>
+                  <a:srgbClr val="C00000"/>
+                </a:solidFill>
+                <a:latin typeface="Calibri"/>
+                <a:cs typeface="Calibri"/>
+              </a:rPr>
+              <a:t>Introduction</a:t>
+            </a:r>
+            <a:endParaRPr lang="en-US"/>
+          </a:p>
+          <a:p>
+            <a:pPr marL="457200" indent="-457200" algn="just">
+              <a:buAutoNum type="arabicPeriod"/>
+            </a:pPr>
+            <a:r>
+              <a:rPr lang="en-US" sz="2400" b="1" i="1" dirty="0">
+                <a:solidFill>
+                  <a:srgbClr val="C00000"/>
+                </a:solidFill>
+              </a:rPr>
+              <a:t>Implementation</a:t>
+            </a:r>
+            <a:endParaRPr lang="en-US" sz="2400" b="1" i="1" dirty="0">
+              <a:solidFill>
+                <a:srgbClr val="C00000"/>
+              </a:solidFill>
+              <a:cs typeface="Calibri" pitchFamily="34" charset="0"/>
+            </a:endParaRPr>
+          </a:p>
+          <a:p>
+            <a:pPr marL="914400" lvl="1" indent="-457200" algn="just">
+              <a:buAutoNum type="romanLcPeriod"/>
+            </a:pPr>
+            <a:r>
+              <a:rPr lang="en-US" sz="2400" b="1" i="1" dirty="0">
+                <a:solidFill>
+                  <a:srgbClr val="C00000"/>
+                </a:solidFill>
+                <a:latin typeface="Calibri"/>
+                <a:cs typeface="Calibri"/>
+              </a:rPr>
+              <a:t>Reading of PCAP File</a:t>
+            </a:r>
+            <a:endParaRPr lang="en-US" sz="2400" dirty="0">
+              <a:solidFill>
+                <a:srgbClr val="000000"/>
+              </a:solidFill>
+              <a:latin typeface="Calibri"/>
+              <a:cs typeface="Calibri"/>
+            </a:endParaRPr>
+          </a:p>
+          <a:p>
+            <a:pPr marL="914400" lvl="1" indent="-457200" algn="just">
+              <a:buAutoNum type="romanLcPeriod"/>
+            </a:pPr>
+            <a:r>
+              <a:rPr lang="en-US" sz="2400" b="1" dirty="0">
+                <a:solidFill>
+                  <a:srgbClr val="C00000"/>
+                </a:solidFill>
+                <a:latin typeface="Calibri"/>
+                <a:cs typeface="Calibri"/>
+              </a:rPr>
+              <a:t>Extracting Layer Specific Fields</a:t>
+            </a:r>
+            <a:endParaRPr lang="en-US" sz="2400" dirty="0">
+              <a:solidFill>
+                <a:srgbClr val="C00000"/>
+              </a:solidFill>
+              <a:latin typeface="Calibri"/>
+              <a:cs typeface="Calibri"/>
+            </a:endParaRPr>
+          </a:p>
+          <a:p>
+            <a:pPr marL="914400" lvl="1" indent="-457200" algn="just">
+              <a:buAutoNum type="romanLcPeriod"/>
+            </a:pPr>
+            <a:r>
+              <a:rPr lang="en-US" sz="2400" b="1" dirty="0">
+                <a:solidFill>
+                  <a:srgbClr val="C00000"/>
+                </a:solidFill>
+                <a:latin typeface="Calibri"/>
+                <a:cs typeface="Calibri"/>
+              </a:rPr>
+              <a:t>Display Header Fields as per User Request</a:t>
+            </a:r>
+            <a:endParaRPr lang="en-US" sz="2400" dirty="0">
+              <a:solidFill>
+                <a:srgbClr val="000000"/>
+              </a:solidFill>
+              <a:latin typeface="Calibri"/>
+              <a:cs typeface="Calibri"/>
+            </a:endParaRPr>
+          </a:p>
+          <a:p>
+            <a:pPr marL="914400" lvl="1" indent="-457200" algn="just">
+              <a:buAutoNum type="romanLcPeriod"/>
+            </a:pPr>
+            <a:r>
+              <a:rPr lang="en-US" sz="2400" b="1" dirty="0">
+                <a:solidFill>
+                  <a:srgbClr val="C00000"/>
+                </a:solidFill>
+                <a:latin typeface="Calibri"/>
+                <a:cs typeface="Calibri"/>
+              </a:rPr>
+              <a:t>Fetching IP, TCP &amp; UDP Fields</a:t>
+            </a:r>
+            <a:endParaRPr lang="en-US" sz="2400" dirty="0">
+              <a:solidFill>
+                <a:srgbClr val="C00000"/>
+              </a:solidFill>
+              <a:latin typeface="Calibri"/>
+              <a:cs typeface="Calibri"/>
+            </a:endParaRPr>
+          </a:p>
+          <a:p>
+            <a:pPr marL="914400" lvl="1" indent="-457200" algn="just">
+              <a:buAutoNum type="romanLcPeriod"/>
+            </a:pPr>
+            <a:r>
+              <a:rPr lang="en-US" sz="2400" b="1" dirty="0">
+                <a:solidFill>
+                  <a:srgbClr val="C00000"/>
+                </a:solidFill>
+                <a:latin typeface="Calibri"/>
+                <a:cs typeface="Calibri"/>
+              </a:rPr>
+              <a:t>Fetching ARP and ICMP Packet Fields</a:t>
+            </a:r>
+            <a:endParaRPr lang="en-US" sz="2400" dirty="0">
+              <a:solidFill>
+                <a:srgbClr val="C00000"/>
+              </a:solidFill>
+              <a:latin typeface="Calibri"/>
+              <a:cs typeface="Calibri"/>
+            </a:endParaRPr>
+          </a:p>
+          <a:p>
+            <a:pPr marL="457200" indent="-457200" algn="just">
+              <a:buAutoNum type="arabicPeriod"/>
+            </a:pPr>
+            <a:r>
+              <a:rPr lang="en-US" sz="2400" b="1" i="1" dirty="0">
+                <a:solidFill>
+                  <a:srgbClr val="C00000"/>
+                </a:solidFill>
+              </a:rPr>
+              <a:t>Result Analysis</a:t>
+            </a:r>
+            <a:endParaRPr lang="en-US" sz="2400" b="1" i="1" dirty="0">
+              <a:solidFill>
+                <a:srgbClr val="C00000"/>
+              </a:solidFill>
+              <a:cs typeface="Calibri" pitchFamily="34" charset="0"/>
+            </a:endParaRPr>
+          </a:p>
+          <a:p>
+            <a:pPr marL="914400" lvl="1" indent="-457200" algn="just">
+              <a:buAutoNum type="romanLcPeriod"/>
+            </a:pPr>
+            <a:r>
+              <a:rPr lang="en-US" sz="2400" b="1" i="1" dirty="0">
+                <a:solidFill>
+                  <a:srgbClr val="C00000"/>
+                </a:solidFill>
+              </a:rPr>
+              <a:t>Visualization and Summarization of Data</a:t>
+            </a:r>
+            <a:endParaRPr lang="en-US" sz="2400" b="1" i="1" dirty="0">
+              <a:solidFill>
+                <a:srgbClr val="C00000"/>
+              </a:solidFill>
+              <a:cs typeface="Calibri" pitchFamily="34" charset="0"/>
+            </a:endParaRPr>
+          </a:p>
+          <a:p>
+            <a:pPr marL="457200" indent="-457200" algn="just">
+              <a:buAutoNum type="arabicPeriod"/>
+            </a:pPr>
+            <a:r>
+              <a:rPr lang="en-US" sz="2400" b="1" i="1" dirty="0">
+                <a:solidFill>
+                  <a:srgbClr val="C00000"/>
+                </a:solidFill>
+              </a:rPr>
+              <a:t>Conclusion</a:t>
+            </a:r>
+            <a:endParaRPr lang="en-US" sz="2400" b="1" i="1" dirty="0">
+              <a:solidFill>
+                <a:srgbClr val="C00000"/>
+              </a:solidFill>
+              <a:cs typeface="Calibri" pitchFamily="34" charset="0"/>
+            </a:endParaRPr>
+          </a:p>
+          <a:p>
+            <a:pPr marL="457200" indent="-457200" algn="just">
+              <a:buAutoNum type="arabicPeriod"/>
+            </a:pPr>
+            <a:r>
+              <a:rPr lang="en-US" sz="2400" b="1" i="1" dirty="0">
+                <a:solidFill>
+                  <a:srgbClr val="C00000"/>
+                </a:solidFill>
+              </a:rPr>
+              <a:t>References</a:t>
+            </a:r>
+            <a:endParaRPr lang="en-US" sz="2400" b="1" i="1" dirty="0">
+              <a:solidFill>
+                <a:srgbClr val="C00000"/>
+              </a:solidFill>
+              <a:cs typeface="Calibri" pitchFamily="34" charset="0"/>
+            </a:endParaRPr>
+          </a:p>
+          <a:p>
+            <a:pPr algn="just"/>
+            <a:endParaRPr lang="en-US" b="1"/>
+          </a:p>
+          <a:p>
+            <a:pPr algn="just"/>
+            <a:endParaRPr lang="en-US" b="1"/>
+          </a:p>
+          <a:p>
+            <a:pPr algn="just"/>
+            <a:endParaRPr lang="en-US" b="1"/>
+          </a:p>
+          <a:p>
+            <a:pPr algn="just"/>
+            <a:endParaRPr lang="en-US" b="1"/>
+          </a:p>
+          <a:p>
+            <a:pPr algn="just"/>
+            <a:r>
+              <a:rPr lang="en-US" b="1" dirty="0">
+                <a:latin typeface="Calibri"/>
+                <a:cs typeface="Calibri"/>
+              </a:rPr>
+              <a:t>  </a:t>
+            </a:r>
+          </a:p>
+          <a:p>
+            <a:pPr algn="just"/>
+            <a:r>
+              <a:rPr lang="en-US" b="1" dirty="0">
+                <a:latin typeface="Calibri"/>
+                <a:cs typeface="Calibri"/>
+              </a:rPr>
+              <a:t>  </a:t>
+            </a:r>
+            <a:endParaRPr lang="en-US" b="1" dirty="0">
+              <a:cs typeface="Calibri"/>
+            </a:endParaRPr>
+          </a:p>
+          <a:p>
+            <a:pPr algn="just"/>
+            <a:endParaRPr lang="en-US"/>
+          </a:p>
+        </p:txBody>
+      </p:sp>
+    </p:spTree>
+    <p:extLst>
+      <p:ext uri="{BB962C8B-B14F-4D97-AF65-F5344CB8AC3E}">
+        <p14:creationId xmlns:p14="http://schemas.microsoft.com/office/powerpoint/2010/main" val="278976711"/>
+      </p:ext>
+    </p:extLst>
+  </p:cSld>
+  <p:clrMapOvr>
+    <a:masterClrMapping/>
+  </p:clrMapOvr>
+</p:sld>
+</file>
+
+<file path=ppt/slides/slide30.xml><?xml version="1.0" encoding="utf-8"?>
 <p:sld xmlns:a="http://schemas.openxmlformats.org/drawingml/2006/main" xmlns:r="http://schemas.openxmlformats.org/officeDocument/2006/relationships" xmlns:p="http://schemas.openxmlformats.org/presentationml/2006/main">
   <p:cSld>
     <p:spTree>
@@ -12187,355 +11847,7 @@
 </p:sld>
 </file>
 
-<file path=ppt/slides/slide3.xml><?xml version="1.0" encoding="utf-8"?>
-<p:sld xmlns:a="http://schemas.openxmlformats.org/drawingml/2006/main" xmlns:r="http://schemas.openxmlformats.org/officeDocument/2006/relationships" xmlns:p="http://schemas.openxmlformats.org/presentationml/2006/main">
-  <p:cSld>
-    <p:spTree>
-      <p:nvGrpSpPr>
-        <p:cNvPr id="1" name=""/>
-        <p:cNvGrpSpPr/>
-        <p:nvPr/>
-      </p:nvGrpSpPr>
-      <p:grpSpPr>
-        <a:xfrm>
-          <a:off x="0" y="0"/>
-          <a:ext cx="0" cy="0"/>
-          <a:chOff x="0" y="0"/>
-          <a:chExt cx="0" cy="0"/>
-        </a:xfrm>
-      </p:grpSpPr>
-      <p:sp>
-        <p:nvSpPr>
-          <p:cNvPr id="2" name="Title 1"/>
-          <p:cNvSpPr>
-            <a:spLocks noGrp="1"/>
-          </p:cNvSpPr>
-          <p:nvPr>
-            <p:ph type="title"/>
-          </p:nvPr>
-        </p:nvSpPr>
-        <p:spPr/>
-        <p:txBody>
-          <a:bodyPr/>
-          <a:lstStyle/>
-          <a:p>
-            <a:r>
-              <a:rPr lang="en-US">
-                <a:solidFill>
-                  <a:srgbClr val="00B0F0"/>
-                </a:solidFill>
-              </a:rPr>
-              <a:t>Contents</a:t>
-            </a:r>
-          </a:p>
-        </p:txBody>
-      </p:sp>
-      <p:sp>
-        <p:nvSpPr>
-          <p:cNvPr id="4" name="Rectangle 3">
-            <a:extLst>
-              <a:ext uri="{FF2B5EF4-FFF2-40B4-BE49-F238E27FC236}">
-                <a16:creationId xmlns:a16="http://schemas.microsoft.com/office/drawing/2014/main" id="{1B121FD1-1709-4B11-92CA-A6EE2C796E07}"/>
-              </a:ext>
-            </a:extLst>
-          </p:cNvPr>
-          <p:cNvSpPr/>
-          <p:nvPr/>
-        </p:nvSpPr>
-        <p:spPr>
-          <a:xfrm>
-            <a:off x="180654" y="1452414"/>
-            <a:ext cx="7042080" cy="6093976"/>
-          </a:xfrm>
-          <a:prstGeom prst="rect">
-            <a:avLst/>
-          </a:prstGeom>
-        </p:spPr>
-        <p:txBody>
-          <a:bodyPr wrap="square" lIns="91440" tIns="45720" rIns="91440" bIns="45720" anchor="t">
-            <a:spAutoFit/>
-          </a:bodyPr>
-          <a:lstStyle/>
-          <a:p>
-            <a:pPr marL="457200" indent="-457200" algn="just">
-              <a:buAutoNum type="arabicPeriod"/>
-            </a:pPr>
-            <a:r>
-              <a:rPr lang="en-US" sz="2400" b="1" i="1">
-                <a:solidFill>
-                  <a:srgbClr val="C00000"/>
-                </a:solidFill>
-                <a:latin typeface="Calibri"/>
-                <a:cs typeface="Calibri"/>
-              </a:rPr>
-              <a:t>Introduction</a:t>
-            </a:r>
-            <a:endParaRPr lang="en-US"/>
-          </a:p>
-          <a:p>
-            <a:pPr marL="457200" indent="-457200" algn="just">
-              <a:buAutoNum type="arabicPeriod"/>
-            </a:pPr>
-            <a:r>
-              <a:rPr lang="en-US" sz="2400" b="1" i="1">
-                <a:solidFill>
-                  <a:srgbClr val="C00000"/>
-                </a:solidFill>
-              </a:rPr>
-              <a:t>Implementation</a:t>
-            </a:r>
-            <a:endParaRPr lang="en-US" sz="2400" b="1" i="1">
-              <a:solidFill>
-                <a:srgbClr val="C00000"/>
-              </a:solidFill>
-              <a:cs typeface="Calibri" pitchFamily="34" charset="0"/>
-            </a:endParaRPr>
-          </a:p>
-          <a:p>
-            <a:pPr marL="914400" lvl="1" indent="-457200" algn="just">
-              <a:buAutoNum type="romanLcPeriod"/>
-            </a:pPr>
-            <a:r>
-              <a:rPr lang="en-US" sz="2400" b="1" i="1">
-                <a:solidFill>
-                  <a:srgbClr val="C00000"/>
-                </a:solidFill>
-                <a:latin typeface="Calibri"/>
-                <a:cs typeface="Calibri"/>
-              </a:rPr>
-              <a:t>Reading of PCAP File</a:t>
-            </a:r>
-            <a:endParaRPr lang="en-US" sz="2400">
-              <a:solidFill>
-                <a:srgbClr val="000000"/>
-              </a:solidFill>
-              <a:latin typeface="Calibri"/>
-              <a:cs typeface="Calibri"/>
-            </a:endParaRPr>
-          </a:p>
-          <a:p>
-            <a:pPr marL="914400" lvl="1" indent="-457200" algn="just">
-              <a:buAutoNum type="romanLcPeriod"/>
-            </a:pPr>
-            <a:r>
-              <a:rPr lang="en-US" sz="2400" b="1">
-                <a:solidFill>
-                  <a:srgbClr val="C00000"/>
-                </a:solidFill>
-                <a:latin typeface="Calibri"/>
-                <a:cs typeface="Calibri"/>
-              </a:rPr>
-              <a:t>Extracting Layer Specific Fields</a:t>
-            </a:r>
-            <a:endParaRPr lang="en-US" sz="2400">
-              <a:solidFill>
-                <a:srgbClr val="C00000"/>
-              </a:solidFill>
-              <a:latin typeface="Calibri"/>
-              <a:cs typeface="Calibri"/>
-            </a:endParaRPr>
-          </a:p>
-          <a:p>
-            <a:pPr marL="914400" lvl="1" indent="-457200" algn="just">
-              <a:buAutoNum type="romanLcPeriod"/>
-            </a:pPr>
-            <a:r>
-              <a:rPr lang="en-US" sz="2400" b="1">
-                <a:solidFill>
-                  <a:srgbClr val="C00000"/>
-                </a:solidFill>
-                <a:latin typeface="Calibri"/>
-                <a:cs typeface="Calibri"/>
-              </a:rPr>
-              <a:t>Display Header Fields as per User Request</a:t>
-            </a:r>
-            <a:endParaRPr lang="en-US" sz="2400">
-              <a:solidFill>
-                <a:srgbClr val="000000"/>
-              </a:solidFill>
-              <a:latin typeface="Calibri"/>
-              <a:cs typeface="Calibri"/>
-            </a:endParaRPr>
-          </a:p>
-          <a:p>
-            <a:pPr marL="914400" lvl="1" indent="-457200" algn="just">
-              <a:buAutoNum type="romanLcPeriod"/>
-            </a:pPr>
-            <a:r>
-              <a:rPr lang="en-US" sz="2400" b="1">
-                <a:solidFill>
-                  <a:srgbClr val="C00000"/>
-                </a:solidFill>
-                <a:latin typeface="Calibri"/>
-                <a:cs typeface="Calibri"/>
-              </a:rPr>
-              <a:t>Fetching IP, TCP &amp; UDP Fields</a:t>
-            </a:r>
-            <a:endParaRPr lang="en-US" sz="2400">
-              <a:solidFill>
-                <a:srgbClr val="C00000"/>
-              </a:solidFill>
-              <a:latin typeface="Calibri"/>
-              <a:cs typeface="Calibri"/>
-            </a:endParaRPr>
-          </a:p>
-          <a:p>
-            <a:pPr marL="914400" lvl="1" indent="-457200" algn="just">
-              <a:buAutoNum type="romanLcPeriod"/>
-            </a:pPr>
-            <a:r>
-              <a:rPr lang="en-US" sz="2400" b="1">
-                <a:solidFill>
-                  <a:srgbClr val="C00000"/>
-                </a:solidFill>
-                <a:latin typeface="Calibri"/>
-                <a:cs typeface="Calibri"/>
-              </a:rPr>
-              <a:t>Fetching ARP and ICMP Packet Fields</a:t>
-            </a:r>
-            <a:endParaRPr lang="en-US" sz="2400">
-              <a:solidFill>
-                <a:srgbClr val="C00000"/>
-              </a:solidFill>
-              <a:latin typeface="Calibri"/>
-              <a:cs typeface="Calibri"/>
-            </a:endParaRPr>
-          </a:p>
-          <a:p>
-            <a:pPr marL="457200" indent="-457200" algn="just">
-              <a:buAutoNum type="arabicPeriod"/>
-            </a:pPr>
-            <a:r>
-              <a:rPr lang="en-US" sz="2400" b="1" i="1">
-                <a:solidFill>
-                  <a:srgbClr val="C00000"/>
-                </a:solidFill>
-              </a:rPr>
-              <a:t>Result Analysis</a:t>
-            </a:r>
-            <a:endParaRPr lang="en-US" sz="2400" b="1" i="1">
-              <a:solidFill>
-                <a:srgbClr val="C00000"/>
-              </a:solidFill>
-              <a:cs typeface="Calibri" pitchFamily="34" charset="0"/>
-            </a:endParaRPr>
-          </a:p>
-          <a:p>
-            <a:pPr marL="914400" lvl="1" indent="-457200" algn="just">
-              <a:buAutoNum type="romanLcPeriod"/>
-            </a:pPr>
-            <a:r>
-              <a:rPr lang="en-US" sz="2400" b="1" i="1">
-                <a:solidFill>
-                  <a:srgbClr val="C00000"/>
-                </a:solidFill>
-              </a:rPr>
-              <a:t>Visualization and Summarization of Data</a:t>
-            </a:r>
-            <a:endParaRPr lang="en-US" sz="2400" b="1" i="1">
-              <a:solidFill>
-                <a:srgbClr val="C00000"/>
-              </a:solidFill>
-              <a:cs typeface="Calibri" pitchFamily="34" charset="0"/>
-            </a:endParaRPr>
-          </a:p>
-          <a:p>
-            <a:pPr marL="457200" indent="-457200" algn="just">
-              <a:buAutoNum type="arabicPeriod"/>
-            </a:pPr>
-            <a:r>
-              <a:rPr lang="en-US" sz="2400" b="1" i="1">
-                <a:solidFill>
-                  <a:srgbClr val="C00000"/>
-                </a:solidFill>
-              </a:rPr>
-              <a:t>Conclusion</a:t>
-            </a:r>
-            <a:endParaRPr lang="en-US" sz="2400" b="1" i="1">
-              <a:solidFill>
-                <a:srgbClr val="C00000"/>
-              </a:solidFill>
-              <a:cs typeface="Calibri" pitchFamily="34" charset="0"/>
-            </a:endParaRPr>
-          </a:p>
-          <a:p>
-            <a:pPr marL="457200" indent="-457200" algn="just">
-              <a:buAutoNum type="arabicPeriod"/>
-            </a:pPr>
-            <a:r>
-              <a:rPr lang="en-US" sz="2400" b="1" i="1">
-                <a:solidFill>
-                  <a:srgbClr val="C00000"/>
-                </a:solidFill>
-              </a:rPr>
-              <a:t>References</a:t>
-            </a:r>
-            <a:endParaRPr lang="en-US" sz="2400" b="1" i="1">
-              <a:solidFill>
-                <a:srgbClr val="C00000"/>
-              </a:solidFill>
-              <a:cs typeface="Calibri" pitchFamily="34" charset="0"/>
-            </a:endParaRPr>
-          </a:p>
-          <a:p>
-            <a:pPr algn="just"/>
-            <a:endParaRPr lang="en-US" b="1"/>
-          </a:p>
-          <a:p>
-            <a:pPr algn="just"/>
-            <a:endParaRPr lang="en-US" b="1"/>
-          </a:p>
-          <a:p>
-            <a:pPr algn="just"/>
-            <a:endParaRPr lang="en-US" b="1"/>
-          </a:p>
-          <a:p>
-            <a:pPr algn="just"/>
-            <a:endParaRPr lang="en-US" b="1"/>
-          </a:p>
-          <a:p>
-            <a:pPr algn="just"/>
-            <a:r>
-              <a:rPr lang="en-US" b="1">
-                <a:latin typeface="Calibri"/>
-                <a:cs typeface="Calibri"/>
-              </a:rPr>
-              <a:t>  </a:t>
-            </a:r>
-          </a:p>
-          <a:p>
-            <a:pPr algn="just"/>
-            <a:r>
-              <a:rPr lang="en-US" b="1">
-                <a:latin typeface="Calibri"/>
-                <a:cs typeface="Calibri"/>
-              </a:rPr>
-              <a:t>  </a:t>
-            </a:r>
-            <a:endParaRPr lang="en-US" b="1">
-              <a:cs typeface="Calibri"/>
-            </a:endParaRPr>
-          </a:p>
-          <a:p>
-            <a:pPr algn="just"/>
-            <a:endParaRPr lang="en-US"/>
-          </a:p>
-        </p:txBody>
-      </p:sp>
-    </p:spTree>
-    <p:extLst>
-      <p:ext uri="{BB962C8B-B14F-4D97-AF65-F5344CB8AC3E}">
-        <p14:creationId xmlns:p14="http://schemas.microsoft.com/office/powerpoint/2010/main" val="278976711"/>
-      </p:ext>
-    </p:extLst>
-  </p:cSld>
-  <p:clrMapOvr>
-    <a:masterClrMapping/>
-  </p:clrMapOvr>
-</p:sld>
-</file>
-
-<file path=ppt/slides/slide30.xml><?xml version="1.0" encoding="utf-8"?>
+<file path=ppt/slides/slide31.xml><?xml version="1.0" encoding="utf-8"?>
 <p:sld xmlns:a="http://schemas.openxmlformats.org/drawingml/2006/main" xmlns:r="http://schemas.openxmlformats.org/officeDocument/2006/relationships" xmlns:p="http://schemas.openxmlformats.org/presentationml/2006/main">
   <p:cSld>
     <p:spTree>
@@ -12956,7 +12268,7 @@
 </p:sld>
 </file>
 
-<file path=ppt/slides/slide31.xml><?xml version="1.0" encoding="utf-8"?>
+<file path=ppt/slides/slide32.xml><?xml version="1.0" encoding="utf-8"?>
 <p:sld xmlns:a="http://schemas.openxmlformats.org/drawingml/2006/main" xmlns:r="http://schemas.openxmlformats.org/officeDocument/2006/relationships" xmlns:p="http://schemas.openxmlformats.org/presentationml/2006/main">
   <p:cSld>
     <p:spTree>
@@ -13165,7 +12477,7 @@
           </a:prstGeom>
         </p:spPr>
         <p:txBody>
-          <a:bodyPr lIns="91440" tIns="45720" rIns="91440" bIns="45720" anchor="t"/>
+          <a:bodyPr/>
           <a:lstStyle>
             <a:lvl1pPr marL="342900" indent="-342900" algn="l" rtl="0" eaLnBrk="1" fontAlgn="base" hangingPunct="1">
               <a:spcBef>
@@ -13324,7 +12636,7 @@
                 <a:ea typeface="+mn-lt"/>
                 <a:cs typeface="+mn-lt"/>
               </a:rPr>
-              <a:t>The pie chat shows that all our packets are using IP protocol with header length 5.</a:t>
+              <a:t>The pier char shows that all our packets are using IP protocol with header length 5.</a:t>
             </a:r>
           </a:p>
           <a:p>
@@ -13377,7 +12689,7 @@
 </p:sld>
 </file>
 
-<file path=ppt/slides/slide32.xml><?xml version="1.0" encoding="utf-8"?>
+<file path=ppt/slides/slide33.xml><?xml version="1.0" encoding="utf-8"?>
 <p:sld xmlns:a="http://schemas.openxmlformats.org/drawingml/2006/main" xmlns:r="http://schemas.openxmlformats.org/officeDocument/2006/relationships" xmlns:p="http://schemas.openxmlformats.org/presentationml/2006/main">
   <p:cSld>
     <p:spTree>
@@ -13798,7 +13110,7 @@
 </p:sld>
 </file>
 
-<file path=ppt/slides/slide33.xml><?xml version="1.0" encoding="utf-8"?>
+<file path=ppt/slides/slide34.xml><?xml version="1.0" encoding="utf-8"?>
 <p:sld xmlns:a="http://schemas.openxmlformats.org/drawingml/2006/main" xmlns:r="http://schemas.openxmlformats.org/officeDocument/2006/relationships" xmlns:p="http://schemas.openxmlformats.org/presentationml/2006/main">
   <p:cSld>
     <p:spTree>
@@ -14224,7 +13536,7 @@
 </p:sld>
 </file>
 
-<file path=ppt/slides/slide34.xml><?xml version="1.0" encoding="utf-8"?>
+<file path=ppt/slides/slide35.xml><?xml version="1.0" encoding="utf-8"?>
 <p:sld xmlns:a="http://schemas.openxmlformats.org/drawingml/2006/main" xmlns:r="http://schemas.openxmlformats.org/officeDocument/2006/relationships" xmlns:p="http://schemas.openxmlformats.org/presentationml/2006/main">
   <p:cSld>
     <p:spTree>
@@ -14650,7 +13962,7 @@
 </p:sld>
 </file>
 
-<file path=ppt/slides/slide35.xml><?xml version="1.0" encoding="utf-8"?>
+<file path=ppt/slides/slide36.xml><?xml version="1.0" encoding="utf-8"?>
 <p:sld xmlns:a="http://schemas.openxmlformats.org/drawingml/2006/main" xmlns:r="http://schemas.openxmlformats.org/officeDocument/2006/relationships" xmlns:p="http://schemas.openxmlformats.org/presentationml/2006/main">
   <p:cSld>
     <p:spTree>
@@ -14859,7 +14171,7 @@
           </a:prstGeom>
         </p:spPr>
         <p:txBody>
-          <a:bodyPr lIns="91440" tIns="45720" rIns="91440" bIns="45720" anchor="t"/>
+          <a:bodyPr/>
           <a:lstStyle>
             <a:lvl1pPr marL="342900" indent="-342900" algn="l" rtl="0" eaLnBrk="1" fontAlgn="base" hangingPunct="1">
               <a:spcBef>
@@ -15014,15 +14326,15 @@
           </a:lstStyle>
           <a:p>
             <a:r>
-              <a:rPr lang="en-US" sz="2800" dirty="0">
+              <a:rPr lang="en-US" sz="2800">
                 <a:ea typeface="+mn-lt"/>
                 <a:cs typeface="+mn-lt"/>
               </a:rPr>
-              <a:t>This graph depicts the number of requests coming from a ethernet  address (01:00:5e:7f:ff:fa)</a:t>
-            </a:r>
-          </a:p>
-          <a:p>
-            <a:endParaRPr lang="en-US" dirty="0"/>
+              <a:t>This graph depicts the number of requests coming from a particular IP address.</a:t>
+            </a:r>
+          </a:p>
+          <a:p>
+            <a:endParaRPr lang="en-US"/>
           </a:p>
         </p:txBody>
       </p:sp>
@@ -15046,7 +14358,7 @@
         </p:blipFill>
         <p:spPr>
           <a:xfrm>
-            <a:off x="5085874" y="2329643"/>
+            <a:off x="4572001" y="2676883"/>
             <a:ext cx="3600926" cy="2362676"/>
           </a:xfrm>
           <a:prstGeom prst="rect">
@@ -15058,406 +14370,6 @@
     <p:extLst>
       <p:ext uri="{BB962C8B-B14F-4D97-AF65-F5344CB8AC3E}">
         <p14:creationId xmlns:p14="http://schemas.microsoft.com/office/powerpoint/2010/main" val="2608311840"/>
-      </p:ext>
-    </p:extLst>
-  </p:cSld>
-  <p:clrMapOvr>
-    <a:masterClrMapping/>
-  </p:clrMapOvr>
-</p:sld>
-</file>
-
-<file path=ppt/slides/slide36.xml><?xml version="1.0" encoding="utf-8"?>
-<p:sld xmlns:a="http://schemas.openxmlformats.org/drawingml/2006/main" xmlns:r="http://schemas.openxmlformats.org/officeDocument/2006/relationships" xmlns:p="http://schemas.openxmlformats.org/presentationml/2006/main">
-  <p:cSld>
-    <p:spTree>
-      <p:nvGrpSpPr>
-        <p:cNvPr id="1" name=""/>
-        <p:cNvGrpSpPr/>
-        <p:nvPr/>
-      </p:nvGrpSpPr>
-      <p:grpSpPr>
-        <a:xfrm>
-          <a:off x="0" y="0"/>
-          <a:ext cx="0" cy="0"/>
-          <a:chOff x="0" y="0"/>
-          <a:chExt cx="0" cy="0"/>
-        </a:xfrm>
-      </p:grpSpPr>
-      <p:sp>
-        <p:nvSpPr>
-          <p:cNvPr id="2" name="Title 1">
-            <a:extLst>
-              <a:ext uri="{FF2B5EF4-FFF2-40B4-BE49-F238E27FC236}">
-                <a16:creationId xmlns:a16="http://schemas.microsoft.com/office/drawing/2014/main" id="{D72166E7-0294-4246-9DA3-A18A9FDE01F8}"/>
-              </a:ext>
-            </a:extLst>
-          </p:cNvPr>
-          <p:cNvSpPr txBox="1">
-            <a:spLocks/>
-          </p:cNvSpPr>
-          <p:nvPr/>
-        </p:nvSpPr>
-        <p:spPr>
-          <a:xfrm>
-            <a:off x="457200" y="274638"/>
-            <a:ext cx="8229600" cy="1143000"/>
-          </a:xfrm>
-          <a:prstGeom prst="rect">
-            <a:avLst/>
-          </a:prstGeom>
-        </p:spPr>
-        <p:txBody>
-          <a:bodyPr/>
-          <a:lstStyle>
-            <a:lvl1pPr algn="ctr" rtl="0" eaLnBrk="1" fontAlgn="base" hangingPunct="1">
-              <a:spcBef>
-                <a:spcPct val="0"/>
-              </a:spcBef>
-              <a:spcAft>
-                <a:spcPct val="0"/>
-              </a:spcAft>
-              <a:defRPr sz="4400" kern="1200">
-                <a:solidFill>
-                  <a:schemeClr val="tx1"/>
-                </a:solidFill>
-                <a:latin typeface="+mj-lt"/>
-                <a:ea typeface="+mj-ea"/>
-                <a:cs typeface="+mj-cs"/>
-              </a:defRPr>
-            </a:lvl1pPr>
-            <a:lvl2pPr algn="ctr" rtl="0" eaLnBrk="1" fontAlgn="base" hangingPunct="1">
-              <a:spcBef>
-                <a:spcPct val="0"/>
-              </a:spcBef>
-              <a:spcAft>
-                <a:spcPct val="0"/>
-              </a:spcAft>
-              <a:defRPr sz="4400">
-                <a:solidFill>
-                  <a:schemeClr val="tx1"/>
-                </a:solidFill>
-                <a:latin typeface="Calibri" pitchFamily="34" charset="0"/>
-              </a:defRPr>
-            </a:lvl2pPr>
-            <a:lvl3pPr algn="ctr" rtl="0" eaLnBrk="1" fontAlgn="base" hangingPunct="1">
-              <a:spcBef>
-                <a:spcPct val="0"/>
-              </a:spcBef>
-              <a:spcAft>
-                <a:spcPct val="0"/>
-              </a:spcAft>
-              <a:defRPr sz="4400">
-                <a:solidFill>
-                  <a:schemeClr val="tx1"/>
-                </a:solidFill>
-                <a:latin typeface="Calibri" pitchFamily="34" charset="0"/>
-              </a:defRPr>
-            </a:lvl3pPr>
-            <a:lvl4pPr algn="ctr" rtl="0" eaLnBrk="1" fontAlgn="base" hangingPunct="1">
-              <a:spcBef>
-                <a:spcPct val="0"/>
-              </a:spcBef>
-              <a:spcAft>
-                <a:spcPct val="0"/>
-              </a:spcAft>
-              <a:defRPr sz="4400">
-                <a:solidFill>
-                  <a:schemeClr val="tx1"/>
-                </a:solidFill>
-                <a:latin typeface="Calibri" pitchFamily="34" charset="0"/>
-              </a:defRPr>
-            </a:lvl4pPr>
-            <a:lvl5pPr algn="ctr" rtl="0" eaLnBrk="1" fontAlgn="base" hangingPunct="1">
-              <a:spcBef>
-                <a:spcPct val="0"/>
-              </a:spcBef>
-              <a:spcAft>
-                <a:spcPct val="0"/>
-              </a:spcAft>
-              <a:defRPr sz="4400">
-                <a:solidFill>
-                  <a:schemeClr val="tx1"/>
-                </a:solidFill>
-                <a:latin typeface="Calibri" pitchFamily="34" charset="0"/>
-              </a:defRPr>
-            </a:lvl5pPr>
-            <a:lvl6pPr marL="457200" algn="ctr" rtl="0" eaLnBrk="1" fontAlgn="base" hangingPunct="1">
-              <a:spcBef>
-                <a:spcPct val="0"/>
-              </a:spcBef>
-              <a:spcAft>
-                <a:spcPct val="0"/>
-              </a:spcAft>
-              <a:defRPr sz="4400">
-                <a:solidFill>
-                  <a:schemeClr val="tx1"/>
-                </a:solidFill>
-                <a:latin typeface="Calibri" pitchFamily="34" charset="0"/>
-              </a:defRPr>
-            </a:lvl6pPr>
-            <a:lvl7pPr marL="914400" algn="ctr" rtl="0" eaLnBrk="1" fontAlgn="base" hangingPunct="1">
-              <a:spcBef>
-                <a:spcPct val="0"/>
-              </a:spcBef>
-              <a:spcAft>
-                <a:spcPct val="0"/>
-              </a:spcAft>
-              <a:defRPr sz="4400">
-                <a:solidFill>
-                  <a:schemeClr val="tx1"/>
-                </a:solidFill>
-                <a:latin typeface="Calibri" pitchFamily="34" charset="0"/>
-              </a:defRPr>
-            </a:lvl7pPr>
-            <a:lvl8pPr marL="1371600" algn="ctr" rtl="0" eaLnBrk="1" fontAlgn="base" hangingPunct="1">
-              <a:spcBef>
-                <a:spcPct val="0"/>
-              </a:spcBef>
-              <a:spcAft>
-                <a:spcPct val="0"/>
-              </a:spcAft>
-              <a:defRPr sz="4400">
-                <a:solidFill>
-                  <a:schemeClr val="tx1"/>
-                </a:solidFill>
-                <a:latin typeface="Calibri" pitchFamily="34" charset="0"/>
-              </a:defRPr>
-            </a:lvl8pPr>
-            <a:lvl9pPr marL="1828800" algn="ctr" rtl="0" eaLnBrk="1" fontAlgn="base" hangingPunct="1">
-              <a:spcBef>
-                <a:spcPct val="0"/>
-              </a:spcBef>
-              <a:spcAft>
-                <a:spcPct val="0"/>
-              </a:spcAft>
-              <a:defRPr sz="4400">
-                <a:solidFill>
-                  <a:schemeClr val="tx1"/>
-                </a:solidFill>
-                <a:latin typeface="Calibri" pitchFamily="34" charset="0"/>
-              </a:defRPr>
-            </a:lvl9pPr>
-          </a:lstStyle>
-          <a:p>
-            <a:r>
-              <a:rPr lang="en-US" sz="3200" b="1">
-                <a:solidFill>
-                  <a:srgbClr val="00B0F0"/>
-                </a:solidFill>
-                <a:cs typeface="Calibri Light"/>
-              </a:rPr>
-              <a:t>Socket Connections Of Network</a:t>
-            </a:r>
-          </a:p>
-        </p:txBody>
-      </p:sp>
-      <p:sp>
-        <p:nvSpPr>
-          <p:cNvPr id="3" name="Content Placeholder 2">
-            <a:extLst>
-              <a:ext uri="{FF2B5EF4-FFF2-40B4-BE49-F238E27FC236}">
-                <a16:creationId xmlns:a16="http://schemas.microsoft.com/office/drawing/2014/main" id="{0E5A4F42-5872-AC46-B1EA-56387C2EDB5A}"/>
-              </a:ext>
-            </a:extLst>
-          </p:cNvPr>
-          <p:cNvSpPr txBox="1">
-            <a:spLocks/>
-          </p:cNvSpPr>
-          <p:nvPr/>
-        </p:nvSpPr>
-        <p:spPr>
-          <a:xfrm>
-            <a:off x="523305" y="1173013"/>
-            <a:ext cx="8238231" cy="1809735"/>
-          </a:xfrm>
-          <a:prstGeom prst="rect">
-            <a:avLst/>
-          </a:prstGeom>
-        </p:spPr>
-        <p:txBody>
-          <a:bodyPr lIns="91440" tIns="45720" rIns="91440" bIns="45720" anchor="t">
-            <a:normAutofit/>
-          </a:bodyPr>
-          <a:lstStyle>
-            <a:lvl1pPr marL="342900" indent="-342900" algn="l" rtl="0" eaLnBrk="1" fontAlgn="base" hangingPunct="1">
-              <a:spcBef>
-                <a:spcPct val="20000"/>
-              </a:spcBef>
-              <a:spcAft>
-                <a:spcPct val="0"/>
-              </a:spcAft>
-              <a:buFont typeface="Arial" charset="0"/>
-              <a:buChar char="•"/>
-              <a:defRPr sz="3200" kern="1200">
-                <a:solidFill>
-                  <a:schemeClr val="tx1"/>
-                </a:solidFill>
-                <a:latin typeface="+mn-lt"/>
-                <a:ea typeface="+mn-ea"/>
-                <a:cs typeface="+mn-cs"/>
-              </a:defRPr>
-            </a:lvl1pPr>
-            <a:lvl2pPr marL="742950" indent="-285750" algn="l" rtl="0" eaLnBrk="1" fontAlgn="base" hangingPunct="1">
-              <a:spcBef>
-                <a:spcPct val="20000"/>
-              </a:spcBef>
-              <a:spcAft>
-                <a:spcPct val="0"/>
-              </a:spcAft>
-              <a:buFont typeface="Arial" charset="0"/>
-              <a:buChar char="–"/>
-              <a:defRPr sz="2800" kern="1200">
-                <a:solidFill>
-                  <a:schemeClr val="tx1"/>
-                </a:solidFill>
-                <a:latin typeface="+mn-lt"/>
-                <a:ea typeface="+mn-ea"/>
-                <a:cs typeface="+mn-cs"/>
-              </a:defRPr>
-            </a:lvl2pPr>
-            <a:lvl3pPr marL="1143000" indent="-228600" algn="l" rtl="0" eaLnBrk="1" fontAlgn="base" hangingPunct="1">
-              <a:spcBef>
-                <a:spcPct val="20000"/>
-              </a:spcBef>
-              <a:spcAft>
-                <a:spcPct val="0"/>
-              </a:spcAft>
-              <a:buFont typeface="Arial" charset="0"/>
-              <a:buChar char="•"/>
-              <a:defRPr sz="2400" kern="1200">
-                <a:solidFill>
-                  <a:schemeClr val="tx1"/>
-                </a:solidFill>
-                <a:latin typeface="+mn-lt"/>
-                <a:ea typeface="+mn-ea"/>
-                <a:cs typeface="+mn-cs"/>
-              </a:defRPr>
-            </a:lvl3pPr>
-            <a:lvl4pPr marL="1600200" indent="-228600" algn="l" rtl="0" eaLnBrk="1" fontAlgn="base" hangingPunct="1">
-              <a:spcBef>
-                <a:spcPct val="20000"/>
-              </a:spcBef>
-              <a:spcAft>
-                <a:spcPct val="0"/>
-              </a:spcAft>
-              <a:buFont typeface="Arial" charset="0"/>
-              <a:buChar char="–"/>
-              <a:defRPr sz="2000" kern="1200">
-                <a:solidFill>
-                  <a:schemeClr val="tx1"/>
-                </a:solidFill>
-                <a:latin typeface="+mn-lt"/>
-                <a:ea typeface="+mn-ea"/>
-                <a:cs typeface="+mn-cs"/>
-              </a:defRPr>
-            </a:lvl4pPr>
-            <a:lvl5pPr marL="2057400" indent="-228600" algn="l" rtl="0" eaLnBrk="1" fontAlgn="base" hangingPunct="1">
-              <a:spcBef>
-                <a:spcPct val="20000"/>
-              </a:spcBef>
-              <a:spcAft>
-                <a:spcPct val="0"/>
-              </a:spcAft>
-              <a:buFont typeface="Arial" charset="0"/>
-              <a:buChar char="»"/>
-              <a:defRPr sz="2000" kern="1200">
-                <a:solidFill>
-                  <a:schemeClr val="tx1"/>
-                </a:solidFill>
-                <a:latin typeface="+mn-lt"/>
-                <a:ea typeface="+mn-ea"/>
-                <a:cs typeface="+mn-cs"/>
-              </a:defRPr>
-            </a:lvl5pPr>
-            <a:lvl6pPr marL="2514600" indent="-228600" algn="l" defTabSz="914400" rtl="0" eaLnBrk="1" latinLnBrk="0" hangingPunct="1">
-              <a:spcBef>
-                <a:spcPct val="20000"/>
-              </a:spcBef>
-              <a:buFont typeface="Arial" pitchFamily="34" charset="0"/>
-              <a:buChar char="•"/>
-              <a:defRPr sz="2000" kern="1200">
-                <a:solidFill>
-                  <a:schemeClr val="tx1"/>
-                </a:solidFill>
-                <a:latin typeface="+mn-lt"/>
-                <a:ea typeface="+mn-ea"/>
-                <a:cs typeface="+mn-cs"/>
-              </a:defRPr>
-            </a:lvl6pPr>
-            <a:lvl7pPr marL="2971800" indent="-228600" algn="l" defTabSz="914400" rtl="0" eaLnBrk="1" latinLnBrk="0" hangingPunct="1">
-              <a:spcBef>
-                <a:spcPct val="20000"/>
-              </a:spcBef>
-              <a:buFont typeface="Arial" pitchFamily="34" charset="0"/>
-              <a:buChar char="•"/>
-              <a:defRPr sz="2000" kern="1200">
-                <a:solidFill>
-                  <a:schemeClr val="tx1"/>
-                </a:solidFill>
-                <a:latin typeface="+mn-lt"/>
-                <a:ea typeface="+mn-ea"/>
-                <a:cs typeface="+mn-cs"/>
-              </a:defRPr>
-            </a:lvl7pPr>
-            <a:lvl8pPr marL="3429000" indent="-228600" algn="l" defTabSz="914400" rtl="0" eaLnBrk="1" latinLnBrk="0" hangingPunct="1">
-              <a:spcBef>
-                <a:spcPct val="20000"/>
-              </a:spcBef>
-              <a:buFont typeface="Arial" pitchFamily="34" charset="0"/>
-              <a:buChar char="•"/>
-              <a:defRPr sz="2000" kern="1200">
-                <a:solidFill>
-                  <a:schemeClr val="tx1"/>
-                </a:solidFill>
-                <a:latin typeface="+mn-lt"/>
-                <a:ea typeface="+mn-ea"/>
-                <a:cs typeface="+mn-cs"/>
-              </a:defRPr>
-            </a:lvl8pPr>
-            <a:lvl9pPr marL="3886200" indent="-228600" algn="l" defTabSz="914400" rtl="0" eaLnBrk="1" latinLnBrk="0" hangingPunct="1">
-              <a:spcBef>
-                <a:spcPct val="20000"/>
-              </a:spcBef>
-              <a:buFont typeface="Arial" pitchFamily="34" charset="0"/>
-              <a:buChar char="•"/>
-              <a:defRPr sz="2000" kern="1200">
-                <a:solidFill>
-                  <a:schemeClr val="tx1"/>
-                </a:solidFill>
-                <a:latin typeface="+mn-lt"/>
-                <a:ea typeface="+mn-ea"/>
-                <a:cs typeface="+mn-cs"/>
-              </a:defRPr>
-            </a:lvl9pPr>
-          </a:lstStyle>
-          <a:p>
-            <a:r>
-              <a:rPr lang="en-US" sz="2800">
-                <a:ea typeface="+mn-lt"/>
-                <a:cs typeface="+mn-lt"/>
-              </a:rPr>
-              <a:t>Total Connection 1549 as analyzed.</a:t>
-            </a:r>
-          </a:p>
-          <a:p>
-            <a:r>
-              <a:rPr lang="en-US" sz="2800">
-                <a:ea typeface="+mn-lt"/>
-                <a:cs typeface="+mn-lt"/>
-              </a:rPr>
-              <a:t>Each connection has several packets transfer ranging from 1 to 4806. </a:t>
-            </a:r>
-          </a:p>
-          <a:p>
-            <a:endParaRPr lang="en-US"/>
-          </a:p>
-        </p:txBody>
-      </p:sp>
-    </p:spTree>
-    <p:extLst>
-      <p:ext uri="{BB962C8B-B14F-4D97-AF65-F5344CB8AC3E}">
-        <p14:creationId xmlns:p14="http://schemas.microsoft.com/office/powerpoint/2010/main" val="1500107029"/>
       </p:ext>
     </p:extLst>
   </p:cSld>
@@ -15652,30 +14564,230 @@
           </a:p>
         </p:txBody>
       </p:sp>
-      <p:pic>
-        <p:nvPicPr>
-          <p:cNvPr id="4" name="Picture 4" descr="A picture containing square&#10;&#10;Description automatically generated">
+      <p:sp>
+        <p:nvSpPr>
+          <p:cNvPr id="3" name="Content Placeholder 2">
             <a:extLst>
               <a:ext uri="{FF2B5EF4-FFF2-40B4-BE49-F238E27FC236}">
-                <a16:creationId xmlns:a16="http://schemas.microsoft.com/office/drawing/2014/main" id="{6EB795EC-18E0-4AEB-8061-0988CDAF6AE6}"/>
+                <a16:creationId xmlns:a16="http://schemas.microsoft.com/office/drawing/2014/main" id="{0E5A4F42-5872-AC46-B1EA-56387C2EDB5A}"/>
               </a:ext>
             </a:extLst>
           </p:cNvPr>
-          <p:cNvPicPr>
-            <a:picLocks noChangeAspect="1"/>
-          </p:cNvPicPr>
+          <p:cNvSpPr txBox="1">
+            <a:spLocks/>
+          </p:cNvSpPr>
+          <p:nvPr/>
+        </p:nvSpPr>
+        <p:spPr>
+          <a:xfrm>
+            <a:off x="628651" y="2226469"/>
+            <a:ext cx="3940130" cy="3263504"/>
+          </a:xfrm>
+          <a:prstGeom prst="rect">
+            <a:avLst/>
+          </a:prstGeom>
+        </p:spPr>
+        <p:txBody>
+          <a:bodyPr>
+            <a:normAutofit/>
+          </a:bodyPr>
+          <a:lstStyle>
+            <a:lvl1pPr marL="342900" indent="-342900" algn="l" rtl="0" eaLnBrk="1" fontAlgn="base" hangingPunct="1">
+              <a:spcBef>
+                <a:spcPct val="20000"/>
+              </a:spcBef>
+              <a:spcAft>
+                <a:spcPct val="0"/>
+              </a:spcAft>
+              <a:buFont typeface="Arial" charset="0"/>
+              <a:buChar char="•"/>
+              <a:defRPr sz="3200" kern="1200">
+                <a:solidFill>
+                  <a:schemeClr val="tx1"/>
+                </a:solidFill>
+                <a:latin typeface="+mn-lt"/>
+                <a:ea typeface="+mn-ea"/>
+                <a:cs typeface="+mn-cs"/>
+              </a:defRPr>
+            </a:lvl1pPr>
+            <a:lvl2pPr marL="742950" indent="-285750" algn="l" rtl="0" eaLnBrk="1" fontAlgn="base" hangingPunct="1">
+              <a:spcBef>
+                <a:spcPct val="20000"/>
+              </a:spcBef>
+              <a:spcAft>
+                <a:spcPct val="0"/>
+              </a:spcAft>
+              <a:buFont typeface="Arial" charset="0"/>
+              <a:buChar char="–"/>
+              <a:defRPr sz="2800" kern="1200">
+                <a:solidFill>
+                  <a:schemeClr val="tx1"/>
+                </a:solidFill>
+                <a:latin typeface="+mn-lt"/>
+                <a:ea typeface="+mn-ea"/>
+                <a:cs typeface="+mn-cs"/>
+              </a:defRPr>
+            </a:lvl2pPr>
+            <a:lvl3pPr marL="1143000" indent="-228600" algn="l" rtl="0" eaLnBrk="1" fontAlgn="base" hangingPunct="1">
+              <a:spcBef>
+                <a:spcPct val="20000"/>
+              </a:spcBef>
+              <a:spcAft>
+                <a:spcPct val="0"/>
+              </a:spcAft>
+              <a:buFont typeface="Arial" charset="0"/>
+              <a:buChar char="•"/>
+              <a:defRPr sz="2400" kern="1200">
+                <a:solidFill>
+                  <a:schemeClr val="tx1"/>
+                </a:solidFill>
+                <a:latin typeface="+mn-lt"/>
+                <a:ea typeface="+mn-ea"/>
+                <a:cs typeface="+mn-cs"/>
+              </a:defRPr>
+            </a:lvl3pPr>
+            <a:lvl4pPr marL="1600200" indent="-228600" algn="l" rtl="0" eaLnBrk="1" fontAlgn="base" hangingPunct="1">
+              <a:spcBef>
+                <a:spcPct val="20000"/>
+              </a:spcBef>
+              <a:spcAft>
+                <a:spcPct val="0"/>
+              </a:spcAft>
+              <a:buFont typeface="Arial" charset="0"/>
+              <a:buChar char="–"/>
+              <a:defRPr sz="2000" kern="1200">
+                <a:solidFill>
+                  <a:schemeClr val="tx1"/>
+                </a:solidFill>
+                <a:latin typeface="+mn-lt"/>
+                <a:ea typeface="+mn-ea"/>
+                <a:cs typeface="+mn-cs"/>
+              </a:defRPr>
+            </a:lvl4pPr>
+            <a:lvl5pPr marL="2057400" indent="-228600" algn="l" rtl="0" eaLnBrk="1" fontAlgn="base" hangingPunct="1">
+              <a:spcBef>
+                <a:spcPct val="20000"/>
+              </a:spcBef>
+              <a:spcAft>
+                <a:spcPct val="0"/>
+              </a:spcAft>
+              <a:buFont typeface="Arial" charset="0"/>
+              <a:buChar char="»"/>
+              <a:defRPr sz="2000" kern="1200">
+                <a:solidFill>
+                  <a:schemeClr val="tx1"/>
+                </a:solidFill>
+                <a:latin typeface="+mn-lt"/>
+                <a:ea typeface="+mn-ea"/>
+                <a:cs typeface="+mn-cs"/>
+              </a:defRPr>
+            </a:lvl5pPr>
+            <a:lvl6pPr marL="2514600" indent="-228600" algn="l" defTabSz="914400" rtl="0" eaLnBrk="1" latinLnBrk="0" hangingPunct="1">
+              <a:spcBef>
+                <a:spcPct val="20000"/>
+              </a:spcBef>
+              <a:buFont typeface="Arial" pitchFamily="34" charset="0"/>
+              <a:buChar char="•"/>
+              <a:defRPr sz="2000" kern="1200">
+                <a:solidFill>
+                  <a:schemeClr val="tx1"/>
+                </a:solidFill>
+                <a:latin typeface="+mn-lt"/>
+                <a:ea typeface="+mn-ea"/>
+                <a:cs typeface="+mn-cs"/>
+              </a:defRPr>
+            </a:lvl6pPr>
+            <a:lvl7pPr marL="2971800" indent="-228600" algn="l" defTabSz="914400" rtl="0" eaLnBrk="1" latinLnBrk="0" hangingPunct="1">
+              <a:spcBef>
+                <a:spcPct val="20000"/>
+              </a:spcBef>
+              <a:buFont typeface="Arial" pitchFamily="34" charset="0"/>
+              <a:buChar char="•"/>
+              <a:defRPr sz="2000" kern="1200">
+                <a:solidFill>
+                  <a:schemeClr val="tx1"/>
+                </a:solidFill>
+                <a:latin typeface="+mn-lt"/>
+                <a:ea typeface="+mn-ea"/>
+                <a:cs typeface="+mn-cs"/>
+              </a:defRPr>
+            </a:lvl7pPr>
+            <a:lvl8pPr marL="3429000" indent="-228600" algn="l" defTabSz="914400" rtl="0" eaLnBrk="1" latinLnBrk="0" hangingPunct="1">
+              <a:spcBef>
+                <a:spcPct val="20000"/>
+              </a:spcBef>
+              <a:buFont typeface="Arial" pitchFamily="34" charset="0"/>
+              <a:buChar char="•"/>
+              <a:defRPr sz="2000" kern="1200">
+                <a:solidFill>
+                  <a:schemeClr val="tx1"/>
+                </a:solidFill>
+                <a:latin typeface="+mn-lt"/>
+                <a:ea typeface="+mn-ea"/>
+                <a:cs typeface="+mn-cs"/>
+              </a:defRPr>
+            </a:lvl8pPr>
+            <a:lvl9pPr marL="3886200" indent="-228600" algn="l" defTabSz="914400" rtl="0" eaLnBrk="1" latinLnBrk="0" hangingPunct="1">
+              <a:spcBef>
+                <a:spcPct val="20000"/>
+              </a:spcBef>
+              <a:buFont typeface="Arial" pitchFamily="34" charset="0"/>
+              <a:buChar char="•"/>
+              <a:defRPr sz="2000" kern="1200">
+                <a:solidFill>
+                  <a:schemeClr val="tx1"/>
+                </a:solidFill>
+                <a:latin typeface="+mn-lt"/>
+                <a:ea typeface="+mn-ea"/>
+                <a:cs typeface="+mn-cs"/>
+              </a:defRPr>
+            </a:lvl9pPr>
+          </a:lstStyle>
+          <a:p>
+            <a:r>
+              <a:rPr lang="en-US" sz="2800">
+                <a:ea typeface="+mn-lt"/>
+                <a:cs typeface="+mn-lt"/>
+              </a:rPr>
+              <a:t>Total Connection 1549 as analyzed.</a:t>
+            </a:r>
+          </a:p>
+          <a:p>
+            <a:r>
+              <a:rPr lang="en-US" sz="2800">
+                <a:ea typeface="+mn-lt"/>
+                <a:cs typeface="+mn-lt"/>
+              </a:rPr>
+              <a:t>Each connection has a number of packets transfer ranging from 1 to 4806. </a:t>
+            </a:r>
+          </a:p>
+          <a:p>
+            <a:endParaRPr lang="en-US"/>
+          </a:p>
+        </p:txBody>
+      </p:sp>
+      <p:pic>
+        <p:nvPicPr>
+          <p:cNvPr id="4" name="Picture 3" descr="11.png">
+            <a:extLst>
+              <a:ext uri="{FF2B5EF4-FFF2-40B4-BE49-F238E27FC236}">
+                <a16:creationId xmlns:a16="http://schemas.microsoft.com/office/drawing/2014/main" id="{A1C8DA51-47BA-B745-8E73-911CEC38FD12}"/>
+              </a:ext>
+            </a:extLst>
+          </p:cNvPr>
+          <p:cNvPicPr/>
           <p:nvPr/>
         </p:nvPicPr>
         <p:blipFill>
-          <a:blip r:embed="rId2"/>
+          <a:blip r:embed="rId2" cstate="print"/>
           <a:stretch>
             <a:fillRect/>
           </a:stretch>
         </p:blipFill>
         <p:spPr>
           <a:xfrm>
-            <a:off x="809054" y="1252438"/>
-            <a:ext cx="6978093" cy="4953595"/>
+            <a:off x="4684690" y="1927421"/>
+            <a:ext cx="3925336" cy="3659981"/>
           </a:xfrm>
           <a:prstGeom prst="rect">
             <a:avLst/>
@@ -15685,7 +14797,7 @@
     </p:spTree>
     <p:extLst>
       <p:ext uri="{BB962C8B-B14F-4D97-AF65-F5344CB8AC3E}">
-        <p14:creationId xmlns:p14="http://schemas.microsoft.com/office/powerpoint/2010/main" val="760046079"/>
+        <p14:creationId xmlns:p14="http://schemas.microsoft.com/office/powerpoint/2010/main" val="1500107029"/>
       </p:ext>
     </p:extLst>
   </p:cSld>
@@ -16524,7 +15636,7 @@
           </a:prstGeom>
         </p:spPr>
         <p:txBody>
-          <a:bodyPr wrap="square" lIns="91440" tIns="45720" rIns="91440" bIns="45720" anchor="t">
+          <a:bodyPr wrap="square">
             <a:spAutoFit/>
           </a:bodyPr>
           <a:lstStyle/>
@@ -16542,9 +15654,8 @@
                 <a:solidFill>
                   <a:srgbClr val="00B050"/>
                 </a:solidFill>
-                <a:latin typeface="Calibri"/>
                 <a:ea typeface="Calibri" panose="020F0502020204030204" pitchFamily="34" charset="0"/>
-                <a:cs typeface="Calibri"/>
+                <a:cs typeface="Calibri" panose="020F0502020204030204" pitchFamily="34" charset="0"/>
               </a:rPr>
               <a:t>Packet capture analysis:</a:t>
             </a:r>
@@ -16552,9 +15663,8 @@
               <a:solidFill>
                 <a:srgbClr val="00B050"/>
               </a:solidFill>
-              <a:latin typeface="Calibri"/>
               <a:ea typeface="Calibri" panose="020F0502020204030204" pitchFamily="34" charset="0"/>
-              <a:cs typeface="Calibri"/>
+              <a:cs typeface="Times New Roman" panose="02020603050405020304" pitchFamily="18" charset="0"/>
             </a:endParaRPr>
           </a:p>
           <a:p>
@@ -16572,14 +15682,14 @@
               <a:rPr lang="en-US" b="1">
                 <a:latin typeface="+mn-lt"/>
                 <a:ea typeface="Calibri" panose="020F0502020204030204" pitchFamily="34" charset="0"/>
-                <a:cs typeface="Times New Roman"/>
+                <a:cs typeface="Times New Roman" panose="02020603050405020304" pitchFamily="18" charset="0"/>
               </a:rPr>
               <a:t>Analysis of packet capture data typically requires significant technical skills, and often is performed with tools such as Wireshark.</a:t>
             </a:r>
             <a:endParaRPr lang="en-IN" b="1">
               <a:latin typeface="+mn-lt"/>
               <a:ea typeface="Calibri" panose="020F0502020204030204" pitchFamily="34" charset="0"/>
-              <a:cs typeface="Times New Roman"/>
+              <a:cs typeface="Times New Roman" panose="02020603050405020304" pitchFamily="18" charset="0"/>
             </a:endParaRPr>
           </a:p>
           <a:p>
@@ -16596,9 +15706,8 @@
                 <a:solidFill>
                   <a:srgbClr val="00B050"/>
                 </a:solidFill>
-                <a:latin typeface="Calibri"/>
                 <a:ea typeface="Calibri" panose="020F0502020204030204" pitchFamily="34" charset="0"/>
-                <a:cs typeface="Calibri"/>
+                <a:cs typeface="Calibri" panose="020F0502020204030204" pitchFamily="34" charset="0"/>
               </a:rPr>
               <a:t>Wireshark:</a:t>
             </a:r>
@@ -16606,9 +15715,8 @@
               <a:solidFill>
                 <a:srgbClr val="00B050"/>
               </a:solidFill>
-              <a:latin typeface="Calibri"/>
               <a:ea typeface="Calibri" panose="020F0502020204030204" pitchFamily="34" charset="0"/>
-              <a:cs typeface="Calibri"/>
+              <a:cs typeface="Times New Roman" panose="02020603050405020304" pitchFamily="18" charset="0"/>
             </a:endParaRPr>
           </a:p>
           <a:p>
@@ -16626,15 +15734,10 @@
               <a:rPr lang="en-US" b="1">
                 <a:latin typeface="+mn-lt"/>
                 <a:ea typeface="Calibri" panose="020F0502020204030204" pitchFamily="34" charset="0"/>
-                <a:cs typeface="Times New Roman"/>
-              </a:rPr>
-              <a:t>Wireshark is a free and open-source packet analyzer. It is used for network troubleshooting, analysis, software and communication protocol development, and education. </a:t>
-            </a:r>
-            <a:endParaRPr lang="en-US" b="1">
-              <a:latin typeface="+mn-lt"/>
-              <a:ea typeface="Calibri" panose="020F0502020204030204" pitchFamily="34" charset="0"/>
-              <a:cs typeface="Times New Roman" panose="02020603050405020304" pitchFamily="18" charset="0"/>
-            </a:endParaRPr>
+                <a:cs typeface="Times New Roman" panose="02020603050405020304" pitchFamily="18" charset="0"/>
+              </a:rPr>
+              <a:t>Wireshark is a free and open source packet analyzer. It is used for network troubleshooting, analysis, software and communication protocol development, and education. </a:t>
+            </a:r>
           </a:p>
           <a:p>
             <a:pPr marL="285750" indent="-285750" algn="just">
@@ -16645,7 +15748,7 @@
               <a:rPr lang="en-US" b="1">
                 <a:latin typeface="+mn-lt"/>
               </a:rPr>
-              <a:t>In other words, Wireshark is a packet sniffer and analysis tool. It captures network traffic on the local network and stores that data for offline analysis. </a:t>
+              <a:t>In other words, Wireshark is a packet sniffer and analysis tool. It captures network traffic on the local network and stores that data for offline analysis. </a:t>
             </a:r>
             <a:endParaRPr lang="en-IN" b="1">
               <a:latin typeface="+mn-lt"/>
@@ -18939,12 +18042,9 @@
 </file>
 
 <file path=customXml/item1.xml><?xml version="1.0" encoding="utf-8"?>
-<?mso-contentType ?>
-<FormTemplates xmlns="http://schemas.microsoft.com/sharepoint/v3/contenttype/forms">
-  <Display>DocumentLibraryForm</Display>
-  <Edit>DocumentLibraryForm</Edit>
-  <New>DocumentLibraryForm</New>
-</FormTemplates>
+<p:properties xmlns:p="http://schemas.microsoft.com/office/2006/metadata/properties" xmlns:xsi="http://www.w3.org/2001/XMLSchema-instance" xmlns:pc="http://schemas.microsoft.com/office/infopath/2007/PartnerControls">
+  <documentManagement/>
+</p:properties>
 </file>
 
 <file path=customXml/item2.xml><?xml version="1.0" encoding="utf-8"?>
@@ -19120,15 +18220,19 @@
 </file>
 
 <file path=customXml/item3.xml><?xml version="1.0" encoding="utf-8"?>
-<p:properties xmlns:p="http://schemas.microsoft.com/office/2006/metadata/properties" xmlns:xsi="http://www.w3.org/2001/XMLSchema-instance" xmlns:pc="http://schemas.microsoft.com/office/infopath/2007/PartnerControls">
-  <documentManagement/>
-</p:properties>
+<?mso-contentType ?>
+<FormTemplates xmlns="http://schemas.microsoft.com/sharepoint/v3/contenttype/forms">
+  <Display>DocumentLibraryForm</Display>
+  <Edit>DocumentLibraryForm</Edit>
+  <New>DocumentLibraryForm</New>
+</FormTemplates>
 </file>
 
 <file path=customXml/itemProps1.xml><?xml version="1.0" encoding="utf-8"?>
-<ds:datastoreItem xmlns:ds="http://schemas.openxmlformats.org/officeDocument/2006/customXml" ds:itemID="{462148E0-FB25-4E98-A0C1-D9404460CDFF}">
+<ds:datastoreItem xmlns:ds="http://schemas.openxmlformats.org/officeDocument/2006/customXml" ds:itemID="{14EEBB49-67A7-4A3F-A94A-3EA0BDC0F5A7}">
   <ds:schemaRefs>
-    <ds:schemaRef ds:uri="http://schemas.microsoft.com/sharepoint/v3/contenttype/forms"/>
+    <ds:schemaRef ds:uri="http://schemas.microsoft.com/office/2006/metadata/properties"/>
+    <ds:schemaRef ds:uri="http://schemas.microsoft.com/office/infopath/2007/PartnerControls"/>
   </ds:schemaRefs>
 </ds:datastoreItem>
 </file>
@@ -19152,10 +18256,9 @@
 </file>
 
 <file path=customXml/itemProps3.xml><?xml version="1.0" encoding="utf-8"?>
-<ds:datastoreItem xmlns:ds="http://schemas.openxmlformats.org/officeDocument/2006/customXml" ds:itemID="{14EEBB49-67A7-4A3F-A94A-3EA0BDC0F5A7}">
+<ds:datastoreItem xmlns:ds="http://schemas.openxmlformats.org/officeDocument/2006/customXml" ds:itemID="{462148E0-FB25-4E98-A0C1-D9404460CDFF}">
   <ds:schemaRefs>
-    <ds:schemaRef ds:uri="http://schemas.microsoft.com/office/2006/metadata/properties"/>
-    <ds:schemaRef ds:uri="http://schemas.microsoft.com/office/infopath/2007/PartnerControls"/>
+    <ds:schemaRef ds:uri="http://schemas.microsoft.com/sharepoint/v3/contenttype/forms"/>
   </ds:schemaRefs>
 </ds:datastoreItem>
 </file>
--- a/7.pptx
+++ b/7.pptx
@@ -5,23 +5,23 @@
     <p:sldMasterId id="2147483696" r:id="rId4"/>
   </p:sldMasterIdLst>
   <p:notesMasterIdLst>
-    <p:notesMasterId r:id="rId45"/>
+    <p:notesMasterId r:id="rId47"/>
   </p:notesMasterIdLst>
   <p:sldIdLst>
     <p:sldId id="262" r:id="rId5"/>
     <p:sldId id="332" r:id="rId6"/>
     <p:sldId id="269" r:id="rId7"/>
     <p:sldId id="294" r:id="rId8"/>
-    <p:sldId id="295" r:id="rId9"/>
-    <p:sldId id="296" r:id="rId10"/>
-    <p:sldId id="333" r:id="rId11"/>
-    <p:sldId id="297" r:id="rId12"/>
-    <p:sldId id="298" r:id="rId13"/>
-    <p:sldId id="331" r:id="rId14"/>
-    <p:sldId id="299" r:id="rId15"/>
-    <p:sldId id="300" r:id="rId16"/>
-    <p:sldId id="301" r:id="rId17"/>
-    <p:sldId id="302" r:id="rId18"/>
+    <p:sldId id="335" r:id="rId9"/>
+    <p:sldId id="295" r:id="rId10"/>
+    <p:sldId id="296" r:id="rId11"/>
+    <p:sldId id="298" r:id="rId12"/>
+    <p:sldId id="297" r:id="rId13"/>
+    <p:sldId id="333" r:id="rId14"/>
+    <p:sldId id="331" r:id="rId15"/>
+    <p:sldId id="299" r:id="rId16"/>
+    <p:sldId id="300" r:id="rId17"/>
+    <p:sldId id="301" r:id="rId18"/>
     <p:sldId id="303" r:id="rId19"/>
     <p:sldId id="304" r:id="rId20"/>
     <p:sldId id="305" r:id="rId21"/>
@@ -37,17 +37,19 @@
     <p:sldId id="318" r:id="rId31"/>
     <p:sldId id="319" r:id="rId32"/>
     <p:sldId id="320" r:id="rId33"/>
-    <p:sldId id="321" r:id="rId34"/>
-    <p:sldId id="322" r:id="rId35"/>
-    <p:sldId id="323" r:id="rId36"/>
-    <p:sldId id="324" r:id="rId37"/>
-    <p:sldId id="325" r:id="rId38"/>
-    <p:sldId id="326" r:id="rId39"/>
-    <p:sldId id="327" r:id="rId40"/>
-    <p:sldId id="328" r:id="rId41"/>
-    <p:sldId id="287" r:id="rId42"/>
-    <p:sldId id="330" r:id="rId43"/>
-    <p:sldId id="329" r:id="rId44"/>
+    <p:sldId id="336" r:id="rId34"/>
+    <p:sldId id="321" r:id="rId35"/>
+    <p:sldId id="322" r:id="rId36"/>
+    <p:sldId id="323" r:id="rId37"/>
+    <p:sldId id="324" r:id="rId38"/>
+    <p:sldId id="325" r:id="rId39"/>
+    <p:sldId id="326" r:id="rId40"/>
+    <p:sldId id="327" r:id="rId41"/>
+    <p:sldId id="328" r:id="rId42"/>
+    <p:sldId id="334" r:id="rId43"/>
+    <p:sldId id="287" r:id="rId44"/>
+    <p:sldId id="330" r:id="rId45"/>
+    <p:sldId id="329" r:id="rId46"/>
   </p:sldIdLst>
   <p:sldSz cx="9144000" cy="6858000" type="screen4x3"/>
   <p:notesSz cx="6858000" cy="9144000"/>
@@ -199,13 +201,361 @@
 <p1510:revInfo xmlns:a="http://schemas.openxmlformats.org/drawingml/2006/main" xmlns:r="http://schemas.openxmlformats.org/officeDocument/2006/relationships" xmlns:p1510="http://schemas.microsoft.com/office/powerpoint/2015/10/main">
   <p1510:revLst>
     <p1510:client id="{1BAE695E-C54D-4392-9231-4F9EA8E37782}" v="494" dt="2020-11-18T14:31:31.391"/>
+    <p1510:client id="{3403D693-BA23-4D8D-8011-E21FCAA1F679}" v="7" dt="2020-11-19T05:00:37.808"/>
+    <p1510:client id="{597F98D9-F366-416D-BE01-4B2F1BE4A341}" v="2" dt="2020-11-19T02:41:02.430"/>
     <p1510:client id="{C15B37AE-E1E8-473E-9E22-DF26D4473F9C}" v="36" dt="2020-11-18T05:20:08.476"/>
+    <p1510:client id="{C562CDEE-9F6D-49E5-93C5-83603A40EEBA}" v="1041" dt="2020-11-19T05:28:07.032"/>
   </p1510:revLst>
 </p1510:revInfo>
 </file>
 
 <file path=ppt/changesInfos/changesInfo1.xml><?xml version="1.0" encoding="utf-8"?>
 <pc:chgInfo xmlns:a="http://schemas.openxmlformats.org/drawingml/2006/main" xmlns:r="http://schemas.openxmlformats.org/officeDocument/2006/relationships" xmlns:ac="http://schemas.microsoft.com/office/drawing/2013/main/command" xmlns:pc="http://schemas.microsoft.com/office/powerpoint/2013/main/command">
+  <pc:docChgLst>
+    <pc:chgData name="HEM CHANDRA JOSHI" userId="S::hc_joshi@cs.iitr.ac.in::15a5c9ce-03f3-4c1c-ba26-1d4bdf9c6def" providerId="AD" clId="Web-{3403D693-BA23-4D8D-8011-E21FCAA1F679}"/>
+    <pc:docChg chg="modSld">
+      <pc:chgData name="HEM CHANDRA JOSHI" userId="S::hc_joshi@cs.iitr.ac.in::15a5c9ce-03f3-4c1c-ba26-1d4bdf9c6def" providerId="AD" clId="Web-{3403D693-BA23-4D8D-8011-E21FCAA1F679}" dt="2020-11-19T05:00:37.808" v="4" actId="20577"/>
+      <pc:docMkLst>
+        <pc:docMk/>
+      </pc:docMkLst>
+      <pc:sldChg chg="modSp">
+        <pc:chgData name="HEM CHANDRA JOSHI" userId="S::hc_joshi@cs.iitr.ac.in::15a5c9ce-03f3-4c1c-ba26-1d4bdf9c6def" providerId="AD" clId="Web-{3403D693-BA23-4D8D-8011-E21FCAA1F679}" dt="2020-11-19T04:54:22.830" v="2" actId="20577"/>
+        <pc:sldMkLst>
+          <pc:docMk/>
+          <pc:sldMk cId="2696701464" sldId="323"/>
+        </pc:sldMkLst>
+        <pc:spChg chg="mod">
+          <ac:chgData name="HEM CHANDRA JOSHI" userId="S::hc_joshi@cs.iitr.ac.in::15a5c9ce-03f3-4c1c-ba26-1d4bdf9c6def" providerId="AD" clId="Web-{3403D693-BA23-4D8D-8011-E21FCAA1F679}" dt="2020-11-19T04:54:22.830" v="2" actId="20577"/>
+          <ac:spMkLst>
+            <pc:docMk/>
+            <pc:sldMk cId="2696701464" sldId="323"/>
+            <ac:spMk id="3" creationId="{C2E076B3-A379-F24A-B3FA-57488ED4C8C6}"/>
+          </ac:spMkLst>
+        </pc:spChg>
+      </pc:sldChg>
+      <pc:sldChg chg="modSp">
+        <pc:chgData name="HEM CHANDRA JOSHI" userId="S::hc_joshi@cs.iitr.ac.in::15a5c9ce-03f3-4c1c-ba26-1d4bdf9c6def" providerId="AD" clId="Web-{3403D693-BA23-4D8D-8011-E21FCAA1F679}" dt="2020-11-19T05:00:37.808" v="4" actId="20577"/>
+        <pc:sldMkLst>
+          <pc:docMk/>
+          <pc:sldMk cId="2608311840" sldId="327"/>
+        </pc:sldMkLst>
+        <pc:spChg chg="mod">
+          <ac:chgData name="HEM CHANDRA JOSHI" userId="S::hc_joshi@cs.iitr.ac.in::15a5c9ce-03f3-4c1c-ba26-1d4bdf9c6def" providerId="AD" clId="Web-{3403D693-BA23-4D8D-8011-E21FCAA1F679}" dt="2020-11-19T05:00:37.808" v="4" actId="20577"/>
+          <ac:spMkLst>
+            <pc:docMk/>
+            <pc:sldMk cId="2608311840" sldId="327"/>
+            <ac:spMk id="3" creationId="{EEFE4231-F3A7-7E4F-A190-27BB88315A04}"/>
+          </ac:spMkLst>
+        </pc:spChg>
+      </pc:sldChg>
+    </pc:docChg>
+  </pc:docChgLst>
+  <pc:docChgLst>
+    <pc:chgData name="GAURAV Kumar" userId="S::gaurav_k@cs.iitr.ac.in::ce27c70f-1bfc-408c-ab41-e31f95981e91" providerId="AD" clId="Web-{C562CDEE-9F6D-49E5-93C5-83603A40EEBA}"/>
+    <pc:docChg chg="addSld delSld modSld">
+      <pc:chgData name="GAURAV Kumar" userId="S::gaurav_k@cs.iitr.ac.in::ce27c70f-1bfc-408c-ab41-e31f95981e91" providerId="AD" clId="Web-{C562CDEE-9F6D-49E5-93C5-83603A40EEBA}" dt="2020-11-19T05:28:07.032" v="1023" actId="20577"/>
+      <pc:docMkLst>
+        <pc:docMk/>
+      </pc:docMkLst>
+      <pc:sldChg chg="modSp">
+        <pc:chgData name="GAURAV Kumar" userId="S::gaurav_k@cs.iitr.ac.in::ce27c70f-1bfc-408c-ab41-e31f95981e91" providerId="AD" clId="Web-{C562CDEE-9F6D-49E5-93C5-83603A40EEBA}" dt="2020-11-19T05:06:18.130" v="2" actId="20577"/>
+        <pc:sldMkLst>
+          <pc:docMk/>
+          <pc:sldMk cId="3488126482" sldId="295"/>
+        </pc:sldMkLst>
+        <pc:spChg chg="mod">
+          <ac:chgData name="GAURAV Kumar" userId="S::gaurav_k@cs.iitr.ac.in::ce27c70f-1bfc-408c-ab41-e31f95981e91" providerId="AD" clId="Web-{C562CDEE-9F6D-49E5-93C5-83603A40EEBA}" dt="2020-11-19T05:06:18.130" v="2" actId="20577"/>
+          <ac:spMkLst>
+            <pc:docMk/>
+            <pc:sldMk cId="3488126482" sldId="295"/>
+            <ac:spMk id="2" creationId="{00000000-0000-0000-0000-000000000000}"/>
+          </ac:spMkLst>
+        </pc:spChg>
+      </pc:sldChg>
+      <pc:sldChg chg="addSp modSp">
+        <pc:chgData name="GAURAV Kumar" userId="S::gaurav_k@cs.iitr.ac.in::ce27c70f-1bfc-408c-ab41-e31f95981e91" providerId="AD" clId="Web-{C562CDEE-9F6D-49E5-93C5-83603A40EEBA}" dt="2020-11-19T05:10:07.447" v="276" actId="20577"/>
+        <pc:sldMkLst>
+          <pc:docMk/>
+          <pc:sldMk cId="46850428" sldId="299"/>
+        </pc:sldMkLst>
+        <pc:spChg chg="add mod">
+          <ac:chgData name="GAURAV Kumar" userId="S::gaurav_k@cs.iitr.ac.in::ce27c70f-1bfc-408c-ab41-e31f95981e91" providerId="AD" clId="Web-{C562CDEE-9F6D-49E5-93C5-83603A40EEBA}" dt="2020-11-19T05:10:07.447" v="276" actId="20577"/>
+          <ac:spMkLst>
+            <pc:docMk/>
+            <pc:sldMk cId="46850428" sldId="299"/>
+            <ac:spMk id="4" creationId="{2567D0EC-DB32-4ABF-B0A7-C9E56231013F}"/>
+          </ac:spMkLst>
+        </pc:spChg>
+      </pc:sldChg>
+      <pc:sldChg chg="addSp delSp modSp">
+        <pc:chgData name="GAURAV Kumar" userId="S::gaurav_k@cs.iitr.ac.in::ce27c70f-1bfc-408c-ab41-e31f95981e91" providerId="AD" clId="Web-{C562CDEE-9F6D-49E5-93C5-83603A40EEBA}" dt="2020-11-19T05:11:58.402" v="371" actId="20577"/>
+        <pc:sldMkLst>
+          <pc:docMk/>
+          <pc:sldMk cId="65780709" sldId="300"/>
+        </pc:sldMkLst>
+        <pc:spChg chg="mod">
+          <ac:chgData name="GAURAV Kumar" userId="S::gaurav_k@cs.iitr.ac.in::ce27c70f-1bfc-408c-ab41-e31f95981e91" providerId="AD" clId="Web-{C562CDEE-9F6D-49E5-93C5-83603A40EEBA}" dt="2020-11-19T05:11:58.402" v="371" actId="20577"/>
+          <ac:spMkLst>
+            <pc:docMk/>
+            <pc:sldMk cId="65780709" sldId="300"/>
+            <ac:spMk id="3" creationId="{5392993C-6CB3-4F27-9E6D-CFA7F64190BD}"/>
+          </ac:spMkLst>
+        </pc:spChg>
+        <pc:spChg chg="add del mod">
+          <ac:chgData name="GAURAV Kumar" userId="S::gaurav_k@cs.iitr.ac.in::ce27c70f-1bfc-408c-ab41-e31f95981e91" providerId="AD" clId="Web-{C562CDEE-9F6D-49E5-93C5-83603A40EEBA}" dt="2020-11-19T05:11:13.261" v="297"/>
+          <ac:spMkLst>
+            <pc:docMk/>
+            <pc:sldMk cId="65780709" sldId="300"/>
+            <ac:spMk id="4" creationId="{EAA72F82-ECA8-4D7B-8CE6-387D3D0A0CB5}"/>
+          </ac:spMkLst>
+        </pc:spChg>
+      </pc:sldChg>
+      <pc:sldChg chg="modSp">
+        <pc:chgData name="GAURAV Kumar" userId="S::gaurav_k@cs.iitr.ac.in::ce27c70f-1bfc-408c-ab41-e31f95981e91" providerId="AD" clId="Web-{C562CDEE-9F6D-49E5-93C5-83603A40EEBA}" dt="2020-11-19T05:15:19.235" v="419" actId="20577"/>
+        <pc:sldMkLst>
+          <pc:docMk/>
+          <pc:sldMk cId="4242289373" sldId="301"/>
+        </pc:sldMkLst>
+        <pc:spChg chg="mod">
+          <ac:chgData name="GAURAV Kumar" userId="S::gaurav_k@cs.iitr.ac.in::ce27c70f-1bfc-408c-ab41-e31f95981e91" providerId="AD" clId="Web-{C562CDEE-9F6D-49E5-93C5-83603A40EEBA}" dt="2020-11-19T05:15:19.235" v="419" actId="20577"/>
+          <ac:spMkLst>
+            <pc:docMk/>
+            <pc:sldMk cId="4242289373" sldId="301"/>
+            <ac:spMk id="2" creationId="{A1288BC5-4215-41A9-A2D6-75FFB4F16D31}"/>
+          </ac:spMkLst>
+        </pc:spChg>
+      </pc:sldChg>
+      <pc:sldChg chg="del">
+        <pc:chgData name="GAURAV Kumar" userId="S::gaurav_k@cs.iitr.ac.in::ce27c70f-1bfc-408c-ab41-e31f95981e91" providerId="AD" clId="Web-{C562CDEE-9F6D-49E5-93C5-83603A40EEBA}" dt="2020-11-19T05:14:04.468" v="396"/>
+        <pc:sldMkLst>
+          <pc:docMk/>
+          <pc:sldMk cId="1358467198" sldId="302"/>
+        </pc:sldMkLst>
+      </pc:sldChg>
+      <pc:sldChg chg="modSp">
+        <pc:chgData name="GAURAV Kumar" userId="S::gaurav_k@cs.iitr.ac.in::ce27c70f-1bfc-408c-ab41-e31f95981e91" providerId="AD" clId="Web-{C562CDEE-9F6D-49E5-93C5-83603A40EEBA}" dt="2020-11-19T05:13:25.811" v="395" actId="20577"/>
+        <pc:sldMkLst>
+          <pc:docMk/>
+          <pc:sldMk cId="169008300" sldId="303"/>
+        </pc:sldMkLst>
+        <pc:spChg chg="mod">
+          <ac:chgData name="GAURAV Kumar" userId="S::gaurav_k@cs.iitr.ac.in::ce27c70f-1bfc-408c-ab41-e31f95981e91" providerId="AD" clId="Web-{C562CDEE-9F6D-49E5-93C5-83603A40EEBA}" dt="2020-11-19T05:13:25.811" v="395" actId="20577"/>
+          <ac:spMkLst>
+            <pc:docMk/>
+            <pc:sldMk cId="169008300" sldId="303"/>
+            <ac:spMk id="3" creationId="{C7F53897-FC51-4402-9F46-6CC56E1A1C7C}"/>
+          </ac:spMkLst>
+        </pc:spChg>
+      </pc:sldChg>
+      <pc:sldChg chg="addSp delSp modSp">
+        <pc:chgData name="GAURAV Kumar" userId="S::gaurav_k@cs.iitr.ac.in::ce27c70f-1bfc-408c-ab41-e31f95981e91" providerId="AD" clId="Web-{C562CDEE-9F6D-49E5-93C5-83603A40EEBA}" dt="2020-11-19T05:16:54.659" v="531" actId="20577"/>
+        <pc:sldMkLst>
+          <pc:docMk/>
+          <pc:sldMk cId="2440793797" sldId="305"/>
+        </pc:sldMkLst>
+        <pc:spChg chg="mod">
+          <ac:chgData name="GAURAV Kumar" userId="S::gaurav_k@cs.iitr.ac.in::ce27c70f-1bfc-408c-ab41-e31f95981e91" providerId="AD" clId="Web-{C562CDEE-9F6D-49E5-93C5-83603A40EEBA}" dt="2020-11-19T05:16:54.659" v="531" actId="20577"/>
+          <ac:spMkLst>
+            <pc:docMk/>
+            <pc:sldMk cId="2440793797" sldId="305"/>
+            <ac:spMk id="3" creationId="{0FA043F3-88FC-48D3-B016-F6337A428FD2}"/>
+          </ac:spMkLst>
+        </pc:spChg>
+        <pc:spChg chg="add del mod">
+          <ac:chgData name="GAURAV Kumar" userId="S::gaurav_k@cs.iitr.ac.in::ce27c70f-1bfc-408c-ab41-e31f95981e91" providerId="AD" clId="Web-{C562CDEE-9F6D-49E5-93C5-83603A40EEBA}" dt="2020-11-19T05:15:53.892" v="423"/>
+          <ac:spMkLst>
+            <pc:docMk/>
+            <pc:sldMk cId="2440793797" sldId="305"/>
+            <ac:spMk id="4" creationId="{02A231F4-DE63-4DF4-8479-0445308376DF}"/>
+          </ac:spMkLst>
+        </pc:spChg>
+      </pc:sldChg>
+      <pc:sldChg chg="modSp">
+        <pc:chgData name="GAURAV Kumar" userId="S::gaurav_k@cs.iitr.ac.in::ce27c70f-1bfc-408c-ab41-e31f95981e91" providerId="AD" clId="Web-{C562CDEE-9F6D-49E5-93C5-83603A40EEBA}" dt="2020-11-19T05:20:58.211" v="821" actId="20577"/>
+        <pc:sldMkLst>
+          <pc:docMk/>
+          <pc:sldMk cId="2184288316" sldId="306"/>
+        </pc:sldMkLst>
+        <pc:spChg chg="mod">
+          <ac:chgData name="GAURAV Kumar" userId="S::gaurav_k@cs.iitr.ac.in::ce27c70f-1bfc-408c-ab41-e31f95981e91" providerId="AD" clId="Web-{C562CDEE-9F6D-49E5-93C5-83603A40EEBA}" dt="2020-11-19T05:20:58.211" v="821" actId="20577"/>
+          <ac:spMkLst>
+            <pc:docMk/>
+            <pc:sldMk cId="2184288316" sldId="306"/>
+            <ac:spMk id="3" creationId="{3195CBA9-D844-5E42-8A71-CD812D3F04EA}"/>
+          </ac:spMkLst>
+        </pc:spChg>
+      </pc:sldChg>
+      <pc:sldChg chg="addSp delSp modSp">
+        <pc:chgData name="GAURAV Kumar" userId="S::gaurav_k@cs.iitr.ac.in::ce27c70f-1bfc-408c-ab41-e31f95981e91" providerId="AD" clId="Web-{C562CDEE-9F6D-49E5-93C5-83603A40EEBA}" dt="2020-11-19T05:23:24.792" v="878" actId="14100"/>
+        <pc:sldMkLst>
+          <pc:docMk/>
+          <pc:sldMk cId="540996305" sldId="313"/>
+        </pc:sldMkLst>
+        <pc:spChg chg="mod">
+          <ac:chgData name="GAURAV Kumar" userId="S::gaurav_k@cs.iitr.ac.in::ce27c70f-1bfc-408c-ab41-e31f95981e91" providerId="AD" clId="Web-{C562CDEE-9F6D-49E5-93C5-83603A40EEBA}" dt="2020-11-19T05:23:24.792" v="878" actId="14100"/>
+          <ac:spMkLst>
+            <pc:docMk/>
+            <pc:sldMk cId="540996305" sldId="313"/>
+            <ac:spMk id="3" creationId="{1D2D3FA0-8A43-6640-BAE7-BDA734104379}"/>
+          </ac:spMkLst>
+        </pc:spChg>
+        <pc:spChg chg="add del mod">
+          <ac:chgData name="GAURAV Kumar" userId="S::gaurav_k@cs.iitr.ac.in::ce27c70f-1bfc-408c-ab41-e31f95981e91" providerId="AD" clId="Web-{C562CDEE-9F6D-49E5-93C5-83603A40EEBA}" dt="2020-11-19T05:21:31.055" v="830"/>
+          <ac:spMkLst>
+            <pc:docMk/>
+            <pc:sldMk cId="540996305" sldId="313"/>
+            <ac:spMk id="4" creationId="{226BE65A-0AFC-4305-910A-062E80033798}"/>
+          </ac:spMkLst>
+        </pc:spChg>
+      </pc:sldChg>
+      <pc:sldChg chg="modSp">
+        <pc:chgData name="GAURAV Kumar" userId="S::gaurav_k@cs.iitr.ac.in::ce27c70f-1bfc-408c-ab41-e31f95981e91" providerId="AD" clId="Web-{C562CDEE-9F6D-49E5-93C5-83603A40EEBA}" dt="2020-11-19T05:24:53.481" v="922" actId="1076"/>
+        <pc:sldMkLst>
+          <pc:docMk/>
+          <pc:sldMk cId="752441556" sldId="315"/>
+        </pc:sldMkLst>
+        <pc:spChg chg="mod">
+          <ac:chgData name="GAURAV Kumar" userId="S::gaurav_k@cs.iitr.ac.in::ce27c70f-1bfc-408c-ab41-e31f95981e91" providerId="AD" clId="Web-{C562CDEE-9F6D-49E5-93C5-83603A40EEBA}" dt="2020-11-19T05:24:50.778" v="921" actId="14100"/>
+          <ac:spMkLst>
+            <pc:docMk/>
+            <pc:sldMk cId="752441556" sldId="315"/>
+            <ac:spMk id="2" creationId="{0872B982-C4D9-2E44-ABAC-16940E2EA360}"/>
+          </ac:spMkLst>
+        </pc:spChg>
+        <pc:picChg chg="mod">
+          <ac:chgData name="GAURAV Kumar" userId="S::gaurav_k@cs.iitr.ac.in::ce27c70f-1bfc-408c-ab41-e31f95981e91" providerId="AD" clId="Web-{C562CDEE-9F6D-49E5-93C5-83603A40EEBA}" dt="2020-11-19T05:24:53.481" v="922" actId="1076"/>
+          <ac:picMkLst>
+            <pc:docMk/>
+            <pc:sldMk cId="752441556" sldId="315"/>
+            <ac:picMk id="3" creationId="{CB895ADD-1428-4641-A67F-7A9382C0EBD5}"/>
+          </ac:picMkLst>
+        </pc:picChg>
+      </pc:sldChg>
+      <pc:sldChg chg="addSp modSp">
+        <pc:chgData name="GAURAV Kumar" userId="S::gaurav_k@cs.iitr.ac.in::ce27c70f-1bfc-408c-ab41-e31f95981e91" providerId="AD" clId="Web-{C562CDEE-9F6D-49E5-93C5-83603A40EEBA}" dt="2020-11-19T05:25:31.295" v="933" actId="1076"/>
+        <pc:sldMkLst>
+          <pc:docMk/>
+          <pc:sldMk cId="809326633" sldId="317"/>
+        </pc:sldMkLst>
+        <pc:spChg chg="mod">
+          <ac:chgData name="GAURAV Kumar" userId="S::gaurav_k@cs.iitr.ac.in::ce27c70f-1bfc-408c-ab41-e31f95981e91" providerId="AD" clId="Web-{C562CDEE-9F6D-49E5-93C5-83603A40EEBA}" dt="2020-11-19T05:25:17.138" v="926" actId="20577"/>
+          <ac:spMkLst>
+            <pc:docMk/>
+            <pc:sldMk cId="809326633" sldId="317"/>
+            <ac:spMk id="2" creationId="{C24F3A9A-CC10-8D4E-862D-1235DF1DB9A4}"/>
+          </ac:spMkLst>
+        </pc:spChg>
+        <pc:spChg chg="add mod">
+          <ac:chgData name="GAURAV Kumar" userId="S::gaurav_k@cs.iitr.ac.in::ce27c70f-1bfc-408c-ab41-e31f95981e91" providerId="AD" clId="Web-{C562CDEE-9F6D-49E5-93C5-83603A40EEBA}" dt="2020-11-19T05:25:27.841" v="932" actId="20577"/>
+          <ac:spMkLst>
+            <pc:docMk/>
+            <pc:sldMk cId="809326633" sldId="317"/>
+            <ac:spMk id="5" creationId="{9C4DF89D-3364-4F9E-9058-6D6D57FA6214}"/>
+          </ac:spMkLst>
+        </pc:spChg>
+        <pc:picChg chg="mod">
+          <ac:chgData name="GAURAV Kumar" userId="S::gaurav_k@cs.iitr.ac.in::ce27c70f-1bfc-408c-ab41-e31f95981e91" providerId="AD" clId="Web-{C562CDEE-9F6D-49E5-93C5-83603A40EEBA}" dt="2020-11-19T05:25:31.295" v="933" actId="1076"/>
+          <ac:picMkLst>
+            <pc:docMk/>
+            <pc:sldMk cId="809326633" sldId="317"/>
+            <ac:picMk id="3" creationId="{3DC94239-300D-984F-AB3E-E00CEE66FE21}"/>
+          </ac:picMkLst>
+        </pc:picChg>
+      </pc:sldChg>
+      <pc:sldChg chg="addSp modSp">
+        <pc:chgData name="GAURAV Kumar" userId="S::gaurav_k@cs.iitr.ac.in::ce27c70f-1bfc-408c-ab41-e31f95981e91" providerId="AD" clId="Web-{C562CDEE-9F6D-49E5-93C5-83603A40EEBA}" dt="2020-11-19T05:26:13.874" v="994" actId="14100"/>
+        <pc:sldMkLst>
+          <pc:docMk/>
+          <pc:sldMk cId="3017322215" sldId="318"/>
+        </pc:sldMkLst>
+        <pc:spChg chg="add mod">
+          <ac:chgData name="GAURAV Kumar" userId="S::gaurav_k@cs.iitr.ac.in::ce27c70f-1bfc-408c-ab41-e31f95981e91" providerId="AD" clId="Web-{C562CDEE-9F6D-49E5-93C5-83603A40EEBA}" dt="2020-11-19T05:26:13.874" v="994" actId="14100"/>
+          <ac:spMkLst>
+            <pc:docMk/>
+            <pc:sldMk cId="3017322215" sldId="318"/>
+            <ac:spMk id="5" creationId="{58270C0C-552F-4387-95F8-56EFB8558322}"/>
+          </ac:spMkLst>
+        </pc:spChg>
+        <pc:picChg chg="mod">
+          <ac:chgData name="GAURAV Kumar" userId="S::gaurav_k@cs.iitr.ac.in::ce27c70f-1bfc-408c-ab41-e31f95981e91" providerId="AD" clId="Web-{C562CDEE-9F6D-49E5-93C5-83603A40EEBA}" dt="2020-11-19T05:25:40.295" v="935" actId="1076"/>
+          <ac:picMkLst>
+            <pc:docMk/>
+            <pc:sldMk cId="3017322215" sldId="318"/>
+            <ac:picMk id="3" creationId="{1838AEAB-93CE-E143-9C60-6D6241E199FC}"/>
+          </ac:picMkLst>
+        </pc:picChg>
+      </pc:sldChg>
+      <pc:sldChg chg="modSp">
+        <pc:chgData name="GAURAV Kumar" userId="S::gaurav_k@cs.iitr.ac.in::ce27c70f-1bfc-408c-ab41-e31f95981e91" providerId="AD" clId="Web-{C562CDEE-9F6D-49E5-93C5-83603A40EEBA}" dt="2020-11-19T05:26:52.437" v="1003" actId="20577"/>
+        <pc:sldMkLst>
+          <pc:docMk/>
+          <pc:sldMk cId="2608311840" sldId="327"/>
+        </pc:sldMkLst>
+        <pc:spChg chg="mod">
+          <ac:chgData name="GAURAV Kumar" userId="S::gaurav_k@cs.iitr.ac.in::ce27c70f-1bfc-408c-ab41-e31f95981e91" providerId="AD" clId="Web-{C562CDEE-9F6D-49E5-93C5-83603A40EEBA}" dt="2020-11-19T05:26:52.437" v="1003" actId="20577"/>
+          <ac:spMkLst>
+            <pc:docMk/>
+            <pc:sldMk cId="2608311840" sldId="327"/>
+            <ac:spMk id="3" creationId="{EEFE4231-F3A7-7E4F-A190-27BB88315A04}"/>
+          </ac:spMkLst>
+        </pc:spChg>
+      </pc:sldChg>
+      <pc:sldChg chg="addSp delSp modSp">
+        <pc:chgData name="GAURAV Kumar" userId="S::gaurav_k@cs.iitr.ac.in::ce27c70f-1bfc-408c-ab41-e31f95981e91" providerId="AD" clId="Web-{C562CDEE-9F6D-49E5-93C5-83603A40EEBA}" dt="2020-11-19T05:28:07.032" v="1022" actId="20577"/>
+        <pc:sldMkLst>
+          <pc:docMk/>
+          <pc:sldMk cId="1500107029" sldId="328"/>
+        </pc:sldMkLst>
+        <pc:spChg chg="mod">
+          <ac:chgData name="GAURAV Kumar" userId="S::gaurav_k@cs.iitr.ac.in::ce27c70f-1bfc-408c-ab41-e31f95981e91" providerId="AD" clId="Web-{C562CDEE-9F6D-49E5-93C5-83603A40EEBA}" dt="2020-11-19T05:28:07.032" v="1022" actId="20577"/>
+          <ac:spMkLst>
+            <pc:docMk/>
+            <pc:sldMk cId="1500107029" sldId="328"/>
+            <ac:spMk id="3" creationId="{0E5A4F42-5872-AC46-B1EA-56387C2EDB5A}"/>
+          </ac:spMkLst>
+        </pc:spChg>
+        <pc:picChg chg="del">
+          <ac:chgData name="GAURAV Kumar" userId="S::gaurav_k@cs.iitr.ac.in::ce27c70f-1bfc-408c-ab41-e31f95981e91" providerId="AD" clId="Web-{C562CDEE-9F6D-49E5-93C5-83603A40EEBA}" dt="2020-11-19T05:27:03.812" v="1004"/>
+          <ac:picMkLst>
+            <pc:docMk/>
+            <pc:sldMk cId="1500107029" sldId="328"/>
+            <ac:picMk id="4" creationId="{A1C8DA51-47BA-B745-8E73-911CEC38FD12}"/>
+          </ac:picMkLst>
+        </pc:picChg>
+        <pc:picChg chg="add del mod">
+          <ac:chgData name="GAURAV Kumar" userId="S::gaurav_k@cs.iitr.ac.in::ce27c70f-1bfc-408c-ab41-e31f95981e91" providerId="AD" clId="Web-{C562CDEE-9F6D-49E5-93C5-83603A40EEBA}" dt="2020-11-19T05:27:24.594" v="1012"/>
+          <ac:picMkLst>
+            <pc:docMk/>
+            <pc:sldMk cId="1500107029" sldId="328"/>
+            <ac:picMk id="5" creationId="{21058924-2ED2-4671-B1E5-72DF85C00D21}"/>
+          </ac:picMkLst>
+        </pc:picChg>
+      </pc:sldChg>
+      <pc:sldChg chg="addSp delSp modSp add replId">
+        <pc:chgData name="GAURAV Kumar" userId="S::gaurav_k@cs.iitr.ac.in::ce27c70f-1bfc-408c-ab41-e31f95981e91" providerId="AD" clId="Web-{C562CDEE-9F6D-49E5-93C5-83603A40EEBA}" dt="2020-11-19T05:27:54.798" v="1019" actId="14100"/>
+        <pc:sldMkLst>
+          <pc:docMk/>
+          <pc:sldMk cId="760046079" sldId="334"/>
+        </pc:sldMkLst>
+        <pc:spChg chg="del">
+          <ac:chgData name="GAURAV Kumar" userId="S::gaurav_k@cs.iitr.ac.in::ce27c70f-1bfc-408c-ab41-e31f95981e91" providerId="AD" clId="Web-{C562CDEE-9F6D-49E5-93C5-83603A40EEBA}" dt="2020-11-19T05:27:44.110" v="1014"/>
+          <ac:spMkLst>
+            <pc:docMk/>
+            <pc:sldMk cId="760046079" sldId="334"/>
+            <ac:spMk id="3" creationId="{0E5A4F42-5872-AC46-B1EA-56387C2EDB5A}"/>
+          </ac:spMkLst>
+        </pc:spChg>
+        <pc:picChg chg="add mod">
+          <ac:chgData name="GAURAV Kumar" userId="S::gaurav_k@cs.iitr.ac.in::ce27c70f-1bfc-408c-ab41-e31f95981e91" providerId="AD" clId="Web-{C562CDEE-9F6D-49E5-93C5-83603A40EEBA}" dt="2020-11-19T05:27:54.798" v="1019" actId="14100"/>
+          <ac:picMkLst>
+            <pc:docMk/>
+            <pc:sldMk cId="760046079" sldId="334"/>
+            <ac:picMk id="4" creationId="{6EB795EC-18E0-4AEB-8061-0988CDAF6AE6}"/>
+          </ac:picMkLst>
+        </pc:picChg>
+      </pc:sldChg>
+    </pc:docChg>
+  </pc:docChgLst>
   <pc:docChgLst>
     <pc:chgData name="GAURAV Kumar" userId="S::gaurav_k@cs.iitr.ac.in::ce27c70f-1bfc-408c-ab41-e31f95981e91" providerId="AD" clId="Web-{C15B37AE-E1E8-473E-9E22-DF26D4473F9C}"/>
     <pc:docChg chg="modSld">
@@ -242,6 +592,22 @@
             <ac:spMk id="2" creationId="{88E9F683-2473-A84E-960C-727FB12B185B}"/>
           </ac:spMkLst>
         </pc:spChg>
+      </pc:sldChg>
+    </pc:docChg>
+  </pc:docChgLst>
+  <pc:docChgLst>
+    <pc:chgData name="SRISHTI SHARMA" userId="S::s_sharma1@cs.iitr.ac.in::b11106af-53ff-4fb2-ac75-d7678453f426" providerId="AD" clId="Web-{597F98D9-F366-416D-BE01-4B2F1BE4A341}"/>
+    <pc:docChg chg="sldOrd">
+      <pc:chgData name="SRISHTI SHARMA" userId="S::s_sharma1@cs.iitr.ac.in::b11106af-53ff-4fb2-ac75-d7678453f426" providerId="AD" clId="Web-{597F98D9-F366-416D-BE01-4B2F1BE4A341}" dt="2020-11-19T02:41:02.430" v="1"/>
+      <pc:docMkLst>
+        <pc:docMk/>
+      </pc:docMkLst>
+      <pc:sldChg chg="ord">
+        <pc:chgData name="SRISHTI SHARMA" userId="S::s_sharma1@cs.iitr.ac.in::b11106af-53ff-4fb2-ac75-d7678453f426" providerId="AD" clId="Web-{597F98D9-F366-416D-BE01-4B2F1BE4A341}" dt="2020-11-19T02:41:02.430" v="1"/>
+        <pc:sldMkLst>
+          <pc:docMk/>
+          <pc:sldMk cId="1500107029" sldId="328"/>
+        </pc:sldMkLst>
       </pc:sldChg>
     </pc:docChg>
   </pc:docChgLst>
@@ -3812,6 +4178,223 @@
           <a:chExt cx="0" cy="0"/>
         </a:xfrm>
       </p:grpSpPr>
+      <p:pic>
+        <p:nvPicPr>
+          <p:cNvPr id="2" name="Picture 1" descr="3384E5AE-CFBB-4C9C-A81F-7460BA61F787.jpeg"/>
+          <p:cNvPicPr>
+            <a:picLocks noChangeAspect="1"/>
+          </p:cNvPicPr>
+          <p:nvPr/>
+        </p:nvPicPr>
+        <p:blipFill>
+          <a:blip r:embed="rId2" cstate="print"/>
+          <a:stretch>
+            <a:fillRect/>
+          </a:stretch>
+        </p:blipFill>
+        <p:spPr>
+          <a:xfrm>
+            <a:off x="1011570" y="1143000"/>
+            <a:ext cx="5073544" cy="5290457"/>
+          </a:xfrm>
+          <a:prstGeom prst="rect">
+            <a:avLst/>
+          </a:prstGeom>
+        </p:spPr>
+      </p:pic>
+      <p:sp>
+        <p:nvSpPr>
+          <p:cNvPr id="3" name="Title 1">
+            <a:extLst>
+              <a:ext uri="{FF2B5EF4-FFF2-40B4-BE49-F238E27FC236}">
+                <a16:creationId xmlns:a16="http://schemas.microsoft.com/office/drawing/2014/main" id="{0780A442-E004-6944-A30B-14EA95A373F0}"/>
+              </a:ext>
+            </a:extLst>
+          </p:cNvPr>
+          <p:cNvSpPr txBox="1">
+            <a:spLocks/>
+          </p:cNvSpPr>
+          <p:nvPr/>
+        </p:nvSpPr>
+        <p:spPr>
+          <a:xfrm>
+            <a:off x="180654" y="209721"/>
+            <a:ext cx="7042080" cy="554587"/>
+          </a:xfrm>
+          <a:prstGeom prst="rect">
+            <a:avLst/>
+          </a:prstGeom>
+        </p:spPr>
+        <p:txBody>
+          <a:bodyPr/>
+          <a:lstStyle>
+            <a:lvl1pPr algn="ctr" rtl="0" eaLnBrk="1" fontAlgn="base" hangingPunct="1">
+              <a:spcBef>
+                <a:spcPct val="0"/>
+              </a:spcBef>
+              <a:spcAft>
+                <a:spcPct val="0"/>
+              </a:spcAft>
+              <a:defRPr sz="4400" kern="1200">
+                <a:solidFill>
+                  <a:schemeClr val="tx1"/>
+                </a:solidFill>
+                <a:latin typeface="+mj-lt"/>
+                <a:ea typeface="+mj-ea"/>
+                <a:cs typeface="+mj-cs"/>
+              </a:defRPr>
+            </a:lvl1pPr>
+            <a:lvl2pPr algn="ctr" rtl="0" eaLnBrk="1" fontAlgn="base" hangingPunct="1">
+              <a:spcBef>
+                <a:spcPct val="0"/>
+              </a:spcBef>
+              <a:spcAft>
+                <a:spcPct val="0"/>
+              </a:spcAft>
+              <a:defRPr sz="4400">
+                <a:solidFill>
+                  <a:schemeClr val="tx1"/>
+                </a:solidFill>
+                <a:latin typeface="Calibri" pitchFamily="34" charset="0"/>
+              </a:defRPr>
+            </a:lvl2pPr>
+            <a:lvl3pPr algn="ctr" rtl="0" eaLnBrk="1" fontAlgn="base" hangingPunct="1">
+              <a:spcBef>
+                <a:spcPct val="0"/>
+              </a:spcBef>
+              <a:spcAft>
+                <a:spcPct val="0"/>
+              </a:spcAft>
+              <a:defRPr sz="4400">
+                <a:solidFill>
+                  <a:schemeClr val="tx1"/>
+                </a:solidFill>
+                <a:latin typeface="Calibri" pitchFamily="34" charset="0"/>
+              </a:defRPr>
+            </a:lvl3pPr>
+            <a:lvl4pPr algn="ctr" rtl="0" eaLnBrk="1" fontAlgn="base" hangingPunct="1">
+              <a:spcBef>
+                <a:spcPct val="0"/>
+              </a:spcBef>
+              <a:spcAft>
+                <a:spcPct val="0"/>
+              </a:spcAft>
+              <a:defRPr sz="4400">
+                <a:solidFill>
+                  <a:schemeClr val="tx1"/>
+                </a:solidFill>
+                <a:latin typeface="Calibri" pitchFamily="34" charset="0"/>
+              </a:defRPr>
+            </a:lvl4pPr>
+            <a:lvl5pPr algn="ctr" rtl="0" eaLnBrk="1" fontAlgn="base" hangingPunct="1">
+              <a:spcBef>
+                <a:spcPct val="0"/>
+              </a:spcBef>
+              <a:spcAft>
+                <a:spcPct val="0"/>
+              </a:spcAft>
+              <a:defRPr sz="4400">
+                <a:solidFill>
+                  <a:schemeClr val="tx1"/>
+                </a:solidFill>
+                <a:latin typeface="Calibri" pitchFamily="34" charset="0"/>
+              </a:defRPr>
+            </a:lvl5pPr>
+            <a:lvl6pPr marL="457200" algn="ctr" rtl="0" eaLnBrk="1" fontAlgn="base" hangingPunct="1">
+              <a:spcBef>
+                <a:spcPct val="0"/>
+              </a:spcBef>
+              <a:spcAft>
+                <a:spcPct val="0"/>
+              </a:spcAft>
+              <a:defRPr sz="4400">
+                <a:solidFill>
+                  <a:schemeClr val="tx1"/>
+                </a:solidFill>
+                <a:latin typeface="Calibri" pitchFamily="34" charset="0"/>
+              </a:defRPr>
+            </a:lvl6pPr>
+            <a:lvl7pPr marL="914400" algn="ctr" rtl="0" eaLnBrk="1" fontAlgn="base" hangingPunct="1">
+              <a:spcBef>
+                <a:spcPct val="0"/>
+              </a:spcBef>
+              <a:spcAft>
+                <a:spcPct val="0"/>
+              </a:spcAft>
+              <a:defRPr sz="4400">
+                <a:solidFill>
+                  <a:schemeClr val="tx1"/>
+                </a:solidFill>
+                <a:latin typeface="Calibri" pitchFamily="34" charset="0"/>
+              </a:defRPr>
+            </a:lvl7pPr>
+            <a:lvl8pPr marL="1371600" algn="ctr" rtl="0" eaLnBrk="1" fontAlgn="base" hangingPunct="1">
+              <a:spcBef>
+                <a:spcPct val="0"/>
+              </a:spcBef>
+              <a:spcAft>
+                <a:spcPct val="0"/>
+              </a:spcAft>
+              <a:defRPr sz="4400">
+                <a:solidFill>
+                  <a:schemeClr val="tx1"/>
+                </a:solidFill>
+                <a:latin typeface="Calibri" pitchFamily="34" charset="0"/>
+              </a:defRPr>
+            </a:lvl8pPr>
+            <a:lvl9pPr marL="1828800" algn="ctr" rtl="0" eaLnBrk="1" fontAlgn="base" hangingPunct="1">
+              <a:spcBef>
+                <a:spcPct val="0"/>
+              </a:spcBef>
+              <a:spcAft>
+                <a:spcPct val="0"/>
+              </a:spcAft>
+              <a:defRPr sz="4400">
+                <a:solidFill>
+                  <a:schemeClr val="tx1"/>
+                </a:solidFill>
+                <a:latin typeface="Calibri" pitchFamily="34" charset="0"/>
+              </a:defRPr>
+            </a:lvl9pPr>
+          </a:lstStyle>
+          <a:p>
+            <a:pPr algn="l"/>
+            <a:r>
+              <a:rPr lang="en-US" sz="3200" b="1" dirty="0">
+                <a:solidFill>
+                  <a:srgbClr val="00B0F0"/>
+                </a:solidFill>
+              </a:rPr>
+              <a:t>Sample values </a:t>
+            </a:r>
+          </a:p>
+        </p:txBody>
+      </p:sp>
+    </p:spTree>
+  </p:cSld>
+  <p:clrMapOvr>
+    <a:masterClrMapping/>
+  </p:clrMapOvr>
+</p:sld>
+</file>
+
+<file path=ppt/slides/slide11.xml><?xml version="1.0" encoding="utf-8"?>
+<p:sld xmlns:a="http://schemas.openxmlformats.org/drawingml/2006/main" xmlns:r="http://schemas.openxmlformats.org/officeDocument/2006/relationships" xmlns:p="http://schemas.openxmlformats.org/presentationml/2006/main">
+  <p:cSld>
+    <p:spTree>
+      <p:nvGrpSpPr>
+        <p:cNvPr id="1" name=""/>
+        <p:cNvGrpSpPr/>
+        <p:nvPr/>
+      </p:nvGrpSpPr>
+      <p:grpSpPr>
+        <a:xfrm>
+          <a:off x="0" y="0"/>
+          <a:ext cx="0" cy="0"/>
+          <a:chOff x="0" y="0"/>
+          <a:chExt cx="0" cy="0"/>
+        </a:xfrm>
+      </p:grpSpPr>
       <p:sp>
         <p:nvSpPr>
           <p:cNvPr id="2" name="Title 1">
@@ -3975,7 +4558,7 @@
                 </a:solidFill>
                 <a:cs typeface="Calibri Light"/>
               </a:rPr>
-              <a:t>Python Implementation</a:t>
+              <a:t>Implementation</a:t>
             </a:r>
           </a:p>
         </p:txBody>
@@ -4137,7 +4720,7 @@
           </a:lstStyle>
           <a:p>
             <a:r>
-              <a:rPr lang="en-US" sz="4000" b="1" dirty="0">
+              <a:rPr lang="en-US" sz="4000" b="1">
                 <a:solidFill>
                   <a:srgbClr val="00B0F0"/>
                 </a:solidFill>
@@ -4161,7 +4744,7 @@
 </p:sld>
 </file>
 
-<file path=ppt/slides/slide11.xml><?xml version="1.0" encoding="utf-8"?>
+<file path=ppt/slides/slide12.xml><?xml version="1.0" encoding="utf-8"?>
 <p:sld xmlns:a="http://schemas.openxmlformats.org/drawingml/2006/main" xmlns:r="http://schemas.openxmlformats.org/officeDocument/2006/relationships" xmlns:p="http://schemas.openxmlformats.org/presentationml/2006/main">
   <p:cSld>
     <p:spTree>
@@ -4374,7 +4957,7 @@
         </p:blipFill>
         <p:spPr>
           <a:xfrm>
-            <a:off x="0" y="2447637"/>
+            <a:off x="-4848" y="3952346"/>
             <a:ext cx="8562108" cy="1293090"/>
           </a:xfrm>
           <a:prstGeom prst="rect">
@@ -4382,6 +4965,153 @@
           </a:prstGeom>
         </p:spPr>
       </p:pic>
+      <p:sp>
+        <p:nvSpPr>
+          <p:cNvPr id="4" name="TextBox 3">
+            <a:extLst>
+              <a:ext uri="{FF2B5EF4-FFF2-40B4-BE49-F238E27FC236}">
+                <a16:creationId xmlns:a16="http://schemas.microsoft.com/office/drawing/2014/main" id="{2567D0EC-DB32-4ABF-B0A7-C9E56231013F}"/>
+              </a:ext>
+            </a:extLst>
+          </p:cNvPr>
+          <p:cNvSpPr txBox="1"/>
+          <p:nvPr/>
+        </p:nvSpPr>
+        <p:spPr>
+          <a:xfrm>
+            <a:off x="266219" y="1135626"/>
+            <a:ext cx="8005520" cy="1631216"/>
+          </a:xfrm>
+          <a:prstGeom prst="rect">
+            <a:avLst/>
+          </a:prstGeom>
+          <a:noFill/>
+        </p:spPr>
+        <p:txBody>
+          <a:bodyPr rot="0" spcFirstLastPara="0" vertOverflow="overflow" horzOverflow="overflow" vert="horz" wrap="square" lIns="91440" tIns="45720" rIns="91440" bIns="45720" numCol="1" spcCol="0" rtlCol="0" fromWordArt="0" anchor="t" anchorCtr="0" forceAA="0" compatLnSpc="1">
+            <a:prstTxWarp prst="textNoShape">
+              <a:avLst/>
+            </a:prstTxWarp>
+            <a:spAutoFit/>
+          </a:bodyPr>
+          <a:lstStyle/>
+          <a:p>
+            <a:pPr marL="285750" indent="-285750" algn="just">
+              <a:buFont typeface="Arial"/>
+              <a:buChar char="•"/>
+            </a:pPr>
+            <a:r>
+              <a:rPr lang="en-US" sz="2000" dirty="0">
+                <a:latin typeface="+mn-lt"/>
+                <a:cs typeface="Times New Roman"/>
+              </a:rPr>
+              <a:t>Reading of PCAP file is done in python language using </a:t>
+            </a:r>
+            <a:r>
+              <a:rPr lang="en-US" sz="2000" dirty="0" err="1">
+                <a:latin typeface="+mn-lt"/>
+                <a:cs typeface="Times New Roman"/>
+              </a:rPr>
+              <a:t>scapy</a:t>
+            </a:r>
+            <a:r>
+              <a:rPr lang="en-US" sz="2000" dirty="0">
+                <a:latin typeface="+mn-lt"/>
+                <a:cs typeface="Times New Roman"/>
+              </a:rPr>
+              <a:t> package </a:t>
+            </a:r>
+          </a:p>
+          <a:p>
+            <a:pPr marL="285750" indent="-285750" algn="just">
+              <a:buFont typeface="Arial"/>
+              <a:buChar char="•"/>
+            </a:pPr>
+            <a:endParaRPr lang="en-US" sz="2000" dirty="0">
+              <a:latin typeface="+mn-lt"/>
+              <a:cs typeface="Times New Roman"/>
+            </a:endParaRPr>
+          </a:p>
+          <a:p>
+            <a:pPr marL="285750" indent="-285750" algn="just">
+              <a:buFont typeface="Arial"/>
+              <a:buChar char="•"/>
+            </a:pPr>
+            <a:r>
+              <a:rPr lang="en-US" sz="2000" dirty="0">
+                <a:latin typeface="+mn-lt"/>
+                <a:cs typeface="Times New Roman"/>
+              </a:rPr>
+              <a:t>Use </a:t>
+            </a:r>
+            <a:r>
+              <a:rPr lang="en-US" sz="2000" dirty="0" err="1">
+                <a:latin typeface="+mn-lt"/>
+                <a:cs typeface="Times New Roman"/>
+              </a:rPr>
+              <a:t>rdpcap</a:t>
+            </a:r>
+            <a:r>
+              <a:rPr lang="en-US" sz="2000" dirty="0">
+                <a:latin typeface="+mn-lt"/>
+                <a:cs typeface="Times New Roman"/>
+              </a:rPr>
+              <a:t>() method of </a:t>
+            </a:r>
+            <a:r>
+              <a:rPr lang="en-US" sz="2000" dirty="0" err="1">
+                <a:latin typeface="+mn-lt"/>
+                <a:cs typeface="Times New Roman"/>
+              </a:rPr>
+              <a:t>scapy</a:t>
+            </a:r>
+            <a:r>
+              <a:rPr lang="en-US" sz="2000" dirty="0">
+                <a:latin typeface="+mn-lt"/>
+                <a:cs typeface="Times New Roman"/>
+              </a:rPr>
+              <a:t> package to read the content of  </a:t>
+            </a:r>
+            <a:r>
+              <a:rPr lang="en-US" sz="2000" dirty="0" err="1">
+                <a:latin typeface="+mn-lt"/>
+                <a:cs typeface="Times New Roman"/>
+              </a:rPr>
+              <a:t>pcap</a:t>
+            </a:r>
+            <a:r>
+              <a:rPr lang="en-US" sz="2000" dirty="0">
+                <a:latin typeface="+mn-lt"/>
+                <a:cs typeface="Times New Roman"/>
+              </a:rPr>
+              <a:t> file</a:t>
+            </a:r>
+          </a:p>
+          <a:p>
+            <a:pPr marL="285750" indent="-285750" algn="just">
+              <a:buFont typeface="Arial"/>
+              <a:buChar char="•"/>
+            </a:pPr>
+            <a:endParaRPr lang="en-US" sz="2000" dirty="0">
+              <a:latin typeface="+mn-lt"/>
+              <a:cs typeface="Times New Roman"/>
+            </a:endParaRPr>
+          </a:p>
+          <a:p>
+            <a:pPr marL="285750" indent="-285750" algn="just">
+              <a:buFont typeface="Arial"/>
+              <a:buChar char="•"/>
+            </a:pPr>
+            <a:r>
+              <a:rPr lang="en-US" sz="2000" dirty="0">
+                <a:latin typeface="+mn-lt"/>
+                <a:cs typeface="Times New Roman"/>
+              </a:rPr>
+              <a:t>Test file is having total 26776 packets</a:t>
+            </a:r>
+          </a:p>
+        </p:txBody>
+      </p:sp>
     </p:spTree>
     <p:extLst>
       <p:ext uri="{BB962C8B-B14F-4D97-AF65-F5344CB8AC3E}">
@@ -4395,7 +5125,7 @@
 </p:sld>
 </file>
 
-<file path=ppt/slides/slide12.xml><?xml version="1.0" encoding="utf-8"?>
+<file path=ppt/slides/slide13.xml><?xml version="1.0" encoding="utf-8"?>
 <p:sld xmlns:a="http://schemas.openxmlformats.org/drawingml/2006/main" xmlns:r="http://schemas.openxmlformats.org/officeDocument/2006/relationships" xmlns:p="http://schemas.openxmlformats.org/presentationml/2006/main">
   <p:cSld>
     <p:spTree>
@@ -4602,8 +5332,8 @@
         </p:nvSpPr>
         <p:spPr>
           <a:xfrm>
-            <a:off x="376382" y="1282270"/>
-            <a:ext cx="8028709" cy="4596580"/>
+            <a:off x="450124" y="1208529"/>
+            <a:ext cx="8028709" cy="5291861"/>
           </a:xfrm>
           <a:prstGeom prst="rect">
             <a:avLst/>
@@ -4611,7 +5341,7 @@
         </p:spPr>
         <p:txBody>
           <a:bodyPr vert="horz" lIns="91440" tIns="45720" rIns="91440" bIns="45720" rtlCol="0" anchor="t">
-            <a:normAutofit fontScale="92500" lnSpcReduction="10000"/>
+            <a:normAutofit/>
           </a:bodyPr>
           <a:lstStyle>
             <a:lvl1pPr marL="342900" indent="-342900" algn="l" rtl="0" eaLnBrk="1" fontAlgn="base" hangingPunct="1">
@@ -4765,40 +5495,56 @@
               </a:defRPr>
             </a:lvl9pPr>
           </a:lstStyle>
+          <a:p>
+            <a:pPr marL="457200" indent="-457200"/>
+            <a:r>
+              <a:rPr lang="en-US" sz="2400" i="1" dirty="0">
+                <a:ea typeface="+mn-lt"/>
+                <a:cs typeface="+mn-lt"/>
+              </a:rPr>
+              <a:t>Extracting packet number 66 at various levels</a:t>
+            </a:r>
+          </a:p>
           <a:p>
             <a:pPr marL="0" indent="0">
               <a:buFont typeface="Arial" charset="0"/>
               <a:buNone/>
             </a:pPr>
             <a:r>
-              <a:rPr lang="en-US" i="1" dirty="0" err="1">
+              <a:rPr lang="en-US" sz="2400" i="1" dirty="0" err="1">
                 <a:ea typeface="+mn-lt"/>
                 <a:cs typeface="+mn-lt"/>
               </a:rPr>
               <a:t>ethernet_frame</a:t>
             </a:r>
             <a:r>
-              <a:rPr lang="en-US" i="1" dirty="0">
+              <a:rPr lang="en-US" sz="2400" i="1" dirty="0">
                 <a:ea typeface="+mn-lt"/>
                 <a:cs typeface="+mn-lt"/>
               </a:rPr>
               <a:t> = file2[66]</a:t>
             </a:r>
-            <a:endParaRPr lang="en-US" i="1" dirty="0">
-              <a:cs typeface="Calibri" panose="020F0502020204030204"/>
-            </a:endParaRPr>
           </a:p>
           <a:p>
             <a:pPr marL="0" indent="0">
               <a:buFont typeface="Arial" charset="0"/>
               <a:buNone/>
             </a:pPr>
-            <a:r>
-              <a:rPr lang="en-US" b="1" dirty="0">
+            <a:endParaRPr lang="en-US" sz="2400" i="1" dirty="0">
+              <a:cs typeface="Calibri" panose="020F0502020204030204"/>
+            </a:endParaRPr>
+          </a:p>
+          <a:p>
+            <a:pPr marL="457200" indent="-457200">
+              <a:buFont typeface="Arial" charset="0"/>
+              <a:buChar char="•"/>
+            </a:pPr>
+            <a:r>
+              <a:rPr lang="en-US" sz="2400" b="1" dirty="0">
                 <a:ea typeface="+mn-lt"/>
                 <a:cs typeface="+mn-lt"/>
               </a:rPr>
-              <a:t>#Extracting Data Encapsulated in Ethernet Frame</a:t>
+              <a:t>Extracting Data Encapsulated in Ethernet Frame</a:t>
             </a:r>
           </a:p>
           <a:p>
@@ -4807,28 +5553,29 @@
               <a:buNone/>
             </a:pPr>
             <a:r>
-              <a:rPr lang="en-US" i="1" dirty="0" err="1">
+              <a:rPr lang="en-US" sz="2400" i="1" dirty="0" err="1">
                 <a:ea typeface="+mn-lt"/>
                 <a:cs typeface="+mn-lt"/>
               </a:rPr>
               <a:t>ip_packet</a:t>
             </a:r>
             <a:r>
-              <a:rPr lang="en-US" i="1" dirty="0">
+              <a:rPr lang="en-US" sz="2400" i="1" dirty="0">
                 <a:ea typeface="+mn-lt"/>
                 <a:cs typeface="+mn-lt"/>
               </a:rPr>
               <a:t> = </a:t>
             </a:r>
             <a:r>
-              <a:rPr lang="en-US" i="1" dirty="0" err="1">
+              <a:rPr lang="en-US" sz="2400" i="1" dirty="0" err="1">
                 <a:ea typeface="+mn-lt"/>
                 <a:cs typeface="+mn-lt"/>
               </a:rPr>
               <a:t>ethernet_frame.payload</a:t>
             </a:r>
-            <a:endParaRPr lang="en-US" i="1" dirty="0">
-              <a:cs typeface="Calibri" panose="020F0502020204030204"/>
+            <a:endParaRPr lang="en-US" sz="2400" i="1" dirty="0">
+              <a:ea typeface="+mn-lt"/>
+              <a:cs typeface="+mn-lt"/>
             </a:endParaRPr>
           </a:p>
           <a:p>
@@ -4836,9 +5583,24 @@
               <a:buFont typeface="Arial" charset="0"/>
               <a:buNone/>
             </a:pPr>
-            <a:endParaRPr lang="en-US">
-              <a:ea typeface="+mn-lt"/>
-              <a:cs typeface="+mn-lt"/>
+            <a:endParaRPr lang="en-US" sz="2400" i="1" dirty="0">
+              <a:cs typeface="Calibri" panose="020F0502020204030204"/>
+            </a:endParaRPr>
+          </a:p>
+          <a:p>
+            <a:pPr marL="457200" indent="-457200">
+              <a:buFont typeface="Arial" charset="0"/>
+              <a:buChar char="•"/>
+            </a:pPr>
+            <a:r>
+              <a:rPr lang="en-US" sz="2400" b="1" dirty="0">
+                <a:ea typeface="+mn-lt"/>
+                <a:cs typeface="+mn-lt"/>
+              </a:rPr>
+              <a:t>Extracting Data Encapsulated in IP Packet</a:t>
+            </a:r>
+            <a:endParaRPr lang="en-US" sz="2400" dirty="0">
+              <a:cs typeface="Calibri"/>
             </a:endParaRPr>
           </a:p>
           <a:p>
@@ -4847,35 +5609,47 @@
               <a:buNone/>
             </a:pPr>
             <a:r>
-              <a:rPr lang="en-US" b="1" dirty="0">
+              <a:rPr lang="en-US" sz="2400" i="1" dirty="0">
                 <a:ea typeface="+mn-lt"/>
                 <a:cs typeface="+mn-lt"/>
               </a:rPr>
-              <a:t>#Extracting Data Encapsulated in IP Packet</a:t>
-            </a:r>
-            <a:endParaRPr lang="en-US" dirty="0"/>
+              <a:t>segment = </a:t>
+            </a:r>
+            <a:r>
+              <a:rPr lang="en-US" sz="2400" i="1" dirty="0" err="1">
+                <a:ea typeface="+mn-lt"/>
+                <a:cs typeface="+mn-lt"/>
+              </a:rPr>
+              <a:t>ip_packet.payload</a:t>
+            </a:r>
+            <a:endParaRPr lang="en-US" sz="2400" i="1" dirty="0">
+              <a:ea typeface="+mn-lt"/>
+              <a:cs typeface="+mn-lt"/>
+            </a:endParaRPr>
           </a:p>
           <a:p>
             <a:pPr marL="0" indent="0">
               <a:buFont typeface="Arial" charset="0"/>
               <a:buNone/>
             </a:pPr>
-            <a:r>
-              <a:rPr lang="en-US" i="1" dirty="0">
+            <a:endParaRPr lang="en-US" sz="2400" i="1" dirty="0">
+              <a:cs typeface="Calibri" panose="020F0502020204030204"/>
+            </a:endParaRPr>
+          </a:p>
+          <a:p>
+            <a:pPr marL="457200" indent="-457200">
+              <a:buFont typeface="Arial" charset="0"/>
+              <a:buChar char="•"/>
+            </a:pPr>
+            <a:r>
+              <a:rPr lang="en-US" sz="2400" b="1" dirty="0">
                 <a:ea typeface="+mn-lt"/>
                 <a:cs typeface="+mn-lt"/>
               </a:rPr>
-              <a:t>segment = </a:t>
-            </a:r>
-            <a:r>
-              <a:rPr lang="en-US" i="1" dirty="0" err="1">
-                <a:ea typeface="+mn-lt"/>
-                <a:cs typeface="+mn-lt"/>
-              </a:rPr>
-              <a:t>ip_packet.payload</a:t>
-            </a:r>
-            <a:endParaRPr lang="en-US" i="1" dirty="0">
-              <a:cs typeface="Calibri" panose="020F0502020204030204"/>
+              <a:t>Extracting payload Encapsulated in the Packet</a:t>
+            </a:r>
+            <a:endParaRPr lang="en-US" sz="2400" dirty="0">
+              <a:cs typeface="Calibri"/>
             </a:endParaRPr>
           </a:p>
           <a:p>
@@ -4883,46 +5657,22 @@
               <a:buFont typeface="Arial" charset="0"/>
               <a:buNone/>
             </a:pPr>
-            <a:endParaRPr lang="en-US">
-              <a:ea typeface="+mn-lt"/>
-              <a:cs typeface="+mn-lt"/>
-            </a:endParaRPr>
-          </a:p>
-          <a:p>
-            <a:pPr marL="0" indent="0">
-              <a:buFont typeface="Arial" charset="0"/>
-              <a:buNone/>
-            </a:pPr>
-            <a:r>
-              <a:rPr lang="en-US" b="1" dirty="0">
+            <a:r>
+              <a:rPr lang="en-US" sz="2400" i="1" dirty="0">
                 <a:ea typeface="+mn-lt"/>
                 <a:cs typeface="+mn-lt"/>
               </a:rPr>
-              <a:t>#Extracting payload Encapsulated in the Packet</a:t>
-            </a:r>
-            <a:endParaRPr lang="en-US" dirty="0"/>
-          </a:p>
-          <a:p>
-            <a:pPr marL="0" indent="0">
-              <a:buFont typeface="Arial" charset="0"/>
-              <a:buNone/>
-            </a:pPr>
-            <a:r>
-              <a:rPr lang="en-US" i="1" dirty="0">
+              <a:t>data = </a:t>
+            </a:r>
+            <a:r>
+              <a:rPr lang="en-US" sz="2400" i="1" dirty="0" err="1">
                 <a:ea typeface="+mn-lt"/>
                 <a:cs typeface="+mn-lt"/>
               </a:rPr>
-              <a:t>data = </a:t>
-            </a:r>
-            <a:r>
-              <a:rPr lang="en-US" i="1" dirty="0" err="1">
-                <a:ea typeface="+mn-lt"/>
-                <a:cs typeface="+mn-lt"/>
-              </a:rPr>
               <a:t>segment.payload</a:t>
             </a:r>
             <a:r>
-              <a:rPr lang="en-US" dirty="0">
+              <a:rPr lang="en-US" sz="2400" dirty="0">
                 <a:ea typeface="+mn-lt"/>
                 <a:cs typeface="+mn-lt"/>
               </a:rPr>
@@ -4944,7 +5694,7 @@
 </p:sld>
 </file>
 
-<file path=ppt/slides/slide13.xml><?xml version="1.0" encoding="utf-8"?>
+<file path=ppt/slides/slide14.xml><?xml version="1.0" encoding="utf-8"?>
 <p:sld xmlns:a="http://schemas.openxmlformats.org/drawingml/2006/main" xmlns:r="http://schemas.openxmlformats.org/officeDocument/2006/relationships" xmlns:p="http://schemas.openxmlformats.org/presentationml/2006/main">
   <p:cSld>
     <p:spTree>
@@ -4977,15 +5727,15 @@
         </p:nvSpPr>
         <p:spPr>
           <a:xfrm>
-            <a:off x="3398624" y="244677"/>
-            <a:ext cx="2417909" cy="650875"/>
+            <a:off x="596431" y="244677"/>
+            <a:ext cx="6431576" cy="650875"/>
           </a:xfrm>
           <a:prstGeom prst="rect">
             <a:avLst/>
           </a:prstGeom>
         </p:spPr>
         <p:txBody>
-          <a:bodyPr/>
+          <a:bodyPr lIns="91440" tIns="45720" rIns="91440" bIns="45720" anchor="t"/>
           <a:lstStyle>
             <a:lvl1pPr algn="ctr" rtl="0" eaLnBrk="1" fontAlgn="base" hangingPunct="1">
               <a:spcBef>
@@ -5125,12 +5875,24 @@
                 </a:solidFill>
                 <a:cs typeface="Calibri Light"/>
               </a:rPr>
-              <a:t>UDP Packet</a:t>
-            </a:r>
-            <a:endParaRPr lang="en-US" sz="3200" b="1">
+              <a:t>Display specific Packet </a:t>
+            </a:r>
+            <a:r>
+              <a:rPr lang="en-US" sz="3200" b="1">
+                <a:solidFill>
+                  <a:srgbClr val="00B0F0"/>
+                </a:solidFill>
+                <a:ea typeface="+mj-lt"/>
+                <a:cs typeface="+mj-lt"/>
+              </a:rPr>
+              <a:t>headers</a:t>
+            </a:r>
+            <a:endParaRPr lang="en-US" sz="3200" b="1" err="1">
               <a:solidFill>
                 <a:srgbClr val="00B0F0"/>
               </a:solidFill>
+              <a:ea typeface="+mj-lt"/>
+              <a:cs typeface="+mj-lt"/>
             </a:endParaRPr>
           </a:p>
         </p:txBody>
@@ -5168,239 +5930,6 @@
     <p:extLst>
       <p:ext uri="{BB962C8B-B14F-4D97-AF65-F5344CB8AC3E}">
         <p14:creationId xmlns:p14="http://schemas.microsoft.com/office/powerpoint/2010/main" val="4242289373"/>
-      </p:ext>
-    </p:extLst>
-  </p:cSld>
-  <p:clrMapOvr>
-    <a:masterClrMapping/>
-  </p:clrMapOvr>
-</p:sld>
-</file>
-
-<file path=ppt/slides/slide14.xml><?xml version="1.0" encoding="utf-8"?>
-<p:sld xmlns:a="http://schemas.openxmlformats.org/drawingml/2006/main" xmlns:r="http://schemas.openxmlformats.org/officeDocument/2006/relationships" xmlns:p="http://schemas.openxmlformats.org/presentationml/2006/main">
-  <p:cSld>
-    <p:spTree>
-      <p:nvGrpSpPr>
-        <p:cNvPr id="1" name=""/>
-        <p:cNvGrpSpPr/>
-        <p:nvPr/>
-      </p:nvGrpSpPr>
-      <p:grpSpPr>
-        <a:xfrm>
-          <a:off x="0" y="0"/>
-          <a:ext cx="0" cy="0"/>
-          <a:chOff x="0" y="0"/>
-          <a:chExt cx="0" cy="0"/>
-        </a:xfrm>
-      </p:grpSpPr>
-      <p:sp>
-        <p:nvSpPr>
-          <p:cNvPr id="2" name="Title 1">
-            <a:extLst>
-              <a:ext uri="{FF2B5EF4-FFF2-40B4-BE49-F238E27FC236}">
-                <a16:creationId xmlns:a16="http://schemas.microsoft.com/office/drawing/2014/main" id="{5D01BD2A-79BF-446F-A7B5-E4D9C1800011}"/>
-              </a:ext>
-            </a:extLst>
-          </p:cNvPr>
-          <p:cNvSpPr txBox="1">
-            <a:spLocks/>
-          </p:cNvSpPr>
-          <p:nvPr/>
-        </p:nvSpPr>
-        <p:spPr>
-          <a:xfrm>
-            <a:off x="3467001" y="237074"/>
-            <a:ext cx="2209800" cy="631946"/>
-          </a:xfrm>
-          <a:prstGeom prst="rect">
-            <a:avLst/>
-          </a:prstGeom>
-        </p:spPr>
-        <p:txBody>
-          <a:bodyPr/>
-          <a:lstStyle>
-            <a:lvl1pPr algn="ctr" rtl="0" eaLnBrk="1" fontAlgn="base" hangingPunct="1">
-              <a:spcBef>
-                <a:spcPct val="0"/>
-              </a:spcBef>
-              <a:spcAft>
-                <a:spcPct val="0"/>
-              </a:spcAft>
-              <a:defRPr sz="4400" kern="1200">
-                <a:solidFill>
-                  <a:schemeClr val="tx1"/>
-                </a:solidFill>
-                <a:latin typeface="+mj-lt"/>
-                <a:ea typeface="+mj-ea"/>
-                <a:cs typeface="+mj-cs"/>
-              </a:defRPr>
-            </a:lvl1pPr>
-            <a:lvl2pPr algn="ctr" rtl="0" eaLnBrk="1" fontAlgn="base" hangingPunct="1">
-              <a:spcBef>
-                <a:spcPct val="0"/>
-              </a:spcBef>
-              <a:spcAft>
-                <a:spcPct val="0"/>
-              </a:spcAft>
-              <a:defRPr sz="4400">
-                <a:solidFill>
-                  <a:schemeClr val="tx1"/>
-                </a:solidFill>
-                <a:latin typeface="Calibri" pitchFamily="34" charset="0"/>
-              </a:defRPr>
-            </a:lvl2pPr>
-            <a:lvl3pPr algn="ctr" rtl="0" eaLnBrk="1" fontAlgn="base" hangingPunct="1">
-              <a:spcBef>
-                <a:spcPct val="0"/>
-              </a:spcBef>
-              <a:spcAft>
-                <a:spcPct val="0"/>
-              </a:spcAft>
-              <a:defRPr sz="4400">
-                <a:solidFill>
-                  <a:schemeClr val="tx1"/>
-                </a:solidFill>
-                <a:latin typeface="Calibri" pitchFamily="34" charset="0"/>
-              </a:defRPr>
-            </a:lvl3pPr>
-            <a:lvl4pPr algn="ctr" rtl="0" eaLnBrk="1" fontAlgn="base" hangingPunct="1">
-              <a:spcBef>
-                <a:spcPct val="0"/>
-              </a:spcBef>
-              <a:spcAft>
-                <a:spcPct val="0"/>
-              </a:spcAft>
-              <a:defRPr sz="4400">
-                <a:solidFill>
-                  <a:schemeClr val="tx1"/>
-                </a:solidFill>
-                <a:latin typeface="Calibri" pitchFamily="34" charset="0"/>
-              </a:defRPr>
-            </a:lvl4pPr>
-            <a:lvl5pPr algn="ctr" rtl="0" eaLnBrk="1" fontAlgn="base" hangingPunct="1">
-              <a:spcBef>
-                <a:spcPct val="0"/>
-              </a:spcBef>
-              <a:spcAft>
-                <a:spcPct val="0"/>
-              </a:spcAft>
-              <a:defRPr sz="4400">
-                <a:solidFill>
-                  <a:schemeClr val="tx1"/>
-                </a:solidFill>
-                <a:latin typeface="Calibri" pitchFamily="34" charset="0"/>
-              </a:defRPr>
-            </a:lvl5pPr>
-            <a:lvl6pPr marL="457200" algn="ctr" rtl="0" eaLnBrk="1" fontAlgn="base" hangingPunct="1">
-              <a:spcBef>
-                <a:spcPct val="0"/>
-              </a:spcBef>
-              <a:spcAft>
-                <a:spcPct val="0"/>
-              </a:spcAft>
-              <a:defRPr sz="4400">
-                <a:solidFill>
-                  <a:schemeClr val="tx1"/>
-                </a:solidFill>
-                <a:latin typeface="Calibri" pitchFamily="34" charset="0"/>
-              </a:defRPr>
-            </a:lvl6pPr>
-            <a:lvl7pPr marL="914400" algn="ctr" rtl="0" eaLnBrk="1" fontAlgn="base" hangingPunct="1">
-              <a:spcBef>
-                <a:spcPct val="0"/>
-              </a:spcBef>
-              <a:spcAft>
-                <a:spcPct val="0"/>
-              </a:spcAft>
-              <a:defRPr sz="4400">
-                <a:solidFill>
-                  <a:schemeClr val="tx1"/>
-                </a:solidFill>
-                <a:latin typeface="Calibri" pitchFamily="34" charset="0"/>
-              </a:defRPr>
-            </a:lvl7pPr>
-            <a:lvl8pPr marL="1371600" algn="ctr" rtl="0" eaLnBrk="1" fontAlgn="base" hangingPunct="1">
-              <a:spcBef>
-                <a:spcPct val="0"/>
-              </a:spcBef>
-              <a:spcAft>
-                <a:spcPct val="0"/>
-              </a:spcAft>
-              <a:defRPr sz="4400">
-                <a:solidFill>
-                  <a:schemeClr val="tx1"/>
-                </a:solidFill>
-                <a:latin typeface="Calibri" pitchFamily="34" charset="0"/>
-              </a:defRPr>
-            </a:lvl8pPr>
-            <a:lvl9pPr marL="1828800" algn="ctr" rtl="0" eaLnBrk="1" fontAlgn="base" hangingPunct="1">
-              <a:spcBef>
-                <a:spcPct val="0"/>
-              </a:spcBef>
-              <a:spcAft>
-                <a:spcPct val="0"/>
-              </a:spcAft>
-              <a:defRPr sz="4400">
-                <a:solidFill>
-                  <a:schemeClr val="tx1"/>
-                </a:solidFill>
-                <a:latin typeface="Calibri" pitchFamily="34" charset="0"/>
-              </a:defRPr>
-            </a:lvl9pPr>
-          </a:lstStyle>
-          <a:p>
-            <a:pPr algn="l"/>
-            <a:r>
-              <a:rPr lang="en-US" sz="3200" b="1">
-                <a:solidFill>
-                  <a:srgbClr val="00B0F0"/>
-                </a:solidFill>
-                <a:cs typeface="Calibri Light"/>
-              </a:rPr>
-              <a:t>ARP Packet</a:t>
-            </a:r>
-            <a:endParaRPr lang="en-US" sz="3200" b="1">
-              <a:solidFill>
-                <a:srgbClr val="00B0F0"/>
-              </a:solidFill>
-            </a:endParaRPr>
-          </a:p>
-        </p:txBody>
-      </p:sp>
-      <p:pic>
-        <p:nvPicPr>
-          <p:cNvPr id="3" name="Picture 4" descr="Graphical user interface, text, application, email&#10;&#10;Description automatically generated">
-            <a:extLst>
-              <a:ext uri="{FF2B5EF4-FFF2-40B4-BE49-F238E27FC236}">
-                <a16:creationId xmlns:a16="http://schemas.microsoft.com/office/drawing/2014/main" id="{33A00582-9077-4E87-AF94-4E52D26A4019}"/>
-              </a:ext>
-            </a:extLst>
-          </p:cNvPr>
-          <p:cNvPicPr>
-            <a:picLocks noChangeAspect="1"/>
-          </p:cNvPicPr>
-          <p:nvPr/>
-        </p:nvPicPr>
-        <p:blipFill rotWithShape="1">
-          <a:blip r:embed="rId2" cstate="print"/>
-          <a:srcRect l="4931" t="49869" r="6465" b="4065"/>
-          <a:stretch/>
-        </p:blipFill>
-        <p:spPr>
-          <a:xfrm>
-            <a:off x="219363" y="1293091"/>
-            <a:ext cx="8453582" cy="4599709"/>
-          </a:xfrm>
-          <a:prstGeom prst="rect">
-            <a:avLst/>
-          </a:prstGeom>
-        </p:spPr>
-      </p:pic>
-    </p:spTree>
-    <p:extLst>
-      <p:ext uri="{BB962C8B-B14F-4D97-AF65-F5344CB8AC3E}">
-        <p14:creationId xmlns:p14="http://schemas.microsoft.com/office/powerpoint/2010/main" val="1358467198"/>
       </p:ext>
     </p:extLst>
   </p:cSld>
@@ -5449,7 +5978,7 @@
           <a:lstStyle/>
           <a:p>
             <a:r>
-              <a:rPr lang="en-US" sz="3200" b="1" dirty="0">
+              <a:rPr lang="en-US" sz="3200" b="1">
                 <a:solidFill>
                   <a:srgbClr val="00B0F0"/>
                 </a:solidFill>
@@ -5458,7 +5987,7 @@
               </a:rPr>
               <a:t>Display Header Fields as per User Request</a:t>
             </a:r>
-            <a:endParaRPr lang="en-IN" sz="3200" dirty="0">
+            <a:endParaRPr lang="en-IN" sz="3200">
               <a:solidFill>
                 <a:srgbClr val="00B0F0"/>
               </a:solidFill>
@@ -5648,6 +6177,46 @@
             </a:lvl9pPr>
           </a:lstStyle>
           <a:p>
+            <a:r>
+              <a:rPr lang="en-US" sz="2000" b="1" i="1" dirty="0">
+                <a:ea typeface="+mn-lt"/>
+                <a:cs typeface="+mn-lt"/>
+              </a:rPr>
+              <a:t>Function to display the Header Fields</a:t>
+            </a:r>
+            <a:endParaRPr lang="en-US" sz="2000" dirty="0">
+              <a:ea typeface="+mn-lt"/>
+              <a:cs typeface="+mn-lt"/>
+            </a:endParaRPr>
+          </a:p>
+          <a:p>
+            <a:pPr marL="0" indent="0">
+              <a:buNone/>
+            </a:pPr>
+            <a:r>
+              <a:rPr lang="en-US" sz="2000" i="1" dirty="0">
+                <a:ea typeface="+mn-lt"/>
+                <a:cs typeface="+mn-lt"/>
+              </a:rPr>
+              <a:t>def display(n):      </a:t>
+            </a:r>
+          </a:p>
+          <a:p>
+            <a:pPr marL="0" indent="0">
+              <a:buNone/>
+            </a:pPr>
+            <a:r>
+              <a:rPr lang="en-US" sz="2000" i="1" dirty="0">
+                <a:ea typeface="+mn-lt"/>
+                <a:cs typeface="+mn-lt"/>
+              </a:rPr>
+              <a:t>     file[n].display()</a:t>
+            </a:r>
+            <a:endParaRPr lang="en-US" sz="2000" i="1" dirty="0">
+              <a:cs typeface="Calibri"/>
+            </a:endParaRPr>
+          </a:p>
+          <a:p>
             <a:pPr marL="0" indent="0">
               <a:buFont typeface="Arial" charset="0"/>
               <a:buNone/>
@@ -5657,17 +6226,23 @@
                 <a:ea typeface="+mn-lt"/>
                 <a:cs typeface="+mn-lt"/>
               </a:rPr>
-              <a:t>def display(n):  </a:t>
-            </a:r>
+              <a:t>    return 0</a:t>
+            </a:r>
+            <a:endParaRPr lang="en-US" sz="2000" i="1" dirty="0">
+              <a:cs typeface="Calibri"/>
+            </a:endParaRPr>
+          </a:p>
+          <a:p>
             <a:r>
               <a:rPr lang="en-US" sz="2000" b="1" i="1" dirty="0">
                 <a:ea typeface="+mn-lt"/>
                 <a:cs typeface="+mn-lt"/>
               </a:rPr>
-              <a:t>#Function to display the Header Fields</a:t>
-            </a:r>
-            <a:endParaRPr lang="en-US" sz="2000" b="1" i="1" dirty="0">
-              <a:cs typeface="Calibri" panose="020F0502020204030204"/>
+              <a:t>Display No. of Total Packets</a:t>
+            </a:r>
+            <a:endParaRPr lang="en-US" sz="2000" dirty="0">
+              <a:ea typeface="+mn-lt"/>
+              <a:cs typeface="+mn-lt"/>
             </a:endParaRPr>
           </a:p>
           <a:p>
@@ -5680,85 +6255,21 @@
                 <a:ea typeface="+mn-lt"/>
                 <a:cs typeface="+mn-lt"/>
               </a:rPr>
-              <a:t>    file[n].display()</a:t>
-            </a:r>
-            <a:endParaRPr lang="en-US" sz="2000" i="1" dirty="0">
-              <a:cs typeface="Calibri"/>
-            </a:endParaRPr>
-          </a:p>
-          <a:p>
-            <a:pPr marL="0" indent="0">
-              <a:buFont typeface="Arial" charset="0"/>
-              <a:buNone/>
-            </a:pPr>
+              <a:t>print('Total Number of Packets is', </a:t>
+            </a:r>
+            <a:r>
+              <a:rPr lang="en-US" sz="2000" i="1" dirty="0" err="1">
+                <a:ea typeface="+mn-lt"/>
+                <a:cs typeface="+mn-lt"/>
+              </a:rPr>
+              <a:t>len</a:t>
+            </a:r>
             <a:r>
               <a:rPr lang="en-US" sz="2000" i="1" dirty="0">
                 <a:ea typeface="+mn-lt"/>
                 <a:cs typeface="+mn-lt"/>
               </a:rPr>
-              <a:t>    return 0</a:t>
-            </a:r>
-            <a:endParaRPr lang="en-US" sz="2000" i="1" dirty="0">
-              <a:cs typeface="Calibri"/>
-            </a:endParaRPr>
-          </a:p>
-          <a:p>
-            <a:pPr marL="0" indent="0">
-              <a:buFont typeface="Arial" charset="0"/>
-              <a:buNone/>
-            </a:pPr>
-            <a:endParaRPr lang="en-US" sz="2000" i="1" dirty="0">
-              <a:cs typeface="Calibri"/>
-            </a:endParaRPr>
-          </a:p>
-          <a:p>
-            <a:pPr marL="0" indent="0">
-              <a:buFont typeface="Arial" charset="0"/>
-              <a:buNone/>
-            </a:pPr>
-            <a:r>
-              <a:rPr lang="en-US" sz="2000" i="1" dirty="0">
-                <a:ea typeface="+mn-lt"/>
-                <a:cs typeface="+mn-lt"/>
-              </a:rPr>
-              <a:t>print('Total Number of Packets is', </a:t>
-            </a:r>
-            <a:r>
-              <a:rPr lang="en-US" sz="2000" i="1" dirty="0" err="1">
-                <a:ea typeface="+mn-lt"/>
-                <a:cs typeface="+mn-lt"/>
-              </a:rPr>
-              <a:t>len</a:t>
-            </a:r>
-            <a:r>
-              <a:rPr lang="en-US" sz="2000" i="1" dirty="0">
-                <a:ea typeface="+mn-lt"/>
-                <a:cs typeface="+mn-lt"/>
-              </a:rPr>
-              <a:t>(file)) </a:t>
-            </a:r>
-            <a:r>
-              <a:rPr lang="en-US" sz="2000" b="1" i="1" dirty="0">
-                <a:ea typeface="+mn-lt"/>
-                <a:cs typeface="+mn-lt"/>
-              </a:rPr>
-              <a:t>#Display No. of Total Packets</a:t>
-            </a:r>
-            <a:endParaRPr lang="en-US" sz="2000" b="1" i="1" dirty="0">
-              <a:cs typeface="Calibri"/>
-            </a:endParaRPr>
-          </a:p>
-          <a:p>
-            <a:pPr marL="0" indent="0">
-              <a:buFont typeface="Arial" charset="0"/>
-              <a:buNone/>
-            </a:pPr>
-            <a:r>
-              <a:rPr lang="en-US" sz="2000" i="1" dirty="0">
-                <a:ea typeface="+mn-lt"/>
-                <a:cs typeface="+mn-lt"/>
-              </a:rPr>
-              <a:t>while(1):</a:t>
+              <a:t>(file)) while(1):</a:t>
             </a:r>
             <a:endParaRPr lang="en-US" sz="2000" i="1" dirty="0">
               <a:cs typeface="Calibri"/>
@@ -6248,8 +6759,8 @@
         </p:nvSpPr>
         <p:spPr>
           <a:xfrm>
-            <a:off x="219364" y="1770206"/>
-            <a:ext cx="8582890" cy="3134303"/>
+            <a:off x="282571" y="1232944"/>
+            <a:ext cx="8582890" cy="4693419"/>
           </a:xfrm>
           <a:prstGeom prst="rect">
             <a:avLst/>
@@ -6413,84 +6924,123 @@
           </a:lstStyle>
           <a:p>
             <a:r>
-              <a:rPr lang="en-US" sz="2800" i="1" dirty="0" err="1">
+              <a:rPr lang="en-US" sz="2800" i="1">
                 <a:ea typeface="+mn-lt"/>
                 <a:cs typeface="+mn-lt"/>
               </a:rPr>
-              <a:t>ip_fields</a:t>
-            </a:r>
-            <a:r>
-              <a:rPr lang="en-US" sz="2800" i="1" dirty="0">
+              <a:t>All IP header fileds are extracted </a:t>
+            </a:r>
+          </a:p>
+          <a:p>
+            <a:pPr marL="0" indent="0">
+              <a:buNone/>
+            </a:pPr>
+            <a:r>
+              <a:rPr lang="en-US" sz="2800" i="1" err="1">
                 <a:ea typeface="+mn-lt"/>
                 <a:cs typeface="+mn-lt"/>
               </a:rPr>
-              <a:t> = [field.name for field in IP().</a:t>
-            </a:r>
-            <a:r>
-              <a:rPr lang="en-US" sz="2800" i="1" dirty="0" err="1">
+              <a:t>ip_fields</a:t>
+            </a:r>
+            <a:r>
+              <a:rPr lang="en-US" sz="2800" i="1">
                 <a:ea typeface="+mn-lt"/>
                 <a:cs typeface="+mn-lt"/>
               </a:rPr>
-              <a:t>fields_desc</a:t>
-            </a:r>
-            <a:r>
-              <a:rPr lang="en-US" sz="2800" i="1" dirty="0">
+              <a:t> = [field.name for field in IP().</a:t>
+            </a:r>
+            <a:r>
+              <a:rPr lang="en-US" sz="2800" i="1" err="1">
                 <a:ea typeface="+mn-lt"/>
                 <a:cs typeface="+mn-lt"/>
               </a:rPr>
+              <a:t>fields_desc</a:t>
+            </a:r>
+            <a:r>
+              <a:rPr lang="en-US" sz="2800" i="1">
+                <a:ea typeface="+mn-lt"/>
+                <a:cs typeface="+mn-lt"/>
+              </a:rPr>
               <a:t>]</a:t>
             </a:r>
-            <a:endParaRPr lang="en-US" sz="2800" i="1" dirty="0">
+            <a:endParaRPr lang="en-US" sz="2800" i="1">
               <a:cs typeface="Calibri" panose="020F0502020204030204"/>
             </a:endParaRPr>
           </a:p>
           <a:p>
-            <a:endParaRPr lang="en-US" sz="2800" i="1" dirty="0">
+            <a:pPr marL="0" indent="0">
+              <a:buNone/>
+            </a:pPr>
+            <a:endParaRPr lang="en-US" sz="2800" i="1">
               <a:ea typeface="+mn-lt"/>
               <a:cs typeface="+mn-lt"/>
             </a:endParaRPr>
           </a:p>
           <a:p>
             <a:r>
-              <a:rPr lang="en-US" sz="2800" i="1" dirty="0" err="1">
+              <a:rPr lang="en-US" sz="2800" i="1">
                 <a:ea typeface="+mn-lt"/>
                 <a:cs typeface="+mn-lt"/>
               </a:rPr>
-              <a:t>tcp_fields</a:t>
-            </a:r>
-            <a:r>
-              <a:rPr lang="en-US" sz="2800" i="1" dirty="0">
+              <a:t>All TCP header fileds are extracted </a:t>
+            </a:r>
+          </a:p>
+          <a:p>
+            <a:pPr marL="0" indent="0">
+              <a:buNone/>
+            </a:pPr>
+            <a:r>
+              <a:rPr lang="en-US" sz="2800" i="1" err="1">
                 <a:ea typeface="+mn-lt"/>
                 <a:cs typeface="+mn-lt"/>
               </a:rPr>
-              <a:t> = [field.name for field in TCP().</a:t>
-            </a:r>
-            <a:r>
-              <a:rPr lang="en-US" sz="2800" i="1" dirty="0" err="1">
+              <a:t>tcp_fields</a:t>
+            </a:r>
+            <a:r>
+              <a:rPr lang="en-US" sz="2800" i="1">
                 <a:ea typeface="+mn-lt"/>
                 <a:cs typeface="+mn-lt"/>
               </a:rPr>
-              <a:t>fields_desc</a:t>
-            </a:r>
-            <a:r>
-              <a:rPr lang="en-US" sz="2800" i="1" dirty="0">
+              <a:t> = [field.name for field in TCP().</a:t>
+            </a:r>
+            <a:r>
+              <a:rPr lang="en-US" sz="2800" i="1" err="1">
                 <a:ea typeface="+mn-lt"/>
                 <a:cs typeface="+mn-lt"/>
               </a:rPr>
+              <a:t>fields_desc</a:t>
+            </a:r>
+            <a:r>
+              <a:rPr lang="en-US" sz="2800" i="1">
+                <a:ea typeface="+mn-lt"/>
+                <a:cs typeface="+mn-lt"/>
+              </a:rPr>
               <a:t>]</a:t>
             </a:r>
-            <a:endParaRPr lang="en-US" sz="2800" i="1" dirty="0">
+            <a:endParaRPr lang="en-US" sz="2800" i="1">
               <a:cs typeface="Calibri"/>
             </a:endParaRPr>
           </a:p>
           <a:p>
-            <a:endParaRPr lang="en-US" sz="2800" i="1" dirty="0">
+            <a:endParaRPr lang="en-US" sz="2800" i="1">
               <a:ea typeface="+mn-lt"/>
               <a:cs typeface="+mn-lt"/>
             </a:endParaRPr>
           </a:p>
           <a:p>
             <a:r>
+              <a:rPr lang="en-US" sz="2800" i="1">
+                <a:ea typeface="+mn-lt"/>
+                <a:cs typeface="+mn-lt"/>
+              </a:rPr>
+              <a:t>All UDP header fileds are extracted </a:t>
+            </a:r>
+          </a:p>
+          <a:p>
+            <a:pPr marL="0" indent="0">
+              <a:buNone/>
+            </a:pPr>
+            <a:r>
               <a:rPr lang="en-US" sz="2800" i="1" err="1">
                 <a:ea typeface="+mn-lt"/>
                 <a:cs typeface="+mn-lt"/>
@@ -6498,7 +7048,7 @@
               <a:t>udp_fields</a:t>
             </a:r>
             <a:r>
-              <a:rPr lang="en-US" sz="2800" i="1" dirty="0">
+              <a:rPr lang="en-US" sz="2800" i="1">
                 <a:ea typeface="+mn-lt"/>
                 <a:cs typeface="+mn-lt"/>
               </a:rPr>
@@ -6512,18 +7062,18 @@
               <a:t>fields_desc</a:t>
             </a:r>
             <a:r>
-              <a:rPr lang="en-US" sz="2800" i="1" dirty="0">
+              <a:rPr lang="en-US" sz="2800" i="1">
                 <a:ea typeface="+mn-lt"/>
                 <a:cs typeface="+mn-lt"/>
               </a:rPr>
               <a:t>]</a:t>
             </a:r>
-            <a:endParaRPr lang="en-US" sz="2800" i="1" dirty="0">
+            <a:endParaRPr lang="en-US" sz="2800" i="1">
               <a:cs typeface="Calibri"/>
             </a:endParaRPr>
           </a:p>
           <a:p>
-            <a:endParaRPr lang="en-US" i="1" dirty="0">
+            <a:endParaRPr lang="en-US" i="1">
               <a:cs typeface="Calibri"/>
             </a:endParaRPr>
           </a:p>
@@ -6760,7 +7310,7 @@
             <a:prstTxWarp prst="textNoShape">
               <a:avLst/>
             </a:prstTxWarp>
-            <a:normAutofit/>
+            <a:normAutofit fontScale="92500"/>
           </a:bodyPr>
           <a:lstStyle>
             <a:lvl1pPr marL="342900" indent="-342900" algn="l" rtl="0" eaLnBrk="1" fontAlgn="base" hangingPunct="1">
@@ -6914,13 +7464,36 @@
               </a:defRPr>
             </a:lvl9pPr>
           </a:lstStyle>
+          <a:p>
+            <a:pPr algn="just"/>
+            <a:r>
+              <a:rPr lang="en-US" sz="2800" b="1" i="1">
+                <a:ea typeface="+mn-lt"/>
+                <a:cs typeface="+mn-lt"/>
+              </a:rPr>
+              <a:t>The size of Options field is added as the last parameter</a:t>
+            </a:r>
+            <a:endParaRPr lang="en-US" sz="2800">
+              <a:ea typeface="+mn-lt"/>
+              <a:cs typeface="+mn-lt"/>
+            </a:endParaRPr>
+          </a:p>
+          <a:p>
+            <a:pPr marL="0" indent="0" algn="just">
+              <a:buNone/>
+            </a:pPr>
+            <a:endParaRPr lang="en-US" sz="2800" b="1" i="1">
+              <a:ea typeface="+mn-lt"/>
+              <a:cs typeface="+mn-lt"/>
+            </a:endParaRPr>
+          </a:p>
           <a:p>
             <a:pPr marL="0" indent="0" algn="just">
               <a:buFont typeface="Arial" charset="0"/>
               <a:buNone/>
             </a:pPr>
             <a:r>
-              <a:rPr lang="en-US" sz="2800" i="1" dirty="0">
+              <a:rPr lang="en-US" sz="2800" i="1">
                 <a:ea typeface="+mn-lt"/>
                 <a:cs typeface="+mn-lt"/>
               </a:rPr>
@@ -6936,21 +7509,21 @@
               <a:buNone/>
             </a:pPr>
             <a:r>
-              <a:rPr lang="en-US" sz="2800" i="1" dirty="0">
+              <a:rPr lang="en-US" sz="2800" i="1">
                 <a:ea typeface="+mn-lt"/>
                 <a:cs typeface="+mn-lt"/>
               </a:rPr>
               <a:t>    </a:t>
             </a:r>
             <a:r>
-              <a:rPr lang="en-US" sz="2800" i="1" dirty="0" err="1">
+              <a:rPr lang="en-US" sz="2800" i="1" err="1">
                 <a:ea typeface="+mn-lt"/>
                 <a:cs typeface="+mn-lt"/>
               </a:rPr>
               <a:t>field_values</a:t>
             </a:r>
             <a:r>
-              <a:rPr lang="en-US" sz="2800" i="1" dirty="0">
+              <a:rPr lang="en-US" sz="2800" i="1">
                 <a:ea typeface="+mn-lt"/>
                 <a:cs typeface="+mn-lt"/>
               </a:rPr>
@@ -6963,133 +7536,113 @@
               <a:buNone/>
             </a:pPr>
             <a:r>
-              <a:rPr lang="en-US" sz="2800" i="1" dirty="0">
+              <a:rPr lang="en-US" sz="2800" i="1">
                 <a:ea typeface="+mn-lt"/>
                 <a:cs typeface="+mn-lt"/>
               </a:rPr>
               <a:t>    for field in </a:t>
             </a:r>
             <a:r>
-              <a:rPr lang="en-US" sz="2800" i="1" dirty="0" err="1">
+              <a:rPr lang="en-US" sz="2800" i="1" err="1">
                 <a:ea typeface="+mn-lt"/>
                 <a:cs typeface="+mn-lt"/>
               </a:rPr>
               <a:t>ip_fields</a:t>
             </a:r>
             <a:r>
-              <a:rPr lang="en-US" sz="2800" i="1" dirty="0">
+              <a:rPr lang="en-US" sz="2800" i="1">
                 <a:ea typeface="+mn-lt"/>
                 <a:cs typeface="+mn-lt"/>
               </a:rPr>
               <a:t>:</a:t>
             </a:r>
+          </a:p>
+          <a:p>
+            <a:pPr marL="0" indent="0">
+              <a:buNone/>
+            </a:pPr>
+            <a:r>
+              <a:rPr lang="en-US" sz="2800" i="1">
+                <a:ea typeface="+mn-lt"/>
+                <a:cs typeface="+mn-lt"/>
+              </a:rPr>
+              <a:t>       if field == 'options': </a:t>
+            </a:r>
+          </a:p>
+          <a:p>
+            <a:pPr marL="0" indent="0">
+              <a:buNone/>
+            </a:pPr>
+            <a:r>
+              <a:rPr lang="en-US" sz="2800" i="1">
+                <a:ea typeface="+mn-lt"/>
+                <a:cs typeface="+mn-lt"/>
+              </a:rPr>
+              <a:t>           </a:t>
+            </a:r>
+            <a:r>
+              <a:rPr lang="en-US" sz="2800" i="1" err="1">
+                <a:ea typeface="+mn-lt"/>
+                <a:cs typeface="+mn-lt"/>
+              </a:rPr>
+              <a:t>field_values.append</a:t>
+            </a:r>
+            <a:r>
+              <a:rPr lang="en-US" sz="2800" i="1">
+                <a:ea typeface="+mn-lt"/>
+                <a:cs typeface="+mn-lt"/>
+              </a:rPr>
+              <a:t> (</a:t>
+            </a:r>
+            <a:r>
+              <a:rPr lang="en-US" sz="2800" i="1" err="1">
+                <a:ea typeface="+mn-lt"/>
+                <a:cs typeface="+mn-lt"/>
+              </a:rPr>
+              <a:t>len</a:t>
+            </a:r>
+            <a:r>
+              <a:rPr lang="en-US" sz="2800" i="1">
+                <a:ea typeface="+mn-lt"/>
+                <a:cs typeface="+mn-lt"/>
+              </a:rPr>
+              <a:t>(packet[IP].fields[field]))</a:t>
+            </a:r>
+            <a:endParaRPr lang="en-US"/>
+          </a:p>
+          <a:p>
+            <a:pPr marL="0" indent="0">
+              <a:buNone/>
+            </a:pPr>
+            <a:r>
+              <a:rPr lang="en-US" sz="2800" i="1">
+                <a:ea typeface="+mn-lt"/>
+                <a:cs typeface="+mn-lt"/>
+              </a:rPr>
+              <a:t>       else:</a:t>
+            </a:r>
+            <a:endParaRPr lang="en-US"/>
           </a:p>
           <a:p>
             <a:pPr marL="0" indent="0" algn="just">
               <a:buNone/>
             </a:pPr>
             <a:r>
-              <a:rPr lang="en-US" sz="2800" i="1" dirty="0">
+              <a:rPr lang="en-US" sz="2800" i="1">
                 <a:ea typeface="+mn-lt"/>
                 <a:cs typeface="+mn-lt"/>
               </a:rPr>
-              <a:t>        if field == 'options': </a:t>
-            </a:r>
-            <a:r>
-              <a:rPr lang="en-US" sz="2800" b="1" i="1" dirty="0">
+              <a:t>           </a:t>
+            </a:r>
+            <a:r>
+              <a:rPr lang="en-US" sz="2800" i="1" err="1">
                 <a:ea typeface="+mn-lt"/>
                 <a:cs typeface="+mn-lt"/>
               </a:rPr>
-              <a:t>#Adding only the size of</a:t>
-            </a:r>
-          </a:p>
-          <a:p>
-            <a:pPr marL="0" indent="0" algn="just">
-              <a:buNone/>
-            </a:pPr>
-            <a:r>
-              <a:rPr lang="en-US" sz="2800" b="1" i="1" dirty="0">
-                <a:ea typeface="+mn-lt"/>
-                <a:cs typeface="+mn-lt"/>
-              </a:rPr>
-              <a:t>                                             Options field</a:t>
-            </a:r>
-          </a:p>
-          <a:p>
-            <a:pPr marL="0" indent="0" algn="just">
-              <a:buFont typeface="Arial" charset="0"/>
-              <a:buNone/>
-            </a:pPr>
-            <a:r>
-              <a:rPr lang="en-US" sz="2800" i="1" dirty="0">
-                <a:ea typeface="+mn-lt"/>
-                <a:cs typeface="+mn-lt"/>
-              </a:rPr>
-              <a:t>            </a:t>
-            </a:r>
-            <a:r>
-              <a:rPr lang="en-US" sz="2800" i="1" dirty="0" err="1">
-                <a:ea typeface="+mn-lt"/>
-                <a:cs typeface="+mn-lt"/>
-              </a:rPr>
               <a:t>field_values.append</a:t>
             </a:r>
             <a:r>
-              <a:rPr lang="en-US" sz="2800" i="1" dirty="0">
-                <a:ea typeface="+mn-lt"/>
-                <a:cs typeface="+mn-lt"/>
-              </a:rPr>
-              <a:t>(</a:t>
-            </a:r>
-            <a:r>
-              <a:rPr lang="en-US" sz="2800" i="1" dirty="0" err="1">
-                <a:ea typeface="+mn-lt"/>
-                <a:cs typeface="+mn-lt"/>
-              </a:rPr>
-              <a:t>len</a:t>
-            </a:r>
-            <a:r>
-              <a:rPr lang="en-US" sz="2800" i="1" dirty="0">
-                <a:ea typeface="+mn-lt"/>
-                <a:cs typeface="+mn-lt"/>
-              </a:rPr>
-              <a:t>(packet[IP].fields[field]))</a:t>
-            </a:r>
-          </a:p>
-          <a:p>
-            <a:pPr marL="0" indent="0" algn="just">
-              <a:buFont typeface="Arial" charset="0"/>
-              <a:buNone/>
-            </a:pPr>
-            <a:r>
-              <a:rPr lang="en-US" sz="2800" i="1" dirty="0">
-                <a:ea typeface="+mn-lt"/>
-                <a:cs typeface="+mn-lt"/>
-              </a:rPr>
-              <a:t>        else:</a:t>
-            </a:r>
-          </a:p>
-          <a:p>
-            <a:pPr marL="0" indent="0" algn="just">
-              <a:buFont typeface="Arial" charset="0"/>
-              <a:buNone/>
-            </a:pPr>
-            <a:r>
-              <a:rPr lang="en-US" sz="2800" i="1" dirty="0">
-                <a:ea typeface="+mn-lt"/>
-                <a:cs typeface="+mn-lt"/>
-              </a:rPr>
-              <a:t>            </a:t>
-            </a:r>
-            <a:r>
-              <a:rPr lang="en-US" sz="2800" i="1" dirty="0" err="1">
-                <a:ea typeface="+mn-lt"/>
-                <a:cs typeface="+mn-lt"/>
-              </a:rPr>
-              <a:t>field_values.append</a:t>
-            </a:r>
-            <a:r>
-              <a:rPr lang="en-US" sz="2800" i="1" dirty="0">
+              <a:rPr lang="en-US" sz="2800" i="1">
                 <a:ea typeface="+mn-lt"/>
                 <a:cs typeface="+mn-lt"/>
               </a:rPr>
@@ -7448,7 +8001,7 @@
           <a:lstStyle/>
           <a:p>
             <a:r>
-              <a:rPr lang="en-US" sz="2000" dirty="0">
+              <a:rPr lang="en-US" sz="2000">
                 <a:latin typeface="Arial"/>
                 <a:cs typeface="Arial"/>
               </a:rPr>
@@ -7458,7 +8011,7 @@
           <a:p>
             <a:pPr lvl="1"/>
             <a:r>
-              <a:rPr lang="en-US" sz="1800" dirty="0">
+              <a:rPr lang="en-US" sz="1800">
                 <a:latin typeface="Arial"/>
                 <a:cs typeface="Arial"/>
               </a:rPr>
@@ -7468,7 +8021,7 @@
           <a:p>
             <a:pPr lvl="1"/>
             <a:r>
-              <a:rPr lang="en-US" sz="1800" dirty="0">
+              <a:rPr lang="en-US" sz="1800">
                 <a:latin typeface="Arial"/>
                 <a:cs typeface="Arial"/>
               </a:rPr>
@@ -7477,7 +8030,7 @@
           </a:p>
           <a:p>
             <a:r>
-              <a:rPr lang="en-US" sz="2000" dirty="0">
+              <a:rPr lang="en-US" sz="2000">
                 <a:latin typeface="Arial"/>
                 <a:cs typeface="Arial"/>
               </a:rPr>
@@ -7518,7 +8071,7 @@
           </a:p>
           <a:p>
             <a:r>
-              <a:rPr lang="en-US" sz="2000" dirty="0">
+              <a:rPr lang="en-US" sz="2000">
                 <a:latin typeface="Arial"/>
                 <a:cs typeface="Arial"/>
               </a:rPr>
@@ -7528,7 +8081,7 @@
           <a:p>
             <a:pPr lvl="1"/>
             <a:r>
-              <a:rPr lang="en-US" sz="1800" dirty="0">
+              <a:rPr lang="en-US" sz="1800">
                 <a:latin typeface="Arial"/>
                 <a:cs typeface="Arial"/>
               </a:rPr>
@@ -7538,27 +8091,27 @@
           <a:p>
             <a:pPr lvl="1"/>
             <a:r>
-              <a:rPr lang="en-US" sz="1800" dirty="0">
+              <a:rPr lang="en-US" sz="1800">
                 <a:latin typeface="Arial"/>
                 <a:cs typeface="Arial"/>
               </a:rPr>
               <a:t>Analyzed various filed of TCP/UDP packets using </a:t>
             </a:r>
             <a:r>
-              <a:rPr lang="en-US" sz="1800" dirty="0" err="1">
+              <a:rPr lang="en-US" sz="1800" err="1">
                 <a:latin typeface="Arial"/>
                 <a:cs typeface="Arial"/>
               </a:rPr>
               <a:t>wireshark</a:t>
             </a:r>
-            <a:endParaRPr lang="en-US" sz="1800" dirty="0">
+            <a:endParaRPr lang="en-US" sz="1800">
               <a:latin typeface="Arial"/>
               <a:cs typeface="Arial"/>
             </a:endParaRPr>
           </a:p>
           <a:p>
             <a:r>
-              <a:rPr lang="en-US" sz="2000" dirty="0">
+              <a:rPr lang="en-US" sz="2000">
                 <a:latin typeface="Arial"/>
                 <a:cs typeface="Arial"/>
               </a:rPr>
@@ -7568,7 +8121,7 @@
           <a:p>
             <a:pPr lvl="1"/>
             <a:r>
-              <a:rPr lang="en-US" sz="1800" dirty="0">
+              <a:rPr lang="en-US" sz="1800">
                 <a:latin typeface="Arial"/>
                 <a:cs typeface="Arial"/>
               </a:rPr>
@@ -7578,41 +8131,41 @@
           <a:p>
             <a:pPr lvl="1"/>
             <a:r>
-              <a:rPr lang="en-US" sz="1800" dirty="0">
+              <a:rPr lang="en-US" sz="1800">
                 <a:latin typeface="Arial"/>
                 <a:cs typeface="Arial"/>
               </a:rPr>
               <a:t>Analyzed various filed of ARP packets using </a:t>
             </a:r>
             <a:r>
-              <a:rPr lang="en-US" sz="1800" dirty="0" err="1">
+              <a:rPr lang="en-US" sz="1800" err="1">
                 <a:latin typeface="Arial"/>
                 <a:cs typeface="Arial"/>
               </a:rPr>
               <a:t>wireshark</a:t>
             </a:r>
-            <a:endParaRPr lang="en-US" sz="1800" dirty="0">
+            <a:endParaRPr lang="en-US" sz="1800">
               <a:latin typeface="Arial"/>
               <a:cs typeface="Arial"/>
             </a:endParaRPr>
           </a:p>
           <a:p>
             <a:r>
-              <a:rPr lang="en-US" sz="2000" dirty="0"/>
+              <a:rPr lang="en-US" sz="2000"/>
               <a:t>Hem Chandra Joshi</a:t>
             </a:r>
           </a:p>
           <a:p>
             <a:pPr lvl="1"/>
             <a:r>
-              <a:rPr lang="en-US" sz="1800" dirty="0"/>
+              <a:rPr lang="en-US" sz="1800"/>
               <a:t>Processed the excel file to summarize the data</a:t>
             </a:r>
           </a:p>
           <a:p>
             <a:pPr lvl="1"/>
             <a:r>
-              <a:rPr lang="en-US" sz="1800" dirty="0"/>
+              <a:rPr lang="en-US" sz="1800"/>
               <a:t>Visualize the few important values of various packets </a:t>
             </a:r>
           </a:p>
@@ -8001,7 +8554,7 @@
           <a:p>
             <a:pPr algn="just"/>
             <a:r>
-              <a:rPr lang="en-US" sz="2800" dirty="0">
+              <a:rPr lang="en-US" sz="2800">
                 <a:ea typeface="+mn-lt"/>
                 <a:cs typeface="+mn-lt"/>
               </a:rPr>
@@ -8021,21 +8574,21 @@
               <a:buNone/>
             </a:pPr>
             <a:r>
-              <a:rPr lang="en-US" sz="2800" i="1" dirty="0">
+              <a:rPr lang="en-US" sz="2800" i="1">
                 <a:ea typeface="+mn-lt"/>
                 <a:cs typeface="+mn-lt"/>
               </a:rPr>
               <a:t>for field in </a:t>
             </a:r>
             <a:r>
-              <a:rPr lang="en-US" sz="2800" i="1" dirty="0" err="1">
+              <a:rPr lang="en-US" sz="2800" i="1" err="1">
                 <a:ea typeface="+mn-lt"/>
                 <a:cs typeface="+mn-lt"/>
               </a:rPr>
               <a:t>tcp_fields</a:t>
             </a:r>
             <a:r>
-              <a:rPr lang="en-US" sz="2800" i="1" dirty="0">
+              <a:rPr lang="en-US" sz="2800" i="1">
                 <a:ea typeface="+mn-lt"/>
                 <a:cs typeface="+mn-lt"/>
               </a:rPr>
@@ -8048,35 +8601,35 @@
               <a:buNone/>
             </a:pPr>
             <a:r>
-              <a:rPr lang="en-US" sz="2800" i="1" dirty="0">
+              <a:rPr lang="en-US" sz="2800" i="1">
                 <a:ea typeface="+mn-lt"/>
                 <a:cs typeface="+mn-lt"/>
               </a:rPr>
               <a:t>     </a:t>
             </a:r>
             <a:r>
-              <a:rPr lang="en-US" sz="2800" i="1" dirty="0" err="1">
+              <a:rPr lang="en-US" sz="2800" i="1" err="1">
                 <a:ea typeface="+mn-lt"/>
                 <a:cs typeface="+mn-lt"/>
               </a:rPr>
               <a:t>field_values.append</a:t>
             </a:r>
             <a:r>
-              <a:rPr lang="en-US" sz="2800" i="1" dirty="0">
+              <a:rPr lang="en-US" sz="2800" i="1">
                 <a:ea typeface="+mn-lt"/>
                 <a:cs typeface="+mn-lt"/>
               </a:rPr>
               <a:t>(packet[</a:t>
             </a:r>
             <a:r>
-              <a:rPr lang="en-US" sz="2800" i="1" dirty="0" err="1">
+              <a:rPr lang="en-US" sz="2800" i="1" err="1">
                 <a:ea typeface="+mn-lt"/>
                 <a:cs typeface="+mn-lt"/>
               </a:rPr>
               <a:t>layer_type</a:t>
             </a:r>
             <a:r>
-              <a:rPr lang="en-US" sz="2800" i="1" dirty="0">
+              <a:rPr lang="en-US" sz="2800" i="1">
                 <a:ea typeface="+mn-lt"/>
                 <a:cs typeface="+mn-lt"/>
               </a:rPr>
@@ -8533,15 +9086,15 @@
         </p:nvSpPr>
         <p:spPr>
           <a:xfrm>
-            <a:off x="628650" y="2226469"/>
-            <a:ext cx="7653036" cy="3263504"/>
+            <a:off x="628650" y="1183548"/>
+            <a:ext cx="8443127" cy="5275605"/>
           </a:xfrm>
           <a:prstGeom prst="rect">
             <a:avLst/>
           </a:prstGeom>
         </p:spPr>
         <p:txBody>
-          <a:bodyPr/>
+          <a:bodyPr lIns="91440" tIns="45720" rIns="91440" bIns="45720" anchor="t"/>
           <a:lstStyle>
             <a:lvl1pPr marL="342900" indent="-342900" algn="l" rtl="0" eaLnBrk="1" fontAlgn="base" hangingPunct="1">
               <a:spcBef>
@@ -8695,13 +9248,50 @@
             </a:lvl9pPr>
           </a:lstStyle>
           <a:p>
+            <a:pPr marL="457200" indent="-457200"/>
             <a:r>
               <a:rPr lang="en-US" sz="2800">
                 <a:ea typeface="+mn-lt"/>
                 <a:cs typeface="+mn-lt"/>
               </a:rPr>
-              <a:t>arp_fields = [field.name for field in ARP().fields_desc]</a:t>
-            </a:r>
+              <a:t>Store all ARP header parameters</a:t>
+            </a:r>
+          </a:p>
+          <a:p>
+            <a:pPr marL="0" indent="0">
+              <a:buNone/>
+            </a:pPr>
+            <a:r>
+              <a:rPr lang="en-US" sz="2800" err="1">
+                <a:ea typeface="+mn-lt"/>
+                <a:cs typeface="+mn-lt"/>
+              </a:rPr>
+              <a:t>arp_fields</a:t>
+            </a:r>
+            <a:r>
+              <a:rPr lang="en-US" sz="2800">
+                <a:ea typeface="+mn-lt"/>
+                <a:cs typeface="+mn-lt"/>
+              </a:rPr>
+              <a:t> = [field.name for field in ARP().</a:t>
+            </a:r>
+            <a:r>
+              <a:rPr lang="en-US" sz="2800" err="1">
+                <a:ea typeface="+mn-lt"/>
+                <a:cs typeface="+mn-lt"/>
+              </a:rPr>
+              <a:t>fields_desc</a:t>
+            </a:r>
+            <a:r>
+              <a:rPr lang="en-US" sz="2800">
+                <a:ea typeface="+mn-lt"/>
+                <a:cs typeface="+mn-lt"/>
+              </a:rPr>
+              <a:t>]</a:t>
+            </a:r>
+            <a:endParaRPr lang="en-US">
+              <a:cs typeface="Calibri"/>
+            </a:endParaRPr>
           </a:p>
           <a:p>
             <a:pPr marL="0" indent="0">
@@ -8714,12 +9304,49 @@
             </a:endParaRPr>
           </a:p>
           <a:p>
+            <a:pPr marL="457200" indent="-457200"/>
             <a:r>
               <a:rPr lang="en-US" sz="2800">
                 <a:ea typeface="+mn-lt"/>
                 <a:cs typeface="+mn-lt"/>
               </a:rPr>
-              <a:t>icmp_fields = [field.name for field in ICMP().fields_desc]</a:t>
+              <a:t>Store all ICMP header parameters</a:t>
+            </a:r>
+            <a:endParaRPr lang="en-US">
+              <a:cs typeface="Calibri"/>
+            </a:endParaRPr>
+          </a:p>
+          <a:p>
+            <a:pPr marL="0" indent="0">
+              <a:buNone/>
+            </a:pPr>
+            <a:r>
+              <a:rPr lang="en-US" sz="2800" err="1">
+                <a:ea typeface="+mn-lt"/>
+                <a:cs typeface="+mn-lt"/>
+              </a:rPr>
+              <a:t>icmp_fields</a:t>
+            </a:r>
+            <a:r>
+              <a:rPr lang="en-US" sz="2800">
+                <a:ea typeface="+mn-lt"/>
+                <a:cs typeface="+mn-lt"/>
+              </a:rPr>
+              <a:t> = [field.name for field in ICMP().</a:t>
+            </a:r>
+            <a:r>
+              <a:rPr lang="en-US" sz="2800" err="1">
+                <a:ea typeface="+mn-lt"/>
+                <a:cs typeface="+mn-lt"/>
+              </a:rPr>
+              <a:t>fields_desc</a:t>
+            </a:r>
+            <a:r>
+              <a:rPr lang="en-US" sz="2800">
+                <a:ea typeface="+mn-lt"/>
+                <a:cs typeface="+mn-lt"/>
+              </a:rPr>
+              <a:t>]</a:t>
             </a:r>
           </a:p>
         </p:txBody>
@@ -8911,7 +9538,7 @@
           </a:lstStyle>
           <a:p>
             <a:r>
-              <a:rPr lang="en-US" sz="3200" b="1">
+              <a:rPr lang="en-US" sz="3200" b="1" dirty="0">
                 <a:solidFill>
                   <a:srgbClr val="00B0F0"/>
                 </a:solidFill>
@@ -9204,15 +9831,15 @@
         </p:nvSpPr>
         <p:spPr>
           <a:xfrm>
-            <a:off x="457200" y="274638"/>
-            <a:ext cx="8229600" cy="1143000"/>
+            <a:off x="162232" y="1486112"/>
+            <a:ext cx="8229600" cy="795360"/>
           </a:xfrm>
           <a:prstGeom prst="rect">
             <a:avLst/>
           </a:prstGeom>
         </p:spPr>
         <p:txBody>
-          <a:bodyPr/>
+          <a:bodyPr lIns="91440" tIns="45720" rIns="91440" bIns="45720" anchor="t"/>
           <a:lstStyle>
             <a:lvl1pPr algn="ctr" rtl="0" eaLnBrk="1" fontAlgn="base" hangingPunct="1">
               <a:spcBef>
@@ -9344,14 +9971,17 @@
             </a:lvl9pPr>
           </a:lstStyle>
           <a:p>
-            <a:r>
-              <a:rPr lang="en-US" sz="3200" b="1">
-                <a:solidFill>
-                  <a:srgbClr val="00B0F0"/>
-                </a:solidFill>
-                <a:cs typeface="Calibri Light"/>
-              </a:rPr>
-              <a:t>Display the ARP Data</a:t>
+            <a:pPr marL="457200" indent="-457200" algn="l">
+              <a:buFont typeface="Arial"/>
+              <a:buChar char="•"/>
+            </a:pPr>
+            <a:r>
+              <a:rPr lang="en-US" sz="2800" dirty="0">
+                <a:latin typeface="+mn-lt"/>
+                <a:ea typeface="+mn-lt"/>
+                <a:cs typeface="+mn-lt"/>
+              </a:rPr>
+              <a:t>ARP header values for first 5 packets is displayed</a:t>
             </a:r>
           </a:p>
         </p:txBody>
@@ -9378,7 +10008,7 @@
         </p:blipFill>
         <p:spPr>
           <a:xfrm>
-            <a:off x="628650" y="2260477"/>
+            <a:off x="407425" y="2829343"/>
             <a:ext cx="7886700" cy="1858610"/>
           </a:xfrm>
           <a:prstGeom prst="rect">
@@ -9386,6 +10016,174 @@
           </a:prstGeom>
         </p:spPr>
       </p:pic>
+      <p:sp>
+        <p:nvSpPr>
+          <p:cNvPr id="4" name="Title 1">
+            <a:extLst>
+              <a:ext uri="{FF2B5EF4-FFF2-40B4-BE49-F238E27FC236}">
+                <a16:creationId xmlns:a16="http://schemas.microsoft.com/office/drawing/2014/main" id="{084F5775-6689-8C40-9938-E06F2945AE57}"/>
+              </a:ext>
+            </a:extLst>
+          </p:cNvPr>
+          <p:cNvSpPr txBox="1">
+            <a:spLocks/>
+          </p:cNvSpPr>
+          <p:nvPr/>
+        </p:nvSpPr>
+        <p:spPr>
+          <a:xfrm>
+            <a:off x="457200" y="274638"/>
+            <a:ext cx="8229600" cy="1143000"/>
+          </a:xfrm>
+          <a:prstGeom prst="rect">
+            <a:avLst/>
+          </a:prstGeom>
+        </p:spPr>
+        <p:txBody>
+          <a:bodyPr/>
+          <a:lstStyle>
+            <a:lvl1pPr algn="ctr" rtl="0" eaLnBrk="1" fontAlgn="base" hangingPunct="1">
+              <a:spcBef>
+                <a:spcPct val="0"/>
+              </a:spcBef>
+              <a:spcAft>
+                <a:spcPct val="0"/>
+              </a:spcAft>
+              <a:defRPr sz="4400" kern="1200">
+                <a:solidFill>
+                  <a:schemeClr val="tx1"/>
+                </a:solidFill>
+                <a:latin typeface="+mj-lt"/>
+                <a:ea typeface="+mj-ea"/>
+                <a:cs typeface="+mj-cs"/>
+              </a:defRPr>
+            </a:lvl1pPr>
+            <a:lvl2pPr algn="ctr" rtl="0" eaLnBrk="1" fontAlgn="base" hangingPunct="1">
+              <a:spcBef>
+                <a:spcPct val="0"/>
+              </a:spcBef>
+              <a:spcAft>
+                <a:spcPct val="0"/>
+              </a:spcAft>
+              <a:defRPr sz="4400">
+                <a:solidFill>
+                  <a:schemeClr val="tx1"/>
+                </a:solidFill>
+                <a:latin typeface="Calibri" pitchFamily="34" charset="0"/>
+              </a:defRPr>
+            </a:lvl2pPr>
+            <a:lvl3pPr algn="ctr" rtl="0" eaLnBrk="1" fontAlgn="base" hangingPunct="1">
+              <a:spcBef>
+                <a:spcPct val="0"/>
+              </a:spcBef>
+              <a:spcAft>
+                <a:spcPct val="0"/>
+              </a:spcAft>
+              <a:defRPr sz="4400">
+                <a:solidFill>
+                  <a:schemeClr val="tx1"/>
+                </a:solidFill>
+                <a:latin typeface="Calibri" pitchFamily="34" charset="0"/>
+              </a:defRPr>
+            </a:lvl3pPr>
+            <a:lvl4pPr algn="ctr" rtl="0" eaLnBrk="1" fontAlgn="base" hangingPunct="1">
+              <a:spcBef>
+                <a:spcPct val="0"/>
+              </a:spcBef>
+              <a:spcAft>
+                <a:spcPct val="0"/>
+              </a:spcAft>
+              <a:defRPr sz="4400">
+                <a:solidFill>
+                  <a:schemeClr val="tx1"/>
+                </a:solidFill>
+                <a:latin typeface="Calibri" pitchFamily="34" charset="0"/>
+              </a:defRPr>
+            </a:lvl4pPr>
+            <a:lvl5pPr algn="ctr" rtl="0" eaLnBrk="1" fontAlgn="base" hangingPunct="1">
+              <a:spcBef>
+                <a:spcPct val="0"/>
+              </a:spcBef>
+              <a:spcAft>
+                <a:spcPct val="0"/>
+              </a:spcAft>
+              <a:defRPr sz="4400">
+                <a:solidFill>
+                  <a:schemeClr val="tx1"/>
+                </a:solidFill>
+                <a:latin typeface="Calibri" pitchFamily="34" charset="0"/>
+              </a:defRPr>
+            </a:lvl5pPr>
+            <a:lvl6pPr marL="457200" algn="ctr" rtl="0" eaLnBrk="1" fontAlgn="base" hangingPunct="1">
+              <a:spcBef>
+                <a:spcPct val="0"/>
+              </a:spcBef>
+              <a:spcAft>
+                <a:spcPct val="0"/>
+              </a:spcAft>
+              <a:defRPr sz="4400">
+                <a:solidFill>
+                  <a:schemeClr val="tx1"/>
+                </a:solidFill>
+                <a:latin typeface="Calibri" pitchFamily="34" charset="0"/>
+              </a:defRPr>
+            </a:lvl6pPr>
+            <a:lvl7pPr marL="914400" algn="ctr" rtl="0" eaLnBrk="1" fontAlgn="base" hangingPunct="1">
+              <a:spcBef>
+                <a:spcPct val="0"/>
+              </a:spcBef>
+              <a:spcAft>
+                <a:spcPct val="0"/>
+              </a:spcAft>
+              <a:defRPr sz="4400">
+                <a:solidFill>
+                  <a:schemeClr val="tx1"/>
+                </a:solidFill>
+                <a:latin typeface="Calibri" pitchFamily="34" charset="0"/>
+              </a:defRPr>
+            </a:lvl7pPr>
+            <a:lvl8pPr marL="1371600" algn="ctr" rtl="0" eaLnBrk="1" fontAlgn="base" hangingPunct="1">
+              <a:spcBef>
+                <a:spcPct val="0"/>
+              </a:spcBef>
+              <a:spcAft>
+                <a:spcPct val="0"/>
+              </a:spcAft>
+              <a:defRPr sz="4400">
+                <a:solidFill>
+                  <a:schemeClr val="tx1"/>
+                </a:solidFill>
+                <a:latin typeface="Calibri" pitchFamily="34" charset="0"/>
+              </a:defRPr>
+            </a:lvl8pPr>
+            <a:lvl9pPr marL="1828800" algn="ctr" rtl="0" eaLnBrk="1" fontAlgn="base" hangingPunct="1">
+              <a:spcBef>
+                <a:spcPct val="0"/>
+              </a:spcBef>
+              <a:spcAft>
+                <a:spcPct val="0"/>
+              </a:spcAft>
+              <a:defRPr sz="4400">
+                <a:solidFill>
+                  <a:schemeClr val="tx1"/>
+                </a:solidFill>
+                <a:latin typeface="Calibri" pitchFamily="34" charset="0"/>
+              </a:defRPr>
+            </a:lvl9pPr>
+          </a:lstStyle>
+          <a:p>
+            <a:r>
+              <a:rPr lang="en-US" sz="3200" b="1" dirty="0">
+                <a:solidFill>
+                  <a:srgbClr val="00B0F0"/>
+                </a:solidFill>
+                <a:cs typeface="Calibri Light"/>
+              </a:rPr>
+              <a:t>Output of ARP Header Values</a:t>
+            </a:r>
+          </a:p>
+        </p:txBody>
+      </p:sp>
     </p:spTree>
     <p:extLst>
       <p:ext uri="{BB962C8B-B14F-4D97-AF65-F5344CB8AC3E}">
@@ -9887,7 +10685,7 @@
           </a:prstGeom>
         </p:spPr>
         <p:txBody>
-          <a:bodyPr/>
+          <a:bodyPr lIns="91440" tIns="45720" rIns="91440" bIns="45720" anchor="t"/>
           <a:lstStyle>
             <a:lvl1pPr algn="ctr" rtl="0" eaLnBrk="1" fontAlgn="base" hangingPunct="1">
               <a:spcBef>
@@ -10026,7 +10824,7 @@
                 </a:solidFill>
                 <a:cs typeface="Calibri Light"/>
               </a:rPr>
-              <a:t>Display the ARP Data</a:t>
+              <a:t>Display the ICMP Data</a:t>
             </a:r>
           </a:p>
         </p:txBody>
@@ -10053,7 +10851,7 @@
         </p:blipFill>
         <p:spPr>
           <a:xfrm>
-            <a:off x="628650" y="2415609"/>
+            <a:off x="628650" y="2647369"/>
             <a:ext cx="7886700" cy="2885223"/>
           </a:xfrm>
           <a:prstGeom prst="rect">
@@ -10061,6 +10859,177 @@
           </a:prstGeom>
         </p:spPr>
       </p:pic>
+      <p:sp>
+        <p:nvSpPr>
+          <p:cNvPr id="5" name="Title 1">
+            <a:extLst>
+              <a:ext uri="{FF2B5EF4-FFF2-40B4-BE49-F238E27FC236}">
+                <a16:creationId xmlns:a16="http://schemas.microsoft.com/office/drawing/2014/main" id="{9C4DF89D-3364-4F9E-9058-6D6D57FA6214}"/>
+              </a:ext>
+            </a:extLst>
+          </p:cNvPr>
+          <p:cNvSpPr txBox="1">
+            <a:spLocks/>
+          </p:cNvSpPr>
+          <p:nvPr/>
+        </p:nvSpPr>
+        <p:spPr>
+          <a:xfrm>
+            <a:off x="162232" y="1486112"/>
+            <a:ext cx="8229600" cy="795360"/>
+          </a:xfrm>
+          <a:prstGeom prst="rect">
+            <a:avLst/>
+          </a:prstGeom>
+        </p:spPr>
+        <p:txBody>
+          <a:bodyPr lIns="91440" tIns="45720" rIns="91440" bIns="45720" anchor="t"/>
+          <a:lstStyle>
+            <a:lvl1pPr algn="ctr" rtl="0" eaLnBrk="1" fontAlgn="base" hangingPunct="1">
+              <a:spcBef>
+                <a:spcPct val="0"/>
+              </a:spcBef>
+              <a:spcAft>
+                <a:spcPct val="0"/>
+              </a:spcAft>
+              <a:defRPr sz="4400" kern="1200">
+                <a:solidFill>
+                  <a:schemeClr val="tx1"/>
+                </a:solidFill>
+                <a:latin typeface="+mj-lt"/>
+                <a:ea typeface="+mj-ea"/>
+                <a:cs typeface="+mj-cs"/>
+              </a:defRPr>
+            </a:lvl1pPr>
+            <a:lvl2pPr algn="ctr" rtl="0" eaLnBrk="1" fontAlgn="base" hangingPunct="1">
+              <a:spcBef>
+                <a:spcPct val="0"/>
+              </a:spcBef>
+              <a:spcAft>
+                <a:spcPct val="0"/>
+              </a:spcAft>
+              <a:defRPr sz="4400">
+                <a:solidFill>
+                  <a:schemeClr val="tx1"/>
+                </a:solidFill>
+                <a:latin typeface="Calibri" pitchFamily="34" charset="0"/>
+              </a:defRPr>
+            </a:lvl2pPr>
+            <a:lvl3pPr algn="ctr" rtl="0" eaLnBrk="1" fontAlgn="base" hangingPunct="1">
+              <a:spcBef>
+                <a:spcPct val="0"/>
+              </a:spcBef>
+              <a:spcAft>
+                <a:spcPct val="0"/>
+              </a:spcAft>
+              <a:defRPr sz="4400">
+                <a:solidFill>
+                  <a:schemeClr val="tx1"/>
+                </a:solidFill>
+                <a:latin typeface="Calibri" pitchFamily="34" charset="0"/>
+              </a:defRPr>
+            </a:lvl3pPr>
+            <a:lvl4pPr algn="ctr" rtl="0" eaLnBrk="1" fontAlgn="base" hangingPunct="1">
+              <a:spcBef>
+                <a:spcPct val="0"/>
+              </a:spcBef>
+              <a:spcAft>
+                <a:spcPct val="0"/>
+              </a:spcAft>
+              <a:defRPr sz="4400">
+                <a:solidFill>
+                  <a:schemeClr val="tx1"/>
+                </a:solidFill>
+                <a:latin typeface="Calibri" pitchFamily="34" charset="0"/>
+              </a:defRPr>
+            </a:lvl4pPr>
+            <a:lvl5pPr algn="ctr" rtl="0" eaLnBrk="1" fontAlgn="base" hangingPunct="1">
+              <a:spcBef>
+                <a:spcPct val="0"/>
+              </a:spcBef>
+              <a:spcAft>
+                <a:spcPct val="0"/>
+              </a:spcAft>
+              <a:defRPr sz="4400">
+                <a:solidFill>
+                  <a:schemeClr val="tx1"/>
+                </a:solidFill>
+                <a:latin typeface="Calibri" pitchFamily="34" charset="0"/>
+              </a:defRPr>
+            </a:lvl5pPr>
+            <a:lvl6pPr marL="457200" algn="ctr" rtl="0" eaLnBrk="1" fontAlgn="base" hangingPunct="1">
+              <a:spcBef>
+                <a:spcPct val="0"/>
+              </a:spcBef>
+              <a:spcAft>
+                <a:spcPct val="0"/>
+              </a:spcAft>
+              <a:defRPr sz="4400">
+                <a:solidFill>
+                  <a:schemeClr val="tx1"/>
+                </a:solidFill>
+                <a:latin typeface="Calibri" pitchFamily="34" charset="0"/>
+              </a:defRPr>
+            </a:lvl6pPr>
+            <a:lvl7pPr marL="914400" algn="ctr" rtl="0" eaLnBrk="1" fontAlgn="base" hangingPunct="1">
+              <a:spcBef>
+                <a:spcPct val="0"/>
+              </a:spcBef>
+              <a:spcAft>
+                <a:spcPct val="0"/>
+              </a:spcAft>
+              <a:defRPr sz="4400">
+                <a:solidFill>
+                  <a:schemeClr val="tx1"/>
+                </a:solidFill>
+                <a:latin typeface="Calibri" pitchFamily="34" charset="0"/>
+              </a:defRPr>
+            </a:lvl7pPr>
+            <a:lvl8pPr marL="1371600" algn="ctr" rtl="0" eaLnBrk="1" fontAlgn="base" hangingPunct="1">
+              <a:spcBef>
+                <a:spcPct val="0"/>
+              </a:spcBef>
+              <a:spcAft>
+                <a:spcPct val="0"/>
+              </a:spcAft>
+              <a:defRPr sz="4400">
+                <a:solidFill>
+                  <a:schemeClr val="tx1"/>
+                </a:solidFill>
+                <a:latin typeface="Calibri" pitchFamily="34" charset="0"/>
+              </a:defRPr>
+            </a:lvl8pPr>
+            <a:lvl9pPr marL="1828800" algn="ctr" rtl="0" eaLnBrk="1" fontAlgn="base" hangingPunct="1">
+              <a:spcBef>
+                <a:spcPct val="0"/>
+              </a:spcBef>
+              <a:spcAft>
+                <a:spcPct val="0"/>
+              </a:spcAft>
+              <a:defRPr sz="4400">
+                <a:solidFill>
+                  <a:schemeClr val="tx1"/>
+                </a:solidFill>
+                <a:latin typeface="Calibri" pitchFamily="34" charset="0"/>
+              </a:defRPr>
+            </a:lvl9pPr>
+          </a:lstStyle>
+          <a:p>
+            <a:pPr marL="457200" indent="-457200" algn="l">
+              <a:buFont typeface="Arial"/>
+              <a:buChar char="•"/>
+            </a:pPr>
+            <a:r>
+              <a:rPr lang="en-US" sz="2800">
+                <a:latin typeface="+mn-lt"/>
+                <a:ea typeface="+mn-lt"/>
+                <a:cs typeface="+mn-lt"/>
+              </a:rPr>
+              <a:t>ICMP header values for first 5 packets is displayed </a:t>
+            </a:r>
+          </a:p>
+        </p:txBody>
+      </p:sp>
     </p:spTree>
     <p:extLst>
       <p:ext uri="{BB962C8B-B14F-4D97-AF65-F5344CB8AC3E}">
@@ -10248,13 +11217,13 @@
           </a:lstStyle>
           <a:p>
             <a:r>
-              <a:rPr lang="en-US" sz="3200" b="1" dirty="0">
+              <a:rPr lang="en-US" sz="3200" b="1">
                 <a:solidFill>
                   <a:srgbClr val="00B0F0"/>
                 </a:solidFill>
                 <a:cs typeface="Calibri Light"/>
               </a:rPr>
-              <a:t>Write the data in Excel</a:t>
+              <a:t>Write all the data in Excel Format</a:t>
             </a:r>
           </a:p>
         </p:txBody>
@@ -10281,7 +11250,7 @@
         </p:blipFill>
         <p:spPr>
           <a:xfrm>
-            <a:off x="533159" y="2281486"/>
+            <a:off x="375141" y="3366546"/>
             <a:ext cx="7886700" cy="1434628"/>
           </a:xfrm>
           <a:prstGeom prst="rect">
@@ -10289,6 +11258,177 @@
           </a:prstGeom>
         </p:spPr>
       </p:pic>
+      <p:sp>
+        <p:nvSpPr>
+          <p:cNvPr id="5" name="Title 1">
+            <a:extLst>
+              <a:ext uri="{FF2B5EF4-FFF2-40B4-BE49-F238E27FC236}">
+                <a16:creationId xmlns:a16="http://schemas.microsoft.com/office/drawing/2014/main" id="{58270C0C-552F-4387-95F8-56EFB8558322}"/>
+              </a:ext>
+            </a:extLst>
+          </p:cNvPr>
+          <p:cNvSpPr txBox="1">
+            <a:spLocks/>
+          </p:cNvSpPr>
+          <p:nvPr/>
+        </p:nvSpPr>
+        <p:spPr>
+          <a:xfrm>
+            <a:off x="162232" y="1486112"/>
+            <a:ext cx="8229600" cy="942843"/>
+          </a:xfrm>
+          <a:prstGeom prst="rect">
+            <a:avLst/>
+          </a:prstGeom>
+        </p:spPr>
+        <p:txBody>
+          <a:bodyPr lIns="91440" tIns="45720" rIns="91440" bIns="45720" anchor="t"/>
+          <a:lstStyle>
+            <a:lvl1pPr algn="ctr" rtl="0" eaLnBrk="1" fontAlgn="base" hangingPunct="1">
+              <a:spcBef>
+                <a:spcPct val="0"/>
+              </a:spcBef>
+              <a:spcAft>
+                <a:spcPct val="0"/>
+              </a:spcAft>
+              <a:defRPr sz="4400" kern="1200">
+                <a:solidFill>
+                  <a:schemeClr val="tx1"/>
+                </a:solidFill>
+                <a:latin typeface="+mj-lt"/>
+                <a:ea typeface="+mj-ea"/>
+                <a:cs typeface="+mj-cs"/>
+              </a:defRPr>
+            </a:lvl1pPr>
+            <a:lvl2pPr algn="ctr" rtl="0" eaLnBrk="1" fontAlgn="base" hangingPunct="1">
+              <a:spcBef>
+                <a:spcPct val="0"/>
+              </a:spcBef>
+              <a:spcAft>
+                <a:spcPct val="0"/>
+              </a:spcAft>
+              <a:defRPr sz="4400">
+                <a:solidFill>
+                  <a:schemeClr val="tx1"/>
+                </a:solidFill>
+                <a:latin typeface="Calibri" pitchFamily="34" charset="0"/>
+              </a:defRPr>
+            </a:lvl2pPr>
+            <a:lvl3pPr algn="ctr" rtl="0" eaLnBrk="1" fontAlgn="base" hangingPunct="1">
+              <a:spcBef>
+                <a:spcPct val="0"/>
+              </a:spcBef>
+              <a:spcAft>
+                <a:spcPct val="0"/>
+              </a:spcAft>
+              <a:defRPr sz="4400">
+                <a:solidFill>
+                  <a:schemeClr val="tx1"/>
+                </a:solidFill>
+                <a:latin typeface="Calibri" pitchFamily="34" charset="0"/>
+              </a:defRPr>
+            </a:lvl3pPr>
+            <a:lvl4pPr algn="ctr" rtl="0" eaLnBrk="1" fontAlgn="base" hangingPunct="1">
+              <a:spcBef>
+                <a:spcPct val="0"/>
+              </a:spcBef>
+              <a:spcAft>
+                <a:spcPct val="0"/>
+              </a:spcAft>
+              <a:defRPr sz="4400">
+                <a:solidFill>
+                  <a:schemeClr val="tx1"/>
+                </a:solidFill>
+                <a:latin typeface="Calibri" pitchFamily="34" charset="0"/>
+              </a:defRPr>
+            </a:lvl4pPr>
+            <a:lvl5pPr algn="ctr" rtl="0" eaLnBrk="1" fontAlgn="base" hangingPunct="1">
+              <a:spcBef>
+                <a:spcPct val="0"/>
+              </a:spcBef>
+              <a:spcAft>
+                <a:spcPct val="0"/>
+              </a:spcAft>
+              <a:defRPr sz="4400">
+                <a:solidFill>
+                  <a:schemeClr val="tx1"/>
+                </a:solidFill>
+                <a:latin typeface="Calibri" pitchFamily="34" charset="0"/>
+              </a:defRPr>
+            </a:lvl5pPr>
+            <a:lvl6pPr marL="457200" algn="ctr" rtl="0" eaLnBrk="1" fontAlgn="base" hangingPunct="1">
+              <a:spcBef>
+                <a:spcPct val="0"/>
+              </a:spcBef>
+              <a:spcAft>
+                <a:spcPct val="0"/>
+              </a:spcAft>
+              <a:defRPr sz="4400">
+                <a:solidFill>
+                  <a:schemeClr val="tx1"/>
+                </a:solidFill>
+                <a:latin typeface="Calibri" pitchFamily="34" charset="0"/>
+              </a:defRPr>
+            </a:lvl6pPr>
+            <a:lvl7pPr marL="914400" algn="ctr" rtl="0" eaLnBrk="1" fontAlgn="base" hangingPunct="1">
+              <a:spcBef>
+                <a:spcPct val="0"/>
+              </a:spcBef>
+              <a:spcAft>
+                <a:spcPct val="0"/>
+              </a:spcAft>
+              <a:defRPr sz="4400">
+                <a:solidFill>
+                  <a:schemeClr val="tx1"/>
+                </a:solidFill>
+                <a:latin typeface="Calibri" pitchFamily="34" charset="0"/>
+              </a:defRPr>
+            </a:lvl7pPr>
+            <a:lvl8pPr marL="1371600" algn="ctr" rtl="0" eaLnBrk="1" fontAlgn="base" hangingPunct="1">
+              <a:spcBef>
+                <a:spcPct val="0"/>
+              </a:spcBef>
+              <a:spcAft>
+                <a:spcPct val="0"/>
+              </a:spcAft>
+              <a:defRPr sz="4400">
+                <a:solidFill>
+                  <a:schemeClr val="tx1"/>
+                </a:solidFill>
+                <a:latin typeface="Calibri" pitchFamily="34" charset="0"/>
+              </a:defRPr>
+            </a:lvl8pPr>
+            <a:lvl9pPr marL="1828800" algn="ctr" rtl="0" eaLnBrk="1" fontAlgn="base" hangingPunct="1">
+              <a:spcBef>
+                <a:spcPct val="0"/>
+              </a:spcBef>
+              <a:spcAft>
+                <a:spcPct val="0"/>
+              </a:spcAft>
+              <a:defRPr sz="4400">
+                <a:solidFill>
+                  <a:schemeClr val="tx1"/>
+                </a:solidFill>
+                <a:latin typeface="Calibri" pitchFamily="34" charset="0"/>
+              </a:defRPr>
+            </a:lvl9pPr>
+          </a:lstStyle>
+          <a:p>
+            <a:pPr marL="457200" indent="-457200" algn="l">
+              <a:buFont typeface="Arial"/>
+              <a:buChar char="•"/>
+            </a:pPr>
+            <a:r>
+              <a:rPr lang="en-US" sz="2800">
+                <a:latin typeface="+mn-lt"/>
+                <a:ea typeface="+mn-lt"/>
+                <a:cs typeface="+mn-lt"/>
+              </a:rPr>
+              <a:t>All parameters values are stored in a excel file in three different sheets  </a:t>
+            </a:r>
+          </a:p>
+        </p:txBody>
+      </p:sp>
     </p:spTree>
     <p:extLst>
       <p:ext uri="{BB962C8B-B14F-4D97-AF65-F5344CB8AC3E}">
@@ -10476,7 +11616,7 @@
           </a:lstStyle>
           <a:p>
             <a:r>
-              <a:rPr lang="en-US" sz="4000" b="1">
+              <a:rPr lang="en-US" sz="4000" b="1" dirty="0">
                 <a:solidFill>
                   <a:srgbClr val="00B0F0"/>
                 </a:solidFill>
@@ -10841,14 +11981,15 @@
             </a:lvl9pPr>
           </a:lstStyle>
           <a:p>
-            <a:r>
-              <a:rPr lang="en-US" sz="3200" b="1">
+            <a:pPr algn="l"/>
+            <a:r>
+              <a:rPr lang="en-US" sz="3200" b="1" dirty="0">
                 <a:solidFill>
                   <a:srgbClr val="00B0F0"/>
                 </a:solidFill>
                 <a:cs typeface="Calibri Light"/>
               </a:rPr>
-              <a:t>Number Of Protocols</a:t>
+              <a:t>Visualization and Summarization of Data</a:t>
             </a:r>
           </a:p>
         </p:txBody>
@@ -10869,8 +12010,8 @@
         </p:nvSpPr>
         <p:spPr>
           <a:xfrm>
-            <a:off x="628650" y="2226469"/>
-            <a:ext cx="3544105" cy="3263504"/>
+            <a:off x="628650" y="1330036"/>
+            <a:ext cx="8058150" cy="4159937"/>
           </a:xfrm>
           <a:prstGeom prst="rect">
             <a:avLst/>
@@ -11032,43 +12173,24 @@
           </a:lstStyle>
           <a:p>
             <a:r>
-              <a:rPr lang="en-US" sz="2800">
+              <a:rPr lang="en-US" sz="2800" dirty="0">
                 <a:ea typeface="+mn-lt"/>
                 <a:cs typeface="+mn-lt"/>
               </a:rPr>
-              <a:t>The graph shows the number of packets each protocol has in the network.</a:t>
+              <a:t>Only few important parameters values are summarized here.</a:t>
+            </a:r>
+          </a:p>
+          <a:p>
+            <a:r>
+              <a:rPr lang="en-US" sz="2800" dirty="0">
+                <a:ea typeface="+mn-lt"/>
+                <a:cs typeface="+mn-lt"/>
+              </a:rPr>
+              <a:t>Visualization of data is done to understand the packets and their parameter values.</a:t>
             </a:r>
           </a:p>
         </p:txBody>
       </p:sp>
-      <p:pic>
-        <p:nvPicPr>
-          <p:cNvPr id="4" name="Picture 3" descr="1.png">
-            <a:extLst>
-              <a:ext uri="{FF2B5EF4-FFF2-40B4-BE49-F238E27FC236}">
-                <a16:creationId xmlns:a16="http://schemas.microsoft.com/office/drawing/2014/main" id="{54E6DB28-0FB8-BB40-9BDD-12B5644749E4}"/>
-              </a:ext>
-            </a:extLst>
-          </p:cNvPr>
-          <p:cNvPicPr/>
-          <p:nvPr/>
-        </p:nvPicPr>
-        <p:blipFill>
-          <a:blip r:embed="rId2" cstate="print"/>
-          <a:stretch>
-            <a:fillRect/>
-          </a:stretch>
-        </p:blipFill>
-        <p:spPr>
-          <a:xfrm>
-            <a:off x="4255294" y="2125266"/>
-            <a:ext cx="4260056" cy="3372803"/>
-          </a:xfrm>
-          <a:prstGeom prst="rect">
-            <a:avLst/>
-          </a:prstGeom>
-        </p:spPr>
-      </p:pic>
     </p:spTree>
     <p:extLst>
       <p:ext uri="{BB962C8B-B14F-4D97-AF65-F5344CB8AC3E}">
@@ -11156,7 +12278,7 @@
               <a:buAutoNum type="arabicPeriod"/>
             </a:pPr>
             <a:r>
-              <a:rPr lang="en-US" sz="2400" b="1" i="1" dirty="0">
+              <a:rPr lang="en-US" sz="2400" b="1" i="1">
                 <a:solidFill>
                   <a:srgbClr val="C00000"/>
                 </a:solidFill>
@@ -11172,14 +12294,14 @@
               <a:buAutoNum type="arabicPeriod"/>
             </a:pPr>
             <a:r>
-              <a:rPr lang="en-US" sz="2400" b="1" i="1" dirty="0">
+              <a:rPr lang="en-US" sz="2400" b="1" i="1">
                 <a:solidFill>
                   <a:srgbClr val="C00000"/>
                 </a:solidFill>
               </a:rPr>
               <a:t>Implementation</a:t>
             </a:r>
-            <a:endParaRPr lang="en-US" sz="2400" b="1" i="1" dirty="0">
+            <a:endParaRPr lang="en-US" sz="2400" b="1" i="1">
               <a:solidFill>
                 <a:srgbClr val="C00000"/>
               </a:solidFill>
@@ -11191,7 +12313,7 @@
               <a:buAutoNum type="romanLcPeriod"/>
             </a:pPr>
             <a:r>
-              <a:rPr lang="en-US" sz="2400" b="1" i="1" dirty="0">
+              <a:rPr lang="en-US" sz="2400" b="1" i="1">
                 <a:solidFill>
                   <a:srgbClr val="C00000"/>
                 </a:solidFill>
@@ -11200,7 +12322,7 @@
               </a:rPr>
               <a:t>Reading of PCAP File</a:t>
             </a:r>
-            <a:endParaRPr lang="en-US" sz="2400" dirty="0">
+            <a:endParaRPr lang="en-US" sz="2400">
               <a:solidFill>
                 <a:srgbClr val="000000"/>
               </a:solidFill>
@@ -11213,7 +12335,7 @@
               <a:buAutoNum type="romanLcPeriod"/>
             </a:pPr>
             <a:r>
-              <a:rPr lang="en-US" sz="2400" b="1" dirty="0">
+              <a:rPr lang="en-US" sz="2400" b="1">
                 <a:solidFill>
                   <a:srgbClr val="C00000"/>
                 </a:solidFill>
@@ -11222,7 +12344,7 @@
               </a:rPr>
               <a:t>Extracting Layer Specific Fields</a:t>
             </a:r>
-            <a:endParaRPr lang="en-US" sz="2400" dirty="0">
+            <a:endParaRPr lang="en-US" sz="2400">
               <a:solidFill>
                 <a:srgbClr val="C00000"/>
               </a:solidFill>
@@ -11235,7 +12357,7 @@
               <a:buAutoNum type="romanLcPeriod"/>
             </a:pPr>
             <a:r>
-              <a:rPr lang="en-US" sz="2400" b="1" dirty="0">
+              <a:rPr lang="en-US" sz="2400" b="1">
                 <a:solidFill>
                   <a:srgbClr val="C00000"/>
                 </a:solidFill>
@@ -11244,7 +12366,7 @@
               </a:rPr>
               <a:t>Display Header Fields as per User Request</a:t>
             </a:r>
-            <a:endParaRPr lang="en-US" sz="2400" dirty="0">
+            <a:endParaRPr lang="en-US" sz="2400">
               <a:solidFill>
                 <a:srgbClr val="000000"/>
               </a:solidFill>
@@ -11257,7 +12379,7 @@
               <a:buAutoNum type="romanLcPeriod"/>
             </a:pPr>
             <a:r>
-              <a:rPr lang="en-US" sz="2400" b="1" dirty="0">
+              <a:rPr lang="en-US" sz="2400" b="1">
                 <a:solidFill>
                   <a:srgbClr val="C00000"/>
                 </a:solidFill>
@@ -11266,7 +12388,7 @@
               </a:rPr>
               <a:t>Fetching IP, TCP &amp; UDP Fields</a:t>
             </a:r>
-            <a:endParaRPr lang="en-US" sz="2400" dirty="0">
+            <a:endParaRPr lang="en-US" sz="2400">
               <a:solidFill>
                 <a:srgbClr val="C00000"/>
               </a:solidFill>
@@ -11279,7 +12401,7 @@
               <a:buAutoNum type="romanLcPeriod"/>
             </a:pPr>
             <a:r>
-              <a:rPr lang="en-US" sz="2400" b="1" dirty="0">
+              <a:rPr lang="en-US" sz="2400" b="1">
                 <a:solidFill>
                   <a:srgbClr val="C00000"/>
                 </a:solidFill>
@@ -11288,7 +12410,7 @@
               </a:rPr>
               <a:t>Fetching ARP and ICMP Packet Fields</a:t>
             </a:r>
-            <a:endParaRPr lang="en-US" sz="2400" dirty="0">
+            <a:endParaRPr lang="en-US" sz="2400">
               <a:solidFill>
                 <a:srgbClr val="C00000"/>
               </a:solidFill>
@@ -11301,14 +12423,14 @@
               <a:buAutoNum type="arabicPeriod"/>
             </a:pPr>
             <a:r>
-              <a:rPr lang="en-US" sz="2400" b="1" i="1" dirty="0">
+              <a:rPr lang="en-US" sz="2400" b="1" i="1">
                 <a:solidFill>
                   <a:srgbClr val="C00000"/>
                 </a:solidFill>
               </a:rPr>
               <a:t>Result Analysis</a:t>
             </a:r>
-            <a:endParaRPr lang="en-US" sz="2400" b="1" i="1" dirty="0">
+            <a:endParaRPr lang="en-US" sz="2400" b="1" i="1">
               <a:solidFill>
                 <a:srgbClr val="C00000"/>
               </a:solidFill>
@@ -11320,14 +12442,14 @@
               <a:buAutoNum type="romanLcPeriod"/>
             </a:pPr>
             <a:r>
-              <a:rPr lang="en-US" sz="2400" b="1" i="1" dirty="0">
+              <a:rPr lang="en-US" sz="2400" b="1" i="1">
                 <a:solidFill>
                   <a:srgbClr val="C00000"/>
                 </a:solidFill>
               </a:rPr>
               <a:t>Visualization and Summarization of Data</a:t>
             </a:r>
-            <a:endParaRPr lang="en-US" sz="2400" b="1" i="1" dirty="0">
+            <a:endParaRPr lang="en-US" sz="2400" b="1" i="1">
               <a:solidFill>
                 <a:srgbClr val="C00000"/>
               </a:solidFill>
@@ -11339,14 +12461,14 @@
               <a:buAutoNum type="arabicPeriod"/>
             </a:pPr>
             <a:r>
-              <a:rPr lang="en-US" sz="2400" b="1" i="1" dirty="0">
+              <a:rPr lang="en-US" sz="2400" b="1" i="1">
                 <a:solidFill>
                   <a:srgbClr val="C00000"/>
                 </a:solidFill>
               </a:rPr>
               <a:t>Conclusion</a:t>
             </a:r>
-            <a:endParaRPr lang="en-US" sz="2400" b="1" i="1" dirty="0">
+            <a:endParaRPr lang="en-US" sz="2400" b="1" i="1">
               <a:solidFill>
                 <a:srgbClr val="C00000"/>
               </a:solidFill>
@@ -11358,14 +12480,14 @@
               <a:buAutoNum type="arabicPeriod"/>
             </a:pPr>
             <a:r>
-              <a:rPr lang="en-US" sz="2400" b="1" i="1" dirty="0">
+              <a:rPr lang="en-US" sz="2400" b="1" i="1">
                 <a:solidFill>
                   <a:srgbClr val="C00000"/>
                 </a:solidFill>
               </a:rPr>
               <a:t>References</a:t>
             </a:r>
-            <a:endParaRPr lang="en-US" sz="2400" b="1" i="1" dirty="0">
+            <a:endParaRPr lang="en-US" sz="2400" b="1" i="1">
               <a:solidFill>
                 <a:srgbClr val="C00000"/>
               </a:solidFill>
@@ -11391,7 +12513,7 @@
           <a:p>
             <a:pPr algn="just"/>
             <a:r>
-              <a:rPr lang="en-US" b="1" dirty="0">
+              <a:rPr lang="en-US" b="1">
                 <a:latin typeface="Calibri"/>
                 <a:cs typeface="Calibri"/>
               </a:rPr>
@@ -11401,13 +12523,13 @@
           <a:p>
             <a:pPr algn="just"/>
             <a:r>
-              <a:rPr lang="en-US" b="1" dirty="0">
+              <a:rPr lang="en-US" b="1">
                 <a:latin typeface="Calibri"/>
                 <a:cs typeface="Calibri"/>
               </a:rPr>
               <a:t>  </a:t>
             </a:r>
-            <a:endParaRPr lang="en-US" b="1" dirty="0">
+            <a:endParaRPr lang="en-US" b="1">
               <a:cs typeface="Calibri"/>
             </a:endParaRPr>
           </a:p>
@@ -11431,6 +12553,420 @@
 </file>
 
 <file path=ppt/slides/slide30.xml><?xml version="1.0" encoding="utf-8"?>
+<p:sld xmlns:a="http://schemas.openxmlformats.org/drawingml/2006/main" xmlns:r="http://schemas.openxmlformats.org/officeDocument/2006/relationships" xmlns:p="http://schemas.openxmlformats.org/presentationml/2006/main">
+  <p:cSld>
+    <p:spTree>
+      <p:nvGrpSpPr>
+        <p:cNvPr id="1" name=""/>
+        <p:cNvGrpSpPr/>
+        <p:nvPr/>
+      </p:nvGrpSpPr>
+      <p:grpSpPr>
+        <a:xfrm>
+          <a:off x="0" y="0"/>
+          <a:ext cx="0" cy="0"/>
+          <a:chOff x="0" y="0"/>
+          <a:chExt cx="0" cy="0"/>
+        </a:xfrm>
+      </p:grpSpPr>
+      <p:sp>
+        <p:nvSpPr>
+          <p:cNvPr id="2" name="Title 1">
+            <a:extLst>
+              <a:ext uri="{FF2B5EF4-FFF2-40B4-BE49-F238E27FC236}">
+                <a16:creationId xmlns:a16="http://schemas.microsoft.com/office/drawing/2014/main" id="{02526FC1-3B5E-374B-9298-B84660D495AE}"/>
+              </a:ext>
+            </a:extLst>
+          </p:cNvPr>
+          <p:cNvSpPr txBox="1">
+            <a:spLocks/>
+          </p:cNvSpPr>
+          <p:nvPr/>
+        </p:nvSpPr>
+        <p:spPr>
+          <a:xfrm>
+            <a:off x="457200" y="274638"/>
+            <a:ext cx="8229600" cy="1143000"/>
+          </a:xfrm>
+          <a:prstGeom prst="rect">
+            <a:avLst/>
+          </a:prstGeom>
+        </p:spPr>
+        <p:txBody>
+          <a:bodyPr/>
+          <a:lstStyle>
+            <a:lvl1pPr algn="ctr" rtl="0" eaLnBrk="1" fontAlgn="base" hangingPunct="1">
+              <a:spcBef>
+                <a:spcPct val="0"/>
+              </a:spcBef>
+              <a:spcAft>
+                <a:spcPct val="0"/>
+              </a:spcAft>
+              <a:defRPr sz="4400" kern="1200">
+                <a:solidFill>
+                  <a:schemeClr val="tx1"/>
+                </a:solidFill>
+                <a:latin typeface="+mj-lt"/>
+                <a:ea typeface="+mj-ea"/>
+                <a:cs typeface="+mj-cs"/>
+              </a:defRPr>
+            </a:lvl1pPr>
+            <a:lvl2pPr algn="ctr" rtl="0" eaLnBrk="1" fontAlgn="base" hangingPunct="1">
+              <a:spcBef>
+                <a:spcPct val="0"/>
+              </a:spcBef>
+              <a:spcAft>
+                <a:spcPct val="0"/>
+              </a:spcAft>
+              <a:defRPr sz="4400">
+                <a:solidFill>
+                  <a:schemeClr val="tx1"/>
+                </a:solidFill>
+                <a:latin typeface="Calibri" pitchFamily="34" charset="0"/>
+              </a:defRPr>
+            </a:lvl2pPr>
+            <a:lvl3pPr algn="ctr" rtl="0" eaLnBrk="1" fontAlgn="base" hangingPunct="1">
+              <a:spcBef>
+                <a:spcPct val="0"/>
+              </a:spcBef>
+              <a:spcAft>
+                <a:spcPct val="0"/>
+              </a:spcAft>
+              <a:defRPr sz="4400">
+                <a:solidFill>
+                  <a:schemeClr val="tx1"/>
+                </a:solidFill>
+                <a:latin typeface="Calibri" pitchFamily="34" charset="0"/>
+              </a:defRPr>
+            </a:lvl3pPr>
+            <a:lvl4pPr algn="ctr" rtl="0" eaLnBrk="1" fontAlgn="base" hangingPunct="1">
+              <a:spcBef>
+                <a:spcPct val="0"/>
+              </a:spcBef>
+              <a:spcAft>
+                <a:spcPct val="0"/>
+              </a:spcAft>
+              <a:defRPr sz="4400">
+                <a:solidFill>
+                  <a:schemeClr val="tx1"/>
+                </a:solidFill>
+                <a:latin typeface="Calibri" pitchFamily="34" charset="0"/>
+              </a:defRPr>
+            </a:lvl4pPr>
+            <a:lvl5pPr algn="ctr" rtl="0" eaLnBrk="1" fontAlgn="base" hangingPunct="1">
+              <a:spcBef>
+                <a:spcPct val="0"/>
+              </a:spcBef>
+              <a:spcAft>
+                <a:spcPct val="0"/>
+              </a:spcAft>
+              <a:defRPr sz="4400">
+                <a:solidFill>
+                  <a:schemeClr val="tx1"/>
+                </a:solidFill>
+                <a:latin typeface="Calibri" pitchFamily="34" charset="0"/>
+              </a:defRPr>
+            </a:lvl5pPr>
+            <a:lvl6pPr marL="457200" algn="ctr" rtl="0" eaLnBrk="1" fontAlgn="base" hangingPunct="1">
+              <a:spcBef>
+                <a:spcPct val="0"/>
+              </a:spcBef>
+              <a:spcAft>
+                <a:spcPct val="0"/>
+              </a:spcAft>
+              <a:defRPr sz="4400">
+                <a:solidFill>
+                  <a:schemeClr val="tx1"/>
+                </a:solidFill>
+                <a:latin typeface="Calibri" pitchFamily="34" charset="0"/>
+              </a:defRPr>
+            </a:lvl6pPr>
+            <a:lvl7pPr marL="914400" algn="ctr" rtl="0" eaLnBrk="1" fontAlgn="base" hangingPunct="1">
+              <a:spcBef>
+                <a:spcPct val="0"/>
+              </a:spcBef>
+              <a:spcAft>
+                <a:spcPct val="0"/>
+              </a:spcAft>
+              <a:defRPr sz="4400">
+                <a:solidFill>
+                  <a:schemeClr val="tx1"/>
+                </a:solidFill>
+                <a:latin typeface="Calibri" pitchFamily="34" charset="0"/>
+              </a:defRPr>
+            </a:lvl7pPr>
+            <a:lvl8pPr marL="1371600" algn="ctr" rtl="0" eaLnBrk="1" fontAlgn="base" hangingPunct="1">
+              <a:spcBef>
+                <a:spcPct val="0"/>
+              </a:spcBef>
+              <a:spcAft>
+                <a:spcPct val="0"/>
+              </a:spcAft>
+              <a:defRPr sz="4400">
+                <a:solidFill>
+                  <a:schemeClr val="tx1"/>
+                </a:solidFill>
+                <a:latin typeface="Calibri" pitchFamily="34" charset="0"/>
+              </a:defRPr>
+            </a:lvl8pPr>
+            <a:lvl9pPr marL="1828800" algn="ctr" rtl="0" eaLnBrk="1" fontAlgn="base" hangingPunct="1">
+              <a:spcBef>
+                <a:spcPct val="0"/>
+              </a:spcBef>
+              <a:spcAft>
+                <a:spcPct val="0"/>
+              </a:spcAft>
+              <a:defRPr sz="4400">
+                <a:solidFill>
+                  <a:schemeClr val="tx1"/>
+                </a:solidFill>
+                <a:latin typeface="Calibri" pitchFamily="34" charset="0"/>
+              </a:defRPr>
+            </a:lvl9pPr>
+          </a:lstStyle>
+          <a:p>
+            <a:r>
+              <a:rPr lang="en-US" sz="3200" b="1">
+                <a:solidFill>
+                  <a:srgbClr val="00B0F0"/>
+                </a:solidFill>
+                <a:cs typeface="Calibri Light"/>
+              </a:rPr>
+              <a:t>Number Of Protocols</a:t>
+            </a:r>
+          </a:p>
+        </p:txBody>
+      </p:sp>
+      <p:sp>
+        <p:nvSpPr>
+          <p:cNvPr id="3" name="Content Placeholder 2">
+            <a:extLst>
+              <a:ext uri="{FF2B5EF4-FFF2-40B4-BE49-F238E27FC236}">
+                <a16:creationId xmlns:a16="http://schemas.microsoft.com/office/drawing/2014/main" id="{FE7C90BE-F04E-E941-B70A-4B93680FCAA6}"/>
+              </a:ext>
+            </a:extLst>
+          </p:cNvPr>
+          <p:cNvSpPr txBox="1">
+            <a:spLocks/>
+          </p:cNvSpPr>
+          <p:nvPr/>
+        </p:nvSpPr>
+        <p:spPr>
+          <a:xfrm>
+            <a:off x="628650" y="2226469"/>
+            <a:ext cx="3544105" cy="3263504"/>
+          </a:xfrm>
+          <a:prstGeom prst="rect">
+            <a:avLst/>
+          </a:prstGeom>
+        </p:spPr>
+        <p:txBody>
+          <a:bodyPr/>
+          <a:lstStyle>
+            <a:lvl1pPr marL="342900" indent="-342900" algn="l" rtl="0" eaLnBrk="1" fontAlgn="base" hangingPunct="1">
+              <a:spcBef>
+                <a:spcPct val="20000"/>
+              </a:spcBef>
+              <a:spcAft>
+                <a:spcPct val="0"/>
+              </a:spcAft>
+              <a:buFont typeface="Arial" charset="0"/>
+              <a:buChar char="•"/>
+              <a:defRPr sz="3200" kern="1200">
+                <a:solidFill>
+                  <a:schemeClr val="tx1"/>
+                </a:solidFill>
+                <a:latin typeface="+mn-lt"/>
+                <a:ea typeface="+mn-ea"/>
+                <a:cs typeface="+mn-cs"/>
+              </a:defRPr>
+            </a:lvl1pPr>
+            <a:lvl2pPr marL="742950" indent="-285750" algn="l" rtl="0" eaLnBrk="1" fontAlgn="base" hangingPunct="1">
+              <a:spcBef>
+                <a:spcPct val="20000"/>
+              </a:spcBef>
+              <a:spcAft>
+                <a:spcPct val="0"/>
+              </a:spcAft>
+              <a:buFont typeface="Arial" charset="0"/>
+              <a:buChar char="–"/>
+              <a:defRPr sz="2800" kern="1200">
+                <a:solidFill>
+                  <a:schemeClr val="tx1"/>
+                </a:solidFill>
+                <a:latin typeface="+mn-lt"/>
+                <a:ea typeface="+mn-ea"/>
+                <a:cs typeface="+mn-cs"/>
+              </a:defRPr>
+            </a:lvl2pPr>
+            <a:lvl3pPr marL="1143000" indent="-228600" algn="l" rtl="0" eaLnBrk="1" fontAlgn="base" hangingPunct="1">
+              <a:spcBef>
+                <a:spcPct val="20000"/>
+              </a:spcBef>
+              <a:spcAft>
+                <a:spcPct val="0"/>
+              </a:spcAft>
+              <a:buFont typeface="Arial" charset="0"/>
+              <a:buChar char="•"/>
+              <a:defRPr sz="2400" kern="1200">
+                <a:solidFill>
+                  <a:schemeClr val="tx1"/>
+                </a:solidFill>
+                <a:latin typeface="+mn-lt"/>
+                <a:ea typeface="+mn-ea"/>
+                <a:cs typeface="+mn-cs"/>
+              </a:defRPr>
+            </a:lvl3pPr>
+            <a:lvl4pPr marL="1600200" indent="-228600" algn="l" rtl="0" eaLnBrk="1" fontAlgn="base" hangingPunct="1">
+              <a:spcBef>
+                <a:spcPct val="20000"/>
+              </a:spcBef>
+              <a:spcAft>
+                <a:spcPct val="0"/>
+              </a:spcAft>
+              <a:buFont typeface="Arial" charset="0"/>
+              <a:buChar char="–"/>
+              <a:defRPr sz="2000" kern="1200">
+                <a:solidFill>
+                  <a:schemeClr val="tx1"/>
+                </a:solidFill>
+                <a:latin typeface="+mn-lt"/>
+                <a:ea typeface="+mn-ea"/>
+                <a:cs typeface="+mn-cs"/>
+              </a:defRPr>
+            </a:lvl4pPr>
+            <a:lvl5pPr marL="2057400" indent="-228600" algn="l" rtl="0" eaLnBrk="1" fontAlgn="base" hangingPunct="1">
+              <a:spcBef>
+                <a:spcPct val="20000"/>
+              </a:spcBef>
+              <a:spcAft>
+                <a:spcPct val="0"/>
+              </a:spcAft>
+              <a:buFont typeface="Arial" charset="0"/>
+              <a:buChar char="»"/>
+              <a:defRPr sz="2000" kern="1200">
+                <a:solidFill>
+                  <a:schemeClr val="tx1"/>
+                </a:solidFill>
+                <a:latin typeface="+mn-lt"/>
+                <a:ea typeface="+mn-ea"/>
+                <a:cs typeface="+mn-cs"/>
+              </a:defRPr>
+            </a:lvl5pPr>
+            <a:lvl6pPr marL="2514600" indent="-228600" algn="l" defTabSz="914400" rtl="0" eaLnBrk="1" latinLnBrk="0" hangingPunct="1">
+              <a:spcBef>
+                <a:spcPct val="20000"/>
+              </a:spcBef>
+              <a:buFont typeface="Arial" pitchFamily="34" charset="0"/>
+              <a:buChar char="•"/>
+              <a:defRPr sz="2000" kern="1200">
+                <a:solidFill>
+                  <a:schemeClr val="tx1"/>
+                </a:solidFill>
+                <a:latin typeface="+mn-lt"/>
+                <a:ea typeface="+mn-ea"/>
+                <a:cs typeface="+mn-cs"/>
+              </a:defRPr>
+            </a:lvl6pPr>
+            <a:lvl7pPr marL="2971800" indent="-228600" algn="l" defTabSz="914400" rtl="0" eaLnBrk="1" latinLnBrk="0" hangingPunct="1">
+              <a:spcBef>
+                <a:spcPct val="20000"/>
+              </a:spcBef>
+              <a:buFont typeface="Arial" pitchFamily="34" charset="0"/>
+              <a:buChar char="•"/>
+              <a:defRPr sz="2000" kern="1200">
+                <a:solidFill>
+                  <a:schemeClr val="tx1"/>
+                </a:solidFill>
+                <a:latin typeface="+mn-lt"/>
+                <a:ea typeface="+mn-ea"/>
+                <a:cs typeface="+mn-cs"/>
+              </a:defRPr>
+            </a:lvl7pPr>
+            <a:lvl8pPr marL="3429000" indent="-228600" algn="l" defTabSz="914400" rtl="0" eaLnBrk="1" latinLnBrk="0" hangingPunct="1">
+              <a:spcBef>
+                <a:spcPct val="20000"/>
+              </a:spcBef>
+              <a:buFont typeface="Arial" pitchFamily="34" charset="0"/>
+              <a:buChar char="•"/>
+              <a:defRPr sz="2000" kern="1200">
+                <a:solidFill>
+                  <a:schemeClr val="tx1"/>
+                </a:solidFill>
+                <a:latin typeface="+mn-lt"/>
+                <a:ea typeface="+mn-ea"/>
+                <a:cs typeface="+mn-cs"/>
+              </a:defRPr>
+            </a:lvl8pPr>
+            <a:lvl9pPr marL="3886200" indent="-228600" algn="l" defTabSz="914400" rtl="0" eaLnBrk="1" latinLnBrk="0" hangingPunct="1">
+              <a:spcBef>
+                <a:spcPct val="20000"/>
+              </a:spcBef>
+              <a:buFont typeface="Arial" pitchFamily="34" charset="0"/>
+              <a:buChar char="•"/>
+              <a:defRPr sz="2000" kern="1200">
+                <a:solidFill>
+                  <a:schemeClr val="tx1"/>
+                </a:solidFill>
+                <a:latin typeface="+mn-lt"/>
+                <a:ea typeface="+mn-ea"/>
+                <a:cs typeface="+mn-cs"/>
+              </a:defRPr>
+            </a:lvl9pPr>
+          </a:lstStyle>
+          <a:p>
+            <a:r>
+              <a:rPr lang="en-US" sz="2800">
+                <a:ea typeface="+mn-lt"/>
+                <a:cs typeface="+mn-lt"/>
+              </a:rPr>
+              <a:t>The graph shows the number of packets each protocol has in the network.</a:t>
+            </a:r>
+          </a:p>
+        </p:txBody>
+      </p:sp>
+      <p:pic>
+        <p:nvPicPr>
+          <p:cNvPr id="4" name="Picture 3" descr="1.png">
+            <a:extLst>
+              <a:ext uri="{FF2B5EF4-FFF2-40B4-BE49-F238E27FC236}">
+                <a16:creationId xmlns:a16="http://schemas.microsoft.com/office/drawing/2014/main" id="{54E6DB28-0FB8-BB40-9BDD-12B5644749E4}"/>
+              </a:ext>
+            </a:extLst>
+          </p:cNvPr>
+          <p:cNvPicPr/>
+          <p:nvPr/>
+        </p:nvPicPr>
+        <p:blipFill>
+          <a:blip r:embed="rId2" cstate="print"/>
+          <a:stretch>
+            <a:fillRect/>
+          </a:stretch>
+        </p:blipFill>
+        <p:spPr>
+          <a:xfrm>
+            <a:off x="4255294" y="2125266"/>
+            <a:ext cx="4260056" cy="3372803"/>
+          </a:xfrm>
+          <a:prstGeom prst="rect">
+            <a:avLst/>
+          </a:prstGeom>
+        </p:spPr>
+      </p:pic>
+    </p:spTree>
+    <p:extLst>
+      <p:ext uri="{BB962C8B-B14F-4D97-AF65-F5344CB8AC3E}">
+        <p14:creationId xmlns:p14="http://schemas.microsoft.com/office/powerpoint/2010/main" val="1188854406"/>
+      </p:ext>
+    </p:extLst>
+  </p:cSld>
+  <p:clrMapOvr>
+    <a:masterClrMapping/>
+  </p:clrMapOvr>
+</p:sld>
+</file>
+
+<file path=ppt/slides/slide31.xml><?xml version="1.0" encoding="utf-8"?>
 <p:sld xmlns:a="http://schemas.openxmlformats.org/drawingml/2006/main" xmlns:r="http://schemas.openxmlformats.org/officeDocument/2006/relationships" xmlns:p="http://schemas.openxmlformats.org/presentationml/2006/main">
   <p:cSld>
     <p:spTree>
@@ -11847,7 +13383,7 @@
 </p:sld>
 </file>
 
-<file path=ppt/slides/slide31.xml><?xml version="1.0" encoding="utf-8"?>
+<file path=ppt/slides/slide32.xml><?xml version="1.0" encoding="utf-8"?>
 <p:sld xmlns:a="http://schemas.openxmlformats.org/drawingml/2006/main" xmlns:r="http://schemas.openxmlformats.org/officeDocument/2006/relationships" xmlns:p="http://schemas.openxmlformats.org/presentationml/2006/main">
   <p:cSld>
     <p:spTree>
@@ -12268,7 +13804,7 @@
 </p:sld>
 </file>
 
-<file path=ppt/slides/slide32.xml><?xml version="1.0" encoding="utf-8"?>
+<file path=ppt/slides/slide33.xml><?xml version="1.0" encoding="utf-8"?>
 <p:sld xmlns:a="http://schemas.openxmlformats.org/drawingml/2006/main" xmlns:r="http://schemas.openxmlformats.org/officeDocument/2006/relationships" xmlns:p="http://schemas.openxmlformats.org/presentationml/2006/main">
   <p:cSld>
     <p:spTree>
@@ -12477,7 +14013,7 @@
           </a:prstGeom>
         </p:spPr>
         <p:txBody>
-          <a:bodyPr/>
+          <a:bodyPr lIns="91440" tIns="45720" rIns="91440" bIns="45720" anchor="t"/>
           <a:lstStyle>
             <a:lvl1pPr marL="342900" indent="-342900" algn="l" rtl="0" eaLnBrk="1" fontAlgn="base" hangingPunct="1">
               <a:spcBef>
@@ -12636,7 +14172,7 @@
                 <a:ea typeface="+mn-lt"/>
                 <a:cs typeface="+mn-lt"/>
               </a:rPr>
-              <a:t>The pier char shows that all our packets are using IP protocol with header length 5.</a:t>
+              <a:t>The pie chat shows that all our packets are using IP protocol with header length 5.</a:t>
             </a:r>
           </a:p>
           <a:p>
@@ -12689,7 +14225,7 @@
 </p:sld>
 </file>
 
-<file path=ppt/slides/slide33.xml><?xml version="1.0" encoding="utf-8"?>
+<file path=ppt/slides/slide34.xml><?xml version="1.0" encoding="utf-8"?>
 <p:sld xmlns:a="http://schemas.openxmlformats.org/drawingml/2006/main" xmlns:r="http://schemas.openxmlformats.org/officeDocument/2006/relationships" xmlns:p="http://schemas.openxmlformats.org/presentationml/2006/main">
   <p:cSld>
     <p:spTree>
@@ -13110,7 +14646,7 @@
 </p:sld>
 </file>
 
-<file path=ppt/slides/slide34.xml><?xml version="1.0" encoding="utf-8"?>
+<file path=ppt/slides/slide35.xml><?xml version="1.0" encoding="utf-8"?>
 <p:sld xmlns:a="http://schemas.openxmlformats.org/drawingml/2006/main" xmlns:r="http://schemas.openxmlformats.org/officeDocument/2006/relationships" xmlns:p="http://schemas.openxmlformats.org/presentationml/2006/main">
   <p:cSld>
     <p:spTree>
@@ -13536,7 +15072,7 @@
 </p:sld>
 </file>
 
-<file path=ppt/slides/slide35.xml><?xml version="1.0" encoding="utf-8"?>
+<file path=ppt/slides/slide36.xml><?xml version="1.0" encoding="utf-8"?>
 <p:sld xmlns:a="http://schemas.openxmlformats.org/drawingml/2006/main" xmlns:r="http://schemas.openxmlformats.org/officeDocument/2006/relationships" xmlns:p="http://schemas.openxmlformats.org/presentationml/2006/main">
   <p:cSld>
     <p:spTree>
@@ -13962,7 +15498,7 @@
 </p:sld>
 </file>
 
-<file path=ppt/slides/slide36.xml><?xml version="1.0" encoding="utf-8"?>
+<file path=ppt/slides/slide37.xml><?xml version="1.0" encoding="utf-8"?>
 <p:sld xmlns:a="http://schemas.openxmlformats.org/drawingml/2006/main" xmlns:r="http://schemas.openxmlformats.org/officeDocument/2006/relationships" xmlns:p="http://schemas.openxmlformats.org/presentationml/2006/main">
   <p:cSld>
     <p:spTree>
@@ -14171,7 +15707,7 @@
           </a:prstGeom>
         </p:spPr>
         <p:txBody>
-          <a:bodyPr/>
+          <a:bodyPr lIns="91440" tIns="45720" rIns="91440" bIns="45720" anchor="t"/>
           <a:lstStyle>
             <a:lvl1pPr marL="342900" indent="-342900" algn="l" rtl="0" eaLnBrk="1" fontAlgn="base" hangingPunct="1">
               <a:spcBef>
@@ -14326,15 +15862,15 @@
           </a:lstStyle>
           <a:p>
             <a:r>
-              <a:rPr lang="en-US" sz="2800">
+              <a:rPr lang="en-US" sz="2800" dirty="0">
                 <a:ea typeface="+mn-lt"/>
                 <a:cs typeface="+mn-lt"/>
               </a:rPr>
-              <a:t>This graph depicts the number of requests coming from a particular IP address.</a:t>
-            </a:r>
-          </a:p>
-          <a:p>
-            <a:endParaRPr lang="en-US"/>
+              <a:t>This graph depicts the number of requests coming from a ethernet  address (01:00:5e:7f:ff:fa)</a:t>
+            </a:r>
+          </a:p>
+          <a:p>
+            <a:endParaRPr lang="en-US" dirty="0"/>
           </a:p>
         </p:txBody>
       </p:sp>
@@ -14358,7 +15894,7 @@
         </p:blipFill>
         <p:spPr>
           <a:xfrm>
-            <a:off x="4572001" y="2676883"/>
+            <a:off x="5085874" y="2329643"/>
             <a:ext cx="3600926" cy="2362676"/>
           </a:xfrm>
           <a:prstGeom prst="rect">
@@ -14379,7 +15915,7 @@
 </p:sld>
 </file>
 
-<file path=ppt/slides/slide37.xml><?xml version="1.0" encoding="utf-8"?>
+<file path=ppt/slides/slide38.xml><?xml version="1.0" encoding="utf-8"?>
 <p:sld xmlns:a="http://schemas.openxmlformats.org/drawingml/2006/main" xmlns:r="http://schemas.openxmlformats.org/officeDocument/2006/relationships" xmlns:p="http://schemas.openxmlformats.org/presentationml/2006/main">
   <p:cSld>
     <p:spTree>
@@ -14580,15 +16116,15 @@
         </p:nvSpPr>
         <p:spPr>
           <a:xfrm>
-            <a:off x="628651" y="2226469"/>
-            <a:ext cx="3940130" cy="3263504"/>
+            <a:off x="523305" y="1173013"/>
+            <a:ext cx="8238231" cy="4657771"/>
           </a:xfrm>
           <a:prstGeom prst="rect">
             <a:avLst/>
           </a:prstGeom>
         </p:spPr>
         <p:txBody>
-          <a:bodyPr>
+          <a:bodyPr lIns="91440" tIns="45720" rIns="91440" bIns="45720" anchor="t">
             <a:normAutofit/>
           </a:bodyPr>
           <a:lstStyle>
@@ -14745,259 +16281,58 @@
           </a:lstStyle>
           <a:p>
             <a:r>
-              <a:rPr lang="en-US" sz="2800">
+              <a:rPr lang="en-US" sz="2800" dirty="0">
                 <a:ea typeface="+mn-lt"/>
                 <a:cs typeface="+mn-lt"/>
               </a:rPr>
-              <a:t>Total Connection 1549 as analyzed.</a:t>
-            </a:r>
-          </a:p>
-          <a:p>
-            <a:r>
-              <a:rPr lang="en-US" sz="2800">
+              <a:t>Total number of connection is 1549.</a:t>
+            </a:r>
+          </a:p>
+          <a:p>
+            <a:r>
+              <a:rPr lang="en-US" sz="2800" dirty="0">
                 <a:ea typeface="+mn-lt"/>
                 <a:cs typeface="+mn-lt"/>
               </a:rPr>
-              <a:t>Each connection has a number of packets transfer ranging from 1 to 4806. </a:t>
-            </a:r>
-          </a:p>
-          <a:p>
-            <a:endParaRPr lang="en-US"/>
-          </a:p>
-        </p:txBody>
-      </p:sp>
-      <p:pic>
-        <p:nvPicPr>
-          <p:cNvPr id="4" name="Picture 3" descr="11.png">
-            <a:extLst>
-              <a:ext uri="{FF2B5EF4-FFF2-40B4-BE49-F238E27FC236}">
-                <a16:creationId xmlns:a16="http://schemas.microsoft.com/office/drawing/2014/main" id="{A1C8DA51-47BA-B745-8E73-911CEC38FD12}"/>
-              </a:ext>
-            </a:extLst>
-          </p:cNvPr>
-          <p:cNvPicPr/>
-          <p:nvPr/>
-        </p:nvPicPr>
-        <p:blipFill>
-          <a:blip r:embed="rId2" cstate="print"/>
-          <a:stretch>
-            <a:fillRect/>
-          </a:stretch>
-        </p:blipFill>
-        <p:spPr>
-          <a:xfrm>
-            <a:off x="4684690" y="1927421"/>
-            <a:ext cx="3925336" cy="3659981"/>
-          </a:xfrm>
-          <a:prstGeom prst="rect">
-            <a:avLst/>
-          </a:prstGeom>
-        </p:spPr>
-      </p:pic>
-    </p:spTree>
-    <p:extLst>
-      <p:ext uri="{BB962C8B-B14F-4D97-AF65-F5344CB8AC3E}">
-        <p14:creationId xmlns:p14="http://schemas.microsoft.com/office/powerpoint/2010/main" val="1500107029"/>
-      </p:ext>
-    </p:extLst>
-  </p:cSld>
-  <p:clrMapOvr>
-    <a:masterClrMapping/>
-  </p:clrMapOvr>
-</p:sld>
-</file>
-
-<file path=ppt/slides/slide38.xml><?xml version="1.0" encoding="utf-8"?>
-<p:sld xmlns:a="http://schemas.openxmlformats.org/drawingml/2006/main" xmlns:r="http://schemas.openxmlformats.org/officeDocument/2006/relationships" xmlns:p="http://schemas.openxmlformats.org/presentationml/2006/main">
-  <p:cSld>
-    <p:spTree>
-      <p:nvGrpSpPr>
-        <p:cNvPr id="1" name=""/>
-        <p:cNvGrpSpPr/>
-        <p:nvPr/>
-      </p:nvGrpSpPr>
-      <p:grpSpPr>
-        <a:xfrm>
-          <a:off x="0" y="0"/>
-          <a:ext cx="0" cy="0"/>
-          <a:chOff x="0" y="0"/>
-          <a:chExt cx="0" cy="0"/>
-        </a:xfrm>
-      </p:grpSpPr>
-      <p:sp>
-        <p:nvSpPr>
-          <p:cNvPr id="2" name="Rectangle 1">
-            <a:extLst>
-              <a:ext uri="{FF2B5EF4-FFF2-40B4-BE49-F238E27FC236}">
-                <a16:creationId xmlns:a16="http://schemas.microsoft.com/office/drawing/2014/main" id="{2B4F1CE0-A4BE-4BC2-90AE-F60D8CE994E1}"/>
-              </a:ext>
-            </a:extLst>
-          </p:cNvPr>
-          <p:cNvSpPr/>
-          <p:nvPr/>
-        </p:nvSpPr>
-        <p:spPr>
-          <a:xfrm>
-            <a:off x="258532" y="222838"/>
-            <a:ext cx="2040943" cy="584775"/>
-          </a:xfrm>
-          <a:prstGeom prst="rect">
-            <a:avLst/>
-          </a:prstGeom>
-        </p:spPr>
-        <p:txBody>
-          <a:bodyPr wrap="none">
-            <a:spAutoFit/>
-          </a:bodyPr>
-          <a:lstStyle/>
-          <a:p>
-            <a:r>
-              <a:rPr lang="en-US" sz="3200" b="1">
-                <a:solidFill>
-                  <a:srgbClr val="00B0F0"/>
-                </a:solidFill>
-                <a:latin typeface="+mj-lt"/>
-                <a:ea typeface="+mj-ea"/>
-                <a:cs typeface="Calibri Light"/>
-              </a:rPr>
-              <a:t>Conclusion</a:t>
-            </a:r>
-          </a:p>
-        </p:txBody>
-      </p:sp>
-      <p:sp>
-        <p:nvSpPr>
-          <p:cNvPr id="3" name="Rectangle 2">
-            <a:extLst>
-              <a:ext uri="{FF2B5EF4-FFF2-40B4-BE49-F238E27FC236}">
-                <a16:creationId xmlns:a16="http://schemas.microsoft.com/office/drawing/2014/main" id="{B9AB4378-E5BC-BD40-9FDA-4F10008299AD}"/>
-              </a:ext>
-            </a:extLst>
-          </p:cNvPr>
-          <p:cNvSpPr/>
-          <p:nvPr/>
-        </p:nvSpPr>
-        <p:spPr>
-          <a:xfrm>
-            <a:off x="609599" y="1099457"/>
-            <a:ext cx="8055429" cy="4584332"/>
-          </a:xfrm>
-          <a:prstGeom prst="rect">
-            <a:avLst/>
-          </a:prstGeom>
-        </p:spPr>
-        <p:txBody>
-          <a:bodyPr wrap="square">
-            <a:spAutoFit/>
-          </a:bodyPr>
-          <a:lstStyle/>
-          <a:p>
-            <a:pPr marL="285750" indent="-285750" algn="just">
-              <a:lnSpc>
-                <a:spcPct val="150000"/>
-              </a:lnSpc>
-              <a:spcAft>
-                <a:spcPts val="1000"/>
-              </a:spcAft>
-              <a:buFont typeface="Arial" panose="020B0604020202020204" pitchFamily="34" charset="0"/>
-              <a:buChar char="•"/>
-            </a:pPr>
-            <a:r>
-              <a:rPr lang="en-US" sz="2000">
-                <a:latin typeface="+mn-lt"/>
+              <a:t>Each connection has several packets transfer ranging from 1 to 4806. </a:t>
+            </a:r>
+          </a:p>
+          <a:p>
+            <a:r>
+              <a:rPr lang="en-US" sz="2800" dirty="0">
                 <a:ea typeface="+mn-lt"/>
                 <a:cs typeface="+mn-lt"/>
               </a:rPr>
-              <a:t>We have analyzed a given PCAP file having different network packets captured in C array format. </a:t>
-            </a:r>
-          </a:p>
-          <a:p>
-            <a:pPr marL="285750" indent="-285750" algn="just">
-              <a:lnSpc>
-                <a:spcPct val="150000"/>
-              </a:lnSpc>
-              <a:spcAft>
-                <a:spcPts val="1000"/>
-              </a:spcAft>
-              <a:buFont typeface="Arial" panose="020B0604020202020204" pitchFamily="34" charset="0"/>
-              <a:buChar char="•"/>
-            </a:pPr>
-            <a:r>
-              <a:rPr lang="en-US" sz="2000">
-                <a:latin typeface="+mn-lt"/>
+              <a:t>First 20 connection are displayed using bar chart.</a:t>
+            </a:r>
+          </a:p>
+          <a:p>
+            <a:r>
+              <a:rPr lang="en-US" sz="2800" dirty="0">
                 <a:ea typeface="+mn-lt"/>
                 <a:cs typeface="+mn-lt"/>
               </a:rPr>
-              <a:t>To read the content of these packets, we have used the </a:t>
-            </a:r>
-            <a:r>
-              <a:rPr lang="en-US" sz="2000" err="1">
-                <a:latin typeface="+mn-lt"/>
+              <a:t>Only first connection has 4806 packets transferred for first connection</a:t>
+            </a:r>
+          </a:p>
+          <a:p>
+            <a:r>
+              <a:rPr lang="en-US" sz="2800" dirty="0">
                 <a:ea typeface="+mn-lt"/>
                 <a:cs typeface="+mn-lt"/>
               </a:rPr>
-              <a:t>scpay</a:t>
-            </a:r>
-            <a:r>
-              <a:rPr lang="en-US" sz="2000">
-                <a:latin typeface="+mn-lt"/>
-                <a:ea typeface="+mn-lt"/>
-                <a:cs typeface="+mn-lt"/>
-              </a:rPr>
-              <a:t> package in python language. </a:t>
-            </a:r>
-          </a:p>
-          <a:p>
-            <a:pPr marL="285750" indent="-285750" algn="just">
-              <a:lnSpc>
-                <a:spcPct val="150000"/>
-              </a:lnSpc>
-              <a:spcAft>
-                <a:spcPts val="1000"/>
-              </a:spcAft>
-              <a:buFont typeface="Arial" panose="020B0604020202020204" pitchFamily="34" charset="0"/>
-              <a:buChar char="•"/>
-            </a:pPr>
-            <a:r>
-              <a:rPr lang="en-US" sz="2000">
-                <a:latin typeface="+mn-lt"/>
-                <a:ea typeface="+mn-lt"/>
-                <a:cs typeface="+mn-lt"/>
-              </a:rPr>
-              <a:t>The packets are analyzed to determine all the fields like source address, destination address, source port number, destination port number, and protocols used in a different layer (such as IPv4 protocol, TCP protocol). </a:t>
-            </a:r>
-          </a:p>
-          <a:p>
-            <a:pPr marL="285750" indent="-285750" algn="just">
-              <a:lnSpc>
-                <a:spcPct val="150000"/>
-              </a:lnSpc>
-              <a:spcAft>
-                <a:spcPts val="1000"/>
-              </a:spcAft>
-              <a:buFont typeface="Arial" panose="020B0604020202020204" pitchFamily="34" charset="0"/>
-              <a:buChar char="•"/>
-            </a:pPr>
-            <a:r>
-              <a:rPr lang="en-US" sz="2000">
-                <a:latin typeface="+mn-lt"/>
-                <a:ea typeface="+mn-lt"/>
-                <a:cs typeface="+mn-lt"/>
-              </a:rPr>
-              <a:t>Finally, all this information is displayed using various graphs and pie charts to summarize the network packets.</a:t>
-            </a:r>
-            <a:endParaRPr lang="en-IN" sz="2000">
-              <a:latin typeface="+mn-lt"/>
-              <a:ea typeface="+mn-lt"/>
-              <a:cs typeface="+mn-lt"/>
-            </a:endParaRPr>
+              <a:t>Actual socket values is not displayed here. It represented using and Connection ID</a:t>
+            </a:r>
+          </a:p>
+          <a:p>
+            <a:endParaRPr lang="en-US" dirty="0"/>
           </a:p>
         </p:txBody>
       </p:sp>
     </p:spTree>
     <p:extLst>
       <p:ext uri="{BB962C8B-B14F-4D97-AF65-F5344CB8AC3E}">
-        <p14:creationId xmlns:p14="http://schemas.microsoft.com/office/powerpoint/2010/main" val="2853706791"/>
+        <p14:creationId xmlns:p14="http://schemas.microsoft.com/office/powerpoint/2010/main" val="1500107029"/>
       </p:ext>
     </p:extLst>
   </p:cSld>
@@ -15029,163 +16364,203 @@
           <p:cNvPr id="2" name="Title 1">
             <a:extLst>
               <a:ext uri="{FF2B5EF4-FFF2-40B4-BE49-F238E27FC236}">
-                <a16:creationId xmlns:a16="http://schemas.microsoft.com/office/drawing/2014/main" id="{5CCC7C50-FB87-274C-8733-0F747C43C138}"/>
+                <a16:creationId xmlns:a16="http://schemas.microsoft.com/office/drawing/2014/main" id="{D72166E7-0294-4246-9DA3-A18A9FDE01F8}"/>
               </a:ext>
             </a:extLst>
           </p:cNvPr>
-          <p:cNvSpPr>
-            <a:spLocks noGrp="1"/>
+          <p:cNvSpPr txBox="1">
+            <a:spLocks/>
           </p:cNvSpPr>
-          <p:nvPr>
-            <p:ph type="title"/>
-          </p:nvPr>
+          <p:nvPr/>
         </p:nvSpPr>
-        <p:spPr/>
+        <p:spPr>
+          <a:xfrm>
+            <a:off x="457200" y="274638"/>
+            <a:ext cx="8229600" cy="1143000"/>
+          </a:xfrm>
+          <a:prstGeom prst="rect">
+            <a:avLst/>
+          </a:prstGeom>
+        </p:spPr>
         <p:txBody>
           <a:bodyPr/>
-          <a:lstStyle/>
-          <a:p>
-            <a:r>
-              <a:rPr lang="en-US">
+          <a:lstStyle>
+            <a:lvl1pPr algn="ctr" rtl="0" eaLnBrk="1" fontAlgn="base" hangingPunct="1">
+              <a:spcBef>
+                <a:spcPct val="0"/>
+              </a:spcBef>
+              <a:spcAft>
+                <a:spcPct val="0"/>
+              </a:spcAft>
+              <a:defRPr sz="4400" kern="1200">
+                <a:solidFill>
+                  <a:schemeClr val="tx1"/>
+                </a:solidFill>
+                <a:latin typeface="+mj-lt"/>
+                <a:ea typeface="+mj-ea"/>
+                <a:cs typeface="+mj-cs"/>
+              </a:defRPr>
+            </a:lvl1pPr>
+            <a:lvl2pPr algn="ctr" rtl="0" eaLnBrk="1" fontAlgn="base" hangingPunct="1">
+              <a:spcBef>
+                <a:spcPct val="0"/>
+              </a:spcBef>
+              <a:spcAft>
+                <a:spcPct val="0"/>
+              </a:spcAft>
+              <a:defRPr sz="4400">
+                <a:solidFill>
+                  <a:schemeClr val="tx1"/>
+                </a:solidFill>
+                <a:latin typeface="Calibri" pitchFamily="34" charset="0"/>
+              </a:defRPr>
+            </a:lvl2pPr>
+            <a:lvl3pPr algn="ctr" rtl="0" eaLnBrk="1" fontAlgn="base" hangingPunct="1">
+              <a:spcBef>
+                <a:spcPct val="0"/>
+              </a:spcBef>
+              <a:spcAft>
+                <a:spcPct val="0"/>
+              </a:spcAft>
+              <a:defRPr sz="4400">
+                <a:solidFill>
+                  <a:schemeClr val="tx1"/>
+                </a:solidFill>
+                <a:latin typeface="Calibri" pitchFamily="34" charset="0"/>
+              </a:defRPr>
+            </a:lvl3pPr>
+            <a:lvl4pPr algn="ctr" rtl="0" eaLnBrk="1" fontAlgn="base" hangingPunct="1">
+              <a:spcBef>
+                <a:spcPct val="0"/>
+              </a:spcBef>
+              <a:spcAft>
+                <a:spcPct val="0"/>
+              </a:spcAft>
+              <a:defRPr sz="4400">
+                <a:solidFill>
+                  <a:schemeClr val="tx1"/>
+                </a:solidFill>
+                <a:latin typeface="Calibri" pitchFamily="34" charset="0"/>
+              </a:defRPr>
+            </a:lvl4pPr>
+            <a:lvl5pPr algn="ctr" rtl="0" eaLnBrk="1" fontAlgn="base" hangingPunct="1">
+              <a:spcBef>
+                <a:spcPct val="0"/>
+              </a:spcBef>
+              <a:spcAft>
+                <a:spcPct val="0"/>
+              </a:spcAft>
+              <a:defRPr sz="4400">
+                <a:solidFill>
+                  <a:schemeClr val="tx1"/>
+                </a:solidFill>
+                <a:latin typeface="Calibri" pitchFamily="34" charset="0"/>
+              </a:defRPr>
+            </a:lvl5pPr>
+            <a:lvl6pPr marL="457200" algn="ctr" rtl="0" eaLnBrk="1" fontAlgn="base" hangingPunct="1">
+              <a:spcBef>
+                <a:spcPct val="0"/>
+              </a:spcBef>
+              <a:spcAft>
+                <a:spcPct val="0"/>
+              </a:spcAft>
+              <a:defRPr sz="4400">
+                <a:solidFill>
+                  <a:schemeClr val="tx1"/>
+                </a:solidFill>
+                <a:latin typeface="Calibri" pitchFamily="34" charset="0"/>
+              </a:defRPr>
+            </a:lvl6pPr>
+            <a:lvl7pPr marL="914400" algn="ctr" rtl="0" eaLnBrk="1" fontAlgn="base" hangingPunct="1">
+              <a:spcBef>
+                <a:spcPct val="0"/>
+              </a:spcBef>
+              <a:spcAft>
+                <a:spcPct val="0"/>
+              </a:spcAft>
+              <a:defRPr sz="4400">
+                <a:solidFill>
+                  <a:schemeClr val="tx1"/>
+                </a:solidFill>
+                <a:latin typeface="Calibri" pitchFamily="34" charset="0"/>
+              </a:defRPr>
+            </a:lvl7pPr>
+            <a:lvl8pPr marL="1371600" algn="ctr" rtl="0" eaLnBrk="1" fontAlgn="base" hangingPunct="1">
+              <a:spcBef>
+                <a:spcPct val="0"/>
+              </a:spcBef>
+              <a:spcAft>
+                <a:spcPct val="0"/>
+              </a:spcAft>
+              <a:defRPr sz="4400">
+                <a:solidFill>
+                  <a:schemeClr val="tx1"/>
+                </a:solidFill>
+                <a:latin typeface="Calibri" pitchFamily="34" charset="0"/>
+              </a:defRPr>
+            </a:lvl8pPr>
+            <a:lvl9pPr marL="1828800" algn="ctr" rtl="0" eaLnBrk="1" fontAlgn="base" hangingPunct="1">
+              <a:spcBef>
+                <a:spcPct val="0"/>
+              </a:spcBef>
+              <a:spcAft>
+                <a:spcPct val="0"/>
+              </a:spcAft>
+              <a:defRPr sz="4400">
+                <a:solidFill>
+                  <a:schemeClr val="tx1"/>
+                </a:solidFill>
+                <a:latin typeface="Calibri" pitchFamily="34" charset="0"/>
+              </a:defRPr>
+            </a:lvl9pPr>
+          </a:lstStyle>
+          <a:p>
+            <a:r>
+              <a:rPr lang="en-US" sz="3200" b="1">
                 <a:solidFill>
                   <a:srgbClr val="00B0F0"/>
                 </a:solidFill>
                 <a:cs typeface="Calibri Light"/>
               </a:rPr>
-              <a:t>References</a:t>
+              <a:t>Socket Connections Of Network</a:t>
             </a:r>
           </a:p>
         </p:txBody>
       </p:sp>
-      <p:sp>
-        <p:nvSpPr>
-          <p:cNvPr id="3" name="Content Placeholder 2">
+      <p:pic>
+        <p:nvPicPr>
+          <p:cNvPr id="4" name="Picture 4" descr="A picture containing square&#10;&#10;Description automatically generated">
             <a:extLst>
               <a:ext uri="{FF2B5EF4-FFF2-40B4-BE49-F238E27FC236}">
-                <a16:creationId xmlns:a16="http://schemas.microsoft.com/office/drawing/2014/main" id="{957A4BB4-89D9-0D4E-A47A-8C93A4D2AC73}"/>
+                <a16:creationId xmlns:a16="http://schemas.microsoft.com/office/drawing/2014/main" id="{6EB795EC-18E0-4AEB-8061-0988CDAF6AE6}"/>
               </a:ext>
             </a:extLst>
           </p:cNvPr>
-          <p:cNvSpPr>
-            <a:spLocks noGrp="1"/>
-          </p:cNvSpPr>
-          <p:nvPr>
-            <p:ph sz="half" idx="2"/>
-          </p:nvPr>
-        </p:nvSpPr>
-        <p:spPr/>
-        <p:txBody>
-          <a:bodyPr/>
-          <a:lstStyle/>
-          <a:p>
-            <a:pPr marL="457200" indent="-457200">
-              <a:buFont typeface="+mj-lt"/>
-              <a:buAutoNum type="arabicPeriod"/>
-            </a:pPr>
-            <a:r>
-              <a:rPr lang="en-US">
-                <a:hlinkClick r:id="rId2"/>
-              </a:rPr>
-              <a:t>https://www.thousandeyes.com/learning/glossary/packet-capture</a:t>
-            </a:r>
-            <a:endParaRPr lang="en-IN"/>
-          </a:p>
-          <a:p>
-            <a:pPr marL="457200" indent="-457200">
-              <a:buFont typeface="+mj-lt"/>
-              <a:buAutoNum type="arabicPeriod"/>
-            </a:pPr>
-            <a:r>
-              <a:rPr lang="en-US">
-                <a:hlinkClick r:id="rId3"/>
-              </a:rPr>
-              <a:t>http://www.exa.unicen.edu.ar/catedras/comdat1/material/TP1-Ejercicio5-ingles</a:t>
-            </a:r>
-            <a:r>
-              <a:rPr lang="en-US"/>
-              <a:t>.</a:t>
-            </a:r>
-            <a:endParaRPr lang="en-IN"/>
-          </a:p>
-          <a:p>
-            <a:pPr marL="457200" indent="-457200">
-              <a:buFont typeface="+mj-lt"/>
-              <a:buAutoNum type="arabicPeriod"/>
-            </a:pPr>
-            <a:r>
-              <a:rPr lang="en-US" err="1"/>
-              <a:t>Veteikis</a:t>
-            </a:r>
-            <a:r>
-              <a:rPr lang="en-US"/>
-              <a:t>, M. and Moriarty, M., </a:t>
-            </a:r>
-            <a:r>
-              <a:rPr lang="en-US" err="1"/>
-              <a:t>BreakingPoint</a:t>
-            </a:r>
-            <a:r>
-              <a:rPr lang="en-US"/>
-              <a:t> Systems Inc, 2013. </a:t>
-            </a:r>
-            <a:r>
-              <a:rPr lang="en-US" i="1"/>
-              <a:t>Packet capture for error tracking</a:t>
-            </a:r>
-            <a:r>
-              <a:rPr lang="en-US"/>
-              <a:t>. U.S. Patent Application 13/529,970.</a:t>
-            </a:r>
-            <a:endParaRPr lang="en-IN"/>
-          </a:p>
-          <a:p>
-            <a:pPr marL="457200" indent="-457200">
-              <a:buFont typeface="+mj-lt"/>
-              <a:buAutoNum type="arabicPeriod"/>
-            </a:pPr>
-            <a:r>
-              <a:rPr lang="en-US" err="1"/>
-              <a:t>McCanne</a:t>
-            </a:r>
-            <a:r>
-              <a:rPr lang="en-US"/>
-              <a:t>, S. and Jacobson, V., 1993, January. The BSD Packet Filter: A New Architecture for User-level Packet Capture. In </a:t>
-            </a:r>
-            <a:r>
-              <a:rPr lang="en-US" i="1"/>
-              <a:t>USENIX winter</a:t>
-            </a:r>
-            <a:r>
-              <a:rPr lang="en-US"/>
-              <a:t> (Vol. 46).</a:t>
-            </a:r>
-            <a:endParaRPr lang="en-IN"/>
-          </a:p>
-          <a:p>
-            <a:pPr marL="457200" indent="-457200">
-              <a:buFont typeface="+mj-lt"/>
-              <a:buAutoNum type="arabicPeriod"/>
-            </a:pPr>
-            <a:r>
-              <a:rPr lang="en-US"/>
-              <a:t>Deri, L., 2004, September. Improving passive packet capture: Beyond device polling. In </a:t>
-            </a:r>
-            <a:r>
-              <a:rPr lang="en-US" i="1"/>
-              <a:t>Proceedings of SANE</a:t>
-            </a:r>
-            <a:r>
-              <a:rPr lang="en-US"/>
-              <a:t> (Vol. 2004, pp. 85-93).</a:t>
-            </a:r>
-            <a:endParaRPr lang="en-IN"/>
-          </a:p>
-        </p:txBody>
-      </p:sp>
+          <p:cNvPicPr>
+            <a:picLocks noChangeAspect="1"/>
+          </p:cNvPicPr>
+          <p:nvPr/>
+        </p:nvPicPr>
+        <p:blipFill>
+          <a:blip r:embed="rId2"/>
+          <a:stretch>
+            <a:fillRect/>
+          </a:stretch>
+        </p:blipFill>
+        <p:spPr>
+          <a:xfrm>
+            <a:off x="809054" y="1252438"/>
+            <a:ext cx="6978093" cy="4953595"/>
+          </a:xfrm>
+          <a:prstGeom prst="rect">
+            <a:avLst/>
+          </a:prstGeom>
+        </p:spPr>
+      </p:pic>
     </p:spTree>
     <p:extLst>
       <p:ext uri="{BB962C8B-B14F-4D97-AF65-F5344CB8AC3E}">
-        <p14:creationId xmlns:p14="http://schemas.microsoft.com/office/powerpoint/2010/main" val="1584788608"/>
+        <p14:creationId xmlns:p14="http://schemas.microsoft.com/office/powerpoint/2010/main" val="760046079"/>
       </p:ext>
     </p:extLst>
   </p:cSld>
@@ -15364,12 +16739,12 @@
           <a:p>
             <a:pPr algn="l"/>
             <a:r>
-              <a:rPr lang="en-US" sz="3200" b="1">
+              <a:rPr lang="en-US" sz="3200" b="1" dirty="0">
                 <a:solidFill>
                   <a:srgbClr val="00B0F0"/>
                 </a:solidFill>
               </a:rPr>
-              <a:t>Introduction</a:t>
+              <a:t>Overview</a:t>
             </a:r>
           </a:p>
         </p:txBody>
@@ -15383,7 +16758,7 @@
         <p:spPr>
           <a:xfrm>
             <a:off x="180654" y="1332499"/>
-            <a:ext cx="8552873" cy="5201424"/>
+            <a:ext cx="8552873" cy="677108"/>
           </a:xfrm>
           <a:prstGeom prst="rect">
             <a:avLst/>
@@ -15395,143 +16770,106 @@
           </a:bodyPr>
           <a:lstStyle/>
           <a:p>
-            <a:r>
-              <a:rPr lang="en-US" sz="2000" b="1">
-                <a:solidFill>
-                  <a:srgbClr val="00B050"/>
-                </a:solidFill>
-              </a:rPr>
-              <a:t>Packet capture:</a:t>
-            </a:r>
-            <a:endParaRPr lang="en-IN" sz="2000" b="1">
+            <a:endParaRPr lang="en-IN" sz="2000" dirty="0">
               <a:solidFill>
                 <a:srgbClr val="00B050"/>
               </a:solidFill>
             </a:endParaRPr>
           </a:p>
           <a:p>
-            <a:pPr marL="285750" indent="-285750">
+            <a:endParaRPr lang="en-IN" b="1" dirty="0"/>
+          </a:p>
+        </p:txBody>
+      </p:sp>
+      <p:sp>
+        <p:nvSpPr>
+          <p:cNvPr id="4" name="Rectangle 3">
+            <a:extLst>
+              <a:ext uri="{FF2B5EF4-FFF2-40B4-BE49-F238E27FC236}">
+                <a16:creationId xmlns:a16="http://schemas.microsoft.com/office/drawing/2014/main" id="{4956C01F-ACD8-EA49-B3C6-41BEBE0D48AE}"/>
+              </a:ext>
+            </a:extLst>
+          </p:cNvPr>
+          <p:cNvSpPr/>
+          <p:nvPr/>
+        </p:nvSpPr>
+        <p:spPr>
+          <a:xfrm>
+            <a:off x="410473" y="1330188"/>
+            <a:ext cx="8323054" cy="3531095"/>
+          </a:xfrm>
+          <a:prstGeom prst="rect">
+            <a:avLst/>
+          </a:prstGeom>
+        </p:spPr>
+        <p:txBody>
+          <a:bodyPr wrap="square">
+            <a:spAutoFit/>
+          </a:bodyPr>
+          <a:lstStyle/>
+          <a:p>
+            <a:pPr marL="285750" indent="-285750" algn="just">
+              <a:lnSpc>
+                <a:spcPct val="150000"/>
+              </a:lnSpc>
+              <a:spcAft>
+                <a:spcPts val="1000"/>
+              </a:spcAft>
               <a:buFont typeface="Arial" panose="020B0604020202020204" pitchFamily="34" charset="0"/>
               <a:buChar char="•"/>
             </a:pPr>
-            <a:endParaRPr lang="en-US" b="1">
-              <a:latin typeface="+mn-lt"/>
-              <a:ea typeface="Calibri" panose="020F0502020204030204" pitchFamily="34" charset="0"/>
-            </a:endParaRPr>
+            <a:r>
+              <a:rPr lang="en-US" sz="2000" dirty="0">
+                <a:latin typeface="Times New Roman" panose="02020603050405020304" pitchFamily="18" charset="0"/>
+                <a:ea typeface="Calibri" panose="020F0502020204030204" pitchFamily="34" charset="0"/>
+                <a:cs typeface="Times New Roman" panose="02020603050405020304" pitchFamily="18" charset="0"/>
+              </a:rPr>
+              <a:t>We have been given a file containing some packets captured (in C array format) </a:t>
+            </a:r>
           </a:p>
           <a:p>
             <a:pPr marL="285750" indent="-285750" algn="just">
+              <a:lnSpc>
+                <a:spcPct val="150000"/>
+              </a:lnSpc>
+              <a:spcAft>
+                <a:spcPts val="1000"/>
+              </a:spcAft>
               <a:buFont typeface="Arial" panose="020B0604020202020204" pitchFamily="34" charset="0"/>
               <a:buChar char="•"/>
             </a:pPr>
             <a:r>
-              <a:rPr lang="en-US" b="1">
-                <a:latin typeface="+mn-lt"/>
+              <a:rPr lang="en-US" sz="2000" dirty="0">
+                <a:latin typeface="Times New Roman" panose="02020603050405020304" pitchFamily="18" charset="0"/>
                 <a:ea typeface="Calibri" panose="020F0502020204030204" pitchFamily="34" charset="0"/>
-              </a:rPr>
-              <a:t>Packet capture is a networking term for intercepting a data packet that is crossing a specific data network. </a:t>
+                <a:cs typeface="Times New Roman" panose="02020603050405020304" pitchFamily="18" charset="0"/>
+              </a:rPr>
+              <a:t>Need to analyze the captured packets to determine all the fields in the packet header like source/destination MAC and IP address, port numbers, different protocols used in different layers etc.</a:t>
             </a:r>
           </a:p>
           <a:p>
             <a:pPr marL="285750" indent="-285750" algn="just">
+              <a:lnSpc>
+                <a:spcPct val="150000"/>
+              </a:lnSpc>
+              <a:spcAft>
+                <a:spcPts val="1000"/>
+              </a:spcAft>
               <a:buFont typeface="Arial" panose="020B0604020202020204" pitchFamily="34" charset="0"/>
               <a:buChar char="•"/>
             </a:pPr>
-            <a:endParaRPr lang="en-US" b="1">
-              <a:latin typeface="+mn-lt"/>
+            <a:r>
+              <a:rPr lang="en-US" sz="2000" dirty="0">
+                <a:latin typeface="Times New Roman" panose="02020603050405020304" pitchFamily="18" charset="0"/>
+                <a:ea typeface="Calibri" panose="020F0502020204030204" pitchFamily="34" charset="0"/>
+                <a:cs typeface="Times New Roman" panose="02020603050405020304" pitchFamily="18" charset="0"/>
+              </a:rPr>
+              <a:t>Based on the output a summary and visualization of few important header parameters  is implemented to understand the network.</a:t>
+            </a:r>
+            <a:endParaRPr lang="en-IN" dirty="0">
               <a:ea typeface="Calibri" panose="020F0502020204030204" pitchFamily="34" charset="0"/>
+              <a:cs typeface="Times New Roman" panose="02020603050405020304" pitchFamily="18" charset="0"/>
             </a:endParaRPr>
-          </a:p>
-          <a:p>
-            <a:pPr marL="285750" indent="-285750" algn="just">
-              <a:buFont typeface="Arial" panose="020B0604020202020204" pitchFamily="34" charset="0"/>
-              <a:buChar char="•"/>
-            </a:pPr>
-            <a:r>
-              <a:rPr lang="en-US" b="1">
-                <a:latin typeface="+mn-lt"/>
-              </a:rPr>
-              <a:t>Once a data packet is capturing in real-time, it is stored for a period of time so that it can be analyzed, and then either be downloaded, achieved or discarded. </a:t>
-            </a:r>
-          </a:p>
-          <a:p>
-            <a:pPr marL="285750" indent="-285750">
-              <a:buFont typeface="Arial" panose="020B0604020202020204" pitchFamily="34" charset="0"/>
-              <a:buChar char="•"/>
-            </a:pPr>
-            <a:endParaRPr lang="en-US" b="1"/>
-          </a:p>
-          <a:p>
-            <a:r>
-              <a:rPr lang="en-US" sz="2000" b="1">
-                <a:solidFill>
-                  <a:srgbClr val="00B050"/>
-                </a:solidFill>
-              </a:rPr>
-              <a:t>Full packet capture:</a:t>
-            </a:r>
-          </a:p>
-          <a:p>
-            <a:endParaRPr lang="en-US" sz="2000" b="1">
-              <a:solidFill>
-                <a:srgbClr val="00B050"/>
-              </a:solidFill>
-            </a:endParaRPr>
-          </a:p>
-          <a:p>
-            <a:pPr marL="285750" indent="-285750" algn="just">
-              <a:buFont typeface="Arial" panose="020B0604020202020204" pitchFamily="34" charset="0"/>
-              <a:buChar char="•"/>
-            </a:pPr>
-            <a:r>
-              <a:rPr lang="en-US" b="1"/>
-              <a:t>Entire packets or specific portions of a packet can be captured. </a:t>
-            </a:r>
-          </a:p>
-          <a:p>
-            <a:pPr marL="285750" indent="-285750" algn="just">
-              <a:buFont typeface="Arial" panose="020B0604020202020204" pitchFamily="34" charset="0"/>
-              <a:buChar char="•"/>
-            </a:pPr>
-            <a:endParaRPr lang="en-US" b="1"/>
-          </a:p>
-          <a:p>
-            <a:pPr marL="285750" indent="-285750" algn="just">
-              <a:buFont typeface="Arial" panose="020B0604020202020204" pitchFamily="34" charset="0"/>
-              <a:buChar char="•"/>
-            </a:pPr>
-            <a:r>
-              <a:rPr lang="en-US" b="1"/>
-              <a:t>A full packet includes two things i.e. a payload and a header. </a:t>
-            </a:r>
-          </a:p>
-          <a:p>
-            <a:pPr marL="285750" indent="-285750" algn="just">
-              <a:buFont typeface="Arial" panose="020B0604020202020204" pitchFamily="34" charset="0"/>
-              <a:buChar char="•"/>
-            </a:pPr>
-            <a:endParaRPr lang="en-US" b="1"/>
-          </a:p>
-          <a:p>
-            <a:pPr marL="285750" indent="-285750" algn="just">
-              <a:buFont typeface="Arial" panose="020B0604020202020204" pitchFamily="34" charset="0"/>
-              <a:buChar char="•"/>
-            </a:pPr>
-            <a:r>
-              <a:rPr lang="en-US" b="1"/>
-              <a:t>The payload is the actual contents of the packet, while the header contains metadata, including the packet’s source and destination address.</a:t>
-            </a:r>
-            <a:endParaRPr lang="en-IN" b="1"/>
-          </a:p>
-          <a:p>
-            <a:endParaRPr lang="en-IN" sz="2000">
-              <a:solidFill>
-                <a:srgbClr val="00B050"/>
-              </a:solidFill>
-            </a:endParaRPr>
-          </a:p>
-          <a:p>
-            <a:endParaRPr lang="en-IN" b="1"/>
           </a:p>
         </p:txBody>
       </p:sp>
@@ -15549,6 +16887,394 @@
 </file>
 
 <file path=ppt/slides/slide40.xml><?xml version="1.0" encoding="utf-8"?>
+<p:sld xmlns:a="http://schemas.openxmlformats.org/drawingml/2006/main" xmlns:r="http://schemas.openxmlformats.org/officeDocument/2006/relationships" xmlns:p="http://schemas.openxmlformats.org/presentationml/2006/main">
+  <p:cSld>
+    <p:spTree>
+      <p:nvGrpSpPr>
+        <p:cNvPr id="1" name=""/>
+        <p:cNvGrpSpPr/>
+        <p:nvPr/>
+      </p:nvGrpSpPr>
+      <p:grpSpPr>
+        <a:xfrm>
+          <a:off x="0" y="0"/>
+          <a:ext cx="0" cy="0"/>
+          <a:chOff x="0" y="0"/>
+          <a:chExt cx="0" cy="0"/>
+        </a:xfrm>
+      </p:grpSpPr>
+      <p:sp>
+        <p:nvSpPr>
+          <p:cNvPr id="2" name="Rectangle 1">
+            <a:extLst>
+              <a:ext uri="{FF2B5EF4-FFF2-40B4-BE49-F238E27FC236}">
+                <a16:creationId xmlns:a16="http://schemas.microsoft.com/office/drawing/2014/main" id="{2B4F1CE0-A4BE-4BC2-90AE-F60D8CE994E1}"/>
+              </a:ext>
+            </a:extLst>
+          </p:cNvPr>
+          <p:cNvSpPr/>
+          <p:nvPr/>
+        </p:nvSpPr>
+        <p:spPr>
+          <a:xfrm>
+            <a:off x="258532" y="222838"/>
+            <a:ext cx="2040943" cy="584775"/>
+          </a:xfrm>
+          <a:prstGeom prst="rect">
+            <a:avLst/>
+          </a:prstGeom>
+        </p:spPr>
+        <p:txBody>
+          <a:bodyPr wrap="none">
+            <a:spAutoFit/>
+          </a:bodyPr>
+          <a:lstStyle/>
+          <a:p>
+            <a:r>
+              <a:rPr lang="en-US" sz="3200" b="1">
+                <a:solidFill>
+                  <a:srgbClr val="00B0F0"/>
+                </a:solidFill>
+                <a:latin typeface="+mj-lt"/>
+                <a:ea typeface="+mj-ea"/>
+                <a:cs typeface="Calibri Light"/>
+              </a:rPr>
+              <a:t>Conclusion</a:t>
+            </a:r>
+          </a:p>
+        </p:txBody>
+      </p:sp>
+      <p:sp>
+        <p:nvSpPr>
+          <p:cNvPr id="3" name="Rectangle 2">
+            <a:extLst>
+              <a:ext uri="{FF2B5EF4-FFF2-40B4-BE49-F238E27FC236}">
+                <a16:creationId xmlns:a16="http://schemas.microsoft.com/office/drawing/2014/main" id="{B9AB4378-E5BC-BD40-9FDA-4F10008299AD}"/>
+              </a:ext>
+            </a:extLst>
+          </p:cNvPr>
+          <p:cNvSpPr/>
+          <p:nvPr/>
+        </p:nvSpPr>
+        <p:spPr>
+          <a:xfrm>
+            <a:off x="609599" y="1099457"/>
+            <a:ext cx="8055429" cy="4584332"/>
+          </a:xfrm>
+          <a:prstGeom prst="rect">
+            <a:avLst/>
+          </a:prstGeom>
+        </p:spPr>
+        <p:txBody>
+          <a:bodyPr wrap="square">
+            <a:spAutoFit/>
+          </a:bodyPr>
+          <a:lstStyle/>
+          <a:p>
+            <a:pPr marL="285750" indent="-285750" algn="just">
+              <a:lnSpc>
+                <a:spcPct val="150000"/>
+              </a:lnSpc>
+              <a:spcAft>
+                <a:spcPts val="1000"/>
+              </a:spcAft>
+              <a:buFont typeface="Arial" panose="020B0604020202020204" pitchFamily="34" charset="0"/>
+              <a:buChar char="•"/>
+            </a:pPr>
+            <a:r>
+              <a:rPr lang="en-US" sz="2000">
+                <a:latin typeface="+mn-lt"/>
+                <a:ea typeface="+mn-lt"/>
+                <a:cs typeface="+mn-lt"/>
+              </a:rPr>
+              <a:t>We have analyzed a given PCAP file having different network packets captured in C array format. </a:t>
+            </a:r>
+          </a:p>
+          <a:p>
+            <a:pPr marL="285750" indent="-285750" algn="just">
+              <a:lnSpc>
+                <a:spcPct val="150000"/>
+              </a:lnSpc>
+              <a:spcAft>
+                <a:spcPts val="1000"/>
+              </a:spcAft>
+              <a:buFont typeface="Arial" panose="020B0604020202020204" pitchFamily="34" charset="0"/>
+              <a:buChar char="•"/>
+            </a:pPr>
+            <a:r>
+              <a:rPr lang="en-US" sz="2000">
+                <a:latin typeface="+mn-lt"/>
+                <a:ea typeface="+mn-lt"/>
+                <a:cs typeface="+mn-lt"/>
+              </a:rPr>
+              <a:t>To read the content of these packets, we have used the </a:t>
+            </a:r>
+            <a:r>
+              <a:rPr lang="en-US" sz="2000" err="1">
+                <a:latin typeface="+mn-lt"/>
+                <a:ea typeface="+mn-lt"/>
+                <a:cs typeface="+mn-lt"/>
+              </a:rPr>
+              <a:t>scpay</a:t>
+            </a:r>
+            <a:r>
+              <a:rPr lang="en-US" sz="2000">
+                <a:latin typeface="+mn-lt"/>
+                <a:ea typeface="+mn-lt"/>
+                <a:cs typeface="+mn-lt"/>
+              </a:rPr>
+              <a:t> package in python language. </a:t>
+            </a:r>
+          </a:p>
+          <a:p>
+            <a:pPr marL="285750" indent="-285750" algn="just">
+              <a:lnSpc>
+                <a:spcPct val="150000"/>
+              </a:lnSpc>
+              <a:spcAft>
+                <a:spcPts val="1000"/>
+              </a:spcAft>
+              <a:buFont typeface="Arial" panose="020B0604020202020204" pitchFamily="34" charset="0"/>
+              <a:buChar char="•"/>
+            </a:pPr>
+            <a:r>
+              <a:rPr lang="en-US" sz="2000">
+                <a:latin typeface="+mn-lt"/>
+                <a:ea typeface="+mn-lt"/>
+                <a:cs typeface="+mn-lt"/>
+              </a:rPr>
+              <a:t>The packets are analyzed to determine all the fields like source address, destination address, source port number, destination port number, and protocols used in a different layer (such as IPv4 protocol, TCP protocol). </a:t>
+            </a:r>
+          </a:p>
+          <a:p>
+            <a:pPr marL="285750" indent="-285750" algn="just">
+              <a:lnSpc>
+                <a:spcPct val="150000"/>
+              </a:lnSpc>
+              <a:spcAft>
+                <a:spcPts val="1000"/>
+              </a:spcAft>
+              <a:buFont typeface="Arial" panose="020B0604020202020204" pitchFamily="34" charset="0"/>
+              <a:buChar char="•"/>
+            </a:pPr>
+            <a:r>
+              <a:rPr lang="en-US" sz="2000">
+                <a:latin typeface="+mn-lt"/>
+                <a:ea typeface="+mn-lt"/>
+                <a:cs typeface="+mn-lt"/>
+              </a:rPr>
+              <a:t>Finally, all this information is displayed using various graphs and pie charts to summarize the network packets.</a:t>
+            </a:r>
+            <a:endParaRPr lang="en-IN" sz="2000">
+              <a:latin typeface="+mn-lt"/>
+              <a:ea typeface="+mn-lt"/>
+              <a:cs typeface="+mn-lt"/>
+            </a:endParaRPr>
+          </a:p>
+        </p:txBody>
+      </p:sp>
+    </p:spTree>
+    <p:extLst>
+      <p:ext uri="{BB962C8B-B14F-4D97-AF65-F5344CB8AC3E}">
+        <p14:creationId xmlns:p14="http://schemas.microsoft.com/office/powerpoint/2010/main" val="2853706791"/>
+      </p:ext>
+    </p:extLst>
+  </p:cSld>
+  <p:clrMapOvr>
+    <a:masterClrMapping/>
+  </p:clrMapOvr>
+</p:sld>
+</file>
+
+<file path=ppt/slides/slide41.xml><?xml version="1.0" encoding="utf-8"?>
+<p:sld xmlns:a="http://schemas.openxmlformats.org/drawingml/2006/main" xmlns:r="http://schemas.openxmlformats.org/officeDocument/2006/relationships" xmlns:p="http://schemas.openxmlformats.org/presentationml/2006/main">
+  <p:cSld>
+    <p:spTree>
+      <p:nvGrpSpPr>
+        <p:cNvPr id="1" name=""/>
+        <p:cNvGrpSpPr/>
+        <p:nvPr/>
+      </p:nvGrpSpPr>
+      <p:grpSpPr>
+        <a:xfrm>
+          <a:off x="0" y="0"/>
+          <a:ext cx="0" cy="0"/>
+          <a:chOff x="0" y="0"/>
+          <a:chExt cx="0" cy="0"/>
+        </a:xfrm>
+      </p:grpSpPr>
+      <p:sp>
+        <p:nvSpPr>
+          <p:cNvPr id="2" name="Title 1">
+            <a:extLst>
+              <a:ext uri="{FF2B5EF4-FFF2-40B4-BE49-F238E27FC236}">
+                <a16:creationId xmlns:a16="http://schemas.microsoft.com/office/drawing/2014/main" id="{5CCC7C50-FB87-274C-8733-0F747C43C138}"/>
+              </a:ext>
+            </a:extLst>
+          </p:cNvPr>
+          <p:cNvSpPr>
+            <a:spLocks noGrp="1"/>
+          </p:cNvSpPr>
+          <p:nvPr>
+            <p:ph type="title"/>
+          </p:nvPr>
+        </p:nvSpPr>
+        <p:spPr/>
+        <p:txBody>
+          <a:bodyPr/>
+          <a:lstStyle/>
+          <a:p>
+            <a:r>
+              <a:rPr lang="en-US">
+                <a:solidFill>
+                  <a:srgbClr val="00B0F0"/>
+                </a:solidFill>
+                <a:cs typeface="Calibri Light"/>
+              </a:rPr>
+              <a:t>References</a:t>
+            </a:r>
+          </a:p>
+        </p:txBody>
+      </p:sp>
+      <p:sp>
+        <p:nvSpPr>
+          <p:cNvPr id="3" name="Content Placeholder 2">
+            <a:extLst>
+              <a:ext uri="{FF2B5EF4-FFF2-40B4-BE49-F238E27FC236}">
+                <a16:creationId xmlns:a16="http://schemas.microsoft.com/office/drawing/2014/main" id="{957A4BB4-89D9-0D4E-A47A-8C93A4D2AC73}"/>
+              </a:ext>
+            </a:extLst>
+          </p:cNvPr>
+          <p:cNvSpPr>
+            <a:spLocks noGrp="1"/>
+          </p:cNvSpPr>
+          <p:nvPr>
+            <p:ph sz="half" idx="2"/>
+          </p:nvPr>
+        </p:nvSpPr>
+        <p:spPr/>
+        <p:txBody>
+          <a:bodyPr/>
+          <a:lstStyle/>
+          <a:p>
+            <a:pPr marL="457200" indent="-457200">
+              <a:buFont typeface="+mj-lt"/>
+              <a:buAutoNum type="arabicPeriod"/>
+            </a:pPr>
+            <a:r>
+              <a:rPr lang="en-US">
+                <a:hlinkClick r:id="rId2"/>
+              </a:rPr>
+              <a:t>https://www.thousandeyes.com/learning/glossary/packet-capture</a:t>
+            </a:r>
+            <a:endParaRPr lang="en-IN"/>
+          </a:p>
+          <a:p>
+            <a:pPr marL="457200" indent="-457200">
+              <a:buFont typeface="+mj-lt"/>
+              <a:buAutoNum type="arabicPeriod"/>
+            </a:pPr>
+            <a:r>
+              <a:rPr lang="en-US">
+                <a:hlinkClick r:id="rId3"/>
+              </a:rPr>
+              <a:t>http://www.exa.unicen.edu.ar/catedras/comdat1/material/TP1-Ejercicio5-ingles</a:t>
+            </a:r>
+            <a:r>
+              <a:rPr lang="en-US"/>
+              <a:t>.</a:t>
+            </a:r>
+            <a:endParaRPr lang="en-IN"/>
+          </a:p>
+          <a:p>
+            <a:pPr marL="457200" indent="-457200">
+              <a:buFont typeface="+mj-lt"/>
+              <a:buAutoNum type="arabicPeriod"/>
+            </a:pPr>
+            <a:r>
+              <a:rPr lang="en-US" err="1"/>
+              <a:t>Veteikis</a:t>
+            </a:r>
+            <a:r>
+              <a:rPr lang="en-US"/>
+              <a:t>, M. and Moriarty, M., </a:t>
+            </a:r>
+            <a:r>
+              <a:rPr lang="en-US" err="1"/>
+              <a:t>BreakingPoint</a:t>
+            </a:r>
+            <a:r>
+              <a:rPr lang="en-US"/>
+              <a:t> Systems Inc, 2013. </a:t>
+            </a:r>
+            <a:r>
+              <a:rPr lang="en-US" i="1"/>
+              <a:t>Packet capture for error tracking</a:t>
+            </a:r>
+            <a:r>
+              <a:rPr lang="en-US"/>
+              <a:t>. U.S. Patent Application 13/529,970.</a:t>
+            </a:r>
+            <a:endParaRPr lang="en-IN"/>
+          </a:p>
+          <a:p>
+            <a:pPr marL="457200" indent="-457200">
+              <a:buFont typeface="+mj-lt"/>
+              <a:buAutoNum type="arabicPeriod"/>
+            </a:pPr>
+            <a:r>
+              <a:rPr lang="en-US" err="1"/>
+              <a:t>McCanne</a:t>
+            </a:r>
+            <a:r>
+              <a:rPr lang="en-US"/>
+              <a:t>, S. and Jacobson, V., 1993, January. The BSD Packet Filter: A New Architecture for User-level Packet Capture. In </a:t>
+            </a:r>
+            <a:r>
+              <a:rPr lang="en-US" i="1"/>
+              <a:t>USENIX winter</a:t>
+            </a:r>
+            <a:r>
+              <a:rPr lang="en-US"/>
+              <a:t> (Vol. 46).</a:t>
+            </a:r>
+            <a:endParaRPr lang="en-IN"/>
+          </a:p>
+          <a:p>
+            <a:pPr marL="457200" indent="-457200">
+              <a:buFont typeface="+mj-lt"/>
+              <a:buAutoNum type="arabicPeriod"/>
+            </a:pPr>
+            <a:r>
+              <a:rPr lang="en-US"/>
+              <a:t>Deri, L., 2004, September. Improving passive packet capture: Beyond device polling. In </a:t>
+            </a:r>
+            <a:r>
+              <a:rPr lang="en-US" i="1"/>
+              <a:t>Proceedings of SANE</a:t>
+            </a:r>
+            <a:r>
+              <a:rPr lang="en-US"/>
+              <a:t> (Vol. 2004, pp. 85-93).</a:t>
+            </a:r>
+            <a:endParaRPr lang="en-IN"/>
+          </a:p>
+        </p:txBody>
+      </p:sp>
+    </p:spTree>
+    <p:extLst>
+      <p:ext uri="{BB962C8B-B14F-4D97-AF65-F5344CB8AC3E}">
+        <p14:creationId xmlns:p14="http://schemas.microsoft.com/office/powerpoint/2010/main" val="1584788608"/>
+      </p:ext>
+    </p:extLst>
+  </p:cSld>
+  <p:clrMapOvr>
+    <a:masterClrMapping/>
+  </p:clrMapOvr>
+</p:sld>
+</file>
+
+<file path=ppt/slides/slide42.xml><?xml version="1.0" encoding="utf-8"?>
 <p:sld xmlns:a="http://schemas.openxmlformats.org/drawingml/2006/main" xmlns:r="http://schemas.openxmlformats.org/officeDocument/2006/relationships" xmlns:p="http://schemas.openxmlformats.org/presentationml/2006/main">
   <p:cSld>
     <p:spTree>
@@ -15622,14 +17348,176 @@
       </p:grpSpPr>
       <p:sp>
         <p:nvSpPr>
-          <p:cNvPr id="2" name="Rectangle 1"/>
+          <p:cNvPr id="2" name="Title 1"/>
+          <p:cNvSpPr txBox="1">
+            <a:spLocks/>
+          </p:cNvSpPr>
+          <p:nvPr/>
+        </p:nvSpPr>
+        <p:spPr>
+          <a:xfrm>
+            <a:off x="180654" y="202990"/>
+            <a:ext cx="7042080" cy="554587"/>
+          </a:xfrm>
+          <a:prstGeom prst="rect">
+            <a:avLst/>
+          </a:prstGeom>
+        </p:spPr>
+        <p:txBody>
+          <a:bodyPr/>
+          <a:lstStyle>
+            <a:lvl1pPr algn="ctr" rtl="0" eaLnBrk="1" fontAlgn="base" hangingPunct="1">
+              <a:spcBef>
+                <a:spcPct val="0"/>
+              </a:spcBef>
+              <a:spcAft>
+                <a:spcPct val="0"/>
+              </a:spcAft>
+              <a:defRPr sz="4400" kern="1200">
+                <a:solidFill>
+                  <a:schemeClr val="tx1"/>
+                </a:solidFill>
+                <a:latin typeface="+mj-lt"/>
+                <a:ea typeface="+mj-ea"/>
+                <a:cs typeface="+mj-cs"/>
+              </a:defRPr>
+            </a:lvl1pPr>
+            <a:lvl2pPr algn="ctr" rtl="0" eaLnBrk="1" fontAlgn="base" hangingPunct="1">
+              <a:spcBef>
+                <a:spcPct val="0"/>
+              </a:spcBef>
+              <a:spcAft>
+                <a:spcPct val="0"/>
+              </a:spcAft>
+              <a:defRPr sz="4400">
+                <a:solidFill>
+                  <a:schemeClr val="tx1"/>
+                </a:solidFill>
+                <a:latin typeface="Calibri" pitchFamily="34" charset="0"/>
+              </a:defRPr>
+            </a:lvl2pPr>
+            <a:lvl3pPr algn="ctr" rtl="0" eaLnBrk="1" fontAlgn="base" hangingPunct="1">
+              <a:spcBef>
+                <a:spcPct val="0"/>
+              </a:spcBef>
+              <a:spcAft>
+                <a:spcPct val="0"/>
+              </a:spcAft>
+              <a:defRPr sz="4400">
+                <a:solidFill>
+                  <a:schemeClr val="tx1"/>
+                </a:solidFill>
+                <a:latin typeface="Calibri" pitchFamily="34" charset="0"/>
+              </a:defRPr>
+            </a:lvl3pPr>
+            <a:lvl4pPr algn="ctr" rtl="0" eaLnBrk="1" fontAlgn="base" hangingPunct="1">
+              <a:spcBef>
+                <a:spcPct val="0"/>
+              </a:spcBef>
+              <a:spcAft>
+                <a:spcPct val="0"/>
+              </a:spcAft>
+              <a:defRPr sz="4400">
+                <a:solidFill>
+                  <a:schemeClr val="tx1"/>
+                </a:solidFill>
+                <a:latin typeface="Calibri" pitchFamily="34" charset="0"/>
+              </a:defRPr>
+            </a:lvl4pPr>
+            <a:lvl5pPr algn="ctr" rtl="0" eaLnBrk="1" fontAlgn="base" hangingPunct="1">
+              <a:spcBef>
+                <a:spcPct val="0"/>
+              </a:spcBef>
+              <a:spcAft>
+                <a:spcPct val="0"/>
+              </a:spcAft>
+              <a:defRPr sz="4400">
+                <a:solidFill>
+                  <a:schemeClr val="tx1"/>
+                </a:solidFill>
+                <a:latin typeface="Calibri" pitchFamily="34" charset="0"/>
+              </a:defRPr>
+            </a:lvl5pPr>
+            <a:lvl6pPr marL="457200" algn="ctr" rtl="0" eaLnBrk="1" fontAlgn="base" hangingPunct="1">
+              <a:spcBef>
+                <a:spcPct val="0"/>
+              </a:spcBef>
+              <a:spcAft>
+                <a:spcPct val="0"/>
+              </a:spcAft>
+              <a:defRPr sz="4400">
+                <a:solidFill>
+                  <a:schemeClr val="tx1"/>
+                </a:solidFill>
+                <a:latin typeface="Calibri" pitchFamily="34" charset="0"/>
+              </a:defRPr>
+            </a:lvl6pPr>
+            <a:lvl7pPr marL="914400" algn="ctr" rtl="0" eaLnBrk="1" fontAlgn="base" hangingPunct="1">
+              <a:spcBef>
+                <a:spcPct val="0"/>
+              </a:spcBef>
+              <a:spcAft>
+                <a:spcPct val="0"/>
+              </a:spcAft>
+              <a:defRPr sz="4400">
+                <a:solidFill>
+                  <a:schemeClr val="tx1"/>
+                </a:solidFill>
+                <a:latin typeface="Calibri" pitchFamily="34" charset="0"/>
+              </a:defRPr>
+            </a:lvl7pPr>
+            <a:lvl8pPr marL="1371600" algn="ctr" rtl="0" eaLnBrk="1" fontAlgn="base" hangingPunct="1">
+              <a:spcBef>
+                <a:spcPct val="0"/>
+              </a:spcBef>
+              <a:spcAft>
+                <a:spcPct val="0"/>
+              </a:spcAft>
+              <a:defRPr sz="4400">
+                <a:solidFill>
+                  <a:schemeClr val="tx1"/>
+                </a:solidFill>
+                <a:latin typeface="Calibri" pitchFamily="34" charset="0"/>
+              </a:defRPr>
+            </a:lvl8pPr>
+            <a:lvl9pPr marL="1828800" algn="ctr" rtl="0" eaLnBrk="1" fontAlgn="base" hangingPunct="1">
+              <a:spcBef>
+                <a:spcPct val="0"/>
+              </a:spcBef>
+              <a:spcAft>
+                <a:spcPct val="0"/>
+              </a:spcAft>
+              <a:defRPr sz="4400">
+                <a:solidFill>
+                  <a:schemeClr val="tx1"/>
+                </a:solidFill>
+                <a:latin typeface="Calibri" pitchFamily="34" charset="0"/>
+              </a:defRPr>
+            </a:lvl9pPr>
+          </a:lstStyle>
+          <a:p>
+            <a:pPr algn="l"/>
+            <a:r>
+              <a:rPr lang="en-US" sz="3200" b="1">
+                <a:solidFill>
+                  <a:srgbClr val="00B0F0"/>
+                </a:solidFill>
+              </a:rPr>
+              <a:t>Introduction</a:t>
+            </a:r>
+          </a:p>
+        </p:txBody>
+      </p:sp>
+      <p:sp>
+        <p:nvSpPr>
+          <p:cNvPr id="3" name="Rectangle 2"/>
           <p:cNvSpPr/>
           <p:nvPr/>
         </p:nvSpPr>
         <p:spPr>
           <a:xfrm>
-            <a:off x="193963" y="1575229"/>
-            <a:ext cx="8672946" cy="4160113"/>
+            <a:off x="180654" y="1332499"/>
+            <a:ext cx="8552873" cy="5201424"/>
           </a:xfrm>
           <a:prstGeom prst="rect">
             <a:avLst/>
@@ -15641,6 +17529,197 @@
           </a:bodyPr>
           <a:lstStyle/>
           <a:p>
+            <a:r>
+              <a:rPr lang="en-US" sz="2000" dirty="0">
+                <a:solidFill>
+                  <a:srgbClr val="00B050"/>
+                </a:solidFill>
+              </a:rPr>
+              <a:t>Packet capture:</a:t>
+            </a:r>
+            <a:endParaRPr lang="en-IN" sz="2000" dirty="0">
+              <a:solidFill>
+                <a:srgbClr val="00B050"/>
+              </a:solidFill>
+            </a:endParaRPr>
+          </a:p>
+          <a:p>
+            <a:pPr marL="285750" indent="-285750">
+              <a:buFont typeface="Arial" panose="020B0604020202020204" pitchFamily="34" charset="0"/>
+              <a:buChar char="•"/>
+            </a:pPr>
+            <a:endParaRPr lang="en-US" dirty="0">
+              <a:latin typeface="+mn-lt"/>
+              <a:ea typeface="Calibri" panose="020F0502020204030204" pitchFamily="34" charset="0"/>
+            </a:endParaRPr>
+          </a:p>
+          <a:p>
+            <a:pPr marL="285750" indent="-285750" algn="just">
+              <a:buFont typeface="Arial" panose="020B0604020202020204" pitchFamily="34" charset="0"/>
+              <a:buChar char="•"/>
+            </a:pPr>
+            <a:r>
+              <a:rPr lang="en-US" dirty="0">
+                <a:latin typeface="+mn-lt"/>
+                <a:ea typeface="Calibri" panose="020F0502020204030204" pitchFamily="34" charset="0"/>
+              </a:rPr>
+              <a:t>Packet capture is a networking term for intercepting a data packet that is crossing a specific data network. </a:t>
+            </a:r>
+          </a:p>
+          <a:p>
+            <a:pPr marL="285750" indent="-285750" algn="just">
+              <a:buFont typeface="Arial" panose="020B0604020202020204" pitchFamily="34" charset="0"/>
+              <a:buChar char="•"/>
+            </a:pPr>
+            <a:endParaRPr lang="en-US" dirty="0">
+              <a:latin typeface="+mn-lt"/>
+              <a:ea typeface="Calibri" panose="020F0502020204030204" pitchFamily="34" charset="0"/>
+            </a:endParaRPr>
+          </a:p>
+          <a:p>
+            <a:pPr marL="285750" indent="-285750" algn="just">
+              <a:buFont typeface="Arial" panose="020B0604020202020204" pitchFamily="34" charset="0"/>
+              <a:buChar char="•"/>
+            </a:pPr>
+            <a:r>
+              <a:rPr lang="en-US" dirty="0">
+                <a:latin typeface="+mn-lt"/>
+              </a:rPr>
+              <a:t>Once a data packet is capturing in real-time, it is stored for a period of time so that it can be analyzed, and then either be downloaded, achieved or discarded. </a:t>
+            </a:r>
+          </a:p>
+          <a:p>
+            <a:pPr marL="285750" indent="-285750">
+              <a:buFont typeface="Arial" panose="020B0604020202020204" pitchFamily="34" charset="0"/>
+              <a:buChar char="•"/>
+            </a:pPr>
+            <a:endParaRPr lang="en-US" dirty="0"/>
+          </a:p>
+          <a:p>
+            <a:r>
+              <a:rPr lang="en-US" sz="2000" dirty="0">
+                <a:solidFill>
+                  <a:srgbClr val="00B050"/>
+                </a:solidFill>
+              </a:rPr>
+              <a:t>Full packet capture:</a:t>
+            </a:r>
+          </a:p>
+          <a:p>
+            <a:endParaRPr lang="en-US" sz="2000" dirty="0">
+              <a:solidFill>
+                <a:srgbClr val="00B050"/>
+              </a:solidFill>
+            </a:endParaRPr>
+          </a:p>
+          <a:p>
+            <a:pPr marL="285750" indent="-285750" algn="just">
+              <a:buFont typeface="Arial" panose="020B0604020202020204" pitchFamily="34" charset="0"/>
+              <a:buChar char="•"/>
+            </a:pPr>
+            <a:r>
+              <a:rPr lang="en-US" dirty="0"/>
+              <a:t>Entire packets or specific portions of a packet can be captured. </a:t>
+            </a:r>
+          </a:p>
+          <a:p>
+            <a:pPr marL="285750" indent="-285750" algn="just">
+              <a:buFont typeface="Arial" panose="020B0604020202020204" pitchFamily="34" charset="0"/>
+              <a:buChar char="•"/>
+            </a:pPr>
+            <a:endParaRPr lang="en-US" dirty="0"/>
+          </a:p>
+          <a:p>
+            <a:pPr marL="285750" indent="-285750" algn="just">
+              <a:buFont typeface="Arial" panose="020B0604020202020204" pitchFamily="34" charset="0"/>
+              <a:buChar char="•"/>
+            </a:pPr>
+            <a:r>
+              <a:rPr lang="en-US" dirty="0"/>
+              <a:t>A full packet includes two things i.e. a payload and a header. </a:t>
+            </a:r>
+          </a:p>
+          <a:p>
+            <a:pPr marL="285750" indent="-285750" algn="just">
+              <a:buFont typeface="Arial" panose="020B0604020202020204" pitchFamily="34" charset="0"/>
+              <a:buChar char="•"/>
+            </a:pPr>
+            <a:endParaRPr lang="en-US" dirty="0"/>
+          </a:p>
+          <a:p>
+            <a:pPr marL="285750" indent="-285750" algn="just">
+              <a:buFont typeface="Arial" panose="020B0604020202020204" pitchFamily="34" charset="0"/>
+              <a:buChar char="•"/>
+            </a:pPr>
+            <a:r>
+              <a:rPr lang="en-US" dirty="0"/>
+              <a:t>The payload is the actual contents of the packet, while the header contains metadata, including the packet’s source and destination address.</a:t>
+            </a:r>
+            <a:endParaRPr lang="en-IN" dirty="0"/>
+          </a:p>
+          <a:p>
+            <a:endParaRPr lang="en-IN" sz="2000" dirty="0">
+              <a:solidFill>
+                <a:srgbClr val="00B050"/>
+              </a:solidFill>
+            </a:endParaRPr>
+          </a:p>
+          <a:p>
+            <a:endParaRPr lang="en-IN" dirty="0"/>
+          </a:p>
+        </p:txBody>
+      </p:sp>
+    </p:spTree>
+    <p:extLst>
+      <p:ext uri="{BB962C8B-B14F-4D97-AF65-F5344CB8AC3E}">
+        <p14:creationId xmlns:p14="http://schemas.microsoft.com/office/powerpoint/2010/main" val="2191209753"/>
+      </p:ext>
+    </p:extLst>
+  </p:cSld>
+  <p:clrMapOvr>
+    <a:masterClrMapping/>
+  </p:clrMapOvr>
+</p:sld>
+</file>
+
+<file path=ppt/slides/slide6.xml><?xml version="1.0" encoding="utf-8"?>
+<p:sld xmlns:a="http://schemas.openxmlformats.org/drawingml/2006/main" xmlns:r="http://schemas.openxmlformats.org/officeDocument/2006/relationships" xmlns:p="http://schemas.openxmlformats.org/presentationml/2006/main">
+  <p:cSld>
+    <p:spTree>
+      <p:nvGrpSpPr>
+        <p:cNvPr id="1" name=""/>
+        <p:cNvGrpSpPr/>
+        <p:nvPr/>
+      </p:nvGrpSpPr>
+      <p:grpSpPr>
+        <a:xfrm>
+          <a:off x="0" y="0"/>
+          <a:ext cx="0" cy="0"/>
+          <a:chOff x="0" y="0"/>
+          <a:chExt cx="0" cy="0"/>
+        </a:xfrm>
+      </p:grpSpPr>
+      <p:sp>
+        <p:nvSpPr>
+          <p:cNvPr id="2" name="Rectangle 1"/>
+          <p:cNvSpPr/>
+          <p:nvPr/>
+        </p:nvSpPr>
+        <p:spPr>
+          <a:xfrm>
+            <a:off x="180654" y="1239564"/>
+            <a:ext cx="8672946" cy="4160113"/>
+          </a:xfrm>
+          <a:prstGeom prst="rect">
+            <a:avLst/>
+          </a:prstGeom>
+        </p:spPr>
+        <p:txBody>
+          <a:bodyPr wrap="square" lIns="91440" tIns="45720" rIns="91440" bIns="45720" anchor="t">
+            <a:spAutoFit/>
+          </a:bodyPr>
+          <a:lstStyle/>
+          <a:p>
             <a:pPr algn="just">
               <a:lnSpc>
                 <a:spcPct val="150000"/>
@@ -15650,21 +17729,23 @@
               </a:spcAft>
             </a:pPr>
             <a:r>
-              <a:rPr lang="en-US" sz="2000" b="1">
+              <a:rPr lang="en-US" sz="2000" dirty="0">
                 <a:solidFill>
                   <a:srgbClr val="00B050"/>
                 </a:solidFill>
+                <a:latin typeface="Calibri"/>
                 <a:ea typeface="Calibri" panose="020F0502020204030204" pitchFamily="34" charset="0"/>
-                <a:cs typeface="Calibri" panose="020F0502020204030204" pitchFamily="34" charset="0"/>
+                <a:cs typeface="Calibri"/>
               </a:rPr>
               <a:t>Packet capture analysis:</a:t>
             </a:r>
-            <a:endParaRPr lang="en-IN" sz="2000">
+            <a:endParaRPr lang="en-IN" sz="2000" dirty="0">
               <a:solidFill>
                 <a:srgbClr val="00B050"/>
               </a:solidFill>
+              <a:latin typeface="Calibri"/>
               <a:ea typeface="Calibri" panose="020F0502020204030204" pitchFamily="34" charset="0"/>
-              <a:cs typeface="Times New Roman" panose="02020603050405020304" pitchFamily="18" charset="0"/>
+              <a:cs typeface="Calibri"/>
             </a:endParaRPr>
           </a:p>
           <a:p>
@@ -15679,78 +17760,85 @@
               <a:buChar char="•"/>
             </a:pPr>
             <a:r>
-              <a:rPr lang="en-US" b="1">
+              <a:rPr lang="en-US" dirty="0">
                 <a:latin typeface="+mn-lt"/>
                 <a:ea typeface="Calibri" panose="020F0502020204030204" pitchFamily="34" charset="0"/>
-                <a:cs typeface="Times New Roman" panose="02020603050405020304" pitchFamily="18" charset="0"/>
+                <a:cs typeface="Times New Roman"/>
               </a:rPr>
               <a:t>Analysis of packet capture data typically requires significant technical skills, and often is performed with tools such as Wireshark.</a:t>
             </a:r>
-            <a:endParaRPr lang="en-IN" b="1">
+            <a:endParaRPr lang="en-IN" dirty="0">
+              <a:latin typeface="+mn-lt"/>
+              <a:ea typeface="Calibri" panose="020F0502020204030204" pitchFamily="34" charset="0"/>
+              <a:cs typeface="Times New Roman"/>
+            </a:endParaRPr>
+          </a:p>
+          <a:p>
+            <a:pPr algn="just">
+              <a:lnSpc>
+                <a:spcPct val="150000"/>
+              </a:lnSpc>
+              <a:spcAft>
+                <a:spcPts val="1000"/>
+              </a:spcAft>
+            </a:pPr>
+            <a:r>
+              <a:rPr lang="en-US" sz="2000" dirty="0">
+                <a:solidFill>
+                  <a:srgbClr val="00B050"/>
+                </a:solidFill>
+                <a:latin typeface="Calibri"/>
+                <a:ea typeface="Calibri" panose="020F0502020204030204" pitchFamily="34" charset="0"/>
+                <a:cs typeface="Calibri"/>
+              </a:rPr>
+              <a:t>Wireshark:</a:t>
+            </a:r>
+            <a:endParaRPr lang="en-IN" sz="2000" dirty="0">
+              <a:solidFill>
+                <a:srgbClr val="00B050"/>
+              </a:solidFill>
+              <a:latin typeface="Calibri"/>
+              <a:ea typeface="Calibri" panose="020F0502020204030204" pitchFamily="34" charset="0"/>
+              <a:cs typeface="Calibri"/>
+            </a:endParaRPr>
+          </a:p>
+          <a:p>
+            <a:pPr marL="285750" indent="-285750" algn="just">
+              <a:lnSpc>
+                <a:spcPct val="150000"/>
+              </a:lnSpc>
+              <a:spcAft>
+                <a:spcPts val="1000"/>
+              </a:spcAft>
+              <a:buFont typeface="Arial" panose="020B0604020202020204" pitchFamily="34" charset="0"/>
+              <a:buChar char="•"/>
+            </a:pPr>
+            <a:r>
+              <a:rPr lang="en-US" dirty="0">
+                <a:latin typeface="+mn-lt"/>
+                <a:ea typeface="Calibri" panose="020F0502020204030204" pitchFamily="34" charset="0"/>
+                <a:cs typeface="Times New Roman"/>
+              </a:rPr>
+              <a:t>Wireshark is a free and open-source packet analyzer. It is used for network troubleshooting, analysis, software and communication protocol development, and education. </a:t>
+            </a:r>
+            <a:endParaRPr lang="en-US" dirty="0">
               <a:latin typeface="+mn-lt"/>
               <a:ea typeface="Calibri" panose="020F0502020204030204" pitchFamily="34" charset="0"/>
               <a:cs typeface="Times New Roman" panose="02020603050405020304" pitchFamily="18" charset="0"/>
             </a:endParaRPr>
           </a:p>
           <a:p>
-            <a:pPr algn="just">
-              <a:lnSpc>
-                <a:spcPct val="150000"/>
-              </a:lnSpc>
-              <a:spcAft>
-                <a:spcPts val="1000"/>
-              </a:spcAft>
-            </a:pPr>
-            <a:r>
-              <a:rPr lang="en-US" sz="2000" b="1">
-                <a:solidFill>
-                  <a:srgbClr val="00B050"/>
-                </a:solidFill>
-                <a:ea typeface="Calibri" panose="020F0502020204030204" pitchFamily="34" charset="0"/>
-                <a:cs typeface="Calibri" panose="020F0502020204030204" pitchFamily="34" charset="0"/>
-              </a:rPr>
-              <a:t>Wireshark:</a:t>
-            </a:r>
-            <a:endParaRPr lang="en-IN" sz="2000" b="1">
-              <a:solidFill>
-                <a:srgbClr val="00B050"/>
-              </a:solidFill>
-              <a:ea typeface="Calibri" panose="020F0502020204030204" pitchFamily="34" charset="0"/>
-              <a:cs typeface="Times New Roman" panose="02020603050405020304" pitchFamily="18" charset="0"/>
-            </a:endParaRPr>
-          </a:p>
-          <a:p>
-            <a:pPr marL="285750" indent="-285750" algn="just">
-              <a:lnSpc>
-                <a:spcPct val="150000"/>
-              </a:lnSpc>
-              <a:spcAft>
-                <a:spcPts val="1000"/>
-              </a:spcAft>
-              <a:buFont typeface="Arial" panose="020B0604020202020204" pitchFamily="34" charset="0"/>
-              <a:buChar char="•"/>
-            </a:pPr>
-            <a:r>
-              <a:rPr lang="en-US" b="1">
-                <a:latin typeface="+mn-lt"/>
-                <a:ea typeface="Calibri" panose="020F0502020204030204" pitchFamily="34" charset="0"/>
-                <a:cs typeface="Times New Roman" panose="02020603050405020304" pitchFamily="18" charset="0"/>
-              </a:rPr>
-              <a:t>Wireshark is a free and open source packet analyzer. It is used for network troubleshooting, analysis, software and communication protocol development, and education. </a:t>
-            </a:r>
-          </a:p>
-          <a:p>
             <a:pPr marL="285750" indent="-285750" algn="just">
               <a:buFont typeface="Arial" panose="020B0604020202020204" pitchFamily="34" charset="0"/>
               <a:buChar char="•"/>
             </a:pPr>
             <a:r>
-              <a:rPr lang="en-US" b="1">
-                <a:latin typeface="+mn-lt"/>
-              </a:rPr>
-              <a:t>In other words, Wireshark is a packet sniffer and analysis tool. It captures network traffic on the local network and stores that data for offline analysis. </a:t>
-            </a:r>
-            <a:endParaRPr lang="en-IN" b="1">
+              <a:rPr lang="en-US" dirty="0">
+                <a:latin typeface="+mn-lt"/>
+              </a:rPr>
+              <a:t>In other words, Wireshark is a packet sniffer and analysis tool. It captures network traffic on the local network and stores that data for offline analysis. </a:t>
+            </a:r>
+            <a:endParaRPr lang="en-IN" dirty="0">
               <a:latin typeface="+mn-lt"/>
             </a:endParaRPr>
           </a:p>
@@ -15937,7 +18025,7 @@
 </p:sld>
 </file>
 
-<file path=ppt/slides/slide6.xml><?xml version="1.0" encoding="utf-8"?>
+<file path=ppt/slides/slide7.xml><?xml version="1.0" encoding="utf-8"?>
 <p:sld xmlns:a="http://schemas.openxmlformats.org/drawingml/2006/main" xmlns:r="http://schemas.openxmlformats.org/officeDocument/2006/relationships" xmlns:p="http://schemas.openxmlformats.org/presentationml/2006/main">
   <p:cSld>
     <p:spTree>
@@ -16446,55 +18534,6 @@
 </p:sld>
 </file>
 
-<file path=ppt/slides/slide7.xml><?xml version="1.0" encoding="utf-8"?>
-<p:sld xmlns:a="http://schemas.openxmlformats.org/drawingml/2006/main" xmlns:r="http://schemas.openxmlformats.org/officeDocument/2006/relationships" xmlns:p="http://schemas.openxmlformats.org/presentationml/2006/main">
-  <p:cSld>
-    <p:spTree>
-      <p:nvGrpSpPr>
-        <p:cNvPr id="1" name=""/>
-        <p:cNvGrpSpPr/>
-        <p:nvPr/>
-      </p:nvGrpSpPr>
-      <p:grpSpPr>
-        <a:xfrm>
-          <a:off x="0" y="0"/>
-          <a:ext cx="0" cy="0"/>
-          <a:chOff x="0" y="0"/>
-          <a:chExt cx="0" cy="0"/>
-        </a:xfrm>
-      </p:grpSpPr>
-      <p:pic>
-        <p:nvPicPr>
-          <p:cNvPr id="2" name="Picture 1" descr="3384E5AE-CFBB-4C9C-A81F-7460BA61F787.jpeg"/>
-          <p:cNvPicPr>
-            <a:picLocks noChangeAspect="1"/>
-          </p:cNvPicPr>
-          <p:nvPr/>
-        </p:nvPicPr>
-        <p:blipFill>
-          <a:blip r:embed="rId2" cstate="print"/>
-          <a:stretch>
-            <a:fillRect/>
-          </a:stretch>
-        </p:blipFill>
-        <p:spPr>
-          <a:xfrm>
-            <a:off x="1011570" y="1143000"/>
-            <a:ext cx="5073544" cy="5290457"/>
-          </a:xfrm>
-          <a:prstGeom prst="rect">
-            <a:avLst/>
-          </a:prstGeom>
-        </p:spPr>
-      </p:pic>
-    </p:spTree>
-  </p:cSld>
-  <p:clrMapOvr>
-    <a:masterClrMapping/>
-  </p:clrMapOvr>
-</p:sld>
-</file>
-
 <file path=ppt/slides/slide8.xml><?xml version="1.0" encoding="utf-8"?>
 <p:sld xmlns:a="http://schemas.openxmlformats.org/drawingml/2006/main" xmlns:r="http://schemas.openxmlformats.org/officeDocument/2006/relationships" xmlns:p="http://schemas.openxmlformats.org/presentationml/2006/main">
   <p:cSld>
@@ -16669,7 +18708,475 @@
                   <a:srgbClr val="00B0F0"/>
                 </a:solidFill>
               </a:rPr>
-              <a:t>IP and ICMP </a:t>
+              <a:t>ARP </a:t>
+            </a:r>
+          </a:p>
+        </p:txBody>
+      </p:sp>
+      <p:sp>
+        <p:nvSpPr>
+          <p:cNvPr id="3" name="Content Placeholder 1"/>
+          <p:cNvSpPr txBox="1">
+            <a:spLocks/>
+          </p:cNvSpPr>
+          <p:nvPr/>
+        </p:nvSpPr>
+        <p:spPr>
+          <a:xfrm>
+            <a:off x="457200" y="1143000"/>
+            <a:ext cx="8229600" cy="5105400"/>
+          </a:xfrm>
+          <a:prstGeom prst="rect">
+            <a:avLst/>
+          </a:prstGeom>
+        </p:spPr>
+        <p:txBody>
+          <a:bodyPr>
+            <a:normAutofit/>
+          </a:bodyPr>
+          <a:lstStyle>
+            <a:lvl1pPr marL="342900" indent="-342900" algn="l" rtl="0" eaLnBrk="1" fontAlgn="base" hangingPunct="1">
+              <a:spcBef>
+                <a:spcPct val="20000"/>
+              </a:spcBef>
+              <a:spcAft>
+                <a:spcPct val="0"/>
+              </a:spcAft>
+              <a:buFont typeface="Arial" charset="0"/>
+              <a:buChar char="•"/>
+              <a:defRPr sz="3200" kern="1200">
+                <a:solidFill>
+                  <a:schemeClr val="tx1"/>
+                </a:solidFill>
+                <a:latin typeface="+mn-lt"/>
+                <a:ea typeface="+mn-ea"/>
+                <a:cs typeface="+mn-cs"/>
+              </a:defRPr>
+            </a:lvl1pPr>
+            <a:lvl2pPr marL="742950" indent="-285750" algn="l" rtl="0" eaLnBrk="1" fontAlgn="base" hangingPunct="1">
+              <a:spcBef>
+                <a:spcPct val="20000"/>
+              </a:spcBef>
+              <a:spcAft>
+                <a:spcPct val="0"/>
+              </a:spcAft>
+              <a:buFont typeface="Arial" charset="0"/>
+              <a:buChar char="–"/>
+              <a:defRPr sz="2800" kern="1200">
+                <a:solidFill>
+                  <a:schemeClr val="tx1"/>
+                </a:solidFill>
+                <a:latin typeface="+mn-lt"/>
+                <a:ea typeface="+mn-ea"/>
+                <a:cs typeface="+mn-cs"/>
+              </a:defRPr>
+            </a:lvl2pPr>
+            <a:lvl3pPr marL="1143000" indent="-228600" algn="l" rtl="0" eaLnBrk="1" fontAlgn="base" hangingPunct="1">
+              <a:spcBef>
+                <a:spcPct val="20000"/>
+              </a:spcBef>
+              <a:spcAft>
+                <a:spcPct val="0"/>
+              </a:spcAft>
+              <a:buFont typeface="Arial" charset="0"/>
+              <a:buChar char="•"/>
+              <a:defRPr sz="2400" kern="1200">
+                <a:solidFill>
+                  <a:schemeClr val="tx1"/>
+                </a:solidFill>
+                <a:latin typeface="+mn-lt"/>
+                <a:ea typeface="+mn-ea"/>
+                <a:cs typeface="+mn-cs"/>
+              </a:defRPr>
+            </a:lvl3pPr>
+            <a:lvl4pPr marL="1600200" indent="-228600" algn="l" rtl="0" eaLnBrk="1" fontAlgn="base" hangingPunct="1">
+              <a:spcBef>
+                <a:spcPct val="20000"/>
+              </a:spcBef>
+              <a:spcAft>
+                <a:spcPct val="0"/>
+              </a:spcAft>
+              <a:buFont typeface="Arial" charset="0"/>
+              <a:buChar char="–"/>
+              <a:defRPr sz="2000" kern="1200">
+                <a:solidFill>
+                  <a:schemeClr val="tx1"/>
+                </a:solidFill>
+                <a:latin typeface="+mn-lt"/>
+                <a:ea typeface="+mn-ea"/>
+                <a:cs typeface="+mn-cs"/>
+              </a:defRPr>
+            </a:lvl4pPr>
+            <a:lvl5pPr marL="2057400" indent="-228600" algn="l" rtl="0" eaLnBrk="1" fontAlgn="base" hangingPunct="1">
+              <a:spcBef>
+                <a:spcPct val="20000"/>
+              </a:spcBef>
+              <a:spcAft>
+                <a:spcPct val="0"/>
+              </a:spcAft>
+              <a:buFont typeface="Arial" charset="0"/>
+              <a:buChar char="»"/>
+              <a:defRPr sz="2000" kern="1200">
+                <a:solidFill>
+                  <a:schemeClr val="tx1"/>
+                </a:solidFill>
+                <a:latin typeface="+mn-lt"/>
+                <a:ea typeface="+mn-ea"/>
+                <a:cs typeface="+mn-cs"/>
+              </a:defRPr>
+            </a:lvl5pPr>
+            <a:lvl6pPr marL="2514600" indent="-228600" algn="l" defTabSz="914400" rtl="0" eaLnBrk="1" latinLnBrk="0" hangingPunct="1">
+              <a:spcBef>
+                <a:spcPct val="20000"/>
+              </a:spcBef>
+              <a:buFont typeface="Arial" pitchFamily="34" charset="0"/>
+              <a:buChar char="•"/>
+              <a:defRPr sz="2000" kern="1200">
+                <a:solidFill>
+                  <a:schemeClr val="tx1"/>
+                </a:solidFill>
+                <a:latin typeface="+mn-lt"/>
+                <a:ea typeface="+mn-ea"/>
+                <a:cs typeface="+mn-cs"/>
+              </a:defRPr>
+            </a:lvl6pPr>
+            <a:lvl7pPr marL="2971800" indent="-228600" algn="l" defTabSz="914400" rtl="0" eaLnBrk="1" latinLnBrk="0" hangingPunct="1">
+              <a:spcBef>
+                <a:spcPct val="20000"/>
+              </a:spcBef>
+              <a:buFont typeface="Arial" pitchFamily="34" charset="0"/>
+              <a:buChar char="•"/>
+              <a:defRPr sz="2000" kern="1200">
+                <a:solidFill>
+                  <a:schemeClr val="tx1"/>
+                </a:solidFill>
+                <a:latin typeface="+mn-lt"/>
+                <a:ea typeface="+mn-ea"/>
+                <a:cs typeface="+mn-cs"/>
+              </a:defRPr>
+            </a:lvl7pPr>
+            <a:lvl8pPr marL="3429000" indent="-228600" algn="l" defTabSz="914400" rtl="0" eaLnBrk="1" latinLnBrk="0" hangingPunct="1">
+              <a:spcBef>
+                <a:spcPct val="20000"/>
+              </a:spcBef>
+              <a:buFont typeface="Arial" pitchFamily="34" charset="0"/>
+              <a:buChar char="•"/>
+              <a:defRPr sz="2000" kern="1200">
+                <a:solidFill>
+                  <a:schemeClr val="tx1"/>
+                </a:solidFill>
+                <a:latin typeface="+mn-lt"/>
+                <a:ea typeface="+mn-ea"/>
+                <a:cs typeface="+mn-cs"/>
+              </a:defRPr>
+            </a:lvl8pPr>
+            <a:lvl9pPr marL="3886200" indent="-228600" algn="l" defTabSz="914400" rtl="0" eaLnBrk="1" latinLnBrk="0" hangingPunct="1">
+              <a:spcBef>
+                <a:spcPct val="20000"/>
+              </a:spcBef>
+              <a:buFont typeface="Arial" pitchFamily="34" charset="0"/>
+              <a:buChar char="•"/>
+              <a:defRPr sz="2000" kern="1200">
+                <a:solidFill>
+                  <a:schemeClr val="tx1"/>
+                </a:solidFill>
+                <a:latin typeface="+mn-lt"/>
+                <a:ea typeface="+mn-ea"/>
+                <a:cs typeface="+mn-cs"/>
+              </a:defRPr>
+            </a:lvl9pPr>
+          </a:lstStyle>
+          <a:p>
+            <a:pPr marL="0" indent="0">
+              <a:buNone/>
+            </a:pPr>
+            <a:r>
+              <a:rPr lang="en-US" sz="2000" b="1">
+                <a:solidFill>
+                  <a:srgbClr val="00B050"/>
+                </a:solidFill>
+                <a:cs typeface="Times New Roman" pitchFamily="18" charset="0"/>
+              </a:rPr>
+              <a:t>ARP Header Format:</a:t>
+            </a:r>
+          </a:p>
+          <a:p>
+            <a:endParaRPr lang="en-US" sz="1800">
+              <a:latin typeface="Times New Roman" pitchFamily="18" charset="0"/>
+              <a:cs typeface="Times New Roman" pitchFamily="18" charset="0"/>
+            </a:endParaRPr>
+          </a:p>
+          <a:p>
+            <a:endParaRPr lang="en-US" sz="1800">
+              <a:latin typeface="Times New Roman" pitchFamily="18" charset="0"/>
+              <a:cs typeface="Times New Roman" pitchFamily="18" charset="0"/>
+            </a:endParaRPr>
+          </a:p>
+          <a:p>
+            <a:endParaRPr lang="en-US" sz="1800">
+              <a:latin typeface="Times New Roman" pitchFamily="18" charset="0"/>
+              <a:cs typeface="Times New Roman" pitchFamily="18" charset="0"/>
+            </a:endParaRPr>
+          </a:p>
+          <a:p>
+            <a:endParaRPr lang="en-US" sz="1800">
+              <a:latin typeface="Times New Roman" pitchFamily="18" charset="0"/>
+              <a:cs typeface="Times New Roman" pitchFamily="18" charset="0"/>
+            </a:endParaRPr>
+          </a:p>
+          <a:p>
+            <a:endParaRPr lang="en-US" sz="1800">
+              <a:latin typeface="Times New Roman" pitchFamily="18" charset="0"/>
+              <a:cs typeface="Times New Roman" pitchFamily="18" charset="0"/>
+            </a:endParaRPr>
+          </a:p>
+          <a:p>
+            <a:endParaRPr lang="en-US" sz="1800">
+              <a:latin typeface="Times New Roman" pitchFamily="18" charset="0"/>
+              <a:cs typeface="Times New Roman" pitchFamily="18" charset="0"/>
+            </a:endParaRPr>
+          </a:p>
+          <a:p>
+            <a:endParaRPr lang="en-US" sz="1800">
+              <a:latin typeface="Times New Roman" pitchFamily="18" charset="0"/>
+              <a:cs typeface="Times New Roman" pitchFamily="18" charset="0"/>
+            </a:endParaRPr>
+          </a:p>
+          <a:p>
+            <a:endParaRPr lang="en-US" sz="1800">
+              <a:latin typeface="Times New Roman" pitchFamily="18" charset="0"/>
+              <a:cs typeface="Times New Roman" pitchFamily="18" charset="0"/>
+            </a:endParaRPr>
+          </a:p>
+          <a:p>
+            <a:endParaRPr lang="en-US" sz="1800">
+              <a:latin typeface="Times New Roman" pitchFamily="18" charset="0"/>
+              <a:cs typeface="Times New Roman" pitchFamily="18" charset="0"/>
+            </a:endParaRPr>
+          </a:p>
+          <a:p>
+            <a:pPr marL="0" indent="0">
+              <a:buNone/>
+            </a:pPr>
+            <a:endParaRPr lang="en-US" sz="1800">
+              <a:latin typeface="Times New Roman" pitchFamily="18" charset="0"/>
+              <a:cs typeface="Times New Roman" pitchFamily="18" charset="0"/>
+            </a:endParaRPr>
+          </a:p>
+        </p:txBody>
+      </p:sp>
+      <p:pic>
+        <p:nvPicPr>
+          <p:cNvPr id="4" name="Picture 3" descr="arp1.gif"/>
+          <p:cNvPicPr>
+            <a:picLocks noChangeAspect="1"/>
+          </p:cNvPicPr>
+          <p:nvPr/>
+        </p:nvPicPr>
+        <p:blipFill>
+          <a:blip r:embed="rId2" cstate="print"/>
+          <a:stretch>
+            <a:fillRect/>
+          </a:stretch>
+        </p:blipFill>
+        <p:spPr>
+          <a:xfrm>
+            <a:off x="858982" y="1754910"/>
+            <a:ext cx="7148945" cy="3823854"/>
+          </a:xfrm>
+          <a:prstGeom prst="rect">
+            <a:avLst/>
+          </a:prstGeom>
+        </p:spPr>
+      </p:pic>
+    </p:spTree>
+    <p:extLst>
+      <p:ext uri="{BB962C8B-B14F-4D97-AF65-F5344CB8AC3E}">
+        <p14:creationId xmlns:p14="http://schemas.microsoft.com/office/powerpoint/2010/main" val="2333805756"/>
+      </p:ext>
+    </p:extLst>
+  </p:cSld>
+  <p:clrMapOvr>
+    <a:masterClrMapping/>
+  </p:clrMapOvr>
+</p:sld>
+</file>
+
+<file path=ppt/slides/slide9.xml><?xml version="1.0" encoding="utf-8"?>
+<p:sld xmlns:a="http://schemas.openxmlformats.org/drawingml/2006/main" xmlns:r="http://schemas.openxmlformats.org/officeDocument/2006/relationships" xmlns:p="http://schemas.openxmlformats.org/presentationml/2006/main">
+  <p:cSld>
+    <p:spTree>
+      <p:nvGrpSpPr>
+        <p:cNvPr id="1" name=""/>
+        <p:cNvGrpSpPr/>
+        <p:nvPr/>
+      </p:nvGrpSpPr>
+      <p:grpSpPr>
+        <a:xfrm>
+          <a:off x="0" y="0"/>
+          <a:ext cx="0" cy="0"/>
+          <a:chOff x="0" y="0"/>
+          <a:chExt cx="0" cy="0"/>
+        </a:xfrm>
+      </p:grpSpPr>
+      <p:sp>
+        <p:nvSpPr>
+          <p:cNvPr id="2" name="Title 1"/>
+          <p:cNvSpPr txBox="1">
+            <a:spLocks/>
+          </p:cNvSpPr>
+          <p:nvPr/>
+        </p:nvSpPr>
+        <p:spPr>
+          <a:xfrm>
+            <a:off x="180654" y="209721"/>
+            <a:ext cx="7042080" cy="554587"/>
+          </a:xfrm>
+          <a:prstGeom prst="rect">
+            <a:avLst/>
+          </a:prstGeom>
+        </p:spPr>
+        <p:txBody>
+          <a:bodyPr/>
+          <a:lstStyle>
+            <a:lvl1pPr algn="ctr" rtl="0" eaLnBrk="1" fontAlgn="base" hangingPunct="1">
+              <a:spcBef>
+                <a:spcPct val="0"/>
+              </a:spcBef>
+              <a:spcAft>
+                <a:spcPct val="0"/>
+              </a:spcAft>
+              <a:defRPr sz="4400" kern="1200">
+                <a:solidFill>
+                  <a:schemeClr val="tx1"/>
+                </a:solidFill>
+                <a:latin typeface="+mj-lt"/>
+                <a:ea typeface="+mj-ea"/>
+                <a:cs typeface="+mj-cs"/>
+              </a:defRPr>
+            </a:lvl1pPr>
+            <a:lvl2pPr algn="ctr" rtl="0" eaLnBrk="1" fontAlgn="base" hangingPunct="1">
+              <a:spcBef>
+                <a:spcPct val="0"/>
+              </a:spcBef>
+              <a:spcAft>
+                <a:spcPct val="0"/>
+              </a:spcAft>
+              <a:defRPr sz="4400">
+                <a:solidFill>
+                  <a:schemeClr val="tx1"/>
+                </a:solidFill>
+                <a:latin typeface="Calibri" pitchFamily="34" charset="0"/>
+              </a:defRPr>
+            </a:lvl2pPr>
+            <a:lvl3pPr algn="ctr" rtl="0" eaLnBrk="1" fontAlgn="base" hangingPunct="1">
+              <a:spcBef>
+                <a:spcPct val="0"/>
+              </a:spcBef>
+              <a:spcAft>
+                <a:spcPct val="0"/>
+              </a:spcAft>
+              <a:defRPr sz="4400">
+                <a:solidFill>
+                  <a:schemeClr val="tx1"/>
+                </a:solidFill>
+                <a:latin typeface="Calibri" pitchFamily="34" charset="0"/>
+              </a:defRPr>
+            </a:lvl3pPr>
+            <a:lvl4pPr algn="ctr" rtl="0" eaLnBrk="1" fontAlgn="base" hangingPunct="1">
+              <a:spcBef>
+                <a:spcPct val="0"/>
+              </a:spcBef>
+              <a:spcAft>
+                <a:spcPct val="0"/>
+              </a:spcAft>
+              <a:defRPr sz="4400">
+                <a:solidFill>
+                  <a:schemeClr val="tx1"/>
+                </a:solidFill>
+                <a:latin typeface="Calibri" pitchFamily="34" charset="0"/>
+              </a:defRPr>
+            </a:lvl4pPr>
+            <a:lvl5pPr algn="ctr" rtl="0" eaLnBrk="1" fontAlgn="base" hangingPunct="1">
+              <a:spcBef>
+                <a:spcPct val="0"/>
+              </a:spcBef>
+              <a:spcAft>
+                <a:spcPct val="0"/>
+              </a:spcAft>
+              <a:defRPr sz="4400">
+                <a:solidFill>
+                  <a:schemeClr val="tx1"/>
+                </a:solidFill>
+                <a:latin typeface="Calibri" pitchFamily="34" charset="0"/>
+              </a:defRPr>
+            </a:lvl5pPr>
+            <a:lvl6pPr marL="457200" algn="ctr" rtl="0" eaLnBrk="1" fontAlgn="base" hangingPunct="1">
+              <a:spcBef>
+                <a:spcPct val="0"/>
+              </a:spcBef>
+              <a:spcAft>
+                <a:spcPct val="0"/>
+              </a:spcAft>
+              <a:defRPr sz="4400">
+                <a:solidFill>
+                  <a:schemeClr val="tx1"/>
+                </a:solidFill>
+                <a:latin typeface="Calibri" pitchFamily="34" charset="0"/>
+              </a:defRPr>
+            </a:lvl6pPr>
+            <a:lvl7pPr marL="914400" algn="ctr" rtl="0" eaLnBrk="1" fontAlgn="base" hangingPunct="1">
+              <a:spcBef>
+                <a:spcPct val="0"/>
+              </a:spcBef>
+              <a:spcAft>
+                <a:spcPct val="0"/>
+              </a:spcAft>
+              <a:defRPr sz="4400">
+                <a:solidFill>
+                  <a:schemeClr val="tx1"/>
+                </a:solidFill>
+                <a:latin typeface="Calibri" pitchFamily="34" charset="0"/>
+              </a:defRPr>
+            </a:lvl7pPr>
+            <a:lvl8pPr marL="1371600" algn="ctr" rtl="0" eaLnBrk="1" fontAlgn="base" hangingPunct="1">
+              <a:spcBef>
+                <a:spcPct val="0"/>
+              </a:spcBef>
+              <a:spcAft>
+                <a:spcPct val="0"/>
+              </a:spcAft>
+              <a:defRPr sz="4400">
+                <a:solidFill>
+                  <a:schemeClr val="tx1"/>
+                </a:solidFill>
+                <a:latin typeface="Calibri" pitchFamily="34" charset="0"/>
+              </a:defRPr>
+            </a:lvl8pPr>
+            <a:lvl9pPr marL="1828800" algn="ctr" rtl="0" eaLnBrk="1" fontAlgn="base" hangingPunct="1">
+              <a:spcBef>
+                <a:spcPct val="0"/>
+              </a:spcBef>
+              <a:spcAft>
+                <a:spcPct val="0"/>
+              </a:spcAft>
+              <a:defRPr sz="4400">
+                <a:solidFill>
+                  <a:schemeClr val="tx1"/>
+                </a:solidFill>
+                <a:latin typeface="Calibri" pitchFamily="34" charset="0"/>
+              </a:defRPr>
+            </a:lvl9pPr>
+          </a:lstStyle>
+          <a:p>
+            <a:pPr algn="l"/>
+            <a:r>
+              <a:rPr lang="en-US" sz="3200" b="1" dirty="0">
+                <a:solidFill>
+                  <a:srgbClr val="00B0F0"/>
+                </a:solidFill>
+              </a:rPr>
+              <a:t>ICMP </a:t>
             </a:r>
           </a:p>
         </p:txBody>
@@ -16989,474 +19496,6 @@
     <p:extLst>
       <p:ext uri="{BB962C8B-B14F-4D97-AF65-F5344CB8AC3E}">
         <p14:creationId xmlns:p14="http://schemas.microsoft.com/office/powerpoint/2010/main" val="1219561485"/>
-      </p:ext>
-    </p:extLst>
-  </p:cSld>
-  <p:clrMapOvr>
-    <a:masterClrMapping/>
-  </p:clrMapOvr>
-</p:sld>
-</file>
-
-<file path=ppt/slides/slide9.xml><?xml version="1.0" encoding="utf-8"?>
-<p:sld xmlns:a="http://schemas.openxmlformats.org/drawingml/2006/main" xmlns:r="http://schemas.openxmlformats.org/officeDocument/2006/relationships" xmlns:p="http://schemas.openxmlformats.org/presentationml/2006/main">
-  <p:cSld>
-    <p:spTree>
-      <p:nvGrpSpPr>
-        <p:cNvPr id="1" name=""/>
-        <p:cNvGrpSpPr/>
-        <p:nvPr/>
-      </p:nvGrpSpPr>
-      <p:grpSpPr>
-        <a:xfrm>
-          <a:off x="0" y="0"/>
-          <a:ext cx="0" cy="0"/>
-          <a:chOff x="0" y="0"/>
-          <a:chExt cx="0" cy="0"/>
-        </a:xfrm>
-      </p:grpSpPr>
-      <p:sp>
-        <p:nvSpPr>
-          <p:cNvPr id="2" name="Title 1"/>
-          <p:cNvSpPr txBox="1">
-            <a:spLocks/>
-          </p:cNvSpPr>
-          <p:nvPr/>
-        </p:nvSpPr>
-        <p:spPr>
-          <a:xfrm>
-            <a:off x="180654" y="209721"/>
-            <a:ext cx="7042080" cy="554587"/>
-          </a:xfrm>
-          <a:prstGeom prst="rect">
-            <a:avLst/>
-          </a:prstGeom>
-        </p:spPr>
-        <p:txBody>
-          <a:bodyPr/>
-          <a:lstStyle>
-            <a:lvl1pPr algn="ctr" rtl="0" eaLnBrk="1" fontAlgn="base" hangingPunct="1">
-              <a:spcBef>
-                <a:spcPct val="0"/>
-              </a:spcBef>
-              <a:spcAft>
-                <a:spcPct val="0"/>
-              </a:spcAft>
-              <a:defRPr sz="4400" kern="1200">
-                <a:solidFill>
-                  <a:schemeClr val="tx1"/>
-                </a:solidFill>
-                <a:latin typeface="+mj-lt"/>
-                <a:ea typeface="+mj-ea"/>
-                <a:cs typeface="+mj-cs"/>
-              </a:defRPr>
-            </a:lvl1pPr>
-            <a:lvl2pPr algn="ctr" rtl="0" eaLnBrk="1" fontAlgn="base" hangingPunct="1">
-              <a:spcBef>
-                <a:spcPct val="0"/>
-              </a:spcBef>
-              <a:spcAft>
-                <a:spcPct val="0"/>
-              </a:spcAft>
-              <a:defRPr sz="4400">
-                <a:solidFill>
-                  <a:schemeClr val="tx1"/>
-                </a:solidFill>
-                <a:latin typeface="Calibri" pitchFamily="34" charset="0"/>
-              </a:defRPr>
-            </a:lvl2pPr>
-            <a:lvl3pPr algn="ctr" rtl="0" eaLnBrk="1" fontAlgn="base" hangingPunct="1">
-              <a:spcBef>
-                <a:spcPct val="0"/>
-              </a:spcBef>
-              <a:spcAft>
-                <a:spcPct val="0"/>
-              </a:spcAft>
-              <a:defRPr sz="4400">
-                <a:solidFill>
-                  <a:schemeClr val="tx1"/>
-                </a:solidFill>
-                <a:latin typeface="Calibri" pitchFamily="34" charset="0"/>
-              </a:defRPr>
-            </a:lvl3pPr>
-            <a:lvl4pPr algn="ctr" rtl="0" eaLnBrk="1" fontAlgn="base" hangingPunct="1">
-              <a:spcBef>
-                <a:spcPct val="0"/>
-              </a:spcBef>
-              <a:spcAft>
-                <a:spcPct val="0"/>
-              </a:spcAft>
-              <a:defRPr sz="4400">
-                <a:solidFill>
-                  <a:schemeClr val="tx1"/>
-                </a:solidFill>
-                <a:latin typeface="Calibri" pitchFamily="34" charset="0"/>
-              </a:defRPr>
-            </a:lvl4pPr>
-            <a:lvl5pPr algn="ctr" rtl="0" eaLnBrk="1" fontAlgn="base" hangingPunct="1">
-              <a:spcBef>
-                <a:spcPct val="0"/>
-              </a:spcBef>
-              <a:spcAft>
-                <a:spcPct val="0"/>
-              </a:spcAft>
-              <a:defRPr sz="4400">
-                <a:solidFill>
-                  <a:schemeClr val="tx1"/>
-                </a:solidFill>
-                <a:latin typeface="Calibri" pitchFamily="34" charset="0"/>
-              </a:defRPr>
-            </a:lvl5pPr>
-            <a:lvl6pPr marL="457200" algn="ctr" rtl="0" eaLnBrk="1" fontAlgn="base" hangingPunct="1">
-              <a:spcBef>
-                <a:spcPct val="0"/>
-              </a:spcBef>
-              <a:spcAft>
-                <a:spcPct val="0"/>
-              </a:spcAft>
-              <a:defRPr sz="4400">
-                <a:solidFill>
-                  <a:schemeClr val="tx1"/>
-                </a:solidFill>
-                <a:latin typeface="Calibri" pitchFamily="34" charset="0"/>
-              </a:defRPr>
-            </a:lvl6pPr>
-            <a:lvl7pPr marL="914400" algn="ctr" rtl="0" eaLnBrk="1" fontAlgn="base" hangingPunct="1">
-              <a:spcBef>
-                <a:spcPct val="0"/>
-              </a:spcBef>
-              <a:spcAft>
-                <a:spcPct val="0"/>
-              </a:spcAft>
-              <a:defRPr sz="4400">
-                <a:solidFill>
-                  <a:schemeClr val="tx1"/>
-                </a:solidFill>
-                <a:latin typeface="Calibri" pitchFamily="34" charset="0"/>
-              </a:defRPr>
-            </a:lvl7pPr>
-            <a:lvl8pPr marL="1371600" algn="ctr" rtl="0" eaLnBrk="1" fontAlgn="base" hangingPunct="1">
-              <a:spcBef>
-                <a:spcPct val="0"/>
-              </a:spcBef>
-              <a:spcAft>
-                <a:spcPct val="0"/>
-              </a:spcAft>
-              <a:defRPr sz="4400">
-                <a:solidFill>
-                  <a:schemeClr val="tx1"/>
-                </a:solidFill>
-                <a:latin typeface="Calibri" pitchFamily="34" charset="0"/>
-              </a:defRPr>
-            </a:lvl8pPr>
-            <a:lvl9pPr marL="1828800" algn="ctr" rtl="0" eaLnBrk="1" fontAlgn="base" hangingPunct="1">
-              <a:spcBef>
-                <a:spcPct val="0"/>
-              </a:spcBef>
-              <a:spcAft>
-                <a:spcPct val="0"/>
-              </a:spcAft>
-              <a:defRPr sz="4400">
-                <a:solidFill>
-                  <a:schemeClr val="tx1"/>
-                </a:solidFill>
-                <a:latin typeface="Calibri" pitchFamily="34" charset="0"/>
-              </a:defRPr>
-            </a:lvl9pPr>
-          </a:lstStyle>
-          <a:p>
-            <a:pPr algn="l"/>
-            <a:r>
-              <a:rPr lang="en-US" sz="3200" b="1">
-                <a:solidFill>
-                  <a:srgbClr val="00B0F0"/>
-                </a:solidFill>
-              </a:rPr>
-              <a:t>ARP </a:t>
-            </a:r>
-          </a:p>
-        </p:txBody>
-      </p:sp>
-      <p:sp>
-        <p:nvSpPr>
-          <p:cNvPr id="3" name="Content Placeholder 1"/>
-          <p:cNvSpPr txBox="1">
-            <a:spLocks/>
-          </p:cNvSpPr>
-          <p:nvPr/>
-        </p:nvSpPr>
-        <p:spPr>
-          <a:xfrm>
-            <a:off x="457200" y="1143000"/>
-            <a:ext cx="8229600" cy="5105400"/>
-          </a:xfrm>
-          <a:prstGeom prst="rect">
-            <a:avLst/>
-          </a:prstGeom>
-        </p:spPr>
-        <p:txBody>
-          <a:bodyPr>
-            <a:normAutofit/>
-          </a:bodyPr>
-          <a:lstStyle>
-            <a:lvl1pPr marL="342900" indent="-342900" algn="l" rtl="0" eaLnBrk="1" fontAlgn="base" hangingPunct="1">
-              <a:spcBef>
-                <a:spcPct val="20000"/>
-              </a:spcBef>
-              <a:spcAft>
-                <a:spcPct val="0"/>
-              </a:spcAft>
-              <a:buFont typeface="Arial" charset="0"/>
-              <a:buChar char="•"/>
-              <a:defRPr sz="3200" kern="1200">
-                <a:solidFill>
-                  <a:schemeClr val="tx1"/>
-                </a:solidFill>
-                <a:latin typeface="+mn-lt"/>
-                <a:ea typeface="+mn-ea"/>
-                <a:cs typeface="+mn-cs"/>
-              </a:defRPr>
-            </a:lvl1pPr>
-            <a:lvl2pPr marL="742950" indent="-285750" algn="l" rtl="0" eaLnBrk="1" fontAlgn="base" hangingPunct="1">
-              <a:spcBef>
-                <a:spcPct val="20000"/>
-              </a:spcBef>
-              <a:spcAft>
-                <a:spcPct val="0"/>
-              </a:spcAft>
-              <a:buFont typeface="Arial" charset="0"/>
-              <a:buChar char="–"/>
-              <a:defRPr sz="2800" kern="1200">
-                <a:solidFill>
-                  <a:schemeClr val="tx1"/>
-                </a:solidFill>
-                <a:latin typeface="+mn-lt"/>
-                <a:ea typeface="+mn-ea"/>
-                <a:cs typeface="+mn-cs"/>
-              </a:defRPr>
-            </a:lvl2pPr>
-            <a:lvl3pPr marL="1143000" indent="-228600" algn="l" rtl="0" eaLnBrk="1" fontAlgn="base" hangingPunct="1">
-              <a:spcBef>
-                <a:spcPct val="20000"/>
-              </a:spcBef>
-              <a:spcAft>
-                <a:spcPct val="0"/>
-              </a:spcAft>
-              <a:buFont typeface="Arial" charset="0"/>
-              <a:buChar char="•"/>
-              <a:defRPr sz="2400" kern="1200">
-                <a:solidFill>
-                  <a:schemeClr val="tx1"/>
-                </a:solidFill>
-                <a:latin typeface="+mn-lt"/>
-                <a:ea typeface="+mn-ea"/>
-                <a:cs typeface="+mn-cs"/>
-              </a:defRPr>
-            </a:lvl3pPr>
-            <a:lvl4pPr marL="1600200" indent="-228600" algn="l" rtl="0" eaLnBrk="1" fontAlgn="base" hangingPunct="1">
-              <a:spcBef>
-                <a:spcPct val="20000"/>
-              </a:spcBef>
-              <a:spcAft>
-                <a:spcPct val="0"/>
-              </a:spcAft>
-              <a:buFont typeface="Arial" charset="0"/>
-              <a:buChar char="–"/>
-              <a:defRPr sz="2000" kern="1200">
-                <a:solidFill>
-                  <a:schemeClr val="tx1"/>
-                </a:solidFill>
-                <a:latin typeface="+mn-lt"/>
-                <a:ea typeface="+mn-ea"/>
-                <a:cs typeface="+mn-cs"/>
-              </a:defRPr>
-            </a:lvl4pPr>
-            <a:lvl5pPr marL="2057400" indent="-228600" algn="l" rtl="0" eaLnBrk="1" fontAlgn="base" hangingPunct="1">
-              <a:spcBef>
-                <a:spcPct val="20000"/>
-              </a:spcBef>
-              <a:spcAft>
-                <a:spcPct val="0"/>
-              </a:spcAft>
-              <a:buFont typeface="Arial" charset="0"/>
-              <a:buChar char="»"/>
-              <a:defRPr sz="2000" kern="1200">
-                <a:solidFill>
-                  <a:schemeClr val="tx1"/>
-                </a:solidFill>
-                <a:latin typeface="+mn-lt"/>
-                <a:ea typeface="+mn-ea"/>
-                <a:cs typeface="+mn-cs"/>
-              </a:defRPr>
-            </a:lvl5pPr>
-            <a:lvl6pPr marL="2514600" indent="-228600" algn="l" defTabSz="914400" rtl="0" eaLnBrk="1" latinLnBrk="0" hangingPunct="1">
-              <a:spcBef>
-                <a:spcPct val="20000"/>
-              </a:spcBef>
-              <a:buFont typeface="Arial" pitchFamily="34" charset="0"/>
-              <a:buChar char="•"/>
-              <a:defRPr sz="2000" kern="1200">
-                <a:solidFill>
-                  <a:schemeClr val="tx1"/>
-                </a:solidFill>
-                <a:latin typeface="+mn-lt"/>
-                <a:ea typeface="+mn-ea"/>
-                <a:cs typeface="+mn-cs"/>
-              </a:defRPr>
-            </a:lvl6pPr>
-            <a:lvl7pPr marL="2971800" indent="-228600" algn="l" defTabSz="914400" rtl="0" eaLnBrk="1" latinLnBrk="0" hangingPunct="1">
-              <a:spcBef>
-                <a:spcPct val="20000"/>
-              </a:spcBef>
-              <a:buFont typeface="Arial" pitchFamily="34" charset="0"/>
-              <a:buChar char="•"/>
-              <a:defRPr sz="2000" kern="1200">
-                <a:solidFill>
-                  <a:schemeClr val="tx1"/>
-                </a:solidFill>
-                <a:latin typeface="+mn-lt"/>
-                <a:ea typeface="+mn-ea"/>
-                <a:cs typeface="+mn-cs"/>
-              </a:defRPr>
-            </a:lvl7pPr>
-            <a:lvl8pPr marL="3429000" indent="-228600" algn="l" defTabSz="914400" rtl="0" eaLnBrk="1" latinLnBrk="0" hangingPunct="1">
-              <a:spcBef>
-                <a:spcPct val="20000"/>
-              </a:spcBef>
-              <a:buFont typeface="Arial" pitchFamily="34" charset="0"/>
-              <a:buChar char="•"/>
-              <a:defRPr sz="2000" kern="1200">
-                <a:solidFill>
-                  <a:schemeClr val="tx1"/>
-                </a:solidFill>
-                <a:latin typeface="+mn-lt"/>
-                <a:ea typeface="+mn-ea"/>
-                <a:cs typeface="+mn-cs"/>
-              </a:defRPr>
-            </a:lvl8pPr>
-            <a:lvl9pPr marL="3886200" indent="-228600" algn="l" defTabSz="914400" rtl="0" eaLnBrk="1" latinLnBrk="0" hangingPunct="1">
-              <a:spcBef>
-                <a:spcPct val="20000"/>
-              </a:spcBef>
-              <a:buFont typeface="Arial" pitchFamily="34" charset="0"/>
-              <a:buChar char="•"/>
-              <a:defRPr sz="2000" kern="1200">
-                <a:solidFill>
-                  <a:schemeClr val="tx1"/>
-                </a:solidFill>
-                <a:latin typeface="+mn-lt"/>
-                <a:ea typeface="+mn-ea"/>
-                <a:cs typeface="+mn-cs"/>
-              </a:defRPr>
-            </a:lvl9pPr>
-          </a:lstStyle>
-          <a:p>
-            <a:pPr marL="0" indent="0">
-              <a:buNone/>
-            </a:pPr>
-            <a:r>
-              <a:rPr lang="en-US" sz="2000" b="1">
-                <a:solidFill>
-                  <a:srgbClr val="00B050"/>
-                </a:solidFill>
-                <a:cs typeface="Times New Roman" pitchFamily="18" charset="0"/>
-              </a:rPr>
-              <a:t>ARP Header Format:</a:t>
-            </a:r>
-          </a:p>
-          <a:p>
-            <a:endParaRPr lang="en-US" sz="1800">
-              <a:latin typeface="Times New Roman" pitchFamily="18" charset="0"/>
-              <a:cs typeface="Times New Roman" pitchFamily="18" charset="0"/>
-            </a:endParaRPr>
-          </a:p>
-          <a:p>
-            <a:endParaRPr lang="en-US" sz="1800">
-              <a:latin typeface="Times New Roman" pitchFamily="18" charset="0"/>
-              <a:cs typeface="Times New Roman" pitchFamily="18" charset="0"/>
-            </a:endParaRPr>
-          </a:p>
-          <a:p>
-            <a:endParaRPr lang="en-US" sz="1800">
-              <a:latin typeface="Times New Roman" pitchFamily="18" charset="0"/>
-              <a:cs typeface="Times New Roman" pitchFamily="18" charset="0"/>
-            </a:endParaRPr>
-          </a:p>
-          <a:p>
-            <a:endParaRPr lang="en-US" sz="1800">
-              <a:latin typeface="Times New Roman" pitchFamily="18" charset="0"/>
-              <a:cs typeface="Times New Roman" pitchFamily="18" charset="0"/>
-            </a:endParaRPr>
-          </a:p>
-          <a:p>
-            <a:endParaRPr lang="en-US" sz="1800">
-              <a:latin typeface="Times New Roman" pitchFamily="18" charset="0"/>
-              <a:cs typeface="Times New Roman" pitchFamily="18" charset="0"/>
-            </a:endParaRPr>
-          </a:p>
-          <a:p>
-            <a:endParaRPr lang="en-US" sz="1800">
-              <a:latin typeface="Times New Roman" pitchFamily="18" charset="0"/>
-              <a:cs typeface="Times New Roman" pitchFamily="18" charset="0"/>
-            </a:endParaRPr>
-          </a:p>
-          <a:p>
-            <a:endParaRPr lang="en-US" sz="1800">
-              <a:latin typeface="Times New Roman" pitchFamily="18" charset="0"/>
-              <a:cs typeface="Times New Roman" pitchFamily="18" charset="0"/>
-            </a:endParaRPr>
-          </a:p>
-          <a:p>
-            <a:endParaRPr lang="en-US" sz="1800">
-              <a:latin typeface="Times New Roman" pitchFamily="18" charset="0"/>
-              <a:cs typeface="Times New Roman" pitchFamily="18" charset="0"/>
-            </a:endParaRPr>
-          </a:p>
-          <a:p>
-            <a:endParaRPr lang="en-US" sz="1800">
-              <a:latin typeface="Times New Roman" pitchFamily="18" charset="0"/>
-              <a:cs typeface="Times New Roman" pitchFamily="18" charset="0"/>
-            </a:endParaRPr>
-          </a:p>
-          <a:p>
-            <a:pPr marL="0" indent="0">
-              <a:buNone/>
-            </a:pPr>
-            <a:endParaRPr lang="en-US" sz="1800">
-              <a:latin typeface="Times New Roman" pitchFamily="18" charset="0"/>
-              <a:cs typeface="Times New Roman" pitchFamily="18" charset="0"/>
-            </a:endParaRPr>
-          </a:p>
-        </p:txBody>
-      </p:sp>
-      <p:pic>
-        <p:nvPicPr>
-          <p:cNvPr id="4" name="Picture 3" descr="arp1.gif"/>
-          <p:cNvPicPr>
-            <a:picLocks noChangeAspect="1"/>
-          </p:cNvPicPr>
-          <p:nvPr/>
-        </p:nvPicPr>
-        <p:blipFill>
-          <a:blip r:embed="rId2" cstate="print"/>
-          <a:stretch>
-            <a:fillRect/>
-          </a:stretch>
-        </p:blipFill>
-        <p:spPr>
-          <a:xfrm>
-            <a:off x="858982" y="1754910"/>
-            <a:ext cx="7148945" cy="3823854"/>
-          </a:xfrm>
-          <a:prstGeom prst="rect">
-            <a:avLst/>
-          </a:prstGeom>
-        </p:spPr>
-      </p:pic>
-    </p:spTree>
-    <p:extLst>
-      <p:ext uri="{BB962C8B-B14F-4D97-AF65-F5344CB8AC3E}">
-        <p14:creationId xmlns:p14="http://schemas.microsoft.com/office/powerpoint/2010/main" val="2333805756"/>
       </p:ext>
     </p:extLst>
   </p:cSld>
@@ -18042,9 +20081,12 @@
 </file>
 
 <file path=customXml/item1.xml><?xml version="1.0" encoding="utf-8"?>
-<p:properties xmlns:p="http://schemas.microsoft.com/office/2006/metadata/properties" xmlns:xsi="http://www.w3.org/2001/XMLSchema-instance" xmlns:pc="http://schemas.microsoft.com/office/infopath/2007/PartnerControls">
-  <documentManagement/>
-</p:properties>
+<?mso-contentType ?>
+<FormTemplates xmlns="http://schemas.microsoft.com/sharepoint/v3/contenttype/forms">
+  <Display>DocumentLibraryForm</Display>
+  <Edit>DocumentLibraryForm</Edit>
+  <New>DocumentLibraryForm</New>
+</FormTemplates>
 </file>
 
 <file path=customXml/item2.xml><?xml version="1.0" encoding="utf-8"?>
@@ -18220,19 +20262,15 @@
 </file>
 
 <file path=customXml/item3.xml><?xml version="1.0" encoding="utf-8"?>
-<?mso-contentType ?>
-<FormTemplates xmlns="http://schemas.microsoft.com/sharepoint/v3/contenttype/forms">
-  <Display>DocumentLibraryForm</Display>
-  <Edit>DocumentLibraryForm</Edit>
-  <New>DocumentLibraryForm</New>
-</FormTemplates>
+<p:properties xmlns:p="http://schemas.microsoft.com/office/2006/metadata/properties" xmlns:xsi="http://www.w3.org/2001/XMLSchema-instance" xmlns:pc="http://schemas.microsoft.com/office/infopath/2007/PartnerControls">
+  <documentManagement/>
+</p:properties>
 </file>
 
 <file path=customXml/itemProps1.xml><?xml version="1.0" encoding="utf-8"?>
-<ds:datastoreItem xmlns:ds="http://schemas.openxmlformats.org/officeDocument/2006/customXml" ds:itemID="{14EEBB49-67A7-4A3F-A94A-3EA0BDC0F5A7}">
+<ds:datastoreItem xmlns:ds="http://schemas.openxmlformats.org/officeDocument/2006/customXml" ds:itemID="{462148E0-FB25-4E98-A0C1-D9404460CDFF}">
   <ds:schemaRefs>
-    <ds:schemaRef ds:uri="http://schemas.microsoft.com/office/2006/metadata/properties"/>
-    <ds:schemaRef ds:uri="http://schemas.microsoft.com/office/infopath/2007/PartnerControls"/>
+    <ds:schemaRef ds:uri="http://schemas.microsoft.com/sharepoint/v3/contenttype/forms"/>
   </ds:schemaRefs>
 </ds:datastoreItem>
 </file>
@@ -18256,9 +20294,10 @@
 </file>
 
 <file path=customXml/itemProps3.xml><?xml version="1.0" encoding="utf-8"?>
-<ds:datastoreItem xmlns:ds="http://schemas.openxmlformats.org/officeDocument/2006/customXml" ds:itemID="{462148E0-FB25-4E98-A0C1-D9404460CDFF}">
+<ds:datastoreItem xmlns:ds="http://schemas.openxmlformats.org/officeDocument/2006/customXml" ds:itemID="{14EEBB49-67A7-4A3F-A94A-3EA0BDC0F5A7}">
   <ds:schemaRefs>
-    <ds:schemaRef ds:uri="http://schemas.microsoft.com/sharepoint/v3/contenttype/forms"/>
+    <ds:schemaRef ds:uri="http://schemas.microsoft.com/office/2006/metadata/properties"/>
+    <ds:schemaRef ds:uri="http://schemas.microsoft.com/office/infopath/2007/PartnerControls"/>
   </ds:schemaRefs>
 </ds:datastoreItem>
 </file>